--- a/images/theory_analysis/OAuth_2.0/OAuth_2.0.pptx
+++ b/images/theory_analysis/OAuth_2.0/OAuth_2.0.pptx
@@ -5,12 +5,13 @@
     <p:sldMasterId id="2147483648" r:id="rId1"/>
   </p:sldMasterIdLst>
   <p:notesMasterIdLst>
-    <p:notesMasterId r:id="rId5"/>
+    <p:notesMasterId r:id="rId6"/>
   </p:notesMasterIdLst>
   <p:sldIdLst>
-    <p:sldId id="366" r:id="rId2"/>
-    <p:sldId id="365" r:id="rId3"/>
-    <p:sldId id="367" r:id="rId4"/>
+    <p:sldId id="368" r:id="rId2"/>
+    <p:sldId id="366" r:id="rId3"/>
+    <p:sldId id="365" r:id="rId4"/>
+    <p:sldId id="367" r:id="rId5"/>
   </p:sldIdLst>
   <p:sldSz cx="9144000" cy="5143500" type="screen16x9"/>
   <p:notesSz cx="6858000" cy="9144000"/>
@@ -111,7 +112,7 @@
   </p:defaultTextStyle>
   <p:extLst>
     <p:ext uri="{EFAFB233-063F-42B5-8137-9DF3F51BA10A}">
-      <p15:sldGuideLst xmlns:p15="http://schemas.microsoft.com/office/powerpoint/2012/main">
+      <p15:sldGuideLst xmlns:p15="http://schemas.microsoft.com/office/powerpoint/2012/main" xmlns="">
         <p15:guide id="1" orient="horz" pos="2160">
           <p15:clr>
             <a:srgbClr val="A4A3A4"/>
@@ -215,7 +216,7 @@
           <a:p>
             <a:fld id="{6CD5550B-26C4-49A9-A5BA-636EF7BE6CE9}" type="datetimeFigureOut">
               <a:rPr lang="ko-KR" altLang="en-US" smtClean="0"/>
-              <a:t>2018-03-04</a:t>
+              <a:t>2018-03-05</a:t>
             </a:fld>
             <a:endParaRPr lang="ko-KR" altLang="en-US"/>
           </a:p>
@@ -661,7 +662,7 @@
           <a:p>
             <a:fld id="{FB30EDBD-1C2D-4C1E-B459-B60219FAB484}" type="datetimeFigureOut">
               <a:rPr lang="ko-KR" altLang="en-US" smtClean="0"/>
-              <a:t>2018-03-04</a:t>
+              <a:t>2018-03-05</a:t>
             </a:fld>
             <a:endParaRPr lang="ko-KR" altLang="en-US"/>
           </a:p>
@@ -824,7 +825,7 @@
           <a:p>
             <a:fld id="{FB30EDBD-1C2D-4C1E-B459-B60219FAB484}" type="datetimeFigureOut">
               <a:rPr lang="ko-KR" altLang="en-US" smtClean="0"/>
-              <a:t>2018-03-04</a:t>
+              <a:t>2018-03-05</a:t>
             </a:fld>
             <a:endParaRPr lang="ko-KR" altLang="en-US"/>
           </a:p>
@@ -997,7 +998,7 @@
           <a:p>
             <a:fld id="{FB30EDBD-1C2D-4C1E-B459-B60219FAB484}" type="datetimeFigureOut">
               <a:rPr lang="ko-KR" altLang="en-US" smtClean="0"/>
-              <a:t>2018-03-04</a:t>
+              <a:t>2018-03-05</a:t>
             </a:fld>
             <a:endParaRPr lang="ko-KR" altLang="en-US"/>
           </a:p>
@@ -1160,7 +1161,7 @@
           <a:p>
             <a:fld id="{FB30EDBD-1C2D-4C1E-B459-B60219FAB484}" type="datetimeFigureOut">
               <a:rPr lang="ko-KR" altLang="en-US" smtClean="0"/>
-              <a:t>2018-03-04</a:t>
+              <a:t>2018-03-05</a:t>
             </a:fld>
             <a:endParaRPr lang="ko-KR" altLang="en-US"/>
           </a:p>
@@ -1400,7 +1401,7 @@
           <a:p>
             <a:fld id="{FB30EDBD-1C2D-4C1E-B459-B60219FAB484}" type="datetimeFigureOut">
               <a:rPr lang="ko-KR" altLang="en-US" smtClean="0"/>
-              <a:t>2018-03-04</a:t>
+              <a:t>2018-03-05</a:t>
             </a:fld>
             <a:endParaRPr lang="ko-KR" altLang="en-US"/>
           </a:p>
@@ -1680,7 +1681,7 @@
           <a:p>
             <a:fld id="{FB30EDBD-1C2D-4C1E-B459-B60219FAB484}" type="datetimeFigureOut">
               <a:rPr lang="ko-KR" altLang="en-US" smtClean="0"/>
-              <a:t>2018-03-04</a:t>
+              <a:t>2018-03-05</a:t>
             </a:fld>
             <a:endParaRPr lang="ko-KR" altLang="en-US"/>
           </a:p>
@@ -2094,7 +2095,7 @@
           <a:p>
             <a:fld id="{FB30EDBD-1C2D-4C1E-B459-B60219FAB484}" type="datetimeFigureOut">
               <a:rPr lang="ko-KR" altLang="en-US" smtClean="0"/>
-              <a:t>2018-03-04</a:t>
+              <a:t>2018-03-05</a:t>
             </a:fld>
             <a:endParaRPr lang="ko-KR" altLang="en-US"/>
           </a:p>
@@ -2206,7 +2207,7 @@
           <a:p>
             <a:fld id="{FB30EDBD-1C2D-4C1E-B459-B60219FAB484}" type="datetimeFigureOut">
               <a:rPr lang="ko-KR" altLang="en-US" smtClean="0"/>
-              <a:t>2018-03-04</a:t>
+              <a:t>2018-03-05</a:t>
             </a:fld>
             <a:endParaRPr lang="ko-KR" altLang="en-US"/>
           </a:p>
@@ -2296,7 +2297,7 @@
           <a:p>
             <a:fld id="{FB30EDBD-1C2D-4C1E-B459-B60219FAB484}" type="datetimeFigureOut">
               <a:rPr lang="ko-KR" altLang="en-US" smtClean="0"/>
-              <a:t>2018-03-04</a:t>
+              <a:t>2018-03-05</a:t>
             </a:fld>
             <a:endParaRPr lang="ko-KR" altLang="en-US"/>
           </a:p>
@@ -2566,7 +2567,7 @@
           <a:p>
             <a:fld id="{FB30EDBD-1C2D-4C1E-B459-B60219FAB484}" type="datetimeFigureOut">
               <a:rPr lang="ko-KR" altLang="en-US" smtClean="0"/>
-              <a:t>2018-03-04</a:t>
+              <a:t>2018-03-05</a:t>
             </a:fld>
             <a:endParaRPr lang="ko-KR" altLang="en-US"/>
           </a:p>
@@ -2813,7 +2814,7 @@
           <a:p>
             <a:fld id="{FB30EDBD-1C2D-4C1E-B459-B60219FAB484}" type="datetimeFigureOut">
               <a:rPr lang="ko-KR" altLang="en-US" smtClean="0"/>
-              <a:t>2018-03-04</a:t>
+              <a:t>2018-03-05</a:t>
             </a:fld>
             <a:endParaRPr lang="ko-KR" altLang="en-US"/>
           </a:p>
@@ -3019,7 +3020,7 @@
           <a:p>
             <a:fld id="{FB30EDBD-1C2D-4C1E-B459-B60219FAB484}" type="datetimeFigureOut">
               <a:rPr lang="ko-KR" altLang="en-US" smtClean="0"/>
-              <a:t>2018-03-04</a:t>
+              <a:t>2018-03-05</a:t>
             </a:fld>
             <a:endParaRPr lang="ko-KR" altLang="en-US"/>
           </a:p>
@@ -3412,8 +3413,16 @@
           <a:lstStyle/>
           <a:p>
             <a:r>
-              <a:rPr lang="en-US" altLang="ko-KR" sz="3600"/>
-              <a:t>OAuth 2.0 Flow - Access Token</a:t>
+              <a:rPr lang="en-US" altLang="ko-KR" sz="3600" dirty="0" err="1"/>
+              <a:t>OAuth</a:t>
+            </a:r>
+            <a:r>
+              <a:rPr lang="en-US" altLang="ko-KR" sz="3600" dirty="0"/>
+              <a:t> 2.0 </a:t>
+            </a:r>
+            <a:r>
+              <a:rPr lang="en-US" altLang="ko-KR" sz="3600" dirty="0" smtClean="0"/>
+              <a:t>Component</a:t>
             </a:r>
             <a:endParaRPr lang="ko-KR" altLang="en-US" sz="3600" dirty="0"/>
           </a:p>
@@ -3424,7 +3433,7 @@
           <p:cNvPr id="3" name="사각형: 둥근 모서리 2">
             <a:extLst>
               <a:ext uri="{FF2B5EF4-FFF2-40B4-BE49-F238E27FC236}">
-                <a16:creationId xmlns:a16="http://schemas.microsoft.com/office/drawing/2014/main" id="{F682A8B3-51E9-4E66-93BF-AC13CF953E0F}"/>
+                <a16:creationId xmlns:a16="http://schemas.microsoft.com/office/drawing/2014/main" xmlns="" id="{F682A8B3-51E9-4E66-93BF-AC13CF953E0F}"/>
               </a:ext>
             </a:extLst>
           </p:cNvPr>
@@ -3433,8 +3442,8 @@
         </p:nvSpPr>
         <p:spPr>
           <a:xfrm>
-            <a:off x="508114" y="771550"/>
-            <a:ext cx="1183566" cy="360040"/>
+            <a:off x="1043608" y="2355726"/>
+            <a:ext cx="1471598" cy="504056"/>
           </a:xfrm>
           <a:prstGeom prst="roundRect">
             <a:avLst>
@@ -3462,17 +3471,17 @@
           <a:p>
             <a:pPr algn="ctr"/>
             <a:r>
-              <a:rPr lang="en-US" altLang="ko-KR" sz="1000"/>
+              <a:rPr lang="en-US" altLang="ko-KR" sz="1200" dirty="0"/>
               <a:t>User</a:t>
             </a:r>
           </a:p>
           <a:p>
             <a:pPr algn="ctr"/>
             <a:r>
-              <a:rPr lang="en-US" altLang="ko-KR" sz="1000"/>
+              <a:rPr lang="en-US" altLang="ko-KR" sz="1200" dirty="0"/>
               <a:t>(Resource Owner)</a:t>
             </a:r>
-            <a:endParaRPr lang="ko-KR" altLang="en-US" sz="1000"/>
+            <a:endParaRPr lang="ko-KR" altLang="en-US" sz="1200" dirty="0"/>
           </a:p>
         </p:txBody>
       </p:sp>
@@ -3481,7 +3490,7 @@
           <p:cNvPr id="19" name="사각형: 둥근 모서리 18">
             <a:extLst>
               <a:ext uri="{FF2B5EF4-FFF2-40B4-BE49-F238E27FC236}">
-                <a16:creationId xmlns:a16="http://schemas.microsoft.com/office/drawing/2014/main" id="{0E51AB21-06DD-4D1C-881B-AB9AF29BE15E}"/>
+                <a16:creationId xmlns:a16="http://schemas.microsoft.com/office/drawing/2014/main" xmlns="" id="{0E51AB21-06DD-4D1C-881B-AB9AF29BE15E}"/>
               </a:ext>
             </a:extLst>
           </p:cNvPr>
@@ -3490,8 +3499,8 @@
         </p:nvSpPr>
         <p:spPr>
           <a:xfrm>
-            <a:off x="2272310" y="771550"/>
-            <a:ext cx="1183566" cy="360040"/>
+            <a:off x="2956386" y="2355726"/>
+            <a:ext cx="1471598" cy="504056"/>
           </a:xfrm>
           <a:prstGeom prst="roundRect">
             <a:avLst>
@@ -3519,17 +3528,17 @@
           <a:p>
             <a:pPr algn="ctr"/>
             <a:r>
-              <a:rPr lang="en-US" altLang="ko-KR" sz="1000"/>
+              <a:rPr lang="en-US" altLang="ko-KR" sz="1200"/>
               <a:t>User Agent</a:t>
             </a:r>
           </a:p>
           <a:p>
             <a:pPr algn="ctr"/>
             <a:r>
-              <a:rPr lang="en-US" altLang="ko-KR" sz="1000"/>
+              <a:rPr lang="en-US" altLang="ko-KR" sz="1200"/>
               <a:t>(Browser)</a:t>
             </a:r>
-            <a:endParaRPr lang="ko-KR" altLang="en-US" sz="1000"/>
+            <a:endParaRPr lang="ko-KR" altLang="en-US" sz="1200"/>
           </a:p>
         </p:txBody>
       </p:sp>
@@ -3538,7 +3547,7 @@
           <p:cNvPr id="20" name="사각형: 둥근 모서리 19">
             <a:extLst>
               <a:ext uri="{FF2B5EF4-FFF2-40B4-BE49-F238E27FC236}">
-                <a16:creationId xmlns:a16="http://schemas.microsoft.com/office/drawing/2014/main" id="{1E98CDC1-9222-4883-B10A-81B66E8DC4B0}"/>
+                <a16:creationId xmlns:a16="http://schemas.microsoft.com/office/drawing/2014/main" xmlns="" id="{1E98CDC1-9222-4883-B10A-81B66E8DC4B0}"/>
               </a:ext>
             </a:extLst>
           </p:cNvPr>
@@ -3547,8 +3556,8 @@
         </p:nvSpPr>
         <p:spPr>
           <a:xfrm>
-            <a:off x="4036506" y="771550"/>
-            <a:ext cx="1183566" cy="360040"/>
+            <a:off x="4797156" y="1419622"/>
+            <a:ext cx="1471598" cy="504056"/>
           </a:xfrm>
           <a:prstGeom prst="roundRect">
             <a:avLst>
@@ -3576,17 +3585,17 @@
           <a:p>
             <a:pPr algn="ctr"/>
             <a:r>
-              <a:rPr lang="en-US" altLang="ko-KR" sz="1000"/>
+              <a:rPr lang="en-US" altLang="ko-KR" sz="1200"/>
               <a:t>Application</a:t>
             </a:r>
           </a:p>
           <a:p>
             <a:pPr algn="ctr"/>
             <a:r>
-              <a:rPr lang="en-US" altLang="ko-KR" sz="1000"/>
+              <a:rPr lang="en-US" altLang="ko-KR" sz="1200"/>
               <a:t>(Web Server)</a:t>
             </a:r>
-            <a:endParaRPr lang="ko-KR" altLang="en-US" sz="1000"/>
+            <a:endParaRPr lang="ko-KR" altLang="en-US" sz="1200"/>
           </a:p>
         </p:txBody>
       </p:sp>
@@ -3595,7 +3604,7 @@
           <p:cNvPr id="21" name="사각형: 둥근 모서리 20">
             <a:extLst>
               <a:ext uri="{FF2B5EF4-FFF2-40B4-BE49-F238E27FC236}">
-                <a16:creationId xmlns:a16="http://schemas.microsoft.com/office/drawing/2014/main" id="{79835011-8977-4FDA-B1B6-1DD7DB8C2468}"/>
+                <a16:creationId xmlns:a16="http://schemas.microsoft.com/office/drawing/2014/main" xmlns="" id="{79835011-8977-4FDA-B1B6-1DD7DB8C2468}"/>
               </a:ext>
             </a:extLst>
           </p:cNvPr>
@@ -3604,8 +3613,8 @@
         </p:nvSpPr>
         <p:spPr>
           <a:xfrm>
-            <a:off x="5800702" y="771550"/>
-            <a:ext cx="1183566" cy="360040"/>
+            <a:off x="4797156" y="3291830"/>
+            <a:ext cx="1471598" cy="504056"/>
           </a:xfrm>
           <a:prstGeom prst="roundRect">
             <a:avLst>
@@ -3633,17 +3642,17 @@
           <a:p>
             <a:pPr algn="ctr"/>
             <a:r>
-              <a:rPr lang="en-US" altLang="ko-KR" sz="1000"/>
+              <a:rPr lang="en-US" altLang="ko-KR" sz="1200"/>
               <a:t>Authorization</a:t>
             </a:r>
           </a:p>
           <a:p>
             <a:pPr algn="ctr"/>
             <a:r>
-              <a:rPr lang="en-US" altLang="ko-KR" sz="1000"/>
+              <a:rPr lang="en-US" altLang="ko-KR" sz="1200"/>
               <a:t>Server</a:t>
             </a:r>
-            <a:endParaRPr lang="ko-KR" altLang="en-US" sz="1000"/>
+            <a:endParaRPr lang="ko-KR" altLang="en-US" sz="1200"/>
           </a:p>
         </p:txBody>
       </p:sp>
@@ -3652,7 +3661,7 @@
           <p:cNvPr id="22" name="사각형: 둥근 모서리 21">
             <a:extLst>
               <a:ext uri="{FF2B5EF4-FFF2-40B4-BE49-F238E27FC236}">
-                <a16:creationId xmlns:a16="http://schemas.microsoft.com/office/drawing/2014/main" id="{97A5B4CE-CBA4-48F1-B07F-646FF8B5033F}"/>
+                <a16:creationId xmlns:a16="http://schemas.microsoft.com/office/drawing/2014/main" xmlns="" id="{97A5B4CE-CBA4-48F1-B07F-646FF8B5033F}"/>
               </a:ext>
             </a:extLst>
           </p:cNvPr>
@@ -3661,8 +3670,8 @@
         </p:nvSpPr>
         <p:spPr>
           <a:xfrm>
-            <a:off x="7564898" y="771550"/>
-            <a:ext cx="1183566" cy="360040"/>
+            <a:off x="6588224" y="2335344"/>
+            <a:ext cx="1471598" cy="504056"/>
           </a:xfrm>
           <a:prstGeom prst="roundRect">
             <a:avLst>
@@ -3690,6 +3699,574 @@
           <a:p>
             <a:pPr algn="ctr"/>
             <a:r>
+              <a:rPr lang="en-US" altLang="ko-KR" sz="1200"/>
+              <a:t>Resource Server</a:t>
+            </a:r>
+            <a:endParaRPr lang="ko-KR" altLang="en-US" sz="1200"/>
+          </a:p>
+        </p:txBody>
+      </p:sp>
+      <p:cxnSp>
+        <p:nvCxnSpPr>
+          <p:cNvPr id="54" name="직선 화살표 연결선 53">
+            <a:extLst>
+              <a:ext uri="{FF2B5EF4-FFF2-40B4-BE49-F238E27FC236}">
+                <a16:creationId xmlns:a16="http://schemas.microsoft.com/office/drawing/2014/main" xmlns="" id="{7DA70A64-B7A7-4AFC-BF95-321F5BF555B1}"/>
+              </a:ext>
+            </a:extLst>
+          </p:cNvPr>
+          <p:cNvCxnSpPr>
+            <a:stCxn id="3" idx="3"/>
+            <a:endCxn id="19" idx="1"/>
+          </p:cNvCxnSpPr>
+          <p:nvPr/>
+        </p:nvCxnSpPr>
+        <p:spPr>
+          <a:xfrm>
+            <a:off x="2515206" y="2607754"/>
+            <a:ext cx="441180" cy="0"/>
+          </a:xfrm>
+          <a:prstGeom prst="straightConnector1">
+            <a:avLst/>
+          </a:prstGeom>
+          <a:ln w="19050">
+            <a:solidFill>
+              <a:schemeClr val="tx1"/>
+            </a:solidFill>
+            <a:headEnd type="none" w="med" len="med"/>
+            <a:tailEnd type="none" w="med" len="med"/>
+          </a:ln>
+        </p:spPr>
+        <p:style>
+          <a:lnRef idx="1">
+            <a:schemeClr val="accent1"/>
+          </a:lnRef>
+          <a:fillRef idx="0">
+            <a:schemeClr val="accent1"/>
+          </a:fillRef>
+          <a:effectRef idx="0">
+            <a:schemeClr val="accent1"/>
+          </a:effectRef>
+          <a:fontRef idx="minor">
+            <a:schemeClr val="tx1"/>
+          </a:fontRef>
+        </p:style>
+      </p:cxnSp>
+      <p:cxnSp>
+        <p:nvCxnSpPr>
+          <p:cNvPr id="55" name="직선 화살표 연결선 54">
+            <a:extLst>
+              <a:ext uri="{FF2B5EF4-FFF2-40B4-BE49-F238E27FC236}">
+                <a16:creationId xmlns:a16="http://schemas.microsoft.com/office/drawing/2014/main" xmlns="" id="{7DA70A64-B7A7-4AFC-BF95-321F5BF555B1}"/>
+              </a:ext>
+            </a:extLst>
+          </p:cNvPr>
+          <p:cNvCxnSpPr>
+            <a:stCxn id="19" idx="3"/>
+            <a:endCxn id="20" idx="1"/>
+          </p:cNvCxnSpPr>
+          <p:nvPr/>
+        </p:nvCxnSpPr>
+        <p:spPr>
+          <a:xfrm flipV="1">
+            <a:off x="4427984" y="1671650"/>
+            <a:ext cx="369172" cy="936104"/>
+          </a:xfrm>
+          <a:prstGeom prst="straightConnector1">
+            <a:avLst/>
+          </a:prstGeom>
+          <a:ln w="19050">
+            <a:solidFill>
+              <a:schemeClr val="tx1"/>
+            </a:solidFill>
+            <a:headEnd type="none" w="med" len="med"/>
+            <a:tailEnd type="none" w="med" len="med"/>
+          </a:ln>
+        </p:spPr>
+        <p:style>
+          <a:lnRef idx="1">
+            <a:schemeClr val="accent1"/>
+          </a:lnRef>
+          <a:fillRef idx="0">
+            <a:schemeClr val="accent1"/>
+          </a:fillRef>
+          <a:effectRef idx="0">
+            <a:schemeClr val="accent1"/>
+          </a:effectRef>
+          <a:fontRef idx="minor">
+            <a:schemeClr val="tx1"/>
+          </a:fontRef>
+        </p:style>
+      </p:cxnSp>
+      <p:cxnSp>
+        <p:nvCxnSpPr>
+          <p:cNvPr id="56" name="직선 화살표 연결선 55">
+            <a:extLst>
+              <a:ext uri="{FF2B5EF4-FFF2-40B4-BE49-F238E27FC236}">
+                <a16:creationId xmlns:a16="http://schemas.microsoft.com/office/drawing/2014/main" xmlns="" id="{7DA70A64-B7A7-4AFC-BF95-321F5BF555B1}"/>
+              </a:ext>
+            </a:extLst>
+          </p:cNvPr>
+          <p:cNvCxnSpPr>
+            <a:stCxn id="19" idx="3"/>
+            <a:endCxn id="21" idx="1"/>
+          </p:cNvCxnSpPr>
+          <p:nvPr/>
+        </p:nvCxnSpPr>
+        <p:spPr>
+          <a:xfrm>
+            <a:off x="4427984" y="2607754"/>
+            <a:ext cx="369172" cy="936104"/>
+          </a:xfrm>
+          <a:prstGeom prst="straightConnector1">
+            <a:avLst/>
+          </a:prstGeom>
+          <a:ln w="19050">
+            <a:solidFill>
+              <a:schemeClr val="tx1"/>
+            </a:solidFill>
+            <a:headEnd type="none" w="med" len="med"/>
+            <a:tailEnd type="none" w="med" len="med"/>
+          </a:ln>
+        </p:spPr>
+        <p:style>
+          <a:lnRef idx="1">
+            <a:schemeClr val="accent1"/>
+          </a:lnRef>
+          <a:fillRef idx="0">
+            <a:schemeClr val="accent1"/>
+          </a:fillRef>
+          <a:effectRef idx="0">
+            <a:schemeClr val="accent1"/>
+          </a:effectRef>
+          <a:fontRef idx="minor">
+            <a:schemeClr val="tx1"/>
+          </a:fontRef>
+        </p:style>
+      </p:cxnSp>
+      <p:cxnSp>
+        <p:nvCxnSpPr>
+          <p:cNvPr id="60" name="직선 화살표 연결선 59">
+            <a:extLst>
+              <a:ext uri="{FF2B5EF4-FFF2-40B4-BE49-F238E27FC236}">
+                <a16:creationId xmlns:a16="http://schemas.microsoft.com/office/drawing/2014/main" xmlns="" id="{7DA70A64-B7A7-4AFC-BF95-321F5BF555B1}"/>
+              </a:ext>
+            </a:extLst>
+          </p:cNvPr>
+          <p:cNvCxnSpPr>
+            <a:stCxn id="22" idx="1"/>
+            <a:endCxn id="21" idx="3"/>
+          </p:cNvCxnSpPr>
+          <p:nvPr/>
+        </p:nvCxnSpPr>
+        <p:spPr>
+          <a:xfrm flipH="1">
+            <a:off x="6268754" y="2587372"/>
+            <a:ext cx="319470" cy="956486"/>
+          </a:xfrm>
+          <a:prstGeom prst="straightConnector1">
+            <a:avLst/>
+          </a:prstGeom>
+          <a:ln w="19050">
+            <a:solidFill>
+              <a:schemeClr val="tx1"/>
+            </a:solidFill>
+            <a:headEnd type="none" w="med" len="med"/>
+            <a:tailEnd type="none" w="med" len="med"/>
+          </a:ln>
+        </p:spPr>
+        <p:style>
+          <a:lnRef idx="1">
+            <a:schemeClr val="accent1"/>
+          </a:lnRef>
+          <a:fillRef idx="0">
+            <a:schemeClr val="accent1"/>
+          </a:fillRef>
+          <a:effectRef idx="0">
+            <a:schemeClr val="accent1"/>
+          </a:effectRef>
+          <a:fontRef idx="minor">
+            <a:schemeClr val="tx1"/>
+          </a:fontRef>
+        </p:style>
+      </p:cxnSp>
+      <p:cxnSp>
+        <p:nvCxnSpPr>
+          <p:cNvPr id="73" name="직선 화살표 연결선 72">
+            <a:extLst>
+              <a:ext uri="{FF2B5EF4-FFF2-40B4-BE49-F238E27FC236}">
+                <a16:creationId xmlns:a16="http://schemas.microsoft.com/office/drawing/2014/main" xmlns="" id="{7DA70A64-B7A7-4AFC-BF95-321F5BF555B1}"/>
+              </a:ext>
+            </a:extLst>
+          </p:cNvPr>
+          <p:cNvCxnSpPr>
+            <a:stCxn id="22" idx="1"/>
+            <a:endCxn id="20" idx="3"/>
+          </p:cNvCxnSpPr>
+          <p:nvPr/>
+        </p:nvCxnSpPr>
+        <p:spPr>
+          <a:xfrm flipH="1" flipV="1">
+            <a:off x="6268754" y="1671650"/>
+            <a:ext cx="319470" cy="915722"/>
+          </a:xfrm>
+          <a:prstGeom prst="straightConnector1">
+            <a:avLst/>
+          </a:prstGeom>
+          <a:ln w="19050">
+            <a:solidFill>
+              <a:schemeClr val="tx1"/>
+            </a:solidFill>
+            <a:headEnd type="none" w="med" len="med"/>
+            <a:tailEnd type="none" w="med" len="med"/>
+          </a:ln>
+        </p:spPr>
+        <p:style>
+          <a:lnRef idx="1">
+            <a:schemeClr val="accent1"/>
+          </a:lnRef>
+          <a:fillRef idx="0">
+            <a:schemeClr val="accent1"/>
+          </a:fillRef>
+          <a:effectRef idx="0">
+            <a:schemeClr val="accent1"/>
+          </a:effectRef>
+          <a:fontRef idx="minor">
+            <a:schemeClr val="tx1"/>
+          </a:fontRef>
+        </p:style>
+      </p:cxnSp>
+    </p:spTree>
+    <p:extLst>
+      <p:ext uri="{BB962C8B-B14F-4D97-AF65-F5344CB8AC3E}">
+        <p14:creationId xmlns:p14="http://schemas.microsoft.com/office/powerpoint/2010/main" val="1951662845"/>
+      </p:ext>
+    </p:extLst>
+  </p:cSld>
+  <p:clrMapOvr>
+    <a:masterClrMapping/>
+  </p:clrMapOvr>
+</p:sld>
+</file>
+
+<file path=ppt/slides/slide2.xml><?xml version="1.0" encoding="utf-8"?>
+<p:sld xmlns:a="http://schemas.openxmlformats.org/drawingml/2006/main" xmlns:r="http://schemas.openxmlformats.org/officeDocument/2006/relationships" xmlns:p="http://schemas.openxmlformats.org/presentationml/2006/main">
+  <p:cSld>
+    <p:spTree>
+      <p:nvGrpSpPr>
+        <p:cNvPr id="1" name=""/>
+        <p:cNvGrpSpPr/>
+        <p:nvPr/>
+      </p:nvGrpSpPr>
+      <p:grpSpPr>
+        <a:xfrm>
+          <a:off x="0" y="0"/>
+          <a:ext cx="0" cy="0"/>
+          <a:chOff x="0" y="0"/>
+          <a:chExt cx="0" cy="0"/>
+        </a:xfrm>
+      </p:grpSpPr>
+      <p:sp>
+        <p:nvSpPr>
+          <p:cNvPr id="2" name="제목 1"/>
+          <p:cNvSpPr>
+            <a:spLocks noGrp="1"/>
+          </p:cNvSpPr>
+          <p:nvPr>
+            <p:ph type="title"/>
+          </p:nvPr>
+        </p:nvSpPr>
+        <p:spPr>
+          <a:xfrm>
+            <a:off x="457200" y="-20538"/>
+            <a:ext cx="8229600" cy="720080"/>
+          </a:xfrm>
+        </p:spPr>
+        <p:txBody>
+          <a:bodyPr>
+            <a:normAutofit/>
+          </a:bodyPr>
+          <a:lstStyle/>
+          <a:p>
+            <a:r>
+              <a:rPr lang="en-US" altLang="ko-KR" sz="3600"/>
+              <a:t>OAuth 2.0 Flow - Access Token</a:t>
+            </a:r>
+            <a:endParaRPr lang="ko-KR" altLang="en-US" sz="3600" dirty="0"/>
+          </a:p>
+        </p:txBody>
+      </p:sp>
+      <p:sp>
+        <p:nvSpPr>
+          <p:cNvPr id="3" name="사각형: 둥근 모서리 2">
+            <a:extLst>
+              <a:ext uri="{FF2B5EF4-FFF2-40B4-BE49-F238E27FC236}">
+                <a16:creationId xmlns:a16="http://schemas.microsoft.com/office/drawing/2014/main" xmlns="" id="{F682A8B3-51E9-4E66-93BF-AC13CF953E0F}"/>
+              </a:ext>
+            </a:extLst>
+          </p:cNvPr>
+          <p:cNvSpPr/>
+          <p:nvPr/>
+        </p:nvSpPr>
+        <p:spPr>
+          <a:xfrm>
+            <a:off x="508114" y="771550"/>
+            <a:ext cx="1183566" cy="360040"/>
+          </a:xfrm>
+          <a:prstGeom prst="roundRect">
+            <a:avLst>
+              <a:gd name="adj" fmla="val 0"/>
+            </a:avLst>
+          </a:prstGeom>
+        </p:spPr>
+        <p:style>
+          <a:lnRef idx="2">
+            <a:schemeClr val="dk1"/>
+          </a:lnRef>
+          <a:fillRef idx="1">
+            <a:schemeClr val="lt1"/>
+          </a:fillRef>
+          <a:effectRef idx="0">
+            <a:schemeClr val="dk1"/>
+          </a:effectRef>
+          <a:fontRef idx="minor">
+            <a:schemeClr val="dk1"/>
+          </a:fontRef>
+        </p:style>
+        <p:txBody>
+          <a:bodyPr rtlCol="0" anchor="ctr"/>
+          <a:lstStyle/>
+          <a:p>
+            <a:pPr algn="ctr"/>
+            <a:r>
+              <a:rPr lang="en-US" altLang="ko-KR" sz="1000"/>
+              <a:t>User</a:t>
+            </a:r>
+          </a:p>
+          <a:p>
+            <a:pPr algn="ctr"/>
+            <a:r>
+              <a:rPr lang="en-US" altLang="ko-KR" sz="1000"/>
+              <a:t>(Resource Owner)</a:t>
+            </a:r>
+            <a:endParaRPr lang="ko-KR" altLang="en-US" sz="1000"/>
+          </a:p>
+        </p:txBody>
+      </p:sp>
+      <p:sp>
+        <p:nvSpPr>
+          <p:cNvPr id="19" name="사각형: 둥근 모서리 18">
+            <a:extLst>
+              <a:ext uri="{FF2B5EF4-FFF2-40B4-BE49-F238E27FC236}">
+                <a16:creationId xmlns:a16="http://schemas.microsoft.com/office/drawing/2014/main" xmlns="" id="{0E51AB21-06DD-4D1C-881B-AB9AF29BE15E}"/>
+              </a:ext>
+            </a:extLst>
+          </p:cNvPr>
+          <p:cNvSpPr/>
+          <p:nvPr/>
+        </p:nvSpPr>
+        <p:spPr>
+          <a:xfrm>
+            <a:off x="2272310" y="771550"/>
+            <a:ext cx="1183566" cy="360040"/>
+          </a:xfrm>
+          <a:prstGeom prst="roundRect">
+            <a:avLst>
+              <a:gd name="adj" fmla="val 0"/>
+            </a:avLst>
+          </a:prstGeom>
+        </p:spPr>
+        <p:style>
+          <a:lnRef idx="2">
+            <a:schemeClr val="dk1"/>
+          </a:lnRef>
+          <a:fillRef idx="1">
+            <a:schemeClr val="lt1"/>
+          </a:fillRef>
+          <a:effectRef idx="0">
+            <a:schemeClr val="dk1"/>
+          </a:effectRef>
+          <a:fontRef idx="minor">
+            <a:schemeClr val="dk1"/>
+          </a:fontRef>
+        </p:style>
+        <p:txBody>
+          <a:bodyPr rtlCol="0" anchor="ctr"/>
+          <a:lstStyle/>
+          <a:p>
+            <a:pPr algn="ctr"/>
+            <a:r>
+              <a:rPr lang="en-US" altLang="ko-KR" sz="1000"/>
+              <a:t>User Agent</a:t>
+            </a:r>
+          </a:p>
+          <a:p>
+            <a:pPr algn="ctr"/>
+            <a:r>
+              <a:rPr lang="en-US" altLang="ko-KR" sz="1000"/>
+              <a:t>(Browser)</a:t>
+            </a:r>
+            <a:endParaRPr lang="ko-KR" altLang="en-US" sz="1000"/>
+          </a:p>
+        </p:txBody>
+      </p:sp>
+      <p:sp>
+        <p:nvSpPr>
+          <p:cNvPr id="20" name="사각형: 둥근 모서리 19">
+            <a:extLst>
+              <a:ext uri="{FF2B5EF4-FFF2-40B4-BE49-F238E27FC236}">
+                <a16:creationId xmlns:a16="http://schemas.microsoft.com/office/drawing/2014/main" xmlns="" id="{1E98CDC1-9222-4883-B10A-81B66E8DC4B0}"/>
+              </a:ext>
+            </a:extLst>
+          </p:cNvPr>
+          <p:cNvSpPr/>
+          <p:nvPr/>
+        </p:nvSpPr>
+        <p:spPr>
+          <a:xfrm>
+            <a:off x="4036506" y="771550"/>
+            <a:ext cx="1183566" cy="360040"/>
+          </a:xfrm>
+          <a:prstGeom prst="roundRect">
+            <a:avLst>
+              <a:gd name="adj" fmla="val 0"/>
+            </a:avLst>
+          </a:prstGeom>
+        </p:spPr>
+        <p:style>
+          <a:lnRef idx="2">
+            <a:schemeClr val="dk1"/>
+          </a:lnRef>
+          <a:fillRef idx="1">
+            <a:schemeClr val="lt1"/>
+          </a:fillRef>
+          <a:effectRef idx="0">
+            <a:schemeClr val="dk1"/>
+          </a:effectRef>
+          <a:fontRef idx="minor">
+            <a:schemeClr val="dk1"/>
+          </a:fontRef>
+        </p:style>
+        <p:txBody>
+          <a:bodyPr rtlCol="0" anchor="ctr"/>
+          <a:lstStyle/>
+          <a:p>
+            <a:pPr algn="ctr"/>
+            <a:r>
+              <a:rPr lang="en-US" altLang="ko-KR" sz="1000"/>
+              <a:t>Application</a:t>
+            </a:r>
+          </a:p>
+          <a:p>
+            <a:pPr algn="ctr"/>
+            <a:r>
+              <a:rPr lang="en-US" altLang="ko-KR" sz="1000"/>
+              <a:t>(Web Server)</a:t>
+            </a:r>
+            <a:endParaRPr lang="ko-KR" altLang="en-US" sz="1000"/>
+          </a:p>
+        </p:txBody>
+      </p:sp>
+      <p:sp>
+        <p:nvSpPr>
+          <p:cNvPr id="21" name="사각형: 둥근 모서리 20">
+            <a:extLst>
+              <a:ext uri="{FF2B5EF4-FFF2-40B4-BE49-F238E27FC236}">
+                <a16:creationId xmlns:a16="http://schemas.microsoft.com/office/drawing/2014/main" xmlns="" id="{79835011-8977-4FDA-B1B6-1DD7DB8C2468}"/>
+              </a:ext>
+            </a:extLst>
+          </p:cNvPr>
+          <p:cNvSpPr/>
+          <p:nvPr/>
+        </p:nvSpPr>
+        <p:spPr>
+          <a:xfrm>
+            <a:off x="5800702" y="771550"/>
+            <a:ext cx="1183566" cy="360040"/>
+          </a:xfrm>
+          <a:prstGeom prst="roundRect">
+            <a:avLst>
+              <a:gd name="adj" fmla="val 0"/>
+            </a:avLst>
+          </a:prstGeom>
+        </p:spPr>
+        <p:style>
+          <a:lnRef idx="2">
+            <a:schemeClr val="dk1"/>
+          </a:lnRef>
+          <a:fillRef idx="1">
+            <a:schemeClr val="lt1"/>
+          </a:fillRef>
+          <a:effectRef idx="0">
+            <a:schemeClr val="dk1"/>
+          </a:effectRef>
+          <a:fontRef idx="minor">
+            <a:schemeClr val="dk1"/>
+          </a:fontRef>
+        </p:style>
+        <p:txBody>
+          <a:bodyPr rtlCol="0" anchor="ctr"/>
+          <a:lstStyle/>
+          <a:p>
+            <a:pPr algn="ctr"/>
+            <a:r>
+              <a:rPr lang="en-US" altLang="ko-KR" sz="1000"/>
+              <a:t>Authorization</a:t>
+            </a:r>
+          </a:p>
+          <a:p>
+            <a:pPr algn="ctr"/>
+            <a:r>
+              <a:rPr lang="en-US" altLang="ko-KR" sz="1000"/>
+              <a:t>Server</a:t>
+            </a:r>
+            <a:endParaRPr lang="ko-KR" altLang="en-US" sz="1000"/>
+          </a:p>
+        </p:txBody>
+      </p:sp>
+      <p:sp>
+        <p:nvSpPr>
+          <p:cNvPr id="22" name="사각형: 둥근 모서리 21">
+            <a:extLst>
+              <a:ext uri="{FF2B5EF4-FFF2-40B4-BE49-F238E27FC236}">
+                <a16:creationId xmlns:a16="http://schemas.microsoft.com/office/drawing/2014/main" xmlns="" id="{97A5B4CE-CBA4-48F1-B07F-646FF8B5033F}"/>
+              </a:ext>
+            </a:extLst>
+          </p:cNvPr>
+          <p:cNvSpPr/>
+          <p:nvPr/>
+        </p:nvSpPr>
+        <p:spPr>
+          <a:xfrm>
+            <a:off x="7564898" y="771550"/>
+            <a:ext cx="1183566" cy="360040"/>
+          </a:xfrm>
+          <a:prstGeom prst="roundRect">
+            <a:avLst>
+              <a:gd name="adj" fmla="val 0"/>
+            </a:avLst>
+          </a:prstGeom>
+        </p:spPr>
+        <p:style>
+          <a:lnRef idx="2">
+            <a:schemeClr val="dk1"/>
+          </a:lnRef>
+          <a:fillRef idx="1">
+            <a:schemeClr val="lt1"/>
+          </a:fillRef>
+          <a:effectRef idx="0">
+            <a:schemeClr val="dk1"/>
+          </a:effectRef>
+          <a:fontRef idx="minor">
+            <a:schemeClr val="dk1"/>
+          </a:fontRef>
+        </p:style>
+        <p:txBody>
+          <a:bodyPr rtlCol="0" anchor="ctr"/>
+          <a:lstStyle/>
+          <a:p>
+            <a:pPr algn="ctr"/>
+            <a:r>
               <a:rPr lang="en-US" altLang="ko-KR" sz="1000"/>
               <a:t>Resource Server</a:t>
             </a:r>
@@ -3702,7 +4279,7 @@
           <p:cNvPr id="23" name="직선 연결선 22">
             <a:extLst>
               <a:ext uri="{FF2B5EF4-FFF2-40B4-BE49-F238E27FC236}">
-                <a16:creationId xmlns:a16="http://schemas.microsoft.com/office/drawing/2014/main" id="{CF38B8A0-1401-4E3B-9FC0-9ED096701E61}"/>
+                <a16:creationId xmlns:a16="http://schemas.microsoft.com/office/drawing/2014/main" xmlns="" id="{CF38B8A0-1401-4E3B-9FC0-9ED096701E61}"/>
               </a:ext>
             </a:extLst>
           </p:cNvPr>
@@ -3746,7 +4323,7 @@
           <p:cNvPr id="30" name="직선 연결선 29">
             <a:extLst>
               <a:ext uri="{FF2B5EF4-FFF2-40B4-BE49-F238E27FC236}">
-                <a16:creationId xmlns:a16="http://schemas.microsoft.com/office/drawing/2014/main" id="{5E45002D-6183-4784-BB3F-133D35EEE2BB}"/>
+                <a16:creationId xmlns:a16="http://schemas.microsoft.com/office/drawing/2014/main" xmlns="" id="{5E45002D-6183-4784-BB3F-133D35EEE2BB}"/>
               </a:ext>
             </a:extLst>
           </p:cNvPr>
@@ -3790,7 +4367,7 @@
           <p:cNvPr id="33" name="직선 연결선 32">
             <a:extLst>
               <a:ext uri="{FF2B5EF4-FFF2-40B4-BE49-F238E27FC236}">
-                <a16:creationId xmlns:a16="http://schemas.microsoft.com/office/drawing/2014/main" id="{71C2B82A-843B-4122-8D52-8C4F14103FA8}"/>
+                <a16:creationId xmlns:a16="http://schemas.microsoft.com/office/drawing/2014/main" xmlns="" id="{71C2B82A-843B-4122-8D52-8C4F14103FA8}"/>
               </a:ext>
             </a:extLst>
           </p:cNvPr>
@@ -3834,7 +4411,7 @@
           <p:cNvPr id="36" name="직선 연결선 35">
             <a:extLst>
               <a:ext uri="{FF2B5EF4-FFF2-40B4-BE49-F238E27FC236}">
-                <a16:creationId xmlns:a16="http://schemas.microsoft.com/office/drawing/2014/main" id="{772E8AA5-3AB5-4A92-A6C6-31B4125C65A0}"/>
+                <a16:creationId xmlns:a16="http://schemas.microsoft.com/office/drawing/2014/main" xmlns="" id="{772E8AA5-3AB5-4A92-A6C6-31B4125C65A0}"/>
               </a:ext>
             </a:extLst>
           </p:cNvPr>
@@ -3878,7 +4455,7 @@
           <p:cNvPr id="41" name="직선 연결선 40">
             <a:extLst>
               <a:ext uri="{FF2B5EF4-FFF2-40B4-BE49-F238E27FC236}">
-                <a16:creationId xmlns:a16="http://schemas.microsoft.com/office/drawing/2014/main" id="{27F6A3AB-03BA-45EF-9D8B-53D3EB078AA5}"/>
+                <a16:creationId xmlns:a16="http://schemas.microsoft.com/office/drawing/2014/main" xmlns="" id="{27F6A3AB-03BA-45EF-9D8B-53D3EB078AA5}"/>
               </a:ext>
             </a:extLst>
           </p:cNvPr>
@@ -3922,7 +4499,7 @@
           <p:cNvPr id="47" name="그룹 46">
             <a:extLst>
               <a:ext uri="{FF2B5EF4-FFF2-40B4-BE49-F238E27FC236}">
-                <a16:creationId xmlns:a16="http://schemas.microsoft.com/office/drawing/2014/main" id="{E3BB676B-A04A-46BB-A9BD-CA1B62AED92B}"/>
+                <a16:creationId xmlns:a16="http://schemas.microsoft.com/office/drawing/2014/main" xmlns="" id="{E3BB676B-A04A-46BB-A9BD-CA1B62AED92B}"/>
               </a:ext>
             </a:extLst>
           </p:cNvPr>
@@ -3942,7 +4519,7 @@
             <p:cNvPr id="45" name="직선 화살표 연결선 44">
               <a:extLst>
                 <a:ext uri="{FF2B5EF4-FFF2-40B4-BE49-F238E27FC236}">
-                  <a16:creationId xmlns:a16="http://schemas.microsoft.com/office/drawing/2014/main" id="{7DA70A64-B7A7-4AFC-BF95-321F5BF555B1}"/>
+                  <a16:creationId xmlns:a16="http://schemas.microsoft.com/office/drawing/2014/main" xmlns="" id="{7DA70A64-B7A7-4AFC-BF95-321F5BF555B1}"/>
                 </a:ext>
               </a:extLst>
             </p:cNvPr>
@@ -3985,7 +4562,7 @@
             <p:cNvPr id="46" name="TextBox 45">
               <a:extLst>
                 <a:ext uri="{FF2B5EF4-FFF2-40B4-BE49-F238E27FC236}">
-                  <a16:creationId xmlns:a16="http://schemas.microsoft.com/office/drawing/2014/main" id="{31320D19-CFB6-4C35-A360-5C2725A9C005}"/>
+                  <a16:creationId xmlns:a16="http://schemas.microsoft.com/office/drawing/2014/main" xmlns="" id="{31320D19-CFB6-4C35-A360-5C2725A9C005}"/>
                 </a:ext>
               </a:extLst>
             </p:cNvPr>
@@ -4023,7 +4600,7 @@
           <p:cNvPr id="48" name="그룹 47">
             <a:extLst>
               <a:ext uri="{FF2B5EF4-FFF2-40B4-BE49-F238E27FC236}">
-                <a16:creationId xmlns:a16="http://schemas.microsoft.com/office/drawing/2014/main" id="{EAFBC0F5-80D5-4A60-A12A-346D9948C032}"/>
+                <a16:creationId xmlns:a16="http://schemas.microsoft.com/office/drawing/2014/main" xmlns="" id="{EAFBC0F5-80D5-4A60-A12A-346D9948C032}"/>
               </a:ext>
             </a:extLst>
           </p:cNvPr>
@@ -4043,7 +4620,7 @@
             <p:cNvPr id="49" name="직선 화살표 연결선 48">
               <a:extLst>
                 <a:ext uri="{FF2B5EF4-FFF2-40B4-BE49-F238E27FC236}">
-                  <a16:creationId xmlns:a16="http://schemas.microsoft.com/office/drawing/2014/main" id="{3B709BA7-8290-4557-AF33-ED4F7E8812ED}"/>
+                  <a16:creationId xmlns:a16="http://schemas.microsoft.com/office/drawing/2014/main" xmlns="" id="{3B709BA7-8290-4557-AF33-ED4F7E8812ED}"/>
                 </a:ext>
               </a:extLst>
             </p:cNvPr>
@@ -4086,7 +4663,7 @@
             <p:cNvPr id="50" name="TextBox 49">
               <a:extLst>
                 <a:ext uri="{FF2B5EF4-FFF2-40B4-BE49-F238E27FC236}">
-                  <a16:creationId xmlns:a16="http://schemas.microsoft.com/office/drawing/2014/main" id="{9207FD93-EFBF-47E4-A844-1B1F49D86DB7}"/>
+                  <a16:creationId xmlns:a16="http://schemas.microsoft.com/office/drawing/2014/main" xmlns="" id="{9207FD93-EFBF-47E4-A844-1B1F49D86DB7}"/>
                 </a:ext>
               </a:extLst>
             </p:cNvPr>
@@ -4124,7 +4701,7 @@
           <p:cNvPr id="51" name="그룹 50">
             <a:extLst>
               <a:ext uri="{FF2B5EF4-FFF2-40B4-BE49-F238E27FC236}">
-                <a16:creationId xmlns:a16="http://schemas.microsoft.com/office/drawing/2014/main" id="{E78E7DB9-7A22-4F16-9950-ECFA5F3D4150}"/>
+                <a16:creationId xmlns:a16="http://schemas.microsoft.com/office/drawing/2014/main" xmlns="" id="{E78E7DB9-7A22-4F16-9950-ECFA5F3D4150}"/>
               </a:ext>
             </a:extLst>
           </p:cNvPr>
@@ -4144,7 +4721,7 @@
             <p:cNvPr id="52" name="직선 화살표 연결선 51">
               <a:extLst>
                 <a:ext uri="{FF2B5EF4-FFF2-40B4-BE49-F238E27FC236}">
-                  <a16:creationId xmlns:a16="http://schemas.microsoft.com/office/drawing/2014/main" id="{737C3D9E-DD8A-4406-910A-4D607E2EBF1F}"/>
+                  <a16:creationId xmlns:a16="http://schemas.microsoft.com/office/drawing/2014/main" xmlns="" id="{737C3D9E-DD8A-4406-910A-4D607E2EBF1F}"/>
                 </a:ext>
               </a:extLst>
             </p:cNvPr>
@@ -4187,7 +4764,7 @@
             <p:cNvPr id="53" name="TextBox 52">
               <a:extLst>
                 <a:ext uri="{FF2B5EF4-FFF2-40B4-BE49-F238E27FC236}">
-                  <a16:creationId xmlns:a16="http://schemas.microsoft.com/office/drawing/2014/main" id="{970114FF-E1D7-493F-9A33-71AC3EB2CD96}"/>
+                  <a16:creationId xmlns:a16="http://schemas.microsoft.com/office/drawing/2014/main" xmlns="" id="{970114FF-E1D7-493F-9A33-71AC3EB2CD96}"/>
                 </a:ext>
               </a:extLst>
             </p:cNvPr>
@@ -4225,7 +4802,7 @@
           <p:cNvPr id="57" name="그룹 56">
             <a:extLst>
               <a:ext uri="{FF2B5EF4-FFF2-40B4-BE49-F238E27FC236}">
-                <a16:creationId xmlns:a16="http://schemas.microsoft.com/office/drawing/2014/main" id="{5A8411E5-A9E9-4E36-B89B-25648DB82851}"/>
+                <a16:creationId xmlns:a16="http://schemas.microsoft.com/office/drawing/2014/main" xmlns="" id="{5A8411E5-A9E9-4E36-B89B-25648DB82851}"/>
               </a:ext>
             </a:extLst>
           </p:cNvPr>
@@ -4245,7 +4822,7 @@
             <p:cNvPr id="58" name="직선 화살표 연결선 57">
               <a:extLst>
                 <a:ext uri="{FF2B5EF4-FFF2-40B4-BE49-F238E27FC236}">
-                  <a16:creationId xmlns:a16="http://schemas.microsoft.com/office/drawing/2014/main" id="{7080B2E9-6D6B-43B4-8519-32D04C6545D6}"/>
+                  <a16:creationId xmlns:a16="http://schemas.microsoft.com/office/drawing/2014/main" xmlns="" id="{7080B2E9-6D6B-43B4-8519-32D04C6545D6}"/>
                 </a:ext>
               </a:extLst>
             </p:cNvPr>
@@ -4288,7 +4865,7 @@
             <p:cNvPr id="59" name="TextBox 58">
               <a:extLst>
                 <a:ext uri="{FF2B5EF4-FFF2-40B4-BE49-F238E27FC236}">
-                  <a16:creationId xmlns:a16="http://schemas.microsoft.com/office/drawing/2014/main" id="{6C6D28AC-42F8-4727-B049-E98805DBEC34}"/>
+                  <a16:creationId xmlns:a16="http://schemas.microsoft.com/office/drawing/2014/main" xmlns="" id="{6C6D28AC-42F8-4727-B049-E98805DBEC34}"/>
                 </a:ext>
               </a:extLst>
             </p:cNvPr>
@@ -4326,7 +4903,7 @@
           <p:cNvPr id="61" name="그룹 60">
             <a:extLst>
               <a:ext uri="{FF2B5EF4-FFF2-40B4-BE49-F238E27FC236}">
-                <a16:creationId xmlns:a16="http://schemas.microsoft.com/office/drawing/2014/main" id="{DD2B2FB0-94BB-4A5E-A589-6984AA294FEE}"/>
+                <a16:creationId xmlns:a16="http://schemas.microsoft.com/office/drawing/2014/main" xmlns="" id="{DD2B2FB0-94BB-4A5E-A589-6984AA294FEE}"/>
               </a:ext>
             </a:extLst>
           </p:cNvPr>
@@ -4346,7 +4923,7 @@
             <p:cNvPr id="62" name="직선 화살표 연결선 61">
               <a:extLst>
                 <a:ext uri="{FF2B5EF4-FFF2-40B4-BE49-F238E27FC236}">
-                  <a16:creationId xmlns:a16="http://schemas.microsoft.com/office/drawing/2014/main" id="{9FB015E7-91E7-400D-A123-A976DF82F65D}"/>
+                  <a16:creationId xmlns:a16="http://schemas.microsoft.com/office/drawing/2014/main" xmlns="" id="{9FB015E7-91E7-400D-A123-A976DF82F65D}"/>
                 </a:ext>
               </a:extLst>
             </p:cNvPr>
@@ -4389,7 +4966,7 @@
             <p:cNvPr id="63" name="TextBox 62">
               <a:extLst>
                 <a:ext uri="{FF2B5EF4-FFF2-40B4-BE49-F238E27FC236}">
-                  <a16:creationId xmlns:a16="http://schemas.microsoft.com/office/drawing/2014/main" id="{F8E64580-FDE6-4924-88A9-1AE155603782}"/>
+                  <a16:creationId xmlns:a16="http://schemas.microsoft.com/office/drawing/2014/main" xmlns="" id="{F8E64580-FDE6-4924-88A9-1AE155603782}"/>
                 </a:ext>
               </a:extLst>
             </p:cNvPr>
@@ -4427,7 +5004,7 @@
           <p:cNvPr id="64" name="그룹 63">
             <a:extLst>
               <a:ext uri="{FF2B5EF4-FFF2-40B4-BE49-F238E27FC236}">
-                <a16:creationId xmlns:a16="http://schemas.microsoft.com/office/drawing/2014/main" id="{597B8C85-295D-4C92-9310-7320E17DDA59}"/>
+                <a16:creationId xmlns:a16="http://schemas.microsoft.com/office/drawing/2014/main" xmlns="" id="{597B8C85-295D-4C92-9310-7320E17DDA59}"/>
               </a:ext>
             </a:extLst>
           </p:cNvPr>
@@ -4447,7 +5024,7 @@
             <p:cNvPr id="65" name="직선 화살표 연결선 64">
               <a:extLst>
                 <a:ext uri="{FF2B5EF4-FFF2-40B4-BE49-F238E27FC236}">
-                  <a16:creationId xmlns:a16="http://schemas.microsoft.com/office/drawing/2014/main" id="{716E46BF-9231-4EBA-9EDB-0F6CDE9F93DF}"/>
+                  <a16:creationId xmlns:a16="http://schemas.microsoft.com/office/drawing/2014/main" xmlns="" id="{716E46BF-9231-4EBA-9EDB-0F6CDE9F93DF}"/>
                 </a:ext>
               </a:extLst>
             </p:cNvPr>
@@ -4490,7 +5067,7 @@
             <p:cNvPr id="66" name="TextBox 65">
               <a:extLst>
                 <a:ext uri="{FF2B5EF4-FFF2-40B4-BE49-F238E27FC236}">
-                  <a16:creationId xmlns:a16="http://schemas.microsoft.com/office/drawing/2014/main" id="{AEF921D0-D2FC-4BE9-AB63-E2462AA435CB}"/>
+                  <a16:creationId xmlns:a16="http://schemas.microsoft.com/office/drawing/2014/main" xmlns="" id="{AEF921D0-D2FC-4BE9-AB63-E2462AA435CB}"/>
                 </a:ext>
               </a:extLst>
             </p:cNvPr>
@@ -4528,7 +5105,7 @@
           <p:cNvPr id="67" name="그룹 66">
             <a:extLst>
               <a:ext uri="{FF2B5EF4-FFF2-40B4-BE49-F238E27FC236}">
-                <a16:creationId xmlns:a16="http://schemas.microsoft.com/office/drawing/2014/main" id="{8FB4A4B0-DE36-47FC-9BAE-7A0347C8CB49}"/>
+                <a16:creationId xmlns:a16="http://schemas.microsoft.com/office/drawing/2014/main" xmlns="" id="{8FB4A4B0-DE36-47FC-9BAE-7A0347C8CB49}"/>
               </a:ext>
             </a:extLst>
           </p:cNvPr>
@@ -4548,7 +5125,7 @@
             <p:cNvPr id="68" name="직선 화살표 연결선 67">
               <a:extLst>
                 <a:ext uri="{FF2B5EF4-FFF2-40B4-BE49-F238E27FC236}">
-                  <a16:creationId xmlns:a16="http://schemas.microsoft.com/office/drawing/2014/main" id="{44F9F2A3-37EA-44FC-8E45-AB5318C717E0}"/>
+                  <a16:creationId xmlns:a16="http://schemas.microsoft.com/office/drawing/2014/main" xmlns="" id="{44F9F2A3-37EA-44FC-8E45-AB5318C717E0}"/>
                 </a:ext>
               </a:extLst>
             </p:cNvPr>
@@ -4591,7 +5168,7 @@
             <p:cNvPr id="69" name="TextBox 68">
               <a:extLst>
                 <a:ext uri="{FF2B5EF4-FFF2-40B4-BE49-F238E27FC236}">
-                  <a16:creationId xmlns:a16="http://schemas.microsoft.com/office/drawing/2014/main" id="{72E47B97-61A2-4325-9CAB-DA60897BED2D}"/>
+                  <a16:creationId xmlns:a16="http://schemas.microsoft.com/office/drawing/2014/main" xmlns="" id="{72E47B97-61A2-4325-9CAB-DA60897BED2D}"/>
                 </a:ext>
               </a:extLst>
             </p:cNvPr>
@@ -4629,7 +5206,7 @@
           <p:cNvPr id="70" name="그룹 69">
             <a:extLst>
               <a:ext uri="{FF2B5EF4-FFF2-40B4-BE49-F238E27FC236}">
-                <a16:creationId xmlns:a16="http://schemas.microsoft.com/office/drawing/2014/main" id="{F1A2A4C1-4A3E-408E-A9A1-A4F65D4F8A6E}"/>
+                <a16:creationId xmlns:a16="http://schemas.microsoft.com/office/drawing/2014/main" xmlns="" id="{F1A2A4C1-4A3E-408E-A9A1-A4F65D4F8A6E}"/>
               </a:ext>
             </a:extLst>
           </p:cNvPr>
@@ -4649,7 +5226,7 @@
             <p:cNvPr id="71" name="직선 화살표 연결선 70">
               <a:extLst>
                 <a:ext uri="{FF2B5EF4-FFF2-40B4-BE49-F238E27FC236}">
-                  <a16:creationId xmlns:a16="http://schemas.microsoft.com/office/drawing/2014/main" id="{80C9B849-3164-45D1-B6F8-53A74B2174EA}"/>
+                  <a16:creationId xmlns:a16="http://schemas.microsoft.com/office/drawing/2014/main" xmlns="" id="{80C9B849-3164-45D1-B6F8-53A74B2174EA}"/>
                 </a:ext>
               </a:extLst>
             </p:cNvPr>
@@ -4692,7 +5269,7 @@
             <p:cNvPr id="72" name="TextBox 71">
               <a:extLst>
                 <a:ext uri="{FF2B5EF4-FFF2-40B4-BE49-F238E27FC236}">
-                  <a16:creationId xmlns:a16="http://schemas.microsoft.com/office/drawing/2014/main" id="{D763CC01-C5B9-4B00-93A8-25D6ADD4C0E0}"/>
+                  <a16:creationId xmlns:a16="http://schemas.microsoft.com/office/drawing/2014/main" xmlns="" id="{D763CC01-C5B9-4B00-93A8-25D6ADD4C0E0}"/>
                 </a:ext>
               </a:extLst>
             </p:cNvPr>
@@ -4730,7 +5307,7 @@
           <p:cNvPr id="74" name="그룹 73">
             <a:extLst>
               <a:ext uri="{FF2B5EF4-FFF2-40B4-BE49-F238E27FC236}">
-                <a16:creationId xmlns:a16="http://schemas.microsoft.com/office/drawing/2014/main" id="{BE5913C7-1C6F-4B1A-93A2-8F5A782FCF70}"/>
+                <a16:creationId xmlns:a16="http://schemas.microsoft.com/office/drawing/2014/main" xmlns="" id="{BE5913C7-1C6F-4B1A-93A2-8F5A782FCF70}"/>
               </a:ext>
             </a:extLst>
           </p:cNvPr>
@@ -4750,7 +5327,7 @@
             <p:cNvPr id="75" name="직선 화살표 연결선 74">
               <a:extLst>
                 <a:ext uri="{FF2B5EF4-FFF2-40B4-BE49-F238E27FC236}">
-                  <a16:creationId xmlns:a16="http://schemas.microsoft.com/office/drawing/2014/main" id="{5A32FE5A-D95D-40D1-A6CC-71180B87F368}"/>
+                  <a16:creationId xmlns:a16="http://schemas.microsoft.com/office/drawing/2014/main" xmlns="" id="{5A32FE5A-D95D-40D1-A6CC-71180B87F368}"/>
                 </a:ext>
               </a:extLst>
             </p:cNvPr>
@@ -4793,7 +5370,7 @@
             <p:cNvPr id="76" name="TextBox 75">
               <a:extLst>
                 <a:ext uri="{FF2B5EF4-FFF2-40B4-BE49-F238E27FC236}">
-                  <a16:creationId xmlns:a16="http://schemas.microsoft.com/office/drawing/2014/main" id="{772B408E-1863-4925-B684-13B1B7F10C2D}"/>
+                  <a16:creationId xmlns:a16="http://schemas.microsoft.com/office/drawing/2014/main" xmlns="" id="{772B408E-1863-4925-B684-13B1B7F10C2D}"/>
                 </a:ext>
               </a:extLst>
             </p:cNvPr>
@@ -4835,7 +5412,7 @@
           <p:cNvPr id="77" name="그룹 76">
             <a:extLst>
               <a:ext uri="{FF2B5EF4-FFF2-40B4-BE49-F238E27FC236}">
-                <a16:creationId xmlns:a16="http://schemas.microsoft.com/office/drawing/2014/main" id="{EAEB2C17-9C84-41F8-8131-9C3B1ACEDBEF}"/>
+                <a16:creationId xmlns:a16="http://schemas.microsoft.com/office/drawing/2014/main" xmlns="" id="{EAEB2C17-9C84-41F8-8131-9C3B1ACEDBEF}"/>
               </a:ext>
             </a:extLst>
           </p:cNvPr>
@@ -4855,7 +5432,7 @@
             <p:cNvPr id="78" name="직선 화살표 연결선 77">
               <a:extLst>
                 <a:ext uri="{FF2B5EF4-FFF2-40B4-BE49-F238E27FC236}">
-                  <a16:creationId xmlns:a16="http://schemas.microsoft.com/office/drawing/2014/main" id="{29AA5ED2-9D52-4D1F-AF4B-9B79A0DB5BE3}"/>
+                  <a16:creationId xmlns:a16="http://schemas.microsoft.com/office/drawing/2014/main" xmlns="" id="{29AA5ED2-9D52-4D1F-AF4B-9B79A0DB5BE3}"/>
                 </a:ext>
               </a:extLst>
             </p:cNvPr>
@@ -4898,7 +5475,7 @@
             <p:cNvPr id="79" name="TextBox 78">
               <a:extLst>
                 <a:ext uri="{FF2B5EF4-FFF2-40B4-BE49-F238E27FC236}">
-                  <a16:creationId xmlns:a16="http://schemas.microsoft.com/office/drawing/2014/main" id="{B0ADCDCB-221D-4E6F-BC22-A1B89B13A351}"/>
+                  <a16:creationId xmlns:a16="http://schemas.microsoft.com/office/drawing/2014/main" xmlns="" id="{B0ADCDCB-221D-4E6F-BC22-A1B89B13A351}"/>
                 </a:ext>
               </a:extLst>
             </p:cNvPr>
@@ -4936,7 +5513,7 @@
           <p:cNvPr id="80" name="그룹 79">
             <a:extLst>
               <a:ext uri="{FF2B5EF4-FFF2-40B4-BE49-F238E27FC236}">
-                <a16:creationId xmlns:a16="http://schemas.microsoft.com/office/drawing/2014/main" id="{4A49550F-FB19-4BDC-BEB9-CC139F744772}"/>
+                <a16:creationId xmlns:a16="http://schemas.microsoft.com/office/drawing/2014/main" xmlns="" id="{4A49550F-FB19-4BDC-BEB9-CC139F744772}"/>
               </a:ext>
             </a:extLst>
           </p:cNvPr>
@@ -4956,7 +5533,7 @@
             <p:cNvPr id="81" name="직선 화살표 연결선 80">
               <a:extLst>
                 <a:ext uri="{FF2B5EF4-FFF2-40B4-BE49-F238E27FC236}">
-                  <a16:creationId xmlns:a16="http://schemas.microsoft.com/office/drawing/2014/main" id="{1E1DCC7C-FA25-4D2A-B9B6-CCD5359DE7AB}"/>
+                  <a16:creationId xmlns:a16="http://schemas.microsoft.com/office/drawing/2014/main" xmlns="" id="{1E1DCC7C-FA25-4D2A-B9B6-CCD5359DE7AB}"/>
                 </a:ext>
               </a:extLst>
             </p:cNvPr>
@@ -4999,7 +5576,7 @@
             <p:cNvPr id="82" name="TextBox 81">
               <a:extLst>
                 <a:ext uri="{FF2B5EF4-FFF2-40B4-BE49-F238E27FC236}">
-                  <a16:creationId xmlns:a16="http://schemas.microsoft.com/office/drawing/2014/main" id="{260AC13B-0F12-4C9D-A092-6B7A21D71222}"/>
+                  <a16:creationId xmlns:a16="http://schemas.microsoft.com/office/drawing/2014/main" xmlns="" id="{260AC13B-0F12-4C9D-A092-6B7A21D71222}"/>
                 </a:ext>
               </a:extLst>
             </p:cNvPr>
@@ -5037,7 +5614,7 @@
           <p:cNvPr id="83" name="그룹 82">
             <a:extLst>
               <a:ext uri="{FF2B5EF4-FFF2-40B4-BE49-F238E27FC236}">
-                <a16:creationId xmlns:a16="http://schemas.microsoft.com/office/drawing/2014/main" id="{39BB9162-D801-4BD4-9745-D7CA48E71C03}"/>
+                <a16:creationId xmlns:a16="http://schemas.microsoft.com/office/drawing/2014/main" xmlns="" id="{39BB9162-D801-4BD4-9745-D7CA48E71C03}"/>
               </a:ext>
             </a:extLst>
           </p:cNvPr>
@@ -5057,7 +5634,7 @@
             <p:cNvPr id="84" name="직선 화살표 연결선 83">
               <a:extLst>
                 <a:ext uri="{FF2B5EF4-FFF2-40B4-BE49-F238E27FC236}">
-                  <a16:creationId xmlns:a16="http://schemas.microsoft.com/office/drawing/2014/main" id="{9ED2C0CA-8926-4346-8585-357BEBD5E4BF}"/>
+                  <a16:creationId xmlns:a16="http://schemas.microsoft.com/office/drawing/2014/main" xmlns="" id="{9ED2C0CA-8926-4346-8585-357BEBD5E4BF}"/>
                 </a:ext>
               </a:extLst>
             </p:cNvPr>
@@ -5100,7 +5677,7 @@
             <p:cNvPr id="85" name="TextBox 84">
               <a:extLst>
                 <a:ext uri="{FF2B5EF4-FFF2-40B4-BE49-F238E27FC236}">
-                  <a16:creationId xmlns:a16="http://schemas.microsoft.com/office/drawing/2014/main" id="{AC28A9FC-9831-4550-B16C-0AFA4AC7C0BE}"/>
+                  <a16:creationId xmlns:a16="http://schemas.microsoft.com/office/drawing/2014/main" xmlns="" id="{AC28A9FC-9831-4550-B16C-0AFA4AC7C0BE}"/>
                 </a:ext>
               </a:extLst>
             </p:cNvPr>
@@ -5125,14 +5702,26 @@
             <a:p>
               <a:pPr algn="ctr"/>
               <a:r>
-                <a:rPr lang="en-US" altLang="ko-KR" sz="900"/>
+                <a:rPr lang="en-US" altLang="ko-KR" sz="900" dirty="0"/>
                 <a:t>12. Send </a:t>
               </a:r>
               <a:r>
-                <a:rPr lang="en-US" altLang="ko-KR" sz="900" b="1"/>
-                <a:t>Access Token &amp; Refresh Token</a:t>
+                <a:rPr lang="en-US" altLang="ko-KR" sz="900" b="1" dirty="0"/>
+                <a:t>Access Token </a:t>
               </a:r>
-              <a:endParaRPr lang="ko-KR" altLang="en-US" sz="900" b="1"/>
+              <a:r>
+                <a:rPr lang="en-US" altLang="ko-KR" sz="900" b="1" dirty="0" smtClean="0"/>
+                <a:t>(&amp; </a:t>
+              </a:r>
+              <a:r>
+                <a:rPr lang="en-US" altLang="ko-KR" sz="900" b="1" dirty="0"/>
+                <a:t>Refresh </a:t>
+              </a:r>
+              <a:r>
+                <a:rPr lang="en-US" altLang="ko-KR" sz="900" b="1" dirty="0" smtClean="0"/>
+                <a:t>Token)</a:t>
+              </a:r>
+              <a:endParaRPr lang="ko-KR" altLang="en-US" sz="900" b="1" dirty="0"/>
             </a:p>
           </p:txBody>
         </p:sp>
@@ -5150,7 +5739,7 @@
 </p:sld>
 </file>
 
-<file path=ppt/slides/slide2.xml><?xml version="1.0" encoding="utf-8"?>
+<file path=ppt/slides/slide3.xml><?xml version="1.0" encoding="utf-8"?>
 <p:sld xmlns:a="http://schemas.openxmlformats.org/drawingml/2006/main" xmlns:r="http://schemas.openxmlformats.org/officeDocument/2006/relationships" xmlns:p="http://schemas.openxmlformats.org/presentationml/2006/main">
   <p:cSld>
     <p:spTree>
@@ -5202,7 +5791,7 @@
           <p:cNvPr id="3" name="사각형: 둥근 모서리 2">
             <a:extLst>
               <a:ext uri="{FF2B5EF4-FFF2-40B4-BE49-F238E27FC236}">
-                <a16:creationId xmlns:a16="http://schemas.microsoft.com/office/drawing/2014/main" id="{F682A8B3-51E9-4E66-93BF-AC13CF953E0F}"/>
+                <a16:creationId xmlns:a16="http://schemas.microsoft.com/office/drawing/2014/main" xmlns="" id="{F682A8B3-51E9-4E66-93BF-AC13CF953E0F}"/>
               </a:ext>
             </a:extLst>
           </p:cNvPr>
@@ -5259,7 +5848,7 @@
           <p:cNvPr id="19" name="사각형: 둥근 모서리 18">
             <a:extLst>
               <a:ext uri="{FF2B5EF4-FFF2-40B4-BE49-F238E27FC236}">
-                <a16:creationId xmlns:a16="http://schemas.microsoft.com/office/drawing/2014/main" id="{0E51AB21-06DD-4D1C-881B-AB9AF29BE15E}"/>
+                <a16:creationId xmlns:a16="http://schemas.microsoft.com/office/drawing/2014/main" xmlns="" id="{0E51AB21-06DD-4D1C-881B-AB9AF29BE15E}"/>
               </a:ext>
             </a:extLst>
           </p:cNvPr>
@@ -5316,7 +5905,7 @@
           <p:cNvPr id="20" name="사각형: 둥근 모서리 19">
             <a:extLst>
               <a:ext uri="{FF2B5EF4-FFF2-40B4-BE49-F238E27FC236}">
-                <a16:creationId xmlns:a16="http://schemas.microsoft.com/office/drawing/2014/main" id="{1E98CDC1-9222-4883-B10A-81B66E8DC4B0}"/>
+                <a16:creationId xmlns:a16="http://schemas.microsoft.com/office/drawing/2014/main" xmlns="" id="{1E98CDC1-9222-4883-B10A-81B66E8DC4B0}"/>
               </a:ext>
             </a:extLst>
           </p:cNvPr>
@@ -5373,7 +5962,7 @@
           <p:cNvPr id="21" name="사각형: 둥근 모서리 20">
             <a:extLst>
               <a:ext uri="{FF2B5EF4-FFF2-40B4-BE49-F238E27FC236}">
-                <a16:creationId xmlns:a16="http://schemas.microsoft.com/office/drawing/2014/main" id="{79835011-8977-4FDA-B1B6-1DD7DB8C2468}"/>
+                <a16:creationId xmlns:a16="http://schemas.microsoft.com/office/drawing/2014/main" xmlns="" id="{79835011-8977-4FDA-B1B6-1DD7DB8C2468}"/>
               </a:ext>
             </a:extLst>
           </p:cNvPr>
@@ -5430,7 +6019,7 @@
           <p:cNvPr id="22" name="사각형: 둥근 모서리 21">
             <a:extLst>
               <a:ext uri="{FF2B5EF4-FFF2-40B4-BE49-F238E27FC236}">
-                <a16:creationId xmlns:a16="http://schemas.microsoft.com/office/drawing/2014/main" id="{97A5B4CE-CBA4-48F1-B07F-646FF8B5033F}"/>
+                <a16:creationId xmlns:a16="http://schemas.microsoft.com/office/drawing/2014/main" xmlns="" id="{97A5B4CE-CBA4-48F1-B07F-646FF8B5033F}"/>
               </a:ext>
             </a:extLst>
           </p:cNvPr>
@@ -5480,7 +6069,7 @@
           <p:cNvPr id="23" name="직선 연결선 22">
             <a:extLst>
               <a:ext uri="{FF2B5EF4-FFF2-40B4-BE49-F238E27FC236}">
-                <a16:creationId xmlns:a16="http://schemas.microsoft.com/office/drawing/2014/main" id="{CF38B8A0-1401-4E3B-9FC0-9ED096701E61}"/>
+                <a16:creationId xmlns:a16="http://schemas.microsoft.com/office/drawing/2014/main" xmlns="" id="{CF38B8A0-1401-4E3B-9FC0-9ED096701E61}"/>
               </a:ext>
             </a:extLst>
           </p:cNvPr>
@@ -5493,7 +6082,7 @@
         <p:spPr>
           <a:xfrm>
             <a:off x="1099897" y="1059582"/>
-            <a:ext cx="0" cy="1944216"/>
+            <a:ext cx="0" cy="2448272"/>
           </a:xfrm>
           <a:prstGeom prst="line">
             <a:avLst/>
@@ -5524,7 +6113,7 @@
           <p:cNvPr id="30" name="직선 연결선 29">
             <a:extLst>
               <a:ext uri="{FF2B5EF4-FFF2-40B4-BE49-F238E27FC236}">
-                <a16:creationId xmlns:a16="http://schemas.microsoft.com/office/drawing/2014/main" id="{5E45002D-6183-4784-BB3F-133D35EEE2BB}"/>
+                <a16:creationId xmlns:a16="http://schemas.microsoft.com/office/drawing/2014/main" xmlns="" id="{5E45002D-6183-4784-BB3F-133D35EEE2BB}"/>
               </a:ext>
             </a:extLst>
           </p:cNvPr>
@@ -5535,9 +6124,9 @@
           <p:nvPr/>
         </p:nvCxnSpPr>
         <p:spPr>
-          <a:xfrm flipH="1">
-            <a:off x="2863592" y="1059582"/>
-            <a:ext cx="501" cy="1944216"/>
+          <a:xfrm>
+            <a:off x="2864093" y="1059582"/>
+            <a:ext cx="0" cy="2448272"/>
           </a:xfrm>
           <a:prstGeom prst="line">
             <a:avLst/>
@@ -5568,7 +6157,7 @@
           <p:cNvPr id="33" name="직선 연결선 32">
             <a:extLst>
               <a:ext uri="{FF2B5EF4-FFF2-40B4-BE49-F238E27FC236}">
-                <a16:creationId xmlns:a16="http://schemas.microsoft.com/office/drawing/2014/main" id="{71C2B82A-843B-4122-8D52-8C4F14103FA8}"/>
+                <a16:creationId xmlns:a16="http://schemas.microsoft.com/office/drawing/2014/main" xmlns="" id="{71C2B82A-843B-4122-8D52-8C4F14103FA8}"/>
               </a:ext>
             </a:extLst>
           </p:cNvPr>
@@ -5579,9 +6168,9 @@
           <p:nvPr/>
         </p:nvCxnSpPr>
         <p:spPr>
-          <a:xfrm flipH="1">
-            <a:off x="4628251" y="1059582"/>
-            <a:ext cx="38" cy="1944216"/>
+          <a:xfrm>
+            <a:off x="4628289" y="1059582"/>
+            <a:ext cx="0" cy="2448272"/>
           </a:xfrm>
           <a:prstGeom prst="line">
             <a:avLst/>
@@ -5612,7 +6201,7 @@
           <p:cNvPr id="36" name="직선 연결선 35">
             <a:extLst>
               <a:ext uri="{FF2B5EF4-FFF2-40B4-BE49-F238E27FC236}">
-                <a16:creationId xmlns:a16="http://schemas.microsoft.com/office/drawing/2014/main" id="{772E8AA5-3AB5-4A92-A6C6-31B4125C65A0}"/>
+                <a16:creationId xmlns:a16="http://schemas.microsoft.com/office/drawing/2014/main" xmlns="" id="{772E8AA5-3AB5-4A92-A6C6-31B4125C65A0}"/>
               </a:ext>
             </a:extLst>
           </p:cNvPr>
@@ -5625,7 +6214,7 @@
         <p:spPr>
           <a:xfrm>
             <a:off x="6392485" y="1059582"/>
-            <a:ext cx="0" cy="1944216"/>
+            <a:ext cx="0" cy="2376264"/>
           </a:xfrm>
           <a:prstGeom prst="line">
             <a:avLst/>
@@ -5656,7 +6245,7 @@
           <p:cNvPr id="41" name="직선 연결선 40">
             <a:extLst>
               <a:ext uri="{FF2B5EF4-FFF2-40B4-BE49-F238E27FC236}">
-                <a16:creationId xmlns:a16="http://schemas.microsoft.com/office/drawing/2014/main" id="{27F6A3AB-03BA-45EF-9D8B-53D3EB078AA5}"/>
+                <a16:creationId xmlns:a16="http://schemas.microsoft.com/office/drawing/2014/main" xmlns="" id="{27F6A3AB-03BA-45EF-9D8B-53D3EB078AA5}"/>
               </a:ext>
             </a:extLst>
           </p:cNvPr>
@@ -5669,7 +6258,7 @@
         <p:spPr>
           <a:xfrm>
             <a:off x="8156681" y="1059582"/>
-            <a:ext cx="0" cy="1944216"/>
+            <a:ext cx="0" cy="2448272"/>
           </a:xfrm>
           <a:prstGeom prst="line">
             <a:avLst/>
@@ -5700,7 +6289,7 @@
           <p:cNvPr id="47" name="그룹 46">
             <a:extLst>
               <a:ext uri="{FF2B5EF4-FFF2-40B4-BE49-F238E27FC236}">
-                <a16:creationId xmlns:a16="http://schemas.microsoft.com/office/drawing/2014/main" id="{E3BB676B-A04A-46BB-A9BD-CA1B62AED92B}"/>
+                <a16:creationId xmlns:a16="http://schemas.microsoft.com/office/drawing/2014/main" xmlns="" id="{E3BB676B-A04A-46BB-A9BD-CA1B62AED92B}"/>
               </a:ext>
             </a:extLst>
           </p:cNvPr>
@@ -5720,7 +6309,7 @@
             <p:cNvPr id="45" name="직선 화살표 연결선 44">
               <a:extLst>
                 <a:ext uri="{FF2B5EF4-FFF2-40B4-BE49-F238E27FC236}">
-                  <a16:creationId xmlns:a16="http://schemas.microsoft.com/office/drawing/2014/main" id="{7DA70A64-B7A7-4AFC-BF95-321F5BF555B1}"/>
+                  <a16:creationId xmlns:a16="http://schemas.microsoft.com/office/drawing/2014/main" xmlns="" id="{7DA70A64-B7A7-4AFC-BF95-321F5BF555B1}"/>
                 </a:ext>
               </a:extLst>
             </p:cNvPr>
@@ -5763,7 +6352,7 @@
             <p:cNvPr id="46" name="TextBox 45">
               <a:extLst>
                 <a:ext uri="{FF2B5EF4-FFF2-40B4-BE49-F238E27FC236}">
-                  <a16:creationId xmlns:a16="http://schemas.microsoft.com/office/drawing/2014/main" id="{31320D19-CFB6-4C35-A360-5C2725A9C005}"/>
+                  <a16:creationId xmlns:a16="http://schemas.microsoft.com/office/drawing/2014/main" xmlns="" id="{31320D19-CFB6-4C35-A360-5C2725A9C005}"/>
                 </a:ext>
               </a:extLst>
             </p:cNvPr>
@@ -5801,7 +6390,7 @@
           <p:cNvPr id="48" name="그룹 47">
             <a:extLst>
               <a:ext uri="{FF2B5EF4-FFF2-40B4-BE49-F238E27FC236}">
-                <a16:creationId xmlns:a16="http://schemas.microsoft.com/office/drawing/2014/main" id="{EAFBC0F5-80D5-4A60-A12A-346D9948C032}"/>
+                <a16:creationId xmlns:a16="http://schemas.microsoft.com/office/drawing/2014/main" xmlns="" id="{EAFBC0F5-80D5-4A60-A12A-346D9948C032}"/>
               </a:ext>
             </a:extLst>
           </p:cNvPr>
@@ -5821,7 +6410,7 @@
             <p:cNvPr id="49" name="직선 화살표 연결선 48">
               <a:extLst>
                 <a:ext uri="{FF2B5EF4-FFF2-40B4-BE49-F238E27FC236}">
-                  <a16:creationId xmlns:a16="http://schemas.microsoft.com/office/drawing/2014/main" id="{3B709BA7-8290-4557-AF33-ED4F7E8812ED}"/>
+                  <a16:creationId xmlns:a16="http://schemas.microsoft.com/office/drawing/2014/main" xmlns="" id="{3B709BA7-8290-4557-AF33-ED4F7E8812ED}"/>
                 </a:ext>
               </a:extLst>
             </p:cNvPr>
@@ -5864,7 +6453,7 @@
             <p:cNvPr id="50" name="TextBox 49">
               <a:extLst>
                 <a:ext uri="{FF2B5EF4-FFF2-40B4-BE49-F238E27FC236}">
-                  <a16:creationId xmlns:a16="http://schemas.microsoft.com/office/drawing/2014/main" id="{9207FD93-EFBF-47E4-A844-1B1F49D86DB7}"/>
+                  <a16:creationId xmlns:a16="http://schemas.microsoft.com/office/drawing/2014/main" xmlns="" id="{9207FD93-EFBF-47E4-A844-1B1F49D86DB7}"/>
                 </a:ext>
               </a:extLst>
             </p:cNvPr>
@@ -5902,7 +6491,7 @@
           <p:cNvPr id="51" name="그룹 50">
             <a:extLst>
               <a:ext uri="{FF2B5EF4-FFF2-40B4-BE49-F238E27FC236}">
-                <a16:creationId xmlns:a16="http://schemas.microsoft.com/office/drawing/2014/main" id="{E78E7DB9-7A22-4F16-9950-ECFA5F3D4150}"/>
+                <a16:creationId xmlns:a16="http://schemas.microsoft.com/office/drawing/2014/main" xmlns="" id="{E78E7DB9-7A22-4F16-9950-ECFA5F3D4150}"/>
               </a:ext>
             </a:extLst>
           </p:cNvPr>
@@ -5922,7 +6511,7 @@
             <p:cNvPr id="52" name="직선 화살표 연결선 51">
               <a:extLst>
                 <a:ext uri="{FF2B5EF4-FFF2-40B4-BE49-F238E27FC236}">
-                  <a16:creationId xmlns:a16="http://schemas.microsoft.com/office/drawing/2014/main" id="{737C3D9E-DD8A-4406-910A-4D607E2EBF1F}"/>
+                  <a16:creationId xmlns:a16="http://schemas.microsoft.com/office/drawing/2014/main" xmlns="" id="{737C3D9E-DD8A-4406-910A-4D607E2EBF1F}"/>
                 </a:ext>
               </a:extLst>
             </p:cNvPr>
@@ -5965,7 +6554,7 @@
             <p:cNvPr id="53" name="TextBox 52">
               <a:extLst>
                 <a:ext uri="{FF2B5EF4-FFF2-40B4-BE49-F238E27FC236}">
-                  <a16:creationId xmlns:a16="http://schemas.microsoft.com/office/drawing/2014/main" id="{970114FF-E1D7-493F-9A33-71AC3EB2CD96}"/>
+                  <a16:creationId xmlns:a16="http://schemas.microsoft.com/office/drawing/2014/main" xmlns="" id="{970114FF-E1D7-493F-9A33-71AC3EB2CD96}"/>
                 </a:ext>
               </a:extLst>
             </p:cNvPr>
@@ -6011,7 +6600,7 @@
           <p:cNvPr id="94" name="그룹 93">
             <a:extLst>
               <a:ext uri="{FF2B5EF4-FFF2-40B4-BE49-F238E27FC236}">
-                <a16:creationId xmlns:a16="http://schemas.microsoft.com/office/drawing/2014/main" id="{2C0BE435-D7C4-4922-B098-06B69DDB1642}"/>
+                <a16:creationId xmlns:a16="http://schemas.microsoft.com/office/drawing/2014/main" xmlns="" id="{2C0BE435-D7C4-4922-B098-06B69DDB1642}"/>
               </a:ext>
             </a:extLst>
           </p:cNvPr>
@@ -6020,7 +6609,7 @@
         </p:nvGrpSpPr>
         <p:grpSpPr>
           <a:xfrm>
-            <a:off x="4624635" y="1938486"/>
+            <a:off x="4624635" y="2499742"/>
             <a:ext cx="3528037" cy="230832"/>
             <a:chOff x="1099896" y="1044774"/>
             <a:chExt cx="1764197" cy="230832"/>
@@ -6031,7 +6620,7 @@
             <p:cNvPr id="95" name="직선 화살표 연결선 94">
               <a:extLst>
                 <a:ext uri="{FF2B5EF4-FFF2-40B4-BE49-F238E27FC236}">
-                  <a16:creationId xmlns:a16="http://schemas.microsoft.com/office/drawing/2014/main" id="{A7AA4B86-63F1-45CE-B384-DD7D4292B1C2}"/>
+                  <a16:creationId xmlns:a16="http://schemas.microsoft.com/office/drawing/2014/main" xmlns="" id="{A7AA4B86-63F1-45CE-B384-DD7D4292B1C2}"/>
                 </a:ext>
               </a:extLst>
             </p:cNvPr>
@@ -6074,7 +6663,7 @@
             <p:cNvPr id="96" name="TextBox 95">
               <a:extLst>
                 <a:ext uri="{FF2B5EF4-FFF2-40B4-BE49-F238E27FC236}">
-                  <a16:creationId xmlns:a16="http://schemas.microsoft.com/office/drawing/2014/main" id="{F9C8F48E-2D48-4F08-B853-58584A1400D3}"/>
+                  <a16:creationId xmlns:a16="http://schemas.microsoft.com/office/drawing/2014/main" xmlns="" id="{F9C8F48E-2D48-4F08-B853-58584A1400D3}"/>
                 </a:ext>
               </a:extLst>
             </p:cNvPr>
@@ -6099,10 +6688,18 @@
             <a:p>
               <a:pPr algn="ctr"/>
               <a:r>
-                <a:rPr lang="en-US" altLang="ko-KR" sz="900"/>
-                <a:t>4. Send Resource</a:t>
+                <a:rPr lang="en-US" altLang="ko-KR" sz="900" dirty="0"/>
+                <a:t>6</a:t>
               </a:r>
-              <a:endParaRPr lang="ko-KR" altLang="en-US" sz="900"/>
+              <a:r>
+                <a:rPr lang="en-US" altLang="ko-KR" sz="900" dirty="0" smtClean="0"/>
+                <a:t>. </a:t>
+              </a:r>
+              <a:r>
+                <a:rPr lang="en-US" altLang="ko-KR" sz="900" dirty="0"/>
+                <a:t>Send Resource</a:t>
+              </a:r>
+              <a:endParaRPr lang="ko-KR" altLang="en-US" sz="900" dirty="0"/>
             </a:p>
           </p:txBody>
         </p:sp>
@@ -6112,7 +6709,7 @@
           <p:cNvPr id="97" name="그룹 96">
             <a:extLst>
               <a:ext uri="{FF2B5EF4-FFF2-40B4-BE49-F238E27FC236}">
-                <a16:creationId xmlns:a16="http://schemas.microsoft.com/office/drawing/2014/main" id="{4FB62B47-5331-4283-B6CD-C6A614B8E152}"/>
+                <a16:creationId xmlns:a16="http://schemas.microsoft.com/office/drawing/2014/main" xmlns="" id="{4FB62B47-5331-4283-B6CD-C6A614B8E152}"/>
               </a:ext>
             </a:extLst>
           </p:cNvPr>
@@ -6121,7 +6718,7 @@
         </p:nvGrpSpPr>
         <p:grpSpPr>
           <a:xfrm>
-            <a:off x="2863092" y="2226518"/>
+            <a:off x="2863092" y="2787774"/>
             <a:ext cx="1761544" cy="230832"/>
             <a:chOff x="1099896" y="1044774"/>
             <a:chExt cx="1764197" cy="230832"/>
@@ -6132,7 +6729,7 @@
             <p:cNvPr id="98" name="직선 화살표 연결선 97">
               <a:extLst>
                 <a:ext uri="{FF2B5EF4-FFF2-40B4-BE49-F238E27FC236}">
-                  <a16:creationId xmlns:a16="http://schemas.microsoft.com/office/drawing/2014/main" id="{8D3BB6BF-2284-495C-A65C-BBBC20640412}"/>
+                  <a16:creationId xmlns:a16="http://schemas.microsoft.com/office/drawing/2014/main" xmlns="" id="{8D3BB6BF-2284-495C-A65C-BBBC20640412}"/>
                 </a:ext>
               </a:extLst>
             </p:cNvPr>
@@ -6175,7 +6772,7 @@
             <p:cNvPr id="99" name="TextBox 98">
               <a:extLst>
                 <a:ext uri="{FF2B5EF4-FFF2-40B4-BE49-F238E27FC236}">
-                  <a16:creationId xmlns:a16="http://schemas.microsoft.com/office/drawing/2014/main" id="{CE080D66-7229-4007-AA3D-15D0FB9C3773}"/>
+                  <a16:creationId xmlns:a16="http://schemas.microsoft.com/office/drawing/2014/main" xmlns="" id="{CE080D66-7229-4007-AA3D-15D0FB9C3773}"/>
                 </a:ext>
               </a:extLst>
             </p:cNvPr>
@@ -6200,10 +6797,18 @@
             <a:p>
               <a:pPr algn="ctr"/>
               <a:r>
-                <a:rPr lang="en-US" altLang="ko-KR" sz="900"/>
-                <a:t>4. Present Resource</a:t>
+                <a:rPr lang="en-US" altLang="ko-KR" sz="900" dirty="0"/>
+                <a:t>7</a:t>
               </a:r>
-              <a:endParaRPr lang="ko-KR" altLang="en-US" sz="900"/>
+              <a:r>
+                <a:rPr lang="en-US" altLang="ko-KR" sz="900" dirty="0" smtClean="0"/>
+                <a:t>. </a:t>
+              </a:r>
+              <a:r>
+                <a:rPr lang="en-US" altLang="ko-KR" sz="900" dirty="0"/>
+                <a:t>Present Resource</a:t>
+              </a:r>
+              <a:endParaRPr lang="ko-KR" altLang="en-US" sz="900" dirty="0"/>
             </a:p>
           </p:txBody>
         </p:sp>
@@ -6213,7 +6818,7 @@
           <p:cNvPr id="100" name="그룹 99">
             <a:extLst>
               <a:ext uri="{FF2B5EF4-FFF2-40B4-BE49-F238E27FC236}">
-                <a16:creationId xmlns:a16="http://schemas.microsoft.com/office/drawing/2014/main" id="{2F068352-EDCD-4C95-B1B5-EB6CCAB1E571}"/>
+                <a16:creationId xmlns:a16="http://schemas.microsoft.com/office/drawing/2014/main" xmlns="" id="{2F068352-EDCD-4C95-B1B5-EB6CCAB1E571}"/>
               </a:ext>
             </a:extLst>
           </p:cNvPr>
@@ -6222,7 +6827,7 @@
         </p:nvGrpSpPr>
         <p:grpSpPr>
           <a:xfrm>
-            <a:off x="1108487" y="2541652"/>
+            <a:off x="1108487" y="3075806"/>
             <a:ext cx="1761544" cy="230832"/>
             <a:chOff x="1099896" y="1044774"/>
             <a:chExt cx="1764197" cy="230832"/>
@@ -6233,7 +6838,7 @@
             <p:cNvPr id="101" name="직선 화살표 연결선 100">
               <a:extLst>
                 <a:ext uri="{FF2B5EF4-FFF2-40B4-BE49-F238E27FC236}">
-                  <a16:creationId xmlns:a16="http://schemas.microsoft.com/office/drawing/2014/main" id="{5097F614-0150-40ED-992D-1C103D5C697A}"/>
+                  <a16:creationId xmlns:a16="http://schemas.microsoft.com/office/drawing/2014/main" xmlns="" id="{5097F614-0150-40ED-992D-1C103D5C697A}"/>
                 </a:ext>
               </a:extLst>
             </p:cNvPr>
@@ -6276,7 +6881,7 @@
             <p:cNvPr id="102" name="TextBox 101">
               <a:extLst>
                 <a:ext uri="{FF2B5EF4-FFF2-40B4-BE49-F238E27FC236}">
-                  <a16:creationId xmlns:a16="http://schemas.microsoft.com/office/drawing/2014/main" id="{CDE49E7C-CAD8-4475-B8E8-BE075CD8B5EF}"/>
+                  <a16:creationId xmlns:a16="http://schemas.microsoft.com/office/drawing/2014/main" xmlns="" id="{CDE49E7C-CAD8-4475-B8E8-BE075CD8B5EF}"/>
                 </a:ext>
               </a:extLst>
             </p:cNvPr>
@@ -6301,10 +6906,232 @@
             <a:p>
               <a:pPr algn="ctr"/>
               <a:r>
-                <a:rPr lang="en-US" altLang="ko-KR" sz="900"/>
-                <a:t>5. Get Resource</a:t>
+                <a:rPr lang="en-US" altLang="ko-KR" sz="900" dirty="0"/>
+                <a:t>8</a:t>
               </a:r>
-              <a:endParaRPr lang="ko-KR" altLang="en-US" sz="900"/>
+              <a:r>
+                <a:rPr lang="en-US" altLang="ko-KR" sz="900" dirty="0" smtClean="0"/>
+                <a:t>. </a:t>
+              </a:r>
+              <a:r>
+                <a:rPr lang="en-US" altLang="ko-KR" sz="900" dirty="0"/>
+                <a:t>Get Resource</a:t>
+              </a:r>
+              <a:endParaRPr lang="ko-KR" altLang="en-US" sz="900" dirty="0"/>
+            </a:p>
+          </p:txBody>
+        </p:sp>
+      </p:grpSp>
+      <p:grpSp>
+        <p:nvGrpSpPr>
+          <p:cNvPr id="31" name="그룹 30">
+            <a:extLst>
+              <a:ext uri="{FF2B5EF4-FFF2-40B4-BE49-F238E27FC236}">
+                <a16:creationId xmlns:a16="http://schemas.microsoft.com/office/drawing/2014/main" xmlns="" id="{E78E7DB9-7A22-4F16-9950-ECFA5F3D4150}"/>
+              </a:ext>
+            </a:extLst>
+          </p:cNvPr>
+          <p:cNvGrpSpPr/>
+          <p:nvPr/>
+        </p:nvGrpSpPr>
+        <p:grpSpPr>
+          <a:xfrm flipH="1">
+            <a:off x="6392661" y="1923678"/>
+            <a:ext cx="1764020" cy="230832"/>
+            <a:chOff x="1099896" y="1044774"/>
+            <a:chExt cx="1764197" cy="230832"/>
+          </a:xfrm>
+        </p:grpSpPr>
+        <p:cxnSp>
+          <p:nvCxnSpPr>
+            <p:cNvPr id="32" name="직선 화살표 연결선 31">
+              <a:extLst>
+                <a:ext uri="{FF2B5EF4-FFF2-40B4-BE49-F238E27FC236}">
+                  <a16:creationId xmlns:a16="http://schemas.microsoft.com/office/drawing/2014/main" xmlns="" id="{737C3D9E-DD8A-4406-910A-4D607E2EBF1F}"/>
+                </a:ext>
+              </a:extLst>
+            </p:cNvPr>
+            <p:cNvCxnSpPr/>
+            <p:nvPr/>
+          </p:nvCxnSpPr>
+          <p:spPr>
+            <a:xfrm>
+              <a:off x="1099897" y="1275606"/>
+              <a:ext cx="1764196" cy="0"/>
+            </a:xfrm>
+            <a:prstGeom prst="straightConnector1">
+              <a:avLst/>
+            </a:prstGeom>
+            <a:ln w="19050">
+              <a:solidFill>
+                <a:schemeClr val="tx1"/>
+              </a:solidFill>
+              <a:headEnd type="none" w="med" len="med"/>
+              <a:tailEnd type="arrow" w="med" len="med"/>
+            </a:ln>
+          </p:spPr>
+          <p:style>
+            <a:lnRef idx="1">
+              <a:schemeClr val="accent1"/>
+            </a:lnRef>
+            <a:fillRef idx="0">
+              <a:schemeClr val="accent1"/>
+            </a:fillRef>
+            <a:effectRef idx="0">
+              <a:schemeClr val="accent1"/>
+            </a:effectRef>
+            <a:fontRef idx="minor">
+              <a:schemeClr val="tx1"/>
+            </a:fontRef>
+          </p:style>
+        </p:cxnSp>
+        <p:sp>
+          <p:nvSpPr>
+            <p:cNvPr id="34" name="TextBox 33">
+              <a:extLst>
+                <a:ext uri="{FF2B5EF4-FFF2-40B4-BE49-F238E27FC236}">
+                  <a16:creationId xmlns:a16="http://schemas.microsoft.com/office/drawing/2014/main" xmlns="" id="{970114FF-E1D7-493F-9A33-71AC3EB2CD96}"/>
+                </a:ext>
+              </a:extLst>
+            </p:cNvPr>
+            <p:cNvSpPr txBox="1"/>
+            <p:nvPr/>
+          </p:nvSpPr>
+          <p:spPr>
+            <a:xfrm>
+              <a:off x="1099896" y="1044774"/>
+              <a:ext cx="1764187" cy="230832"/>
+            </a:xfrm>
+            <a:prstGeom prst="rect">
+              <a:avLst/>
+            </a:prstGeom>
+            <a:noFill/>
+          </p:spPr>
+          <p:txBody>
+            <a:bodyPr wrap="square" rtlCol="0" anchor="ctr">
+              <a:spAutoFit/>
+            </a:bodyPr>
+            <a:lstStyle/>
+            <a:p>
+              <a:pPr algn="ctr"/>
+              <a:r>
+                <a:rPr lang="en-US" altLang="ko-KR" sz="900" dirty="0"/>
+                <a:t>4</a:t>
+              </a:r>
+              <a:r>
+                <a:rPr lang="en-US" altLang="ko-KR" sz="900" dirty="0" smtClean="0"/>
+                <a:t>. Send Access Token</a:t>
+              </a:r>
+              <a:endParaRPr lang="ko-KR" altLang="en-US" sz="900" dirty="0"/>
+            </a:p>
+          </p:txBody>
+        </p:sp>
+      </p:grpSp>
+      <p:grpSp>
+        <p:nvGrpSpPr>
+          <p:cNvPr id="35" name="그룹 34">
+            <a:extLst>
+              <a:ext uri="{FF2B5EF4-FFF2-40B4-BE49-F238E27FC236}">
+                <a16:creationId xmlns:a16="http://schemas.microsoft.com/office/drawing/2014/main" xmlns="" id="{E78E7DB9-7A22-4F16-9950-ECFA5F3D4150}"/>
+              </a:ext>
+            </a:extLst>
+          </p:cNvPr>
+          <p:cNvGrpSpPr/>
+          <p:nvPr/>
+        </p:nvGrpSpPr>
+        <p:grpSpPr>
+          <a:xfrm flipH="1">
+            <a:off x="6392661" y="2211710"/>
+            <a:ext cx="1764020" cy="230832"/>
+            <a:chOff x="1099896" y="1044774"/>
+            <a:chExt cx="1764197" cy="230832"/>
+          </a:xfrm>
+        </p:grpSpPr>
+        <p:cxnSp>
+          <p:nvCxnSpPr>
+            <p:cNvPr id="37" name="직선 화살표 연결선 36">
+              <a:extLst>
+                <a:ext uri="{FF2B5EF4-FFF2-40B4-BE49-F238E27FC236}">
+                  <a16:creationId xmlns:a16="http://schemas.microsoft.com/office/drawing/2014/main" xmlns="" id="{737C3D9E-DD8A-4406-910A-4D607E2EBF1F}"/>
+                </a:ext>
+              </a:extLst>
+            </p:cNvPr>
+            <p:cNvCxnSpPr/>
+            <p:nvPr/>
+          </p:nvCxnSpPr>
+          <p:spPr>
+            <a:xfrm>
+              <a:off x="1099897" y="1275606"/>
+              <a:ext cx="1764196" cy="0"/>
+            </a:xfrm>
+            <a:prstGeom prst="straightConnector1">
+              <a:avLst/>
+            </a:prstGeom>
+            <a:ln w="19050">
+              <a:solidFill>
+                <a:schemeClr val="tx1"/>
+              </a:solidFill>
+              <a:headEnd type="arrow" w="med" len="med"/>
+              <a:tailEnd type="none" w="med" len="med"/>
+            </a:ln>
+          </p:spPr>
+          <p:style>
+            <a:lnRef idx="1">
+              <a:schemeClr val="accent1"/>
+            </a:lnRef>
+            <a:fillRef idx="0">
+              <a:schemeClr val="accent1"/>
+            </a:fillRef>
+            <a:effectRef idx="0">
+              <a:schemeClr val="accent1"/>
+            </a:effectRef>
+            <a:fontRef idx="minor">
+              <a:schemeClr val="tx1"/>
+            </a:fontRef>
+          </p:style>
+        </p:cxnSp>
+        <p:sp>
+          <p:nvSpPr>
+            <p:cNvPr id="38" name="TextBox 37">
+              <a:extLst>
+                <a:ext uri="{FF2B5EF4-FFF2-40B4-BE49-F238E27FC236}">
+                  <a16:creationId xmlns:a16="http://schemas.microsoft.com/office/drawing/2014/main" xmlns="" id="{970114FF-E1D7-493F-9A33-71AC3EB2CD96}"/>
+                </a:ext>
+              </a:extLst>
+            </p:cNvPr>
+            <p:cNvSpPr txBox="1"/>
+            <p:nvPr/>
+          </p:nvSpPr>
+          <p:spPr>
+            <a:xfrm>
+              <a:off x="1099896" y="1044774"/>
+              <a:ext cx="1764187" cy="230832"/>
+            </a:xfrm>
+            <a:prstGeom prst="rect">
+              <a:avLst/>
+            </a:prstGeom>
+            <a:noFill/>
+          </p:spPr>
+          <p:txBody>
+            <a:bodyPr wrap="square" rtlCol="0" anchor="ctr">
+              <a:spAutoFit/>
+            </a:bodyPr>
+            <a:lstStyle/>
+            <a:p>
+              <a:pPr algn="ctr"/>
+              <a:r>
+                <a:rPr lang="en-US" altLang="ko-KR" sz="900" dirty="0"/>
+                <a:t>5</a:t>
+              </a:r>
+              <a:r>
+                <a:rPr lang="en-US" altLang="ko-KR" sz="900" dirty="0" smtClean="0"/>
+                <a:t>. </a:t>
+              </a:r>
+              <a:r>
+                <a:rPr lang="en-US" altLang="ko-KR" sz="900" dirty="0" smtClean="0"/>
+                <a:t>Agree</a:t>
+              </a:r>
+              <a:endParaRPr lang="ko-KR" altLang="en-US" sz="900" dirty="0"/>
             </a:p>
           </p:txBody>
         </p:sp>
@@ -6322,7 +7149,7 @@
 </p:sld>
 </file>
 
-<file path=ppt/slides/slide3.xml><?xml version="1.0" encoding="utf-8"?>
+<file path=ppt/slides/slide4.xml><?xml version="1.0" encoding="utf-8"?>
 <p:sld xmlns:a="http://schemas.openxmlformats.org/drawingml/2006/main" xmlns:r="http://schemas.openxmlformats.org/officeDocument/2006/relationships" xmlns:p="http://schemas.openxmlformats.org/presentationml/2006/main">
   <p:cSld>
     <p:spTree>
@@ -6374,7 +7201,7 @@
           <p:cNvPr id="3" name="사각형: 둥근 모서리 2">
             <a:extLst>
               <a:ext uri="{FF2B5EF4-FFF2-40B4-BE49-F238E27FC236}">
-                <a16:creationId xmlns:a16="http://schemas.microsoft.com/office/drawing/2014/main" id="{F682A8B3-51E9-4E66-93BF-AC13CF953E0F}"/>
+                <a16:creationId xmlns:a16="http://schemas.microsoft.com/office/drawing/2014/main" xmlns="" id="{F682A8B3-51E9-4E66-93BF-AC13CF953E0F}"/>
               </a:ext>
             </a:extLst>
           </p:cNvPr>
@@ -6383,7 +7210,7 @@
         </p:nvSpPr>
         <p:spPr>
           <a:xfrm>
-            <a:off x="508114" y="771550"/>
+            <a:off x="508114" y="627534"/>
             <a:ext cx="1183566" cy="360040"/>
           </a:xfrm>
           <a:prstGeom prst="roundRect">
@@ -6431,7 +7258,7 @@
           <p:cNvPr id="19" name="사각형: 둥근 모서리 18">
             <a:extLst>
               <a:ext uri="{FF2B5EF4-FFF2-40B4-BE49-F238E27FC236}">
-                <a16:creationId xmlns:a16="http://schemas.microsoft.com/office/drawing/2014/main" id="{0E51AB21-06DD-4D1C-881B-AB9AF29BE15E}"/>
+                <a16:creationId xmlns:a16="http://schemas.microsoft.com/office/drawing/2014/main" xmlns="" id="{0E51AB21-06DD-4D1C-881B-AB9AF29BE15E}"/>
               </a:ext>
             </a:extLst>
           </p:cNvPr>
@@ -6440,7 +7267,7 @@
         </p:nvSpPr>
         <p:spPr>
           <a:xfrm>
-            <a:off x="2272310" y="771550"/>
+            <a:off x="2272310" y="627534"/>
             <a:ext cx="1183566" cy="360040"/>
           </a:xfrm>
           <a:prstGeom prst="roundRect">
@@ -6488,7 +7315,7 @@
           <p:cNvPr id="20" name="사각형: 둥근 모서리 19">
             <a:extLst>
               <a:ext uri="{FF2B5EF4-FFF2-40B4-BE49-F238E27FC236}">
-                <a16:creationId xmlns:a16="http://schemas.microsoft.com/office/drawing/2014/main" id="{1E98CDC1-9222-4883-B10A-81B66E8DC4B0}"/>
+                <a16:creationId xmlns:a16="http://schemas.microsoft.com/office/drawing/2014/main" xmlns="" id="{1E98CDC1-9222-4883-B10A-81B66E8DC4B0}"/>
               </a:ext>
             </a:extLst>
           </p:cNvPr>
@@ -6497,7 +7324,7 @@
         </p:nvSpPr>
         <p:spPr>
           <a:xfrm>
-            <a:off x="4036506" y="771550"/>
+            <a:off x="4036506" y="627534"/>
             <a:ext cx="1183566" cy="360040"/>
           </a:xfrm>
           <a:prstGeom prst="roundRect">
@@ -6545,7 +7372,7 @@
           <p:cNvPr id="21" name="사각형: 둥근 모서리 20">
             <a:extLst>
               <a:ext uri="{FF2B5EF4-FFF2-40B4-BE49-F238E27FC236}">
-                <a16:creationId xmlns:a16="http://schemas.microsoft.com/office/drawing/2014/main" id="{79835011-8977-4FDA-B1B6-1DD7DB8C2468}"/>
+                <a16:creationId xmlns:a16="http://schemas.microsoft.com/office/drawing/2014/main" xmlns="" id="{79835011-8977-4FDA-B1B6-1DD7DB8C2468}"/>
               </a:ext>
             </a:extLst>
           </p:cNvPr>
@@ -6554,7 +7381,7 @@
         </p:nvSpPr>
         <p:spPr>
           <a:xfrm>
-            <a:off x="5800702" y="771550"/>
+            <a:off x="5800702" y="627534"/>
             <a:ext cx="1183566" cy="360040"/>
           </a:xfrm>
           <a:prstGeom prst="roundRect">
@@ -6602,7 +7429,7 @@
           <p:cNvPr id="22" name="사각형: 둥근 모서리 21">
             <a:extLst>
               <a:ext uri="{FF2B5EF4-FFF2-40B4-BE49-F238E27FC236}">
-                <a16:creationId xmlns:a16="http://schemas.microsoft.com/office/drawing/2014/main" id="{97A5B4CE-CBA4-48F1-B07F-646FF8B5033F}"/>
+                <a16:creationId xmlns:a16="http://schemas.microsoft.com/office/drawing/2014/main" xmlns="" id="{97A5B4CE-CBA4-48F1-B07F-646FF8B5033F}"/>
               </a:ext>
             </a:extLst>
           </p:cNvPr>
@@ -6611,7 +7438,7 @@
         </p:nvSpPr>
         <p:spPr>
           <a:xfrm>
-            <a:off x="7564898" y="771550"/>
+            <a:off x="7564898" y="627534"/>
             <a:ext cx="1183566" cy="360040"/>
           </a:xfrm>
           <a:prstGeom prst="roundRect">
@@ -6652,7 +7479,7 @@
           <p:cNvPr id="23" name="직선 연결선 22">
             <a:extLst>
               <a:ext uri="{FF2B5EF4-FFF2-40B4-BE49-F238E27FC236}">
-                <a16:creationId xmlns:a16="http://schemas.microsoft.com/office/drawing/2014/main" id="{CF38B8A0-1401-4E3B-9FC0-9ED096701E61}"/>
+                <a16:creationId xmlns:a16="http://schemas.microsoft.com/office/drawing/2014/main" xmlns="" id="{CF38B8A0-1401-4E3B-9FC0-9ED096701E61}"/>
               </a:ext>
             </a:extLst>
           </p:cNvPr>
@@ -6664,8 +7491,8 @@
         </p:nvCxnSpPr>
         <p:spPr>
           <a:xfrm>
-            <a:off x="1099897" y="1131590"/>
-            <a:ext cx="0" cy="3024336"/>
+            <a:off x="1099897" y="987574"/>
+            <a:ext cx="0" cy="4104456"/>
           </a:xfrm>
           <a:prstGeom prst="line">
             <a:avLst/>
@@ -6696,7 +7523,7 @@
           <p:cNvPr id="30" name="직선 연결선 29">
             <a:extLst>
               <a:ext uri="{FF2B5EF4-FFF2-40B4-BE49-F238E27FC236}">
-                <a16:creationId xmlns:a16="http://schemas.microsoft.com/office/drawing/2014/main" id="{5E45002D-6183-4784-BB3F-133D35EEE2BB}"/>
+                <a16:creationId xmlns:a16="http://schemas.microsoft.com/office/drawing/2014/main" xmlns="" id="{5E45002D-6183-4784-BB3F-133D35EEE2BB}"/>
               </a:ext>
             </a:extLst>
           </p:cNvPr>
@@ -6707,9 +7534,9 @@
           <p:nvPr/>
         </p:nvCxnSpPr>
         <p:spPr>
-          <a:xfrm flipH="1">
-            <a:off x="2863592" y="1131590"/>
-            <a:ext cx="501" cy="3024336"/>
+          <a:xfrm>
+            <a:off x="2864093" y="987574"/>
+            <a:ext cx="0" cy="4104456"/>
           </a:xfrm>
           <a:prstGeom prst="line">
             <a:avLst/>
@@ -6740,7 +7567,7 @@
           <p:cNvPr id="33" name="직선 연결선 32">
             <a:extLst>
               <a:ext uri="{FF2B5EF4-FFF2-40B4-BE49-F238E27FC236}">
-                <a16:creationId xmlns:a16="http://schemas.microsoft.com/office/drawing/2014/main" id="{71C2B82A-843B-4122-8D52-8C4F14103FA8}"/>
+                <a16:creationId xmlns:a16="http://schemas.microsoft.com/office/drawing/2014/main" xmlns="" id="{71C2B82A-843B-4122-8D52-8C4F14103FA8}"/>
               </a:ext>
             </a:extLst>
           </p:cNvPr>
@@ -6752,8 +7579,8 @@
         </p:nvCxnSpPr>
         <p:spPr>
           <a:xfrm>
-            <a:off x="4628289" y="1131590"/>
-            <a:ext cx="3554" cy="3096344"/>
+            <a:off x="4628289" y="987574"/>
+            <a:ext cx="0" cy="4104456"/>
           </a:xfrm>
           <a:prstGeom prst="line">
             <a:avLst/>
@@ -6784,7 +7611,7 @@
           <p:cNvPr id="36" name="직선 연결선 35">
             <a:extLst>
               <a:ext uri="{FF2B5EF4-FFF2-40B4-BE49-F238E27FC236}">
-                <a16:creationId xmlns:a16="http://schemas.microsoft.com/office/drawing/2014/main" id="{772E8AA5-3AB5-4A92-A6C6-31B4125C65A0}"/>
+                <a16:creationId xmlns:a16="http://schemas.microsoft.com/office/drawing/2014/main" xmlns="" id="{772E8AA5-3AB5-4A92-A6C6-31B4125C65A0}"/>
               </a:ext>
             </a:extLst>
           </p:cNvPr>
@@ -6796,8 +7623,8 @@
         </p:nvCxnSpPr>
         <p:spPr>
           <a:xfrm>
-            <a:off x="6392485" y="1131590"/>
-            <a:ext cx="0" cy="3096344"/>
+            <a:off x="6392485" y="987574"/>
+            <a:ext cx="0" cy="4104456"/>
           </a:xfrm>
           <a:prstGeom prst="line">
             <a:avLst/>
@@ -6828,7 +7655,7 @@
           <p:cNvPr id="41" name="직선 연결선 40">
             <a:extLst>
               <a:ext uri="{FF2B5EF4-FFF2-40B4-BE49-F238E27FC236}">
-                <a16:creationId xmlns:a16="http://schemas.microsoft.com/office/drawing/2014/main" id="{27F6A3AB-03BA-45EF-9D8B-53D3EB078AA5}"/>
+                <a16:creationId xmlns:a16="http://schemas.microsoft.com/office/drawing/2014/main" xmlns="" id="{27F6A3AB-03BA-45EF-9D8B-53D3EB078AA5}"/>
               </a:ext>
             </a:extLst>
           </p:cNvPr>
@@ -6839,9 +7666,9 @@
           <p:nvPr/>
         </p:nvCxnSpPr>
         <p:spPr>
-          <a:xfrm flipH="1">
-            <a:off x="8152632" y="1131590"/>
-            <a:ext cx="4049" cy="3168352"/>
+          <a:xfrm>
+            <a:off x="8156681" y="987574"/>
+            <a:ext cx="0" cy="4104456"/>
           </a:xfrm>
           <a:prstGeom prst="line">
             <a:avLst/>
@@ -6872,7 +7699,7 @@
           <p:cNvPr id="47" name="그룹 46">
             <a:extLst>
               <a:ext uri="{FF2B5EF4-FFF2-40B4-BE49-F238E27FC236}">
-                <a16:creationId xmlns:a16="http://schemas.microsoft.com/office/drawing/2014/main" id="{E3BB676B-A04A-46BB-A9BD-CA1B62AED92B}"/>
+                <a16:creationId xmlns:a16="http://schemas.microsoft.com/office/drawing/2014/main" xmlns="" id="{E3BB676B-A04A-46BB-A9BD-CA1B62AED92B}"/>
               </a:ext>
             </a:extLst>
           </p:cNvPr>
@@ -6881,7 +7708,7 @@
         </p:nvGrpSpPr>
         <p:grpSpPr>
           <a:xfrm>
-            <a:off x="1099896" y="1188790"/>
+            <a:off x="1099896" y="1044774"/>
             <a:ext cx="1764197" cy="230832"/>
             <a:chOff x="1099896" y="1044774"/>
             <a:chExt cx="1764197" cy="230832"/>
@@ -6892,7 +7719,7 @@
             <p:cNvPr id="45" name="직선 화살표 연결선 44">
               <a:extLst>
                 <a:ext uri="{FF2B5EF4-FFF2-40B4-BE49-F238E27FC236}">
-                  <a16:creationId xmlns:a16="http://schemas.microsoft.com/office/drawing/2014/main" id="{7DA70A64-B7A7-4AFC-BF95-321F5BF555B1}"/>
+                  <a16:creationId xmlns:a16="http://schemas.microsoft.com/office/drawing/2014/main" xmlns="" id="{7DA70A64-B7A7-4AFC-BF95-321F5BF555B1}"/>
                 </a:ext>
               </a:extLst>
             </p:cNvPr>
@@ -6935,7 +7762,7 @@
             <p:cNvPr id="46" name="TextBox 45">
               <a:extLst>
                 <a:ext uri="{FF2B5EF4-FFF2-40B4-BE49-F238E27FC236}">
-                  <a16:creationId xmlns:a16="http://schemas.microsoft.com/office/drawing/2014/main" id="{31320D19-CFB6-4C35-A360-5C2725A9C005}"/>
+                  <a16:creationId xmlns:a16="http://schemas.microsoft.com/office/drawing/2014/main" xmlns="" id="{31320D19-CFB6-4C35-A360-5C2725A9C005}"/>
                 </a:ext>
               </a:extLst>
             </p:cNvPr>
@@ -6973,7 +7800,7 @@
           <p:cNvPr id="48" name="그룹 47">
             <a:extLst>
               <a:ext uri="{FF2B5EF4-FFF2-40B4-BE49-F238E27FC236}">
-                <a16:creationId xmlns:a16="http://schemas.microsoft.com/office/drawing/2014/main" id="{EAFBC0F5-80D5-4A60-A12A-346D9948C032}"/>
+                <a16:creationId xmlns:a16="http://schemas.microsoft.com/office/drawing/2014/main" xmlns="" id="{EAFBC0F5-80D5-4A60-A12A-346D9948C032}"/>
               </a:ext>
             </a:extLst>
           </p:cNvPr>
@@ -6982,7 +7809,7 @@
         </p:nvGrpSpPr>
         <p:grpSpPr>
           <a:xfrm>
-            <a:off x="2864081" y="1419622"/>
+            <a:off x="2864081" y="1275606"/>
             <a:ext cx="1764197" cy="230832"/>
             <a:chOff x="1099896" y="1044774"/>
             <a:chExt cx="1764197" cy="230832"/>
@@ -6993,7 +7820,7 @@
             <p:cNvPr id="49" name="직선 화살표 연결선 48">
               <a:extLst>
                 <a:ext uri="{FF2B5EF4-FFF2-40B4-BE49-F238E27FC236}">
-                  <a16:creationId xmlns:a16="http://schemas.microsoft.com/office/drawing/2014/main" id="{3B709BA7-8290-4557-AF33-ED4F7E8812ED}"/>
+                  <a16:creationId xmlns:a16="http://schemas.microsoft.com/office/drawing/2014/main" xmlns="" id="{3B709BA7-8290-4557-AF33-ED4F7E8812ED}"/>
                 </a:ext>
               </a:extLst>
             </p:cNvPr>
@@ -7036,7 +7863,7 @@
             <p:cNvPr id="50" name="TextBox 49">
               <a:extLst>
                 <a:ext uri="{FF2B5EF4-FFF2-40B4-BE49-F238E27FC236}">
-                  <a16:creationId xmlns:a16="http://schemas.microsoft.com/office/drawing/2014/main" id="{9207FD93-EFBF-47E4-A844-1B1F49D86DB7}"/>
+                  <a16:creationId xmlns:a16="http://schemas.microsoft.com/office/drawing/2014/main" xmlns="" id="{9207FD93-EFBF-47E4-A844-1B1F49D86DB7}"/>
                 </a:ext>
               </a:extLst>
             </p:cNvPr>
@@ -7074,7 +7901,7 @@
           <p:cNvPr id="54" name="그룹 53">
             <a:extLst>
               <a:ext uri="{FF2B5EF4-FFF2-40B4-BE49-F238E27FC236}">
-                <a16:creationId xmlns:a16="http://schemas.microsoft.com/office/drawing/2014/main" id="{CDD6EE29-EB52-4993-8B20-A22F290DA866}"/>
+                <a16:creationId xmlns:a16="http://schemas.microsoft.com/office/drawing/2014/main" xmlns="" id="{CDD6EE29-EB52-4993-8B20-A22F290DA866}"/>
               </a:ext>
             </a:extLst>
           </p:cNvPr>
@@ -7083,7 +7910,7 @@
         </p:nvGrpSpPr>
         <p:grpSpPr>
           <a:xfrm flipH="1">
-            <a:off x="4628278" y="1635646"/>
+            <a:off x="4628278" y="1491630"/>
             <a:ext cx="3528038" cy="230832"/>
             <a:chOff x="1099896" y="1044774"/>
             <a:chExt cx="1764197" cy="230832"/>
@@ -7094,7 +7921,7 @@
             <p:cNvPr id="55" name="직선 화살표 연결선 54">
               <a:extLst>
                 <a:ext uri="{FF2B5EF4-FFF2-40B4-BE49-F238E27FC236}">
-                  <a16:creationId xmlns:a16="http://schemas.microsoft.com/office/drawing/2014/main" id="{CCA446D1-C896-4F7E-892E-0CF71C8A5BC4}"/>
+                  <a16:creationId xmlns:a16="http://schemas.microsoft.com/office/drawing/2014/main" xmlns="" id="{CCA446D1-C896-4F7E-892E-0CF71C8A5BC4}"/>
                 </a:ext>
               </a:extLst>
             </p:cNvPr>
@@ -7137,7 +7964,7 @@
             <p:cNvPr id="56" name="TextBox 55">
               <a:extLst>
                 <a:ext uri="{FF2B5EF4-FFF2-40B4-BE49-F238E27FC236}">
-                  <a16:creationId xmlns:a16="http://schemas.microsoft.com/office/drawing/2014/main" id="{EA43908E-750F-4404-9CC1-D54BE3F4DED3}"/>
+                  <a16:creationId xmlns:a16="http://schemas.microsoft.com/office/drawing/2014/main" xmlns="" id="{EA43908E-750F-4404-9CC1-D54BE3F4DED3}"/>
                 </a:ext>
               </a:extLst>
             </p:cNvPr>
@@ -7175,7 +8002,7 @@
           <p:cNvPr id="60" name="그룹 59">
             <a:extLst>
               <a:ext uri="{FF2B5EF4-FFF2-40B4-BE49-F238E27FC236}">
-                <a16:creationId xmlns:a16="http://schemas.microsoft.com/office/drawing/2014/main" id="{5FC3B104-6F52-4E7D-9A72-3E296B948ECF}"/>
+                <a16:creationId xmlns:a16="http://schemas.microsoft.com/office/drawing/2014/main" xmlns="" id="{5FC3B104-6F52-4E7D-9A72-3E296B948ECF}"/>
               </a:ext>
             </a:extLst>
           </p:cNvPr>
@@ -7184,7 +8011,7 @@
         </p:nvGrpSpPr>
         <p:grpSpPr>
           <a:xfrm>
-            <a:off x="4624635" y="1938486"/>
+            <a:off x="4624635" y="2397686"/>
             <a:ext cx="3528037" cy="230832"/>
             <a:chOff x="1099896" y="1044774"/>
             <a:chExt cx="1764197" cy="230832"/>
@@ -7195,7 +8022,7 @@
             <p:cNvPr id="73" name="직선 화살표 연결선 72">
               <a:extLst>
                 <a:ext uri="{FF2B5EF4-FFF2-40B4-BE49-F238E27FC236}">
-                  <a16:creationId xmlns:a16="http://schemas.microsoft.com/office/drawing/2014/main" id="{C00F76D6-4464-4F21-B79A-D6337CFFCC75}"/>
+                  <a16:creationId xmlns:a16="http://schemas.microsoft.com/office/drawing/2014/main" xmlns="" id="{C00F76D6-4464-4F21-B79A-D6337CFFCC75}"/>
                 </a:ext>
               </a:extLst>
             </p:cNvPr>
@@ -7238,7 +8065,7 @@
             <p:cNvPr id="86" name="TextBox 85">
               <a:extLst>
                 <a:ext uri="{FF2B5EF4-FFF2-40B4-BE49-F238E27FC236}">
-                  <a16:creationId xmlns:a16="http://schemas.microsoft.com/office/drawing/2014/main" id="{17B1C24A-4B1A-468E-BDA6-0038800DE201}"/>
+                  <a16:creationId xmlns:a16="http://schemas.microsoft.com/office/drawing/2014/main" xmlns="" id="{17B1C24A-4B1A-468E-BDA6-0038800DE201}"/>
                 </a:ext>
               </a:extLst>
             </p:cNvPr>
@@ -7263,10 +8090,26 @@
             <a:p>
               <a:pPr algn="ctr"/>
               <a:r>
-                <a:rPr lang="en-US" altLang="ko-KR" sz="900"/>
-                <a:t>4. Send Invaild Token Error </a:t>
+                <a:rPr lang="en-US" altLang="ko-KR" sz="900" dirty="0"/>
+                <a:t>6</a:t>
               </a:r>
-              <a:endParaRPr lang="ko-KR" altLang="en-US" sz="900"/>
+              <a:r>
+                <a:rPr lang="en-US" altLang="ko-KR" sz="900" dirty="0" smtClean="0"/>
+                <a:t>. </a:t>
+              </a:r>
+              <a:r>
+                <a:rPr lang="en-US" altLang="ko-KR" sz="900" dirty="0"/>
+                <a:t>Send </a:t>
+              </a:r>
+              <a:r>
+                <a:rPr lang="en-US" altLang="ko-KR" sz="900" dirty="0" err="1"/>
+                <a:t>Invaild</a:t>
+              </a:r>
+              <a:r>
+                <a:rPr lang="en-US" altLang="ko-KR" sz="900" dirty="0"/>
+                <a:t> Token Error </a:t>
+              </a:r>
+              <a:endParaRPr lang="ko-KR" altLang="en-US" sz="900" dirty="0"/>
             </a:p>
           </p:txBody>
         </p:sp>
@@ -7276,7 +8119,7 @@
           <p:cNvPr id="87" name="그룹 86">
             <a:extLst>
               <a:ext uri="{FF2B5EF4-FFF2-40B4-BE49-F238E27FC236}">
-                <a16:creationId xmlns:a16="http://schemas.microsoft.com/office/drawing/2014/main" id="{48A44C0A-0A62-46D8-B98B-C13492A5F446}"/>
+                <a16:creationId xmlns:a16="http://schemas.microsoft.com/office/drawing/2014/main" xmlns="" id="{48A44C0A-0A62-46D8-B98B-C13492A5F446}"/>
               </a:ext>
             </a:extLst>
           </p:cNvPr>
@@ -7285,8 +8128,8 @@
         </p:nvGrpSpPr>
         <p:grpSpPr>
           <a:xfrm flipH="1">
-            <a:off x="4628278" y="2254101"/>
-            <a:ext cx="3528038" cy="230832"/>
+            <a:off x="4628278" y="2700958"/>
+            <a:ext cx="1764393" cy="230832"/>
             <a:chOff x="1099896" y="1044774"/>
             <a:chExt cx="1764197" cy="230832"/>
           </a:xfrm>
@@ -7296,7 +8139,7 @@
             <p:cNvPr id="88" name="직선 화살표 연결선 87">
               <a:extLst>
                 <a:ext uri="{FF2B5EF4-FFF2-40B4-BE49-F238E27FC236}">
-                  <a16:creationId xmlns:a16="http://schemas.microsoft.com/office/drawing/2014/main" id="{ED95214B-8DE6-448C-A7DB-F01C9C3C2E50}"/>
+                  <a16:creationId xmlns:a16="http://schemas.microsoft.com/office/drawing/2014/main" xmlns="" id="{ED95214B-8DE6-448C-A7DB-F01C9C3C2E50}"/>
                 </a:ext>
               </a:extLst>
             </p:cNvPr>
@@ -7339,7 +8182,7 @@
             <p:cNvPr id="89" name="TextBox 88">
               <a:extLst>
                 <a:ext uri="{FF2B5EF4-FFF2-40B4-BE49-F238E27FC236}">
-                  <a16:creationId xmlns:a16="http://schemas.microsoft.com/office/drawing/2014/main" id="{C5449845-0CBD-46B2-81BE-8AAF19969987}"/>
+                  <a16:creationId xmlns:a16="http://schemas.microsoft.com/office/drawing/2014/main" xmlns="" id="{C5449845-0CBD-46B2-81BE-8AAF19969987}"/>
                 </a:ext>
               </a:extLst>
             </p:cNvPr>
@@ -7364,14 +8207,22 @@
             <a:p>
               <a:pPr algn="ctr"/>
               <a:r>
-                <a:rPr lang="en-US" altLang="ko-KR" sz="900"/>
-                <a:t>5. Request New Access Token with </a:t>
+                <a:rPr lang="en-US" altLang="ko-KR" sz="900" dirty="0"/>
+                <a:t>7</a:t>
               </a:r>
               <a:r>
-                <a:rPr lang="en-US" altLang="ko-KR" sz="900" b="1"/>
-                <a:t>Refresh Token </a:t>
+                <a:rPr lang="en-US" altLang="ko-KR" sz="900" dirty="0" smtClean="0"/>
+                <a:t>. Send </a:t>
               </a:r>
-              <a:endParaRPr lang="ko-KR" altLang="en-US" sz="900" b="1"/>
+              <a:r>
+                <a:rPr lang="en-US" altLang="ko-KR" sz="900" b="1" dirty="0" smtClean="0"/>
+                <a:t>Refresh </a:t>
+              </a:r>
+              <a:r>
+                <a:rPr lang="en-US" altLang="ko-KR" sz="900" b="1" dirty="0"/>
+                <a:t>Token </a:t>
+              </a:r>
+              <a:endParaRPr lang="ko-KR" altLang="en-US" sz="900" b="1" dirty="0"/>
             </a:p>
           </p:txBody>
         </p:sp>
@@ -7381,7 +8232,7 @@
           <p:cNvPr id="90" name="그룹 89">
             <a:extLst>
               <a:ext uri="{FF2B5EF4-FFF2-40B4-BE49-F238E27FC236}">
-                <a16:creationId xmlns:a16="http://schemas.microsoft.com/office/drawing/2014/main" id="{77B8B0B6-11DD-4DB0-AE2B-3CEE8A410804}"/>
+                <a16:creationId xmlns:a16="http://schemas.microsoft.com/office/drawing/2014/main" xmlns="" id="{77B8B0B6-11DD-4DB0-AE2B-3CEE8A410804}"/>
               </a:ext>
             </a:extLst>
           </p:cNvPr>
@@ -7390,8 +8241,8 @@
         </p:nvGrpSpPr>
         <p:grpSpPr>
           <a:xfrm>
-            <a:off x="4624615" y="2556940"/>
-            <a:ext cx="3528037" cy="230832"/>
+            <a:off x="4624615" y="3003798"/>
+            <a:ext cx="1771267" cy="230832"/>
             <a:chOff x="1099896" y="1044774"/>
             <a:chExt cx="1764197" cy="230832"/>
           </a:xfrm>
@@ -7401,7 +8252,7 @@
             <p:cNvPr id="91" name="직선 화살표 연결선 90">
               <a:extLst>
                 <a:ext uri="{FF2B5EF4-FFF2-40B4-BE49-F238E27FC236}">
-                  <a16:creationId xmlns:a16="http://schemas.microsoft.com/office/drawing/2014/main" id="{5C6F7EBD-C60B-4BB9-9065-59FB8790440B}"/>
+                  <a16:creationId xmlns:a16="http://schemas.microsoft.com/office/drawing/2014/main" xmlns="" id="{5C6F7EBD-C60B-4BB9-9065-59FB8790440B}"/>
                 </a:ext>
               </a:extLst>
             </p:cNvPr>
@@ -7444,7 +8295,7 @@
             <p:cNvPr id="92" name="TextBox 91">
               <a:extLst>
                 <a:ext uri="{FF2B5EF4-FFF2-40B4-BE49-F238E27FC236}">
-                  <a16:creationId xmlns:a16="http://schemas.microsoft.com/office/drawing/2014/main" id="{61F32451-02A4-4DC8-AF6C-7F126A79BF34}"/>
+                  <a16:creationId xmlns:a16="http://schemas.microsoft.com/office/drawing/2014/main" xmlns="" id="{61F32451-02A4-4DC8-AF6C-7F126A79BF34}"/>
                 </a:ext>
               </a:extLst>
             </p:cNvPr>
@@ -7469,14 +8320,22 @@
             <a:p>
               <a:pPr algn="ctr"/>
               <a:r>
-                <a:rPr lang="en-US" altLang="ko-KR" sz="900"/>
-                <a:t>6. Send </a:t>
+                <a:rPr lang="en-US" altLang="ko-KR" sz="900" dirty="0"/>
+                <a:t>8</a:t>
               </a:r>
               <a:r>
-                <a:rPr lang="en-US" altLang="ko-KR" sz="900" b="1"/>
+                <a:rPr lang="en-US" altLang="ko-KR" sz="900" dirty="0" smtClean="0"/>
+                <a:t>. </a:t>
+              </a:r>
+              <a:r>
+                <a:rPr lang="en-US" altLang="ko-KR" sz="900" dirty="0"/>
+                <a:t>Send </a:t>
+              </a:r>
+              <a:r>
+                <a:rPr lang="en-US" altLang="ko-KR" sz="900" b="1" dirty="0"/>
                 <a:t>New Access Token</a:t>
               </a:r>
-              <a:endParaRPr lang="ko-KR" altLang="en-US" sz="900" b="1"/>
+              <a:endParaRPr lang="ko-KR" altLang="en-US" sz="900" b="1" dirty="0"/>
             </a:p>
           </p:txBody>
         </p:sp>
@@ -7486,7 +8345,7 @@
           <p:cNvPr id="94" name="그룹 93">
             <a:extLst>
               <a:ext uri="{FF2B5EF4-FFF2-40B4-BE49-F238E27FC236}">
-                <a16:creationId xmlns:a16="http://schemas.microsoft.com/office/drawing/2014/main" id="{90A98A4D-5940-4BD7-9367-0A1F6EDAB843}"/>
+                <a16:creationId xmlns:a16="http://schemas.microsoft.com/office/drawing/2014/main" xmlns="" id="{90A98A4D-5940-4BD7-9367-0A1F6EDAB843}"/>
               </a:ext>
             </a:extLst>
           </p:cNvPr>
@@ -7495,7 +8354,7 @@
         </p:nvGrpSpPr>
         <p:grpSpPr>
           <a:xfrm flipH="1">
-            <a:off x="4631843" y="2856102"/>
+            <a:off x="4631843" y="3291830"/>
             <a:ext cx="3528038" cy="230832"/>
             <a:chOff x="1099896" y="1044774"/>
             <a:chExt cx="1764197" cy="230832"/>
@@ -7506,7 +8365,7 @@
             <p:cNvPr id="95" name="직선 화살표 연결선 94">
               <a:extLst>
                 <a:ext uri="{FF2B5EF4-FFF2-40B4-BE49-F238E27FC236}">
-                  <a16:creationId xmlns:a16="http://schemas.microsoft.com/office/drawing/2014/main" id="{F389BB76-47B0-41B2-A3DE-1764C6D95804}"/>
+                  <a16:creationId xmlns:a16="http://schemas.microsoft.com/office/drawing/2014/main" xmlns="" id="{F389BB76-47B0-41B2-A3DE-1764C6D95804}"/>
                 </a:ext>
               </a:extLst>
             </p:cNvPr>
@@ -7549,7 +8408,7 @@
             <p:cNvPr id="96" name="TextBox 95">
               <a:extLst>
                 <a:ext uri="{FF2B5EF4-FFF2-40B4-BE49-F238E27FC236}">
-                  <a16:creationId xmlns:a16="http://schemas.microsoft.com/office/drawing/2014/main" id="{C7412E1F-D4DD-4B7B-A578-BF035092B90B}"/>
+                  <a16:creationId xmlns:a16="http://schemas.microsoft.com/office/drawing/2014/main" xmlns="" id="{C7412E1F-D4DD-4B7B-A578-BF035092B90B}"/>
                 </a:ext>
               </a:extLst>
             </p:cNvPr>
@@ -7574,10 +8433,18 @@
             <a:p>
               <a:pPr algn="ctr"/>
               <a:r>
-                <a:rPr lang="en-US" altLang="ko-KR" sz="900"/>
-                <a:t>7. Request Resource with New Access Token </a:t>
+                <a:rPr lang="en-US" altLang="ko-KR" sz="900" dirty="0"/>
+                <a:t>9</a:t>
               </a:r>
-              <a:endParaRPr lang="ko-KR" altLang="en-US" sz="900"/>
+              <a:r>
+                <a:rPr lang="en-US" altLang="ko-KR" sz="900" dirty="0" smtClean="0"/>
+                <a:t>. </a:t>
+              </a:r>
+              <a:r>
+                <a:rPr lang="en-US" altLang="ko-KR" sz="900" dirty="0"/>
+                <a:t>Request Resource with New Access Token </a:t>
+              </a:r>
+              <a:endParaRPr lang="ko-KR" altLang="en-US" sz="900" dirty="0"/>
             </a:p>
           </p:txBody>
         </p:sp>
@@ -7587,7 +8454,7 @@
           <p:cNvPr id="97" name="그룹 96">
             <a:extLst>
               <a:ext uri="{FF2B5EF4-FFF2-40B4-BE49-F238E27FC236}">
-                <a16:creationId xmlns:a16="http://schemas.microsoft.com/office/drawing/2014/main" id="{3AE27FDC-19D1-4CF2-A494-D693487949F2}"/>
+                <a16:creationId xmlns:a16="http://schemas.microsoft.com/office/drawing/2014/main" xmlns="" id="{3AE27FDC-19D1-4CF2-A494-D693487949F2}"/>
               </a:ext>
             </a:extLst>
           </p:cNvPr>
@@ -7596,7 +8463,7 @@
         </p:nvGrpSpPr>
         <p:grpSpPr>
           <a:xfrm>
-            <a:off x="4631843" y="3155263"/>
+            <a:off x="4631843" y="4205506"/>
             <a:ext cx="3528037" cy="230832"/>
             <a:chOff x="1099896" y="1044774"/>
             <a:chExt cx="1764197" cy="230832"/>
@@ -7607,7 +8474,7 @@
             <p:cNvPr id="98" name="직선 화살표 연결선 97">
               <a:extLst>
                 <a:ext uri="{FF2B5EF4-FFF2-40B4-BE49-F238E27FC236}">
-                  <a16:creationId xmlns:a16="http://schemas.microsoft.com/office/drawing/2014/main" id="{ABD1CC10-532D-403E-8777-1A50F5B9C4E2}"/>
+                  <a16:creationId xmlns:a16="http://schemas.microsoft.com/office/drawing/2014/main" xmlns="" id="{ABD1CC10-532D-403E-8777-1A50F5B9C4E2}"/>
                 </a:ext>
               </a:extLst>
             </p:cNvPr>
@@ -7650,7 +8517,7 @@
             <p:cNvPr id="99" name="TextBox 98">
               <a:extLst>
                 <a:ext uri="{FF2B5EF4-FFF2-40B4-BE49-F238E27FC236}">
-                  <a16:creationId xmlns:a16="http://schemas.microsoft.com/office/drawing/2014/main" id="{FA8D79D1-1DF1-4336-A8B3-FEB95F358ACB}"/>
+                  <a16:creationId xmlns:a16="http://schemas.microsoft.com/office/drawing/2014/main" xmlns="" id="{FA8D79D1-1DF1-4336-A8B3-FEB95F358ACB}"/>
                 </a:ext>
               </a:extLst>
             </p:cNvPr>
@@ -7675,10 +8542,14 @@
             <a:p>
               <a:pPr algn="ctr"/>
               <a:r>
-                <a:rPr lang="en-US" altLang="ko-KR" sz="900"/>
-                <a:t>8. Send Resource</a:t>
+                <a:rPr lang="en-US" altLang="ko-KR" sz="900" dirty="0" smtClean="0"/>
+                <a:t>12. </a:t>
               </a:r>
-              <a:endParaRPr lang="ko-KR" altLang="en-US" sz="900"/>
+              <a:r>
+                <a:rPr lang="en-US" altLang="ko-KR" sz="900" dirty="0"/>
+                <a:t>Send Resource</a:t>
+              </a:r>
+              <a:endParaRPr lang="ko-KR" altLang="en-US" sz="900" dirty="0"/>
             </a:p>
           </p:txBody>
         </p:sp>
@@ -7688,7 +8559,7 @@
           <p:cNvPr id="100" name="그룹 99">
             <a:extLst>
               <a:ext uri="{FF2B5EF4-FFF2-40B4-BE49-F238E27FC236}">
-                <a16:creationId xmlns:a16="http://schemas.microsoft.com/office/drawing/2014/main" id="{60CFD806-1B72-48C1-9C48-882EF9EBA515}"/>
+                <a16:creationId xmlns:a16="http://schemas.microsoft.com/office/drawing/2014/main" xmlns="" id="{60CFD806-1B72-48C1-9C48-882EF9EBA515}"/>
               </a:ext>
             </a:extLst>
           </p:cNvPr>
@@ -7697,7 +8568,7 @@
         </p:nvGrpSpPr>
         <p:grpSpPr>
           <a:xfrm>
-            <a:off x="2860520" y="3457910"/>
+            <a:off x="2860520" y="4501158"/>
             <a:ext cx="1761544" cy="230832"/>
             <a:chOff x="1099896" y="1044774"/>
             <a:chExt cx="1764197" cy="230832"/>
@@ -7708,7 +8579,7 @@
             <p:cNvPr id="101" name="직선 화살표 연결선 100">
               <a:extLst>
                 <a:ext uri="{FF2B5EF4-FFF2-40B4-BE49-F238E27FC236}">
-                  <a16:creationId xmlns:a16="http://schemas.microsoft.com/office/drawing/2014/main" id="{628DEC57-A430-4676-8B8E-87010B34738D}"/>
+                  <a16:creationId xmlns:a16="http://schemas.microsoft.com/office/drawing/2014/main" xmlns="" id="{628DEC57-A430-4676-8B8E-87010B34738D}"/>
                 </a:ext>
               </a:extLst>
             </p:cNvPr>
@@ -7751,7 +8622,7 @@
             <p:cNvPr id="102" name="TextBox 101">
               <a:extLst>
                 <a:ext uri="{FF2B5EF4-FFF2-40B4-BE49-F238E27FC236}">
-                  <a16:creationId xmlns:a16="http://schemas.microsoft.com/office/drawing/2014/main" id="{2E157B44-484D-487B-BC2F-E67BB4C33717}"/>
+                  <a16:creationId xmlns:a16="http://schemas.microsoft.com/office/drawing/2014/main" xmlns="" id="{2E157B44-484D-487B-BC2F-E67BB4C33717}"/>
                 </a:ext>
               </a:extLst>
             </p:cNvPr>
@@ -7776,10 +8647,18 @@
             <a:p>
               <a:pPr algn="ctr"/>
               <a:r>
-                <a:rPr lang="en-US" altLang="ko-KR" sz="900"/>
-                <a:t>9. Present Resource</a:t>
+                <a:rPr lang="en-US" altLang="ko-KR" sz="900" dirty="0" smtClean="0"/>
+                <a:t>13</a:t>
               </a:r>
-              <a:endParaRPr lang="ko-KR" altLang="en-US" sz="900"/>
+              <a:r>
+                <a:rPr lang="en-US" altLang="ko-KR" sz="900" dirty="0" smtClean="0"/>
+                <a:t>. </a:t>
+              </a:r>
+              <a:r>
+                <a:rPr lang="en-US" altLang="ko-KR" sz="900" dirty="0"/>
+                <a:t>Present Resource</a:t>
+              </a:r>
+              <a:endParaRPr lang="ko-KR" altLang="en-US" sz="900" dirty="0"/>
             </a:p>
           </p:txBody>
         </p:sp>
@@ -7789,7 +8668,7 @@
           <p:cNvPr id="103" name="그룹 102">
             <a:extLst>
               <a:ext uri="{FF2B5EF4-FFF2-40B4-BE49-F238E27FC236}">
-                <a16:creationId xmlns:a16="http://schemas.microsoft.com/office/drawing/2014/main" id="{B3A68818-EAC1-43E8-B2E8-EF35EE7C8D8F}"/>
+                <a16:creationId xmlns:a16="http://schemas.microsoft.com/office/drawing/2014/main" xmlns="" id="{B3A68818-EAC1-43E8-B2E8-EF35EE7C8D8F}"/>
               </a:ext>
             </a:extLst>
           </p:cNvPr>
@@ -7798,7 +8677,7 @@
         </p:nvGrpSpPr>
         <p:grpSpPr>
           <a:xfrm>
-            <a:off x="1100487" y="3745942"/>
+            <a:off x="1100487" y="4789190"/>
             <a:ext cx="1761544" cy="230832"/>
             <a:chOff x="1099896" y="1044774"/>
             <a:chExt cx="1764197" cy="230832"/>
@@ -7809,7 +8688,7 @@
             <p:cNvPr id="104" name="직선 화살표 연결선 103">
               <a:extLst>
                 <a:ext uri="{FF2B5EF4-FFF2-40B4-BE49-F238E27FC236}">
-                  <a16:creationId xmlns:a16="http://schemas.microsoft.com/office/drawing/2014/main" id="{66C811DE-8B26-4491-AC63-183F51397B90}"/>
+                  <a16:creationId xmlns:a16="http://schemas.microsoft.com/office/drawing/2014/main" xmlns="" id="{66C811DE-8B26-4491-AC63-183F51397B90}"/>
                 </a:ext>
               </a:extLst>
             </p:cNvPr>
@@ -7852,7 +8731,7 @@
             <p:cNvPr id="105" name="TextBox 104">
               <a:extLst>
                 <a:ext uri="{FF2B5EF4-FFF2-40B4-BE49-F238E27FC236}">
-                  <a16:creationId xmlns:a16="http://schemas.microsoft.com/office/drawing/2014/main" id="{20AE6293-D3BC-454B-A4B8-396B4F5F032F}"/>
+                  <a16:creationId xmlns:a16="http://schemas.microsoft.com/office/drawing/2014/main" xmlns="" id="{20AE6293-D3BC-454B-A4B8-396B4F5F032F}"/>
                 </a:ext>
               </a:extLst>
             </p:cNvPr>
@@ -7877,10 +8756,438 @@
             <a:p>
               <a:pPr algn="ctr"/>
               <a:r>
-                <a:rPr lang="en-US" altLang="ko-KR" sz="900"/>
-                <a:t>10. Get Resource</a:t>
+                <a:rPr lang="en-US" altLang="ko-KR" sz="900" dirty="0" smtClean="0"/>
+                <a:t>14. </a:t>
               </a:r>
-              <a:endParaRPr lang="ko-KR" altLang="en-US" sz="900"/>
+              <a:r>
+                <a:rPr lang="en-US" altLang="ko-KR" sz="900" dirty="0"/>
+                <a:t>Get Resource</a:t>
+              </a:r>
+              <a:endParaRPr lang="ko-KR" altLang="en-US" sz="900" dirty="0"/>
+            </a:p>
+          </p:txBody>
+        </p:sp>
+      </p:grpSp>
+      <p:grpSp>
+        <p:nvGrpSpPr>
+          <p:cNvPr id="43" name="그룹 42">
+            <a:extLst>
+              <a:ext uri="{FF2B5EF4-FFF2-40B4-BE49-F238E27FC236}">
+                <a16:creationId xmlns:a16="http://schemas.microsoft.com/office/drawing/2014/main" xmlns="" id="{E78E7DB9-7A22-4F16-9950-ECFA5F3D4150}"/>
+              </a:ext>
+            </a:extLst>
+          </p:cNvPr>
+          <p:cNvGrpSpPr/>
+          <p:nvPr/>
+        </p:nvGrpSpPr>
+        <p:grpSpPr>
+          <a:xfrm flipH="1">
+            <a:off x="6395872" y="1779662"/>
+            <a:ext cx="1764020" cy="230832"/>
+            <a:chOff x="1099896" y="1044774"/>
+            <a:chExt cx="1764197" cy="230832"/>
+          </a:xfrm>
+        </p:grpSpPr>
+        <p:cxnSp>
+          <p:nvCxnSpPr>
+            <p:cNvPr id="44" name="직선 화살표 연결선 43">
+              <a:extLst>
+                <a:ext uri="{FF2B5EF4-FFF2-40B4-BE49-F238E27FC236}">
+                  <a16:creationId xmlns:a16="http://schemas.microsoft.com/office/drawing/2014/main" xmlns="" id="{737C3D9E-DD8A-4406-910A-4D607E2EBF1F}"/>
+                </a:ext>
+              </a:extLst>
+            </p:cNvPr>
+            <p:cNvCxnSpPr/>
+            <p:nvPr/>
+          </p:nvCxnSpPr>
+          <p:spPr>
+            <a:xfrm>
+              <a:off x="1099897" y="1275606"/>
+              <a:ext cx="1764196" cy="0"/>
+            </a:xfrm>
+            <a:prstGeom prst="straightConnector1">
+              <a:avLst/>
+            </a:prstGeom>
+            <a:ln w="19050">
+              <a:solidFill>
+                <a:schemeClr val="tx1"/>
+              </a:solidFill>
+              <a:headEnd type="none" w="med" len="med"/>
+              <a:tailEnd type="arrow" w="med" len="med"/>
+            </a:ln>
+          </p:spPr>
+          <p:style>
+            <a:lnRef idx="1">
+              <a:schemeClr val="accent1"/>
+            </a:lnRef>
+            <a:fillRef idx="0">
+              <a:schemeClr val="accent1"/>
+            </a:fillRef>
+            <a:effectRef idx="0">
+              <a:schemeClr val="accent1"/>
+            </a:effectRef>
+            <a:fontRef idx="minor">
+              <a:schemeClr val="tx1"/>
+            </a:fontRef>
+          </p:style>
+        </p:cxnSp>
+        <p:sp>
+          <p:nvSpPr>
+            <p:cNvPr id="51" name="TextBox 50">
+              <a:extLst>
+                <a:ext uri="{FF2B5EF4-FFF2-40B4-BE49-F238E27FC236}">
+                  <a16:creationId xmlns:a16="http://schemas.microsoft.com/office/drawing/2014/main" xmlns="" id="{970114FF-E1D7-493F-9A33-71AC3EB2CD96}"/>
+                </a:ext>
+              </a:extLst>
+            </p:cNvPr>
+            <p:cNvSpPr txBox="1"/>
+            <p:nvPr/>
+          </p:nvSpPr>
+          <p:spPr>
+            <a:xfrm>
+              <a:off x="1099896" y="1044774"/>
+              <a:ext cx="1764187" cy="230832"/>
+            </a:xfrm>
+            <a:prstGeom prst="rect">
+              <a:avLst/>
+            </a:prstGeom>
+            <a:noFill/>
+          </p:spPr>
+          <p:txBody>
+            <a:bodyPr wrap="square" rtlCol="0" anchor="ctr">
+              <a:spAutoFit/>
+            </a:bodyPr>
+            <a:lstStyle/>
+            <a:p>
+              <a:pPr algn="ctr"/>
+              <a:r>
+                <a:rPr lang="en-US" altLang="ko-KR" sz="900" dirty="0"/>
+                <a:t>4</a:t>
+              </a:r>
+              <a:r>
+                <a:rPr lang="en-US" altLang="ko-KR" sz="900" dirty="0" smtClean="0"/>
+                <a:t>. Send Access Token</a:t>
+              </a:r>
+              <a:endParaRPr lang="ko-KR" altLang="en-US" sz="900" dirty="0"/>
+            </a:p>
+          </p:txBody>
+        </p:sp>
+      </p:grpSp>
+      <p:grpSp>
+        <p:nvGrpSpPr>
+          <p:cNvPr id="52" name="그룹 51">
+            <a:extLst>
+              <a:ext uri="{FF2B5EF4-FFF2-40B4-BE49-F238E27FC236}">
+                <a16:creationId xmlns:a16="http://schemas.microsoft.com/office/drawing/2014/main" xmlns="" id="{E78E7DB9-7A22-4F16-9950-ECFA5F3D4150}"/>
+              </a:ext>
+            </a:extLst>
+          </p:cNvPr>
+          <p:cNvGrpSpPr/>
+          <p:nvPr/>
+        </p:nvGrpSpPr>
+        <p:grpSpPr>
+          <a:xfrm flipH="1">
+            <a:off x="6392661" y="2090554"/>
+            <a:ext cx="1764020" cy="230832"/>
+            <a:chOff x="1099896" y="1044774"/>
+            <a:chExt cx="1764197" cy="230832"/>
+          </a:xfrm>
+        </p:grpSpPr>
+        <p:cxnSp>
+          <p:nvCxnSpPr>
+            <p:cNvPr id="53" name="직선 화살표 연결선 52">
+              <a:extLst>
+                <a:ext uri="{FF2B5EF4-FFF2-40B4-BE49-F238E27FC236}">
+                  <a16:creationId xmlns:a16="http://schemas.microsoft.com/office/drawing/2014/main" xmlns="" id="{737C3D9E-DD8A-4406-910A-4D607E2EBF1F}"/>
+                </a:ext>
+              </a:extLst>
+            </p:cNvPr>
+            <p:cNvCxnSpPr/>
+            <p:nvPr/>
+          </p:nvCxnSpPr>
+          <p:spPr>
+            <a:xfrm>
+              <a:off x="1099897" y="1275606"/>
+              <a:ext cx="1764196" cy="0"/>
+            </a:xfrm>
+            <a:prstGeom prst="straightConnector1">
+              <a:avLst/>
+            </a:prstGeom>
+            <a:ln w="19050">
+              <a:solidFill>
+                <a:schemeClr val="tx1"/>
+              </a:solidFill>
+              <a:headEnd type="arrow" w="med" len="med"/>
+              <a:tailEnd type="none" w="med" len="med"/>
+            </a:ln>
+          </p:spPr>
+          <p:style>
+            <a:lnRef idx="1">
+              <a:schemeClr val="accent1"/>
+            </a:lnRef>
+            <a:fillRef idx="0">
+              <a:schemeClr val="accent1"/>
+            </a:fillRef>
+            <a:effectRef idx="0">
+              <a:schemeClr val="accent1"/>
+            </a:effectRef>
+            <a:fontRef idx="minor">
+              <a:schemeClr val="tx1"/>
+            </a:fontRef>
+          </p:style>
+        </p:cxnSp>
+        <p:sp>
+          <p:nvSpPr>
+            <p:cNvPr id="57" name="TextBox 56">
+              <a:extLst>
+                <a:ext uri="{FF2B5EF4-FFF2-40B4-BE49-F238E27FC236}">
+                  <a16:creationId xmlns:a16="http://schemas.microsoft.com/office/drawing/2014/main" xmlns="" id="{970114FF-E1D7-493F-9A33-71AC3EB2CD96}"/>
+                </a:ext>
+              </a:extLst>
+            </p:cNvPr>
+            <p:cNvSpPr txBox="1"/>
+            <p:nvPr/>
+          </p:nvSpPr>
+          <p:spPr>
+            <a:xfrm>
+              <a:off x="1099896" y="1044774"/>
+              <a:ext cx="1764187" cy="230832"/>
+            </a:xfrm>
+            <a:prstGeom prst="rect">
+              <a:avLst/>
+            </a:prstGeom>
+            <a:noFill/>
+          </p:spPr>
+          <p:txBody>
+            <a:bodyPr wrap="square" rtlCol="0" anchor="ctr">
+              <a:spAutoFit/>
+            </a:bodyPr>
+            <a:lstStyle/>
+            <a:p>
+              <a:pPr algn="ctr"/>
+              <a:r>
+                <a:rPr lang="en-US" altLang="ko-KR" sz="900" dirty="0"/>
+                <a:t>5</a:t>
+              </a:r>
+              <a:r>
+                <a:rPr lang="en-US" altLang="ko-KR" sz="900" dirty="0" smtClean="0"/>
+                <a:t>. </a:t>
+              </a:r>
+              <a:r>
+                <a:rPr lang="en-US" altLang="ko-KR" sz="900" dirty="0" smtClean="0"/>
+                <a:t>Invalid</a:t>
+              </a:r>
+              <a:endParaRPr lang="ko-KR" altLang="en-US" sz="900" dirty="0"/>
+            </a:p>
+          </p:txBody>
+        </p:sp>
+      </p:grpSp>
+      <p:grpSp>
+        <p:nvGrpSpPr>
+          <p:cNvPr id="58" name="그룹 57">
+            <a:extLst>
+              <a:ext uri="{FF2B5EF4-FFF2-40B4-BE49-F238E27FC236}">
+                <a16:creationId xmlns:a16="http://schemas.microsoft.com/office/drawing/2014/main" xmlns="" id="{E78E7DB9-7A22-4F16-9950-ECFA5F3D4150}"/>
+              </a:ext>
+            </a:extLst>
+          </p:cNvPr>
+          <p:cNvGrpSpPr/>
+          <p:nvPr/>
+        </p:nvGrpSpPr>
+        <p:grpSpPr>
+          <a:xfrm flipH="1">
+            <a:off x="6395872" y="3579862"/>
+            <a:ext cx="1764020" cy="230832"/>
+            <a:chOff x="1099896" y="1044774"/>
+            <a:chExt cx="1764197" cy="230832"/>
+          </a:xfrm>
+        </p:grpSpPr>
+        <p:cxnSp>
+          <p:nvCxnSpPr>
+            <p:cNvPr id="59" name="직선 화살표 연결선 58">
+              <a:extLst>
+                <a:ext uri="{FF2B5EF4-FFF2-40B4-BE49-F238E27FC236}">
+                  <a16:creationId xmlns:a16="http://schemas.microsoft.com/office/drawing/2014/main" xmlns="" id="{737C3D9E-DD8A-4406-910A-4D607E2EBF1F}"/>
+                </a:ext>
+              </a:extLst>
+            </p:cNvPr>
+            <p:cNvCxnSpPr/>
+            <p:nvPr/>
+          </p:nvCxnSpPr>
+          <p:spPr>
+            <a:xfrm>
+              <a:off x="1099897" y="1275606"/>
+              <a:ext cx="1764196" cy="0"/>
+            </a:xfrm>
+            <a:prstGeom prst="straightConnector1">
+              <a:avLst/>
+            </a:prstGeom>
+            <a:ln w="19050">
+              <a:solidFill>
+                <a:schemeClr val="tx1"/>
+              </a:solidFill>
+              <a:headEnd type="none" w="med" len="med"/>
+              <a:tailEnd type="arrow" w="med" len="med"/>
+            </a:ln>
+          </p:spPr>
+          <p:style>
+            <a:lnRef idx="1">
+              <a:schemeClr val="accent1"/>
+            </a:lnRef>
+            <a:fillRef idx="0">
+              <a:schemeClr val="accent1"/>
+            </a:fillRef>
+            <a:effectRef idx="0">
+              <a:schemeClr val="accent1"/>
+            </a:effectRef>
+            <a:fontRef idx="minor">
+              <a:schemeClr val="tx1"/>
+            </a:fontRef>
+          </p:style>
+        </p:cxnSp>
+        <p:sp>
+          <p:nvSpPr>
+            <p:cNvPr id="61" name="TextBox 60">
+              <a:extLst>
+                <a:ext uri="{FF2B5EF4-FFF2-40B4-BE49-F238E27FC236}">
+                  <a16:creationId xmlns:a16="http://schemas.microsoft.com/office/drawing/2014/main" xmlns="" id="{970114FF-E1D7-493F-9A33-71AC3EB2CD96}"/>
+                </a:ext>
+              </a:extLst>
+            </p:cNvPr>
+            <p:cNvSpPr txBox="1"/>
+            <p:nvPr/>
+          </p:nvSpPr>
+          <p:spPr>
+            <a:xfrm>
+              <a:off x="1099896" y="1044774"/>
+              <a:ext cx="1764187" cy="230832"/>
+            </a:xfrm>
+            <a:prstGeom prst="rect">
+              <a:avLst/>
+            </a:prstGeom>
+            <a:noFill/>
+          </p:spPr>
+          <p:txBody>
+            <a:bodyPr wrap="square" rtlCol="0" anchor="ctr">
+              <a:spAutoFit/>
+            </a:bodyPr>
+            <a:lstStyle/>
+            <a:p>
+              <a:pPr algn="ctr"/>
+              <a:r>
+                <a:rPr lang="en-US" altLang="ko-KR" sz="900" dirty="0" smtClean="0"/>
+                <a:t>10</a:t>
+              </a:r>
+              <a:r>
+                <a:rPr lang="en-US" altLang="ko-KR" sz="900" dirty="0" smtClean="0"/>
+                <a:t>. Send Access Token</a:t>
+              </a:r>
+              <a:endParaRPr lang="ko-KR" altLang="en-US" sz="900" dirty="0"/>
+            </a:p>
+          </p:txBody>
+        </p:sp>
+      </p:grpSp>
+      <p:grpSp>
+        <p:nvGrpSpPr>
+          <p:cNvPr id="62" name="그룹 61">
+            <a:extLst>
+              <a:ext uri="{FF2B5EF4-FFF2-40B4-BE49-F238E27FC236}">
+                <a16:creationId xmlns:a16="http://schemas.microsoft.com/office/drawing/2014/main" xmlns="" id="{E78E7DB9-7A22-4F16-9950-ECFA5F3D4150}"/>
+              </a:ext>
+            </a:extLst>
+          </p:cNvPr>
+          <p:cNvGrpSpPr/>
+          <p:nvPr/>
+        </p:nvGrpSpPr>
+        <p:grpSpPr>
+          <a:xfrm flipH="1">
+            <a:off x="6392661" y="3890754"/>
+            <a:ext cx="1764020" cy="230832"/>
+            <a:chOff x="1099896" y="1044774"/>
+            <a:chExt cx="1764197" cy="230832"/>
+          </a:xfrm>
+        </p:grpSpPr>
+        <p:cxnSp>
+          <p:nvCxnSpPr>
+            <p:cNvPr id="63" name="직선 화살표 연결선 62">
+              <a:extLst>
+                <a:ext uri="{FF2B5EF4-FFF2-40B4-BE49-F238E27FC236}">
+                  <a16:creationId xmlns:a16="http://schemas.microsoft.com/office/drawing/2014/main" xmlns="" id="{737C3D9E-DD8A-4406-910A-4D607E2EBF1F}"/>
+                </a:ext>
+              </a:extLst>
+            </p:cNvPr>
+            <p:cNvCxnSpPr/>
+            <p:nvPr/>
+          </p:nvCxnSpPr>
+          <p:spPr>
+            <a:xfrm>
+              <a:off x="1099897" y="1275606"/>
+              <a:ext cx="1764196" cy="0"/>
+            </a:xfrm>
+            <a:prstGeom prst="straightConnector1">
+              <a:avLst/>
+            </a:prstGeom>
+            <a:ln w="19050">
+              <a:solidFill>
+                <a:schemeClr val="tx1"/>
+              </a:solidFill>
+              <a:headEnd type="arrow" w="med" len="med"/>
+              <a:tailEnd type="none" w="med" len="med"/>
+            </a:ln>
+          </p:spPr>
+          <p:style>
+            <a:lnRef idx="1">
+              <a:schemeClr val="accent1"/>
+            </a:lnRef>
+            <a:fillRef idx="0">
+              <a:schemeClr val="accent1"/>
+            </a:fillRef>
+            <a:effectRef idx="0">
+              <a:schemeClr val="accent1"/>
+            </a:effectRef>
+            <a:fontRef idx="minor">
+              <a:schemeClr val="tx1"/>
+            </a:fontRef>
+          </p:style>
+        </p:cxnSp>
+        <p:sp>
+          <p:nvSpPr>
+            <p:cNvPr id="64" name="TextBox 63">
+              <a:extLst>
+                <a:ext uri="{FF2B5EF4-FFF2-40B4-BE49-F238E27FC236}">
+                  <a16:creationId xmlns:a16="http://schemas.microsoft.com/office/drawing/2014/main" xmlns="" id="{970114FF-E1D7-493F-9A33-71AC3EB2CD96}"/>
+                </a:ext>
+              </a:extLst>
+            </p:cNvPr>
+            <p:cNvSpPr txBox="1"/>
+            <p:nvPr/>
+          </p:nvSpPr>
+          <p:spPr>
+            <a:xfrm>
+              <a:off x="1099896" y="1044774"/>
+              <a:ext cx="1764187" cy="230832"/>
+            </a:xfrm>
+            <a:prstGeom prst="rect">
+              <a:avLst/>
+            </a:prstGeom>
+            <a:noFill/>
+          </p:spPr>
+          <p:txBody>
+            <a:bodyPr wrap="square" rtlCol="0" anchor="ctr">
+              <a:spAutoFit/>
+            </a:bodyPr>
+            <a:lstStyle/>
+            <a:p>
+              <a:pPr algn="ctr"/>
+              <a:r>
+                <a:rPr lang="en-US" altLang="ko-KR" sz="900" dirty="0" smtClean="0"/>
+                <a:t>11. </a:t>
+              </a:r>
+              <a:r>
+                <a:rPr lang="en-US" altLang="ko-KR" sz="900" dirty="0" smtClean="0"/>
+                <a:t>Invalid</a:t>
+              </a:r>
+              <a:endParaRPr lang="ko-KR" altLang="en-US" sz="900" dirty="0"/>
             </a:p>
           </p:txBody>
         </p:sp>

--- a/images/theory_analysis/OAuth_2.0/OAuth_2.0.pptx
+++ b/images/theory_analysis/OAuth_2.0/OAuth_2.0.pptx
@@ -5,13 +5,14 @@
     <p:sldMasterId id="2147483648" r:id="rId1"/>
   </p:sldMasterIdLst>
   <p:notesMasterIdLst>
-    <p:notesMasterId r:id="rId6"/>
+    <p:notesMasterId r:id="rId7"/>
   </p:notesMasterIdLst>
   <p:sldIdLst>
-    <p:sldId id="368" r:id="rId2"/>
-    <p:sldId id="366" r:id="rId3"/>
-    <p:sldId id="365" r:id="rId4"/>
-    <p:sldId id="367" r:id="rId5"/>
+    <p:sldId id="369" r:id="rId2"/>
+    <p:sldId id="368" r:id="rId3"/>
+    <p:sldId id="366" r:id="rId4"/>
+    <p:sldId id="365" r:id="rId5"/>
+    <p:sldId id="367" r:id="rId6"/>
   </p:sldIdLst>
   <p:sldSz cx="9144000" cy="5143500" type="screen16x9"/>
   <p:notesSz cx="6858000" cy="9144000"/>
@@ -112,7 +113,7 @@
   </p:defaultTextStyle>
   <p:extLst>
     <p:ext uri="{EFAFB233-063F-42B5-8137-9DF3F51BA10A}">
-      <p15:sldGuideLst xmlns:p15="http://schemas.microsoft.com/office/powerpoint/2012/main" xmlns="">
+      <p15:sldGuideLst xmlns="" xmlns:p15="http://schemas.microsoft.com/office/powerpoint/2012/main">
         <p15:guide id="1" orient="horz" pos="2160">
           <p15:clr>
             <a:srgbClr val="A4A3A4"/>
@@ -216,7 +217,7 @@
           <a:p>
             <a:fld id="{6CD5550B-26C4-49A9-A5BA-636EF7BE6CE9}" type="datetimeFigureOut">
               <a:rPr lang="ko-KR" altLang="en-US" smtClean="0"/>
-              <a:t>2018-03-05</a:t>
+              <a:t>2018-03-07</a:t>
             </a:fld>
             <a:endParaRPr lang="ko-KR" altLang="en-US"/>
           </a:p>
@@ -662,7 +663,7 @@
           <a:p>
             <a:fld id="{FB30EDBD-1C2D-4C1E-B459-B60219FAB484}" type="datetimeFigureOut">
               <a:rPr lang="ko-KR" altLang="en-US" smtClean="0"/>
-              <a:t>2018-03-05</a:t>
+              <a:t>2018-03-07</a:t>
             </a:fld>
             <a:endParaRPr lang="ko-KR" altLang="en-US"/>
           </a:p>
@@ -825,7 +826,7 @@
           <a:p>
             <a:fld id="{FB30EDBD-1C2D-4C1E-B459-B60219FAB484}" type="datetimeFigureOut">
               <a:rPr lang="ko-KR" altLang="en-US" smtClean="0"/>
-              <a:t>2018-03-05</a:t>
+              <a:t>2018-03-07</a:t>
             </a:fld>
             <a:endParaRPr lang="ko-KR" altLang="en-US"/>
           </a:p>
@@ -998,7 +999,7 @@
           <a:p>
             <a:fld id="{FB30EDBD-1C2D-4C1E-B459-B60219FAB484}" type="datetimeFigureOut">
               <a:rPr lang="ko-KR" altLang="en-US" smtClean="0"/>
-              <a:t>2018-03-05</a:t>
+              <a:t>2018-03-07</a:t>
             </a:fld>
             <a:endParaRPr lang="ko-KR" altLang="en-US"/>
           </a:p>
@@ -1161,7 +1162,7 @@
           <a:p>
             <a:fld id="{FB30EDBD-1C2D-4C1E-B459-B60219FAB484}" type="datetimeFigureOut">
               <a:rPr lang="ko-KR" altLang="en-US" smtClean="0"/>
-              <a:t>2018-03-05</a:t>
+              <a:t>2018-03-07</a:t>
             </a:fld>
             <a:endParaRPr lang="ko-KR" altLang="en-US"/>
           </a:p>
@@ -1401,7 +1402,7 @@
           <a:p>
             <a:fld id="{FB30EDBD-1C2D-4C1E-B459-B60219FAB484}" type="datetimeFigureOut">
               <a:rPr lang="ko-KR" altLang="en-US" smtClean="0"/>
-              <a:t>2018-03-05</a:t>
+              <a:t>2018-03-07</a:t>
             </a:fld>
             <a:endParaRPr lang="ko-KR" altLang="en-US"/>
           </a:p>
@@ -1681,7 +1682,7 @@
           <a:p>
             <a:fld id="{FB30EDBD-1C2D-4C1E-B459-B60219FAB484}" type="datetimeFigureOut">
               <a:rPr lang="ko-KR" altLang="en-US" smtClean="0"/>
-              <a:t>2018-03-05</a:t>
+              <a:t>2018-03-07</a:t>
             </a:fld>
             <a:endParaRPr lang="ko-KR" altLang="en-US"/>
           </a:p>
@@ -2095,7 +2096,7 @@
           <a:p>
             <a:fld id="{FB30EDBD-1C2D-4C1E-B459-B60219FAB484}" type="datetimeFigureOut">
               <a:rPr lang="ko-KR" altLang="en-US" smtClean="0"/>
-              <a:t>2018-03-05</a:t>
+              <a:t>2018-03-07</a:t>
             </a:fld>
             <a:endParaRPr lang="ko-KR" altLang="en-US"/>
           </a:p>
@@ -2207,7 +2208,7 @@
           <a:p>
             <a:fld id="{FB30EDBD-1C2D-4C1E-B459-B60219FAB484}" type="datetimeFigureOut">
               <a:rPr lang="ko-KR" altLang="en-US" smtClean="0"/>
-              <a:t>2018-03-05</a:t>
+              <a:t>2018-03-07</a:t>
             </a:fld>
             <a:endParaRPr lang="ko-KR" altLang="en-US"/>
           </a:p>
@@ -2297,7 +2298,7 @@
           <a:p>
             <a:fld id="{FB30EDBD-1C2D-4C1E-B459-B60219FAB484}" type="datetimeFigureOut">
               <a:rPr lang="ko-KR" altLang="en-US" smtClean="0"/>
-              <a:t>2018-03-05</a:t>
+              <a:t>2018-03-07</a:t>
             </a:fld>
             <a:endParaRPr lang="ko-KR" altLang="en-US"/>
           </a:p>
@@ -2567,7 +2568,7 @@
           <a:p>
             <a:fld id="{FB30EDBD-1C2D-4C1E-B459-B60219FAB484}" type="datetimeFigureOut">
               <a:rPr lang="ko-KR" altLang="en-US" smtClean="0"/>
-              <a:t>2018-03-05</a:t>
+              <a:t>2018-03-07</a:t>
             </a:fld>
             <a:endParaRPr lang="ko-KR" altLang="en-US"/>
           </a:p>
@@ -2814,7 +2815,7 @@
           <a:p>
             <a:fld id="{FB30EDBD-1C2D-4C1E-B459-B60219FAB484}" type="datetimeFigureOut">
               <a:rPr lang="ko-KR" altLang="en-US" smtClean="0"/>
-              <a:t>2018-03-05</a:t>
+              <a:t>2018-03-07</a:t>
             </a:fld>
             <a:endParaRPr lang="ko-KR" altLang="en-US"/>
           </a:p>
@@ -3020,7 +3021,7 @@
           <a:p>
             <a:fld id="{FB30EDBD-1C2D-4C1E-B459-B60219FAB484}" type="datetimeFigureOut">
               <a:rPr lang="ko-KR" altLang="en-US" smtClean="0"/>
-              <a:t>2018-03-05</a:t>
+              <a:t>2018-03-07</a:t>
             </a:fld>
             <a:endParaRPr lang="ko-KR" altLang="en-US"/>
           </a:p>
@@ -3433,7 +3434,7 @@
           <p:cNvPr id="3" name="사각형: 둥근 모서리 2">
             <a:extLst>
               <a:ext uri="{FF2B5EF4-FFF2-40B4-BE49-F238E27FC236}">
-                <a16:creationId xmlns:a16="http://schemas.microsoft.com/office/drawing/2014/main" xmlns="" id="{F682A8B3-51E9-4E66-93BF-AC13CF953E0F}"/>
+                <a16:creationId xmlns="" xmlns:a16="http://schemas.microsoft.com/office/drawing/2014/main" id="{F682A8B3-51E9-4E66-93BF-AC13CF953E0F}"/>
               </a:ext>
             </a:extLst>
           </p:cNvPr>
@@ -3442,7 +3443,7 @@
         </p:nvSpPr>
         <p:spPr>
           <a:xfrm>
-            <a:off x="1043608" y="2355726"/>
+            <a:off x="971600" y="2497523"/>
             <a:ext cx="1471598" cy="504056"/>
           </a:xfrm>
           <a:prstGeom prst="roundRect">
@@ -3471,26 +3472,19 @@
           <a:p>
             <a:pPr algn="ctr"/>
             <a:r>
-              <a:rPr lang="en-US" altLang="ko-KR" sz="1200" dirty="0"/>
+              <a:rPr lang="en-US" altLang="ko-KR" sz="1200" dirty="0" smtClean="0"/>
               <a:t>User</a:t>
             </a:r>
-          </a:p>
-          <a:p>
-            <a:pPr algn="ctr"/>
-            <a:r>
-              <a:rPr lang="en-US" altLang="ko-KR" sz="1200" dirty="0"/>
-              <a:t>(Resource Owner)</a:t>
-            </a:r>
-            <a:endParaRPr lang="ko-KR" altLang="en-US" sz="1200" dirty="0"/>
+            <a:endParaRPr lang="en-US" altLang="ko-KR" sz="1200" dirty="0"/>
           </a:p>
         </p:txBody>
       </p:sp>
       <p:sp>
         <p:nvSpPr>
-          <p:cNvPr id="19" name="사각형: 둥근 모서리 18">
+          <p:cNvPr id="20" name="사각형: 둥근 모서리 19">
             <a:extLst>
               <a:ext uri="{FF2B5EF4-FFF2-40B4-BE49-F238E27FC236}">
-                <a16:creationId xmlns:a16="http://schemas.microsoft.com/office/drawing/2014/main" xmlns="" id="{0E51AB21-06DD-4D1C-881B-AB9AF29BE15E}"/>
+                <a16:creationId xmlns="" xmlns:a16="http://schemas.microsoft.com/office/drawing/2014/main" id="{1E98CDC1-9222-4883-B10A-81B66E8DC4B0}"/>
               </a:ext>
             </a:extLst>
           </p:cNvPr>
@@ -3499,7 +3493,7 @@
         </p:nvSpPr>
         <p:spPr>
           <a:xfrm>
-            <a:off x="2956386" y="2355726"/>
+            <a:off x="3779912" y="2497523"/>
             <a:ext cx="1471598" cy="504056"/>
           </a:xfrm>
           <a:prstGeom prst="roundRect">
@@ -3528,26 +3522,19 @@
           <a:p>
             <a:pPr algn="ctr"/>
             <a:r>
-              <a:rPr lang="en-US" altLang="ko-KR" sz="1200"/>
-              <a:t>User Agent</a:t>
-            </a:r>
-          </a:p>
-          <a:p>
-            <a:pPr algn="ctr"/>
-            <a:r>
-              <a:rPr lang="en-US" altLang="ko-KR" sz="1200"/>
-              <a:t>(Browser)</a:t>
-            </a:r>
-            <a:endParaRPr lang="ko-KR" altLang="en-US" sz="1200"/>
+              <a:rPr lang="en-US" altLang="ko-KR" sz="1200" dirty="0" smtClean="0"/>
+              <a:t>Application</a:t>
+            </a:r>
+            <a:endParaRPr lang="en-US" altLang="ko-KR" sz="1200" dirty="0"/>
           </a:p>
         </p:txBody>
       </p:sp>
       <p:sp>
         <p:nvSpPr>
-          <p:cNvPr id="20" name="사각형: 둥근 모서리 19">
+          <p:cNvPr id="22" name="사각형: 둥근 모서리 21">
             <a:extLst>
               <a:ext uri="{FF2B5EF4-FFF2-40B4-BE49-F238E27FC236}">
-                <a16:creationId xmlns:a16="http://schemas.microsoft.com/office/drawing/2014/main" xmlns="" id="{1E98CDC1-9222-4883-B10A-81B66E8DC4B0}"/>
+                <a16:creationId xmlns="" xmlns:a16="http://schemas.microsoft.com/office/drawing/2014/main" id="{97A5B4CE-CBA4-48F1-B07F-646FF8B5033F}"/>
               </a:ext>
             </a:extLst>
           </p:cNvPr>
@@ -3556,7 +3543,7 @@
         </p:nvSpPr>
         <p:spPr>
           <a:xfrm>
-            <a:off x="4797156" y="1419622"/>
+            <a:off x="6556786" y="2499742"/>
             <a:ext cx="1471598" cy="504056"/>
           </a:xfrm>
           <a:prstGeom prst="roundRect">
@@ -3585,124 +3572,10 @@
           <a:p>
             <a:pPr algn="ctr"/>
             <a:r>
-              <a:rPr lang="en-US" altLang="ko-KR" sz="1200"/>
-              <a:t>Application</a:t>
-            </a:r>
-          </a:p>
-          <a:p>
-            <a:pPr algn="ctr"/>
-            <a:r>
-              <a:rPr lang="en-US" altLang="ko-KR" sz="1200"/>
-              <a:t>(Web Server)</a:t>
-            </a:r>
-            <a:endParaRPr lang="ko-KR" altLang="en-US" sz="1200"/>
-          </a:p>
-        </p:txBody>
-      </p:sp>
-      <p:sp>
-        <p:nvSpPr>
-          <p:cNvPr id="21" name="사각형: 둥근 모서리 20">
-            <a:extLst>
-              <a:ext uri="{FF2B5EF4-FFF2-40B4-BE49-F238E27FC236}">
-                <a16:creationId xmlns:a16="http://schemas.microsoft.com/office/drawing/2014/main" xmlns="" id="{79835011-8977-4FDA-B1B6-1DD7DB8C2468}"/>
-              </a:ext>
-            </a:extLst>
-          </p:cNvPr>
-          <p:cNvSpPr/>
-          <p:nvPr/>
-        </p:nvSpPr>
-        <p:spPr>
-          <a:xfrm>
-            <a:off x="4797156" y="3291830"/>
-            <a:ext cx="1471598" cy="504056"/>
-          </a:xfrm>
-          <a:prstGeom prst="roundRect">
-            <a:avLst>
-              <a:gd name="adj" fmla="val 0"/>
-            </a:avLst>
-          </a:prstGeom>
-        </p:spPr>
-        <p:style>
-          <a:lnRef idx="2">
-            <a:schemeClr val="dk1"/>
-          </a:lnRef>
-          <a:fillRef idx="1">
-            <a:schemeClr val="lt1"/>
-          </a:fillRef>
-          <a:effectRef idx="0">
-            <a:schemeClr val="dk1"/>
-          </a:effectRef>
-          <a:fontRef idx="minor">
-            <a:schemeClr val="dk1"/>
-          </a:fontRef>
-        </p:style>
-        <p:txBody>
-          <a:bodyPr rtlCol="0" anchor="ctr"/>
-          <a:lstStyle/>
-          <a:p>
-            <a:pPr algn="ctr"/>
-            <a:r>
-              <a:rPr lang="en-US" altLang="ko-KR" sz="1200"/>
-              <a:t>Authorization</a:t>
-            </a:r>
-          </a:p>
-          <a:p>
-            <a:pPr algn="ctr"/>
-            <a:r>
-              <a:rPr lang="en-US" altLang="ko-KR" sz="1200"/>
+              <a:rPr lang="en-US" altLang="ko-KR" sz="1200" dirty="0" smtClean="0"/>
               <a:t>Server</a:t>
             </a:r>
-            <a:endParaRPr lang="ko-KR" altLang="en-US" sz="1200"/>
-          </a:p>
-        </p:txBody>
-      </p:sp>
-      <p:sp>
-        <p:nvSpPr>
-          <p:cNvPr id="22" name="사각형: 둥근 모서리 21">
-            <a:extLst>
-              <a:ext uri="{FF2B5EF4-FFF2-40B4-BE49-F238E27FC236}">
-                <a16:creationId xmlns:a16="http://schemas.microsoft.com/office/drawing/2014/main" xmlns="" id="{97A5B4CE-CBA4-48F1-B07F-646FF8B5033F}"/>
-              </a:ext>
-            </a:extLst>
-          </p:cNvPr>
-          <p:cNvSpPr/>
-          <p:nvPr/>
-        </p:nvSpPr>
-        <p:spPr>
-          <a:xfrm>
-            <a:off x="6588224" y="2335344"/>
-            <a:ext cx="1471598" cy="504056"/>
-          </a:xfrm>
-          <a:prstGeom prst="roundRect">
-            <a:avLst>
-              <a:gd name="adj" fmla="val 0"/>
-            </a:avLst>
-          </a:prstGeom>
-        </p:spPr>
-        <p:style>
-          <a:lnRef idx="2">
-            <a:schemeClr val="dk1"/>
-          </a:lnRef>
-          <a:fillRef idx="1">
-            <a:schemeClr val="lt1"/>
-          </a:fillRef>
-          <a:effectRef idx="0">
-            <a:schemeClr val="dk1"/>
-          </a:effectRef>
-          <a:fontRef idx="minor">
-            <a:schemeClr val="dk1"/>
-          </a:fontRef>
-        </p:style>
-        <p:txBody>
-          <a:bodyPr rtlCol="0" anchor="ctr"/>
-          <a:lstStyle/>
-          <a:p>
-            <a:pPr algn="ctr"/>
-            <a:r>
-              <a:rPr lang="en-US" altLang="ko-KR" sz="1200"/>
-              <a:t>Resource Server</a:t>
-            </a:r>
-            <a:endParaRPr lang="ko-KR" altLang="en-US" sz="1200"/>
+            <a:endParaRPr lang="ko-KR" altLang="en-US" sz="1200" dirty="0"/>
           </a:p>
         </p:txBody>
       </p:sp>
@@ -3711,20 +3584,20 @@
           <p:cNvPr id="54" name="직선 화살표 연결선 53">
             <a:extLst>
               <a:ext uri="{FF2B5EF4-FFF2-40B4-BE49-F238E27FC236}">
-                <a16:creationId xmlns:a16="http://schemas.microsoft.com/office/drawing/2014/main" xmlns="" id="{7DA70A64-B7A7-4AFC-BF95-321F5BF555B1}"/>
+                <a16:creationId xmlns="" xmlns:a16="http://schemas.microsoft.com/office/drawing/2014/main" id="{7DA70A64-B7A7-4AFC-BF95-321F5BF555B1}"/>
               </a:ext>
             </a:extLst>
           </p:cNvPr>
           <p:cNvCxnSpPr>
             <a:stCxn id="3" idx="3"/>
-            <a:endCxn id="19" idx="1"/>
+            <a:endCxn id="20" idx="1"/>
           </p:cNvCxnSpPr>
           <p:nvPr/>
         </p:nvCxnSpPr>
         <p:spPr>
           <a:xfrm>
-            <a:off x="2515206" y="2607754"/>
-            <a:ext cx="441180" cy="0"/>
+            <a:off x="2443198" y="2749551"/>
+            <a:ext cx="1336714" cy="0"/>
           </a:xfrm>
           <a:prstGeom prst="straightConnector1">
             <a:avLst/>
@@ -3734,145 +3607,7 @@
               <a:schemeClr val="tx1"/>
             </a:solidFill>
             <a:headEnd type="none" w="med" len="med"/>
-            <a:tailEnd type="none" w="med" len="med"/>
-          </a:ln>
-        </p:spPr>
-        <p:style>
-          <a:lnRef idx="1">
-            <a:schemeClr val="accent1"/>
-          </a:lnRef>
-          <a:fillRef idx="0">
-            <a:schemeClr val="accent1"/>
-          </a:fillRef>
-          <a:effectRef idx="0">
-            <a:schemeClr val="accent1"/>
-          </a:effectRef>
-          <a:fontRef idx="minor">
-            <a:schemeClr val="tx1"/>
-          </a:fontRef>
-        </p:style>
-      </p:cxnSp>
-      <p:cxnSp>
-        <p:nvCxnSpPr>
-          <p:cNvPr id="55" name="직선 화살표 연결선 54">
-            <a:extLst>
-              <a:ext uri="{FF2B5EF4-FFF2-40B4-BE49-F238E27FC236}">
-                <a16:creationId xmlns:a16="http://schemas.microsoft.com/office/drawing/2014/main" xmlns="" id="{7DA70A64-B7A7-4AFC-BF95-321F5BF555B1}"/>
-              </a:ext>
-            </a:extLst>
-          </p:cNvPr>
-          <p:cNvCxnSpPr>
-            <a:stCxn id="19" idx="3"/>
-            <a:endCxn id="20" idx="1"/>
-          </p:cNvCxnSpPr>
-          <p:nvPr/>
-        </p:nvCxnSpPr>
-        <p:spPr>
-          <a:xfrm flipV="1">
-            <a:off x="4427984" y="1671650"/>
-            <a:ext cx="369172" cy="936104"/>
-          </a:xfrm>
-          <a:prstGeom prst="straightConnector1">
-            <a:avLst/>
-          </a:prstGeom>
-          <a:ln w="19050">
-            <a:solidFill>
-              <a:schemeClr val="tx1"/>
-            </a:solidFill>
-            <a:headEnd type="none" w="med" len="med"/>
-            <a:tailEnd type="none" w="med" len="med"/>
-          </a:ln>
-        </p:spPr>
-        <p:style>
-          <a:lnRef idx="1">
-            <a:schemeClr val="accent1"/>
-          </a:lnRef>
-          <a:fillRef idx="0">
-            <a:schemeClr val="accent1"/>
-          </a:fillRef>
-          <a:effectRef idx="0">
-            <a:schemeClr val="accent1"/>
-          </a:effectRef>
-          <a:fontRef idx="minor">
-            <a:schemeClr val="tx1"/>
-          </a:fontRef>
-        </p:style>
-      </p:cxnSp>
-      <p:cxnSp>
-        <p:nvCxnSpPr>
-          <p:cNvPr id="56" name="직선 화살표 연결선 55">
-            <a:extLst>
-              <a:ext uri="{FF2B5EF4-FFF2-40B4-BE49-F238E27FC236}">
-                <a16:creationId xmlns:a16="http://schemas.microsoft.com/office/drawing/2014/main" xmlns="" id="{7DA70A64-B7A7-4AFC-BF95-321F5BF555B1}"/>
-              </a:ext>
-            </a:extLst>
-          </p:cNvPr>
-          <p:cNvCxnSpPr>
-            <a:stCxn id="19" idx="3"/>
-            <a:endCxn id="21" idx="1"/>
-          </p:cNvCxnSpPr>
-          <p:nvPr/>
-        </p:nvCxnSpPr>
-        <p:spPr>
-          <a:xfrm>
-            <a:off x="4427984" y="2607754"/>
-            <a:ext cx="369172" cy="936104"/>
-          </a:xfrm>
-          <a:prstGeom prst="straightConnector1">
-            <a:avLst/>
-          </a:prstGeom>
-          <a:ln w="19050">
-            <a:solidFill>
-              <a:schemeClr val="tx1"/>
-            </a:solidFill>
-            <a:headEnd type="none" w="med" len="med"/>
-            <a:tailEnd type="none" w="med" len="med"/>
-          </a:ln>
-        </p:spPr>
-        <p:style>
-          <a:lnRef idx="1">
-            <a:schemeClr val="accent1"/>
-          </a:lnRef>
-          <a:fillRef idx="0">
-            <a:schemeClr val="accent1"/>
-          </a:fillRef>
-          <a:effectRef idx="0">
-            <a:schemeClr val="accent1"/>
-          </a:effectRef>
-          <a:fontRef idx="minor">
-            <a:schemeClr val="tx1"/>
-          </a:fontRef>
-        </p:style>
-      </p:cxnSp>
-      <p:cxnSp>
-        <p:nvCxnSpPr>
-          <p:cNvPr id="60" name="직선 화살표 연결선 59">
-            <a:extLst>
-              <a:ext uri="{FF2B5EF4-FFF2-40B4-BE49-F238E27FC236}">
-                <a16:creationId xmlns:a16="http://schemas.microsoft.com/office/drawing/2014/main" xmlns="" id="{7DA70A64-B7A7-4AFC-BF95-321F5BF555B1}"/>
-              </a:ext>
-            </a:extLst>
-          </p:cNvPr>
-          <p:cNvCxnSpPr>
-            <a:stCxn id="22" idx="1"/>
-            <a:endCxn id="21" idx="3"/>
-          </p:cNvCxnSpPr>
-          <p:nvPr/>
-        </p:nvCxnSpPr>
-        <p:spPr>
-          <a:xfrm flipH="1">
-            <a:off x="6268754" y="2587372"/>
-            <a:ext cx="319470" cy="956486"/>
-          </a:xfrm>
-          <a:prstGeom prst="straightConnector1">
-            <a:avLst/>
-          </a:prstGeom>
-          <a:ln w="19050">
-            <a:solidFill>
-              <a:schemeClr val="tx1"/>
-            </a:solidFill>
-            <a:headEnd type="none" w="med" len="med"/>
-            <a:tailEnd type="none" w="med" len="med"/>
+            <a:tailEnd type="arrow" w="med" len="med"/>
           </a:ln>
         </p:spPr>
         <p:style>
@@ -3895,20 +3630,17 @@
           <p:cNvPr id="73" name="직선 화살표 연결선 72">
             <a:extLst>
               <a:ext uri="{FF2B5EF4-FFF2-40B4-BE49-F238E27FC236}">
-                <a16:creationId xmlns:a16="http://schemas.microsoft.com/office/drawing/2014/main" xmlns="" id="{7DA70A64-B7A7-4AFC-BF95-321F5BF555B1}"/>
+                <a16:creationId xmlns="" xmlns:a16="http://schemas.microsoft.com/office/drawing/2014/main" id="{7DA70A64-B7A7-4AFC-BF95-321F5BF555B1}"/>
               </a:ext>
             </a:extLst>
           </p:cNvPr>
-          <p:cNvCxnSpPr>
-            <a:stCxn id="22" idx="1"/>
-            <a:endCxn id="20" idx="3"/>
-          </p:cNvCxnSpPr>
+          <p:cNvCxnSpPr/>
           <p:nvPr/>
         </p:nvCxnSpPr>
         <p:spPr>
           <a:xfrm flipH="1" flipV="1">
-            <a:off x="6268754" y="1671650"/>
-            <a:ext cx="319470" cy="915722"/>
+            <a:off x="5251510" y="2586558"/>
+            <a:ext cx="1305276" cy="2219"/>
           </a:xfrm>
           <a:prstGeom prst="straightConnector1">
             <a:avLst/>
@@ -3917,7 +3649,7 @@
             <a:solidFill>
               <a:schemeClr val="tx1"/>
             </a:solidFill>
-            <a:headEnd type="none" w="med" len="med"/>
+            <a:headEnd type="arrow" w="med" len="med"/>
             <a:tailEnd type="none" w="med" len="med"/>
           </a:ln>
         </p:spPr>
@@ -3936,10 +3668,164 @@
           </a:fontRef>
         </p:style>
       </p:cxnSp>
+      <p:sp>
+        <p:nvSpPr>
+          <p:cNvPr id="18" name="TextBox 17">
+            <a:extLst>
+              <a:ext uri="{FF2B5EF4-FFF2-40B4-BE49-F238E27FC236}">
+                <a16:creationId xmlns="" xmlns:a16="http://schemas.microsoft.com/office/drawing/2014/main" id="{9207FD93-EFBF-47E4-A844-1B1F49D86DB7}"/>
+              </a:ext>
+            </a:extLst>
+          </p:cNvPr>
+          <p:cNvSpPr txBox="1"/>
+          <p:nvPr/>
+        </p:nvSpPr>
+        <p:spPr>
+          <a:xfrm>
+            <a:off x="2229461" y="2520938"/>
+            <a:ext cx="1764187" cy="230832"/>
+          </a:xfrm>
+          <a:prstGeom prst="rect">
+            <a:avLst/>
+          </a:prstGeom>
+          <a:noFill/>
+        </p:spPr>
+        <p:txBody>
+          <a:bodyPr wrap="square" rtlCol="0" anchor="ctr">
+            <a:spAutoFit/>
+          </a:bodyPr>
+          <a:lstStyle/>
+          <a:p>
+            <a:pPr algn="ctr"/>
+            <a:r>
+              <a:rPr lang="en-US" altLang="ko-KR" sz="900" dirty="0" smtClean="0"/>
+              <a:t>1. Input ID/Password</a:t>
+            </a:r>
+            <a:endParaRPr lang="ko-KR" altLang="en-US" sz="900" dirty="0"/>
+          </a:p>
+        </p:txBody>
+      </p:sp>
+      <p:sp>
+        <p:nvSpPr>
+          <p:cNvPr id="23" name="TextBox 22">
+            <a:extLst>
+              <a:ext uri="{FF2B5EF4-FFF2-40B4-BE49-F238E27FC236}">
+                <a16:creationId xmlns="" xmlns:a16="http://schemas.microsoft.com/office/drawing/2014/main" id="{9207FD93-EFBF-47E4-A844-1B1F49D86DB7}"/>
+              </a:ext>
+            </a:extLst>
+          </p:cNvPr>
+          <p:cNvSpPr txBox="1"/>
+          <p:nvPr/>
+        </p:nvSpPr>
+        <p:spPr>
+          <a:xfrm>
+            <a:off x="5022054" y="2355726"/>
+            <a:ext cx="1764187" cy="230832"/>
+          </a:xfrm>
+          <a:prstGeom prst="rect">
+            <a:avLst/>
+          </a:prstGeom>
+          <a:noFill/>
+        </p:spPr>
+        <p:txBody>
+          <a:bodyPr wrap="square" rtlCol="0" anchor="ctr">
+            <a:spAutoFit/>
+          </a:bodyPr>
+          <a:lstStyle/>
+          <a:p>
+            <a:pPr algn="ctr"/>
+            <a:r>
+              <a:rPr lang="en-US" altLang="ko-KR" sz="900" dirty="0" smtClean="0"/>
+              <a:t>2. Send ID/Password</a:t>
+            </a:r>
+            <a:endParaRPr lang="ko-KR" altLang="en-US" sz="900" dirty="0"/>
+          </a:p>
+        </p:txBody>
+      </p:sp>
+      <p:cxnSp>
+        <p:nvCxnSpPr>
+          <p:cNvPr id="24" name="직선 화살표 연결선 23">
+            <a:extLst>
+              <a:ext uri="{FF2B5EF4-FFF2-40B4-BE49-F238E27FC236}">
+                <a16:creationId xmlns="" xmlns:a16="http://schemas.microsoft.com/office/drawing/2014/main" id="{7DA70A64-B7A7-4AFC-BF95-321F5BF555B1}"/>
+              </a:ext>
+            </a:extLst>
+          </p:cNvPr>
+          <p:cNvCxnSpPr/>
+          <p:nvPr/>
+        </p:nvCxnSpPr>
+        <p:spPr>
+          <a:xfrm flipH="1" flipV="1">
+            <a:off x="5251510" y="2929571"/>
+            <a:ext cx="1305276" cy="2219"/>
+          </a:xfrm>
+          <a:prstGeom prst="straightConnector1">
+            <a:avLst/>
+          </a:prstGeom>
+          <a:ln w="19050">
+            <a:solidFill>
+              <a:schemeClr val="tx1"/>
+            </a:solidFill>
+            <a:headEnd type="none" w="med" len="med"/>
+            <a:tailEnd type="arrow" w="med" len="med"/>
+          </a:ln>
+        </p:spPr>
+        <p:style>
+          <a:lnRef idx="1">
+            <a:schemeClr val="accent1"/>
+          </a:lnRef>
+          <a:fillRef idx="0">
+            <a:schemeClr val="accent1"/>
+          </a:fillRef>
+          <a:effectRef idx="0">
+            <a:schemeClr val="accent1"/>
+          </a:effectRef>
+          <a:fontRef idx="minor">
+            <a:schemeClr val="tx1"/>
+          </a:fontRef>
+        </p:style>
+      </p:cxnSp>
+      <p:sp>
+        <p:nvSpPr>
+          <p:cNvPr id="25" name="TextBox 24">
+            <a:extLst>
+              <a:ext uri="{FF2B5EF4-FFF2-40B4-BE49-F238E27FC236}">
+                <a16:creationId xmlns="" xmlns:a16="http://schemas.microsoft.com/office/drawing/2014/main" id="{9207FD93-EFBF-47E4-A844-1B1F49D86DB7}"/>
+              </a:ext>
+            </a:extLst>
+          </p:cNvPr>
+          <p:cNvSpPr txBox="1"/>
+          <p:nvPr/>
+        </p:nvSpPr>
+        <p:spPr>
+          <a:xfrm>
+            <a:off x="5022054" y="2700415"/>
+            <a:ext cx="1764187" cy="230832"/>
+          </a:xfrm>
+          <a:prstGeom prst="rect">
+            <a:avLst/>
+          </a:prstGeom>
+          <a:noFill/>
+        </p:spPr>
+        <p:txBody>
+          <a:bodyPr wrap="square" rtlCol="0" anchor="ctr">
+            <a:spAutoFit/>
+          </a:bodyPr>
+          <a:lstStyle/>
+          <a:p>
+            <a:pPr algn="ctr"/>
+            <a:r>
+              <a:rPr lang="en-US" altLang="ko-KR" sz="900" dirty="0" smtClean="0"/>
+              <a:t>3. Send Resource</a:t>
+            </a:r>
+            <a:endParaRPr lang="ko-KR" altLang="en-US" sz="900" dirty="0"/>
+          </a:p>
+        </p:txBody>
+      </p:sp>
     </p:spTree>
     <p:extLst>
       <p:ext uri="{BB962C8B-B14F-4D97-AF65-F5344CB8AC3E}">
-        <p14:creationId xmlns:p14="http://schemas.microsoft.com/office/powerpoint/2010/main" val="1951662845"/>
+        <p14:creationId xmlns:p14="http://schemas.microsoft.com/office/powerpoint/2010/main" val="148683256"/>
       </p:ext>
     </p:extLst>
   </p:cSld>
@@ -3989,8 +3875,16 @@
           <a:lstStyle/>
           <a:p>
             <a:r>
-              <a:rPr lang="en-US" altLang="ko-KR" sz="3600"/>
-              <a:t>OAuth 2.0 Flow - Access Token</a:t>
+              <a:rPr lang="en-US" altLang="ko-KR" sz="3600" dirty="0" err="1"/>
+              <a:t>OAuth</a:t>
+            </a:r>
+            <a:r>
+              <a:rPr lang="en-US" altLang="ko-KR" sz="3600" dirty="0"/>
+              <a:t> 2.0 </a:t>
+            </a:r>
+            <a:r>
+              <a:rPr lang="en-US" altLang="ko-KR" sz="3600" dirty="0" smtClean="0"/>
+              <a:t>Component</a:t>
             </a:r>
             <a:endParaRPr lang="ko-KR" altLang="en-US" sz="3600" dirty="0"/>
           </a:p>
@@ -4001,7 +3895,7 @@
           <p:cNvPr id="3" name="사각형: 둥근 모서리 2">
             <a:extLst>
               <a:ext uri="{FF2B5EF4-FFF2-40B4-BE49-F238E27FC236}">
-                <a16:creationId xmlns:a16="http://schemas.microsoft.com/office/drawing/2014/main" xmlns="" id="{F682A8B3-51E9-4E66-93BF-AC13CF953E0F}"/>
+                <a16:creationId xmlns="" xmlns:a16="http://schemas.microsoft.com/office/drawing/2014/main" id="{F682A8B3-51E9-4E66-93BF-AC13CF953E0F}"/>
               </a:ext>
             </a:extLst>
           </p:cNvPr>
@@ -4010,8 +3904,8 @@
         </p:nvSpPr>
         <p:spPr>
           <a:xfrm>
-            <a:off x="508114" y="771550"/>
-            <a:ext cx="1183566" cy="360040"/>
+            <a:off x="1043608" y="2355726"/>
+            <a:ext cx="1471598" cy="504056"/>
           </a:xfrm>
           <a:prstGeom prst="roundRect">
             <a:avLst>
@@ -4039,17 +3933,17 @@
           <a:p>
             <a:pPr algn="ctr"/>
             <a:r>
-              <a:rPr lang="en-US" altLang="ko-KR" sz="1000"/>
+              <a:rPr lang="en-US" altLang="ko-KR" sz="1200" dirty="0"/>
               <a:t>User</a:t>
             </a:r>
           </a:p>
           <a:p>
             <a:pPr algn="ctr"/>
             <a:r>
-              <a:rPr lang="en-US" altLang="ko-KR" sz="1000"/>
+              <a:rPr lang="en-US" altLang="ko-KR" sz="1200" dirty="0"/>
               <a:t>(Resource Owner)</a:t>
             </a:r>
-            <a:endParaRPr lang="ko-KR" altLang="en-US" sz="1000"/>
+            <a:endParaRPr lang="ko-KR" altLang="en-US" sz="1200" dirty="0"/>
           </a:p>
         </p:txBody>
       </p:sp>
@@ -4058,7 +3952,7 @@
           <p:cNvPr id="19" name="사각형: 둥근 모서리 18">
             <a:extLst>
               <a:ext uri="{FF2B5EF4-FFF2-40B4-BE49-F238E27FC236}">
-                <a16:creationId xmlns:a16="http://schemas.microsoft.com/office/drawing/2014/main" xmlns="" id="{0E51AB21-06DD-4D1C-881B-AB9AF29BE15E}"/>
+                <a16:creationId xmlns="" xmlns:a16="http://schemas.microsoft.com/office/drawing/2014/main" id="{0E51AB21-06DD-4D1C-881B-AB9AF29BE15E}"/>
               </a:ext>
             </a:extLst>
           </p:cNvPr>
@@ -4067,8 +3961,8 @@
         </p:nvSpPr>
         <p:spPr>
           <a:xfrm>
-            <a:off x="2272310" y="771550"/>
-            <a:ext cx="1183566" cy="360040"/>
+            <a:off x="2956386" y="2355726"/>
+            <a:ext cx="1471598" cy="504056"/>
           </a:xfrm>
           <a:prstGeom prst="roundRect">
             <a:avLst>
@@ -4096,17 +3990,17 @@
           <a:p>
             <a:pPr algn="ctr"/>
             <a:r>
-              <a:rPr lang="en-US" altLang="ko-KR" sz="1000"/>
+              <a:rPr lang="en-US" altLang="ko-KR" sz="1200"/>
               <a:t>User Agent</a:t>
             </a:r>
           </a:p>
           <a:p>
             <a:pPr algn="ctr"/>
             <a:r>
-              <a:rPr lang="en-US" altLang="ko-KR" sz="1000"/>
+              <a:rPr lang="en-US" altLang="ko-KR" sz="1200"/>
               <a:t>(Browser)</a:t>
             </a:r>
-            <a:endParaRPr lang="ko-KR" altLang="en-US" sz="1000"/>
+            <a:endParaRPr lang="ko-KR" altLang="en-US" sz="1200"/>
           </a:p>
         </p:txBody>
       </p:sp>
@@ -4115,7 +4009,7 @@
           <p:cNvPr id="20" name="사각형: 둥근 모서리 19">
             <a:extLst>
               <a:ext uri="{FF2B5EF4-FFF2-40B4-BE49-F238E27FC236}">
-                <a16:creationId xmlns:a16="http://schemas.microsoft.com/office/drawing/2014/main" xmlns="" id="{1E98CDC1-9222-4883-B10A-81B66E8DC4B0}"/>
+                <a16:creationId xmlns="" xmlns:a16="http://schemas.microsoft.com/office/drawing/2014/main" id="{1E98CDC1-9222-4883-B10A-81B66E8DC4B0}"/>
               </a:ext>
             </a:extLst>
           </p:cNvPr>
@@ -4124,8 +4018,8 @@
         </p:nvSpPr>
         <p:spPr>
           <a:xfrm>
-            <a:off x="4036506" y="771550"/>
-            <a:ext cx="1183566" cy="360040"/>
+            <a:off x="4797156" y="1419622"/>
+            <a:ext cx="1471598" cy="504056"/>
           </a:xfrm>
           <a:prstGeom prst="roundRect">
             <a:avLst>
@@ -4153,17 +4047,17 @@
           <a:p>
             <a:pPr algn="ctr"/>
             <a:r>
-              <a:rPr lang="en-US" altLang="ko-KR" sz="1000"/>
+              <a:rPr lang="en-US" altLang="ko-KR" sz="1200"/>
               <a:t>Application</a:t>
             </a:r>
           </a:p>
           <a:p>
             <a:pPr algn="ctr"/>
             <a:r>
-              <a:rPr lang="en-US" altLang="ko-KR" sz="1000"/>
+              <a:rPr lang="en-US" altLang="ko-KR" sz="1200"/>
               <a:t>(Web Server)</a:t>
             </a:r>
-            <a:endParaRPr lang="ko-KR" altLang="en-US" sz="1000"/>
+            <a:endParaRPr lang="ko-KR" altLang="en-US" sz="1200"/>
           </a:p>
         </p:txBody>
       </p:sp>
@@ -4172,7 +4066,7 @@
           <p:cNvPr id="21" name="사각형: 둥근 모서리 20">
             <a:extLst>
               <a:ext uri="{FF2B5EF4-FFF2-40B4-BE49-F238E27FC236}">
-                <a16:creationId xmlns:a16="http://schemas.microsoft.com/office/drawing/2014/main" xmlns="" id="{79835011-8977-4FDA-B1B6-1DD7DB8C2468}"/>
+                <a16:creationId xmlns="" xmlns:a16="http://schemas.microsoft.com/office/drawing/2014/main" id="{79835011-8977-4FDA-B1B6-1DD7DB8C2468}"/>
               </a:ext>
             </a:extLst>
           </p:cNvPr>
@@ -4181,8 +4075,8 @@
         </p:nvSpPr>
         <p:spPr>
           <a:xfrm>
-            <a:off x="5800702" y="771550"/>
-            <a:ext cx="1183566" cy="360040"/>
+            <a:off x="4797156" y="3291830"/>
+            <a:ext cx="1471598" cy="504056"/>
           </a:xfrm>
           <a:prstGeom prst="roundRect">
             <a:avLst>
@@ -4210,17 +4104,17 @@
           <a:p>
             <a:pPr algn="ctr"/>
             <a:r>
-              <a:rPr lang="en-US" altLang="ko-KR" sz="1000"/>
+              <a:rPr lang="en-US" altLang="ko-KR" sz="1200"/>
               <a:t>Authorization</a:t>
             </a:r>
           </a:p>
           <a:p>
             <a:pPr algn="ctr"/>
             <a:r>
-              <a:rPr lang="en-US" altLang="ko-KR" sz="1000"/>
+              <a:rPr lang="en-US" altLang="ko-KR" sz="1200"/>
               <a:t>Server</a:t>
             </a:r>
-            <a:endParaRPr lang="ko-KR" altLang="en-US" sz="1000"/>
+            <a:endParaRPr lang="ko-KR" altLang="en-US" sz="1200"/>
           </a:p>
         </p:txBody>
       </p:sp>
@@ -4229,7 +4123,7 @@
           <p:cNvPr id="22" name="사각형: 둥근 모서리 21">
             <a:extLst>
               <a:ext uri="{FF2B5EF4-FFF2-40B4-BE49-F238E27FC236}">
-                <a16:creationId xmlns:a16="http://schemas.microsoft.com/office/drawing/2014/main" xmlns="" id="{97A5B4CE-CBA4-48F1-B07F-646FF8B5033F}"/>
+                <a16:creationId xmlns="" xmlns:a16="http://schemas.microsoft.com/office/drawing/2014/main" id="{97A5B4CE-CBA4-48F1-B07F-646FF8B5033F}"/>
               </a:ext>
             </a:extLst>
           </p:cNvPr>
@@ -4238,8 +4132,8 @@
         </p:nvSpPr>
         <p:spPr>
           <a:xfrm>
-            <a:off x="7564898" y="771550"/>
-            <a:ext cx="1183566" cy="360040"/>
+            <a:off x="6588224" y="2335344"/>
+            <a:ext cx="1471598" cy="504056"/>
           </a:xfrm>
           <a:prstGeom prst="roundRect">
             <a:avLst>
@@ -4267,6 +4161,574 @@
           <a:p>
             <a:pPr algn="ctr"/>
             <a:r>
+              <a:rPr lang="en-US" altLang="ko-KR" sz="1200"/>
+              <a:t>Resource Server</a:t>
+            </a:r>
+            <a:endParaRPr lang="ko-KR" altLang="en-US" sz="1200"/>
+          </a:p>
+        </p:txBody>
+      </p:sp>
+      <p:cxnSp>
+        <p:nvCxnSpPr>
+          <p:cNvPr id="54" name="직선 화살표 연결선 53">
+            <a:extLst>
+              <a:ext uri="{FF2B5EF4-FFF2-40B4-BE49-F238E27FC236}">
+                <a16:creationId xmlns="" xmlns:a16="http://schemas.microsoft.com/office/drawing/2014/main" id="{7DA70A64-B7A7-4AFC-BF95-321F5BF555B1}"/>
+              </a:ext>
+            </a:extLst>
+          </p:cNvPr>
+          <p:cNvCxnSpPr>
+            <a:stCxn id="3" idx="3"/>
+            <a:endCxn id="19" idx="1"/>
+          </p:cNvCxnSpPr>
+          <p:nvPr/>
+        </p:nvCxnSpPr>
+        <p:spPr>
+          <a:xfrm>
+            <a:off x="2515206" y="2607754"/>
+            <a:ext cx="441180" cy="0"/>
+          </a:xfrm>
+          <a:prstGeom prst="straightConnector1">
+            <a:avLst/>
+          </a:prstGeom>
+          <a:ln w="19050">
+            <a:solidFill>
+              <a:schemeClr val="tx1"/>
+            </a:solidFill>
+            <a:headEnd type="none" w="med" len="med"/>
+            <a:tailEnd type="none" w="med" len="med"/>
+          </a:ln>
+        </p:spPr>
+        <p:style>
+          <a:lnRef idx="1">
+            <a:schemeClr val="accent1"/>
+          </a:lnRef>
+          <a:fillRef idx="0">
+            <a:schemeClr val="accent1"/>
+          </a:fillRef>
+          <a:effectRef idx="0">
+            <a:schemeClr val="accent1"/>
+          </a:effectRef>
+          <a:fontRef idx="minor">
+            <a:schemeClr val="tx1"/>
+          </a:fontRef>
+        </p:style>
+      </p:cxnSp>
+      <p:cxnSp>
+        <p:nvCxnSpPr>
+          <p:cNvPr id="55" name="직선 화살표 연결선 54">
+            <a:extLst>
+              <a:ext uri="{FF2B5EF4-FFF2-40B4-BE49-F238E27FC236}">
+                <a16:creationId xmlns="" xmlns:a16="http://schemas.microsoft.com/office/drawing/2014/main" id="{7DA70A64-B7A7-4AFC-BF95-321F5BF555B1}"/>
+              </a:ext>
+            </a:extLst>
+          </p:cNvPr>
+          <p:cNvCxnSpPr>
+            <a:stCxn id="19" idx="3"/>
+            <a:endCxn id="20" idx="1"/>
+          </p:cNvCxnSpPr>
+          <p:nvPr/>
+        </p:nvCxnSpPr>
+        <p:spPr>
+          <a:xfrm flipV="1">
+            <a:off x="4427984" y="1671650"/>
+            <a:ext cx="369172" cy="936104"/>
+          </a:xfrm>
+          <a:prstGeom prst="straightConnector1">
+            <a:avLst/>
+          </a:prstGeom>
+          <a:ln w="19050">
+            <a:solidFill>
+              <a:schemeClr val="tx1"/>
+            </a:solidFill>
+            <a:headEnd type="none" w="med" len="med"/>
+            <a:tailEnd type="none" w="med" len="med"/>
+          </a:ln>
+        </p:spPr>
+        <p:style>
+          <a:lnRef idx="1">
+            <a:schemeClr val="accent1"/>
+          </a:lnRef>
+          <a:fillRef idx="0">
+            <a:schemeClr val="accent1"/>
+          </a:fillRef>
+          <a:effectRef idx="0">
+            <a:schemeClr val="accent1"/>
+          </a:effectRef>
+          <a:fontRef idx="minor">
+            <a:schemeClr val="tx1"/>
+          </a:fontRef>
+        </p:style>
+      </p:cxnSp>
+      <p:cxnSp>
+        <p:nvCxnSpPr>
+          <p:cNvPr id="56" name="직선 화살표 연결선 55">
+            <a:extLst>
+              <a:ext uri="{FF2B5EF4-FFF2-40B4-BE49-F238E27FC236}">
+                <a16:creationId xmlns="" xmlns:a16="http://schemas.microsoft.com/office/drawing/2014/main" id="{7DA70A64-B7A7-4AFC-BF95-321F5BF555B1}"/>
+              </a:ext>
+            </a:extLst>
+          </p:cNvPr>
+          <p:cNvCxnSpPr>
+            <a:stCxn id="19" idx="3"/>
+            <a:endCxn id="21" idx="1"/>
+          </p:cNvCxnSpPr>
+          <p:nvPr/>
+        </p:nvCxnSpPr>
+        <p:spPr>
+          <a:xfrm>
+            <a:off x="4427984" y="2607754"/>
+            <a:ext cx="369172" cy="936104"/>
+          </a:xfrm>
+          <a:prstGeom prst="straightConnector1">
+            <a:avLst/>
+          </a:prstGeom>
+          <a:ln w="19050">
+            <a:solidFill>
+              <a:schemeClr val="tx1"/>
+            </a:solidFill>
+            <a:headEnd type="none" w="med" len="med"/>
+            <a:tailEnd type="none" w="med" len="med"/>
+          </a:ln>
+        </p:spPr>
+        <p:style>
+          <a:lnRef idx="1">
+            <a:schemeClr val="accent1"/>
+          </a:lnRef>
+          <a:fillRef idx="0">
+            <a:schemeClr val="accent1"/>
+          </a:fillRef>
+          <a:effectRef idx="0">
+            <a:schemeClr val="accent1"/>
+          </a:effectRef>
+          <a:fontRef idx="minor">
+            <a:schemeClr val="tx1"/>
+          </a:fontRef>
+        </p:style>
+      </p:cxnSp>
+      <p:cxnSp>
+        <p:nvCxnSpPr>
+          <p:cNvPr id="60" name="직선 화살표 연결선 59">
+            <a:extLst>
+              <a:ext uri="{FF2B5EF4-FFF2-40B4-BE49-F238E27FC236}">
+                <a16:creationId xmlns="" xmlns:a16="http://schemas.microsoft.com/office/drawing/2014/main" id="{7DA70A64-B7A7-4AFC-BF95-321F5BF555B1}"/>
+              </a:ext>
+            </a:extLst>
+          </p:cNvPr>
+          <p:cNvCxnSpPr>
+            <a:stCxn id="22" idx="1"/>
+            <a:endCxn id="21" idx="3"/>
+          </p:cNvCxnSpPr>
+          <p:nvPr/>
+        </p:nvCxnSpPr>
+        <p:spPr>
+          <a:xfrm flipH="1">
+            <a:off x="6268754" y="2587372"/>
+            <a:ext cx="319470" cy="956486"/>
+          </a:xfrm>
+          <a:prstGeom prst="straightConnector1">
+            <a:avLst/>
+          </a:prstGeom>
+          <a:ln w="19050">
+            <a:solidFill>
+              <a:schemeClr val="tx1"/>
+            </a:solidFill>
+            <a:headEnd type="none" w="med" len="med"/>
+            <a:tailEnd type="none" w="med" len="med"/>
+          </a:ln>
+        </p:spPr>
+        <p:style>
+          <a:lnRef idx="1">
+            <a:schemeClr val="accent1"/>
+          </a:lnRef>
+          <a:fillRef idx="0">
+            <a:schemeClr val="accent1"/>
+          </a:fillRef>
+          <a:effectRef idx="0">
+            <a:schemeClr val="accent1"/>
+          </a:effectRef>
+          <a:fontRef idx="minor">
+            <a:schemeClr val="tx1"/>
+          </a:fontRef>
+        </p:style>
+      </p:cxnSp>
+      <p:cxnSp>
+        <p:nvCxnSpPr>
+          <p:cNvPr id="73" name="직선 화살표 연결선 72">
+            <a:extLst>
+              <a:ext uri="{FF2B5EF4-FFF2-40B4-BE49-F238E27FC236}">
+                <a16:creationId xmlns="" xmlns:a16="http://schemas.microsoft.com/office/drawing/2014/main" id="{7DA70A64-B7A7-4AFC-BF95-321F5BF555B1}"/>
+              </a:ext>
+            </a:extLst>
+          </p:cNvPr>
+          <p:cNvCxnSpPr>
+            <a:stCxn id="22" idx="1"/>
+            <a:endCxn id="20" idx="3"/>
+          </p:cNvCxnSpPr>
+          <p:nvPr/>
+        </p:nvCxnSpPr>
+        <p:spPr>
+          <a:xfrm flipH="1" flipV="1">
+            <a:off x="6268754" y="1671650"/>
+            <a:ext cx="319470" cy="915722"/>
+          </a:xfrm>
+          <a:prstGeom prst="straightConnector1">
+            <a:avLst/>
+          </a:prstGeom>
+          <a:ln w="19050">
+            <a:solidFill>
+              <a:schemeClr val="tx1"/>
+            </a:solidFill>
+            <a:headEnd type="none" w="med" len="med"/>
+            <a:tailEnd type="none" w="med" len="med"/>
+          </a:ln>
+        </p:spPr>
+        <p:style>
+          <a:lnRef idx="1">
+            <a:schemeClr val="accent1"/>
+          </a:lnRef>
+          <a:fillRef idx="0">
+            <a:schemeClr val="accent1"/>
+          </a:fillRef>
+          <a:effectRef idx="0">
+            <a:schemeClr val="accent1"/>
+          </a:effectRef>
+          <a:fontRef idx="minor">
+            <a:schemeClr val="tx1"/>
+          </a:fontRef>
+        </p:style>
+      </p:cxnSp>
+    </p:spTree>
+    <p:extLst>
+      <p:ext uri="{BB962C8B-B14F-4D97-AF65-F5344CB8AC3E}">
+        <p14:creationId xmlns:p14="http://schemas.microsoft.com/office/powerpoint/2010/main" val="1951662845"/>
+      </p:ext>
+    </p:extLst>
+  </p:cSld>
+  <p:clrMapOvr>
+    <a:masterClrMapping/>
+  </p:clrMapOvr>
+</p:sld>
+</file>
+
+<file path=ppt/slides/slide3.xml><?xml version="1.0" encoding="utf-8"?>
+<p:sld xmlns:a="http://schemas.openxmlformats.org/drawingml/2006/main" xmlns:r="http://schemas.openxmlformats.org/officeDocument/2006/relationships" xmlns:p="http://schemas.openxmlformats.org/presentationml/2006/main">
+  <p:cSld>
+    <p:spTree>
+      <p:nvGrpSpPr>
+        <p:cNvPr id="1" name=""/>
+        <p:cNvGrpSpPr/>
+        <p:nvPr/>
+      </p:nvGrpSpPr>
+      <p:grpSpPr>
+        <a:xfrm>
+          <a:off x="0" y="0"/>
+          <a:ext cx="0" cy="0"/>
+          <a:chOff x="0" y="0"/>
+          <a:chExt cx="0" cy="0"/>
+        </a:xfrm>
+      </p:grpSpPr>
+      <p:sp>
+        <p:nvSpPr>
+          <p:cNvPr id="2" name="제목 1"/>
+          <p:cNvSpPr>
+            <a:spLocks noGrp="1"/>
+          </p:cNvSpPr>
+          <p:nvPr>
+            <p:ph type="title"/>
+          </p:nvPr>
+        </p:nvSpPr>
+        <p:spPr>
+          <a:xfrm>
+            <a:off x="457200" y="-20538"/>
+            <a:ext cx="8229600" cy="720080"/>
+          </a:xfrm>
+        </p:spPr>
+        <p:txBody>
+          <a:bodyPr>
+            <a:normAutofit/>
+          </a:bodyPr>
+          <a:lstStyle/>
+          <a:p>
+            <a:r>
+              <a:rPr lang="en-US" altLang="ko-KR" sz="3600"/>
+              <a:t>OAuth 2.0 Flow - Access Token</a:t>
+            </a:r>
+            <a:endParaRPr lang="ko-KR" altLang="en-US" sz="3600" dirty="0"/>
+          </a:p>
+        </p:txBody>
+      </p:sp>
+      <p:sp>
+        <p:nvSpPr>
+          <p:cNvPr id="3" name="사각형: 둥근 모서리 2">
+            <a:extLst>
+              <a:ext uri="{FF2B5EF4-FFF2-40B4-BE49-F238E27FC236}">
+                <a16:creationId xmlns="" xmlns:a16="http://schemas.microsoft.com/office/drawing/2014/main" id="{F682A8B3-51E9-4E66-93BF-AC13CF953E0F}"/>
+              </a:ext>
+            </a:extLst>
+          </p:cNvPr>
+          <p:cNvSpPr/>
+          <p:nvPr/>
+        </p:nvSpPr>
+        <p:spPr>
+          <a:xfrm>
+            <a:off x="508114" y="771550"/>
+            <a:ext cx="1183566" cy="360040"/>
+          </a:xfrm>
+          <a:prstGeom prst="roundRect">
+            <a:avLst>
+              <a:gd name="adj" fmla="val 0"/>
+            </a:avLst>
+          </a:prstGeom>
+        </p:spPr>
+        <p:style>
+          <a:lnRef idx="2">
+            <a:schemeClr val="dk1"/>
+          </a:lnRef>
+          <a:fillRef idx="1">
+            <a:schemeClr val="lt1"/>
+          </a:fillRef>
+          <a:effectRef idx="0">
+            <a:schemeClr val="dk1"/>
+          </a:effectRef>
+          <a:fontRef idx="minor">
+            <a:schemeClr val="dk1"/>
+          </a:fontRef>
+        </p:style>
+        <p:txBody>
+          <a:bodyPr rtlCol="0" anchor="ctr"/>
+          <a:lstStyle/>
+          <a:p>
+            <a:pPr algn="ctr"/>
+            <a:r>
+              <a:rPr lang="en-US" altLang="ko-KR" sz="1000"/>
+              <a:t>User</a:t>
+            </a:r>
+          </a:p>
+          <a:p>
+            <a:pPr algn="ctr"/>
+            <a:r>
+              <a:rPr lang="en-US" altLang="ko-KR" sz="1000"/>
+              <a:t>(Resource Owner)</a:t>
+            </a:r>
+            <a:endParaRPr lang="ko-KR" altLang="en-US" sz="1000"/>
+          </a:p>
+        </p:txBody>
+      </p:sp>
+      <p:sp>
+        <p:nvSpPr>
+          <p:cNvPr id="19" name="사각형: 둥근 모서리 18">
+            <a:extLst>
+              <a:ext uri="{FF2B5EF4-FFF2-40B4-BE49-F238E27FC236}">
+                <a16:creationId xmlns="" xmlns:a16="http://schemas.microsoft.com/office/drawing/2014/main" id="{0E51AB21-06DD-4D1C-881B-AB9AF29BE15E}"/>
+              </a:ext>
+            </a:extLst>
+          </p:cNvPr>
+          <p:cNvSpPr/>
+          <p:nvPr/>
+        </p:nvSpPr>
+        <p:spPr>
+          <a:xfrm>
+            <a:off x="2272310" y="771550"/>
+            <a:ext cx="1183566" cy="360040"/>
+          </a:xfrm>
+          <a:prstGeom prst="roundRect">
+            <a:avLst>
+              <a:gd name="adj" fmla="val 0"/>
+            </a:avLst>
+          </a:prstGeom>
+        </p:spPr>
+        <p:style>
+          <a:lnRef idx="2">
+            <a:schemeClr val="dk1"/>
+          </a:lnRef>
+          <a:fillRef idx="1">
+            <a:schemeClr val="lt1"/>
+          </a:fillRef>
+          <a:effectRef idx="0">
+            <a:schemeClr val="dk1"/>
+          </a:effectRef>
+          <a:fontRef idx="minor">
+            <a:schemeClr val="dk1"/>
+          </a:fontRef>
+        </p:style>
+        <p:txBody>
+          <a:bodyPr rtlCol="0" anchor="ctr"/>
+          <a:lstStyle/>
+          <a:p>
+            <a:pPr algn="ctr"/>
+            <a:r>
+              <a:rPr lang="en-US" altLang="ko-KR" sz="1000"/>
+              <a:t>User Agent</a:t>
+            </a:r>
+          </a:p>
+          <a:p>
+            <a:pPr algn="ctr"/>
+            <a:r>
+              <a:rPr lang="en-US" altLang="ko-KR" sz="1000"/>
+              <a:t>(Browser)</a:t>
+            </a:r>
+            <a:endParaRPr lang="ko-KR" altLang="en-US" sz="1000"/>
+          </a:p>
+        </p:txBody>
+      </p:sp>
+      <p:sp>
+        <p:nvSpPr>
+          <p:cNvPr id="20" name="사각형: 둥근 모서리 19">
+            <a:extLst>
+              <a:ext uri="{FF2B5EF4-FFF2-40B4-BE49-F238E27FC236}">
+                <a16:creationId xmlns="" xmlns:a16="http://schemas.microsoft.com/office/drawing/2014/main" id="{1E98CDC1-9222-4883-B10A-81B66E8DC4B0}"/>
+              </a:ext>
+            </a:extLst>
+          </p:cNvPr>
+          <p:cNvSpPr/>
+          <p:nvPr/>
+        </p:nvSpPr>
+        <p:spPr>
+          <a:xfrm>
+            <a:off x="4036506" y="771550"/>
+            <a:ext cx="1183566" cy="360040"/>
+          </a:xfrm>
+          <a:prstGeom prst="roundRect">
+            <a:avLst>
+              <a:gd name="adj" fmla="val 0"/>
+            </a:avLst>
+          </a:prstGeom>
+        </p:spPr>
+        <p:style>
+          <a:lnRef idx="2">
+            <a:schemeClr val="dk1"/>
+          </a:lnRef>
+          <a:fillRef idx="1">
+            <a:schemeClr val="lt1"/>
+          </a:fillRef>
+          <a:effectRef idx="0">
+            <a:schemeClr val="dk1"/>
+          </a:effectRef>
+          <a:fontRef idx="minor">
+            <a:schemeClr val="dk1"/>
+          </a:fontRef>
+        </p:style>
+        <p:txBody>
+          <a:bodyPr rtlCol="0" anchor="ctr"/>
+          <a:lstStyle/>
+          <a:p>
+            <a:pPr algn="ctr"/>
+            <a:r>
+              <a:rPr lang="en-US" altLang="ko-KR" sz="1000"/>
+              <a:t>Application</a:t>
+            </a:r>
+          </a:p>
+          <a:p>
+            <a:pPr algn="ctr"/>
+            <a:r>
+              <a:rPr lang="en-US" altLang="ko-KR" sz="1000"/>
+              <a:t>(Web Server)</a:t>
+            </a:r>
+            <a:endParaRPr lang="ko-KR" altLang="en-US" sz="1000"/>
+          </a:p>
+        </p:txBody>
+      </p:sp>
+      <p:sp>
+        <p:nvSpPr>
+          <p:cNvPr id="21" name="사각형: 둥근 모서리 20">
+            <a:extLst>
+              <a:ext uri="{FF2B5EF4-FFF2-40B4-BE49-F238E27FC236}">
+                <a16:creationId xmlns="" xmlns:a16="http://schemas.microsoft.com/office/drawing/2014/main" id="{79835011-8977-4FDA-B1B6-1DD7DB8C2468}"/>
+              </a:ext>
+            </a:extLst>
+          </p:cNvPr>
+          <p:cNvSpPr/>
+          <p:nvPr/>
+        </p:nvSpPr>
+        <p:spPr>
+          <a:xfrm>
+            <a:off x="5800702" y="771550"/>
+            <a:ext cx="1183566" cy="360040"/>
+          </a:xfrm>
+          <a:prstGeom prst="roundRect">
+            <a:avLst>
+              <a:gd name="adj" fmla="val 0"/>
+            </a:avLst>
+          </a:prstGeom>
+        </p:spPr>
+        <p:style>
+          <a:lnRef idx="2">
+            <a:schemeClr val="dk1"/>
+          </a:lnRef>
+          <a:fillRef idx="1">
+            <a:schemeClr val="lt1"/>
+          </a:fillRef>
+          <a:effectRef idx="0">
+            <a:schemeClr val="dk1"/>
+          </a:effectRef>
+          <a:fontRef idx="minor">
+            <a:schemeClr val="dk1"/>
+          </a:fontRef>
+        </p:style>
+        <p:txBody>
+          <a:bodyPr rtlCol="0" anchor="ctr"/>
+          <a:lstStyle/>
+          <a:p>
+            <a:pPr algn="ctr"/>
+            <a:r>
+              <a:rPr lang="en-US" altLang="ko-KR" sz="1000"/>
+              <a:t>Authorization</a:t>
+            </a:r>
+          </a:p>
+          <a:p>
+            <a:pPr algn="ctr"/>
+            <a:r>
+              <a:rPr lang="en-US" altLang="ko-KR" sz="1000"/>
+              <a:t>Server</a:t>
+            </a:r>
+            <a:endParaRPr lang="ko-KR" altLang="en-US" sz="1000"/>
+          </a:p>
+        </p:txBody>
+      </p:sp>
+      <p:sp>
+        <p:nvSpPr>
+          <p:cNvPr id="22" name="사각형: 둥근 모서리 21">
+            <a:extLst>
+              <a:ext uri="{FF2B5EF4-FFF2-40B4-BE49-F238E27FC236}">
+                <a16:creationId xmlns="" xmlns:a16="http://schemas.microsoft.com/office/drawing/2014/main" id="{97A5B4CE-CBA4-48F1-B07F-646FF8B5033F}"/>
+              </a:ext>
+            </a:extLst>
+          </p:cNvPr>
+          <p:cNvSpPr/>
+          <p:nvPr/>
+        </p:nvSpPr>
+        <p:spPr>
+          <a:xfrm>
+            <a:off x="7564898" y="771550"/>
+            <a:ext cx="1183566" cy="360040"/>
+          </a:xfrm>
+          <a:prstGeom prst="roundRect">
+            <a:avLst>
+              <a:gd name="adj" fmla="val 0"/>
+            </a:avLst>
+          </a:prstGeom>
+        </p:spPr>
+        <p:style>
+          <a:lnRef idx="2">
+            <a:schemeClr val="dk1"/>
+          </a:lnRef>
+          <a:fillRef idx="1">
+            <a:schemeClr val="lt1"/>
+          </a:fillRef>
+          <a:effectRef idx="0">
+            <a:schemeClr val="dk1"/>
+          </a:effectRef>
+          <a:fontRef idx="minor">
+            <a:schemeClr val="dk1"/>
+          </a:fontRef>
+        </p:style>
+        <p:txBody>
+          <a:bodyPr rtlCol="0" anchor="ctr"/>
+          <a:lstStyle/>
+          <a:p>
+            <a:pPr algn="ctr"/>
+            <a:r>
               <a:rPr lang="en-US" altLang="ko-KR" sz="1000"/>
               <a:t>Resource Server</a:t>
             </a:r>
@@ -4279,7 +4741,7 @@
           <p:cNvPr id="23" name="직선 연결선 22">
             <a:extLst>
               <a:ext uri="{FF2B5EF4-FFF2-40B4-BE49-F238E27FC236}">
-                <a16:creationId xmlns:a16="http://schemas.microsoft.com/office/drawing/2014/main" xmlns="" id="{CF38B8A0-1401-4E3B-9FC0-9ED096701E61}"/>
+                <a16:creationId xmlns="" xmlns:a16="http://schemas.microsoft.com/office/drawing/2014/main" id="{CF38B8A0-1401-4E3B-9FC0-9ED096701E61}"/>
               </a:ext>
             </a:extLst>
           </p:cNvPr>
@@ -4323,7 +4785,7 @@
           <p:cNvPr id="30" name="직선 연결선 29">
             <a:extLst>
               <a:ext uri="{FF2B5EF4-FFF2-40B4-BE49-F238E27FC236}">
-                <a16:creationId xmlns:a16="http://schemas.microsoft.com/office/drawing/2014/main" xmlns="" id="{5E45002D-6183-4784-BB3F-133D35EEE2BB}"/>
+                <a16:creationId xmlns="" xmlns:a16="http://schemas.microsoft.com/office/drawing/2014/main" id="{5E45002D-6183-4784-BB3F-133D35EEE2BB}"/>
               </a:ext>
             </a:extLst>
           </p:cNvPr>
@@ -4367,7 +4829,7 @@
           <p:cNvPr id="33" name="직선 연결선 32">
             <a:extLst>
               <a:ext uri="{FF2B5EF4-FFF2-40B4-BE49-F238E27FC236}">
-                <a16:creationId xmlns:a16="http://schemas.microsoft.com/office/drawing/2014/main" xmlns="" id="{71C2B82A-843B-4122-8D52-8C4F14103FA8}"/>
+                <a16:creationId xmlns="" xmlns:a16="http://schemas.microsoft.com/office/drawing/2014/main" id="{71C2B82A-843B-4122-8D52-8C4F14103FA8}"/>
               </a:ext>
             </a:extLst>
           </p:cNvPr>
@@ -4411,7 +4873,7 @@
           <p:cNvPr id="36" name="직선 연결선 35">
             <a:extLst>
               <a:ext uri="{FF2B5EF4-FFF2-40B4-BE49-F238E27FC236}">
-                <a16:creationId xmlns:a16="http://schemas.microsoft.com/office/drawing/2014/main" xmlns="" id="{772E8AA5-3AB5-4A92-A6C6-31B4125C65A0}"/>
+                <a16:creationId xmlns="" xmlns:a16="http://schemas.microsoft.com/office/drawing/2014/main" id="{772E8AA5-3AB5-4A92-A6C6-31B4125C65A0}"/>
               </a:ext>
             </a:extLst>
           </p:cNvPr>
@@ -4455,7 +4917,7 @@
           <p:cNvPr id="41" name="직선 연결선 40">
             <a:extLst>
               <a:ext uri="{FF2B5EF4-FFF2-40B4-BE49-F238E27FC236}">
-                <a16:creationId xmlns:a16="http://schemas.microsoft.com/office/drawing/2014/main" xmlns="" id="{27F6A3AB-03BA-45EF-9D8B-53D3EB078AA5}"/>
+                <a16:creationId xmlns="" xmlns:a16="http://schemas.microsoft.com/office/drawing/2014/main" id="{27F6A3AB-03BA-45EF-9D8B-53D3EB078AA5}"/>
               </a:ext>
             </a:extLst>
           </p:cNvPr>
@@ -4499,7 +4961,7 @@
           <p:cNvPr id="47" name="그룹 46">
             <a:extLst>
               <a:ext uri="{FF2B5EF4-FFF2-40B4-BE49-F238E27FC236}">
-                <a16:creationId xmlns:a16="http://schemas.microsoft.com/office/drawing/2014/main" xmlns="" id="{E3BB676B-A04A-46BB-A9BD-CA1B62AED92B}"/>
+                <a16:creationId xmlns="" xmlns:a16="http://schemas.microsoft.com/office/drawing/2014/main" id="{E3BB676B-A04A-46BB-A9BD-CA1B62AED92B}"/>
               </a:ext>
             </a:extLst>
           </p:cNvPr>
@@ -4519,7 +4981,7 @@
             <p:cNvPr id="45" name="직선 화살표 연결선 44">
               <a:extLst>
                 <a:ext uri="{FF2B5EF4-FFF2-40B4-BE49-F238E27FC236}">
-                  <a16:creationId xmlns:a16="http://schemas.microsoft.com/office/drawing/2014/main" xmlns="" id="{7DA70A64-B7A7-4AFC-BF95-321F5BF555B1}"/>
+                  <a16:creationId xmlns="" xmlns:a16="http://schemas.microsoft.com/office/drawing/2014/main" id="{7DA70A64-B7A7-4AFC-BF95-321F5BF555B1}"/>
                 </a:ext>
               </a:extLst>
             </p:cNvPr>
@@ -4562,7 +5024,7 @@
             <p:cNvPr id="46" name="TextBox 45">
               <a:extLst>
                 <a:ext uri="{FF2B5EF4-FFF2-40B4-BE49-F238E27FC236}">
-                  <a16:creationId xmlns:a16="http://schemas.microsoft.com/office/drawing/2014/main" xmlns="" id="{31320D19-CFB6-4C35-A360-5C2725A9C005}"/>
+                  <a16:creationId xmlns="" xmlns:a16="http://schemas.microsoft.com/office/drawing/2014/main" id="{31320D19-CFB6-4C35-A360-5C2725A9C005}"/>
                 </a:ext>
               </a:extLst>
             </p:cNvPr>
@@ -4600,7 +5062,7 @@
           <p:cNvPr id="48" name="그룹 47">
             <a:extLst>
               <a:ext uri="{FF2B5EF4-FFF2-40B4-BE49-F238E27FC236}">
-                <a16:creationId xmlns:a16="http://schemas.microsoft.com/office/drawing/2014/main" xmlns="" id="{EAFBC0F5-80D5-4A60-A12A-346D9948C032}"/>
+                <a16:creationId xmlns="" xmlns:a16="http://schemas.microsoft.com/office/drawing/2014/main" id="{EAFBC0F5-80D5-4A60-A12A-346D9948C032}"/>
               </a:ext>
             </a:extLst>
           </p:cNvPr>
@@ -4620,7 +5082,7 @@
             <p:cNvPr id="49" name="직선 화살표 연결선 48">
               <a:extLst>
                 <a:ext uri="{FF2B5EF4-FFF2-40B4-BE49-F238E27FC236}">
-                  <a16:creationId xmlns:a16="http://schemas.microsoft.com/office/drawing/2014/main" xmlns="" id="{3B709BA7-8290-4557-AF33-ED4F7E8812ED}"/>
+                  <a16:creationId xmlns="" xmlns:a16="http://schemas.microsoft.com/office/drawing/2014/main" id="{3B709BA7-8290-4557-AF33-ED4F7E8812ED}"/>
                 </a:ext>
               </a:extLst>
             </p:cNvPr>
@@ -4663,7 +5125,7 @@
             <p:cNvPr id="50" name="TextBox 49">
               <a:extLst>
                 <a:ext uri="{FF2B5EF4-FFF2-40B4-BE49-F238E27FC236}">
-                  <a16:creationId xmlns:a16="http://schemas.microsoft.com/office/drawing/2014/main" xmlns="" id="{9207FD93-EFBF-47E4-A844-1B1F49D86DB7}"/>
+                  <a16:creationId xmlns="" xmlns:a16="http://schemas.microsoft.com/office/drawing/2014/main" id="{9207FD93-EFBF-47E4-A844-1B1F49D86DB7}"/>
                 </a:ext>
               </a:extLst>
             </p:cNvPr>
@@ -4688,10 +5150,18 @@
             <a:p>
               <a:pPr algn="ctr"/>
               <a:r>
-                <a:rPr lang="en-US" altLang="ko-KR" sz="900"/>
-                <a:t>2. Goto URL</a:t>
+                <a:rPr lang="en-US" altLang="ko-KR" sz="900" dirty="0"/>
+                <a:t>2. </a:t>
               </a:r>
-              <a:endParaRPr lang="ko-KR" altLang="en-US" sz="900"/>
+              <a:r>
+                <a:rPr lang="en-US" altLang="ko-KR" sz="900" dirty="0" err="1"/>
+                <a:t>Goto</a:t>
+              </a:r>
+              <a:r>
+                <a:rPr lang="en-US" altLang="ko-KR" sz="900" dirty="0"/>
+                <a:t> URL</a:t>
+              </a:r>
+              <a:endParaRPr lang="ko-KR" altLang="en-US" sz="900" dirty="0"/>
             </a:p>
           </p:txBody>
         </p:sp>
@@ -4701,7 +5171,7 @@
           <p:cNvPr id="51" name="그룹 50">
             <a:extLst>
               <a:ext uri="{FF2B5EF4-FFF2-40B4-BE49-F238E27FC236}">
-                <a16:creationId xmlns:a16="http://schemas.microsoft.com/office/drawing/2014/main" xmlns="" id="{E78E7DB9-7A22-4F16-9950-ECFA5F3D4150}"/>
+                <a16:creationId xmlns="" xmlns:a16="http://schemas.microsoft.com/office/drawing/2014/main" id="{E78E7DB9-7A22-4F16-9950-ECFA5F3D4150}"/>
               </a:ext>
             </a:extLst>
           </p:cNvPr>
@@ -4721,7 +5191,7 @@
             <p:cNvPr id="52" name="직선 화살표 연결선 51">
               <a:extLst>
                 <a:ext uri="{FF2B5EF4-FFF2-40B4-BE49-F238E27FC236}">
-                  <a16:creationId xmlns:a16="http://schemas.microsoft.com/office/drawing/2014/main" xmlns="" id="{737C3D9E-DD8A-4406-910A-4D607E2EBF1F}"/>
+                  <a16:creationId xmlns="" xmlns:a16="http://schemas.microsoft.com/office/drawing/2014/main" id="{737C3D9E-DD8A-4406-910A-4D607E2EBF1F}"/>
                 </a:ext>
               </a:extLst>
             </p:cNvPr>
@@ -4764,7 +5234,7 @@
             <p:cNvPr id="53" name="TextBox 52">
               <a:extLst>
                 <a:ext uri="{FF2B5EF4-FFF2-40B4-BE49-F238E27FC236}">
-                  <a16:creationId xmlns:a16="http://schemas.microsoft.com/office/drawing/2014/main" xmlns="" id="{970114FF-E1D7-493F-9A33-71AC3EB2CD96}"/>
+                  <a16:creationId xmlns="" xmlns:a16="http://schemas.microsoft.com/office/drawing/2014/main" id="{970114FF-E1D7-493F-9A33-71AC3EB2CD96}"/>
                 </a:ext>
               </a:extLst>
             </p:cNvPr>
@@ -4802,7 +5272,7 @@
           <p:cNvPr id="57" name="그룹 56">
             <a:extLst>
               <a:ext uri="{FF2B5EF4-FFF2-40B4-BE49-F238E27FC236}">
-                <a16:creationId xmlns:a16="http://schemas.microsoft.com/office/drawing/2014/main" xmlns="" id="{5A8411E5-A9E9-4E36-B89B-25648DB82851}"/>
+                <a16:creationId xmlns="" xmlns:a16="http://schemas.microsoft.com/office/drawing/2014/main" id="{5A8411E5-A9E9-4E36-B89B-25648DB82851}"/>
               </a:ext>
             </a:extLst>
           </p:cNvPr>
@@ -4822,7 +5292,7 @@
             <p:cNvPr id="58" name="직선 화살표 연결선 57">
               <a:extLst>
                 <a:ext uri="{FF2B5EF4-FFF2-40B4-BE49-F238E27FC236}">
-                  <a16:creationId xmlns:a16="http://schemas.microsoft.com/office/drawing/2014/main" xmlns="" id="{7080B2E9-6D6B-43B4-8519-32D04C6545D6}"/>
+                  <a16:creationId xmlns="" xmlns:a16="http://schemas.microsoft.com/office/drawing/2014/main" id="{7080B2E9-6D6B-43B4-8519-32D04C6545D6}"/>
                 </a:ext>
               </a:extLst>
             </p:cNvPr>
@@ -4865,7 +5335,7 @@
             <p:cNvPr id="59" name="TextBox 58">
               <a:extLst>
                 <a:ext uri="{FF2B5EF4-FFF2-40B4-BE49-F238E27FC236}">
-                  <a16:creationId xmlns:a16="http://schemas.microsoft.com/office/drawing/2014/main" xmlns="" id="{6C6D28AC-42F8-4727-B049-E98805DBEC34}"/>
+                  <a16:creationId xmlns="" xmlns:a16="http://schemas.microsoft.com/office/drawing/2014/main" id="{6C6D28AC-42F8-4727-B049-E98805DBEC34}"/>
                 </a:ext>
               </a:extLst>
             </p:cNvPr>
@@ -4903,7 +5373,7 @@
           <p:cNvPr id="61" name="그룹 60">
             <a:extLst>
               <a:ext uri="{FF2B5EF4-FFF2-40B4-BE49-F238E27FC236}">
-                <a16:creationId xmlns:a16="http://schemas.microsoft.com/office/drawing/2014/main" xmlns="" id="{DD2B2FB0-94BB-4A5E-A589-6984AA294FEE}"/>
+                <a16:creationId xmlns="" xmlns:a16="http://schemas.microsoft.com/office/drawing/2014/main" id="{DD2B2FB0-94BB-4A5E-A589-6984AA294FEE}"/>
               </a:ext>
             </a:extLst>
           </p:cNvPr>
@@ -4923,7 +5393,7 @@
             <p:cNvPr id="62" name="직선 화살표 연결선 61">
               <a:extLst>
                 <a:ext uri="{FF2B5EF4-FFF2-40B4-BE49-F238E27FC236}">
-                  <a16:creationId xmlns:a16="http://schemas.microsoft.com/office/drawing/2014/main" xmlns="" id="{9FB015E7-91E7-400D-A123-A976DF82F65D}"/>
+                  <a16:creationId xmlns="" xmlns:a16="http://schemas.microsoft.com/office/drawing/2014/main" id="{9FB015E7-91E7-400D-A123-A976DF82F65D}"/>
                 </a:ext>
               </a:extLst>
             </p:cNvPr>
@@ -4966,7 +5436,7 @@
             <p:cNvPr id="63" name="TextBox 62">
               <a:extLst>
                 <a:ext uri="{FF2B5EF4-FFF2-40B4-BE49-F238E27FC236}">
-                  <a16:creationId xmlns:a16="http://schemas.microsoft.com/office/drawing/2014/main" xmlns="" id="{F8E64580-FDE6-4924-88A9-1AE155603782}"/>
+                  <a16:creationId xmlns="" xmlns:a16="http://schemas.microsoft.com/office/drawing/2014/main" id="{F8E64580-FDE6-4924-88A9-1AE155603782}"/>
                 </a:ext>
               </a:extLst>
             </p:cNvPr>
@@ -5004,7 +5474,7 @@
           <p:cNvPr id="64" name="그룹 63">
             <a:extLst>
               <a:ext uri="{FF2B5EF4-FFF2-40B4-BE49-F238E27FC236}">
-                <a16:creationId xmlns:a16="http://schemas.microsoft.com/office/drawing/2014/main" xmlns="" id="{597B8C85-295D-4C92-9310-7320E17DDA59}"/>
+                <a16:creationId xmlns="" xmlns:a16="http://schemas.microsoft.com/office/drawing/2014/main" id="{597B8C85-295D-4C92-9310-7320E17DDA59}"/>
               </a:ext>
             </a:extLst>
           </p:cNvPr>
@@ -5024,7 +5494,7 @@
             <p:cNvPr id="65" name="직선 화살표 연결선 64">
               <a:extLst>
                 <a:ext uri="{FF2B5EF4-FFF2-40B4-BE49-F238E27FC236}">
-                  <a16:creationId xmlns:a16="http://schemas.microsoft.com/office/drawing/2014/main" xmlns="" id="{716E46BF-9231-4EBA-9EDB-0F6CDE9F93DF}"/>
+                  <a16:creationId xmlns="" xmlns:a16="http://schemas.microsoft.com/office/drawing/2014/main" id="{716E46BF-9231-4EBA-9EDB-0F6CDE9F93DF}"/>
                 </a:ext>
               </a:extLst>
             </p:cNvPr>
@@ -5067,7 +5537,7 @@
             <p:cNvPr id="66" name="TextBox 65">
               <a:extLst>
                 <a:ext uri="{FF2B5EF4-FFF2-40B4-BE49-F238E27FC236}">
-                  <a16:creationId xmlns:a16="http://schemas.microsoft.com/office/drawing/2014/main" xmlns="" id="{AEF921D0-D2FC-4BE9-AB63-E2462AA435CB}"/>
+                  <a16:creationId xmlns="" xmlns:a16="http://schemas.microsoft.com/office/drawing/2014/main" id="{AEF921D0-D2FC-4BE9-AB63-E2462AA435CB}"/>
                 </a:ext>
               </a:extLst>
             </p:cNvPr>
@@ -5105,7 +5575,7 @@
           <p:cNvPr id="67" name="그룹 66">
             <a:extLst>
               <a:ext uri="{FF2B5EF4-FFF2-40B4-BE49-F238E27FC236}">
-                <a16:creationId xmlns:a16="http://schemas.microsoft.com/office/drawing/2014/main" xmlns="" id="{8FB4A4B0-DE36-47FC-9BAE-7A0347C8CB49}"/>
+                <a16:creationId xmlns="" xmlns:a16="http://schemas.microsoft.com/office/drawing/2014/main" id="{8FB4A4B0-DE36-47FC-9BAE-7A0347C8CB49}"/>
               </a:ext>
             </a:extLst>
           </p:cNvPr>
@@ -5125,7 +5595,7 @@
             <p:cNvPr id="68" name="직선 화살표 연결선 67">
               <a:extLst>
                 <a:ext uri="{FF2B5EF4-FFF2-40B4-BE49-F238E27FC236}">
-                  <a16:creationId xmlns:a16="http://schemas.microsoft.com/office/drawing/2014/main" xmlns="" id="{44F9F2A3-37EA-44FC-8E45-AB5318C717E0}"/>
+                  <a16:creationId xmlns="" xmlns:a16="http://schemas.microsoft.com/office/drawing/2014/main" id="{44F9F2A3-37EA-44FC-8E45-AB5318C717E0}"/>
                 </a:ext>
               </a:extLst>
             </p:cNvPr>
@@ -5168,7 +5638,7 @@
             <p:cNvPr id="69" name="TextBox 68">
               <a:extLst>
                 <a:ext uri="{FF2B5EF4-FFF2-40B4-BE49-F238E27FC236}">
-                  <a16:creationId xmlns:a16="http://schemas.microsoft.com/office/drawing/2014/main" xmlns="" id="{72E47B97-61A2-4325-9CAB-DA60897BED2D}"/>
+                  <a16:creationId xmlns="" xmlns:a16="http://schemas.microsoft.com/office/drawing/2014/main" id="{72E47B97-61A2-4325-9CAB-DA60897BED2D}"/>
                 </a:ext>
               </a:extLst>
             </p:cNvPr>
@@ -5206,7 +5676,7 @@
           <p:cNvPr id="70" name="그룹 69">
             <a:extLst>
               <a:ext uri="{FF2B5EF4-FFF2-40B4-BE49-F238E27FC236}">
-                <a16:creationId xmlns:a16="http://schemas.microsoft.com/office/drawing/2014/main" xmlns="" id="{F1A2A4C1-4A3E-408E-A9A1-A4F65D4F8A6E}"/>
+                <a16:creationId xmlns="" xmlns:a16="http://schemas.microsoft.com/office/drawing/2014/main" id="{F1A2A4C1-4A3E-408E-A9A1-A4F65D4F8A6E}"/>
               </a:ext>
             </a:extLst>
           </p:cNvPr>
@@ -5226,7 +5696,7 @@
             <p:cNvPr id="71" name="직선 화살표 연결선 70">
               <a:extLst>
                 <a:ext uri="{FF2B5EF4-FFF2-40B4-BE49-F238E27FC236}">
-                  <a16:creationId xmlns:a16="http://schemas.microsoft.com/office/drawing/2014/main" xmlns="" id="{80C9B849-3164-45D1-B6F8-53A74B2174EA}"/>
+                  <a16:creationId xmlns="" xmlns:a16="http://schemas.microsoft.com/office/drawing/2014/main" id="{80C9B849-3164-45D1-B6F8-53A74B2174EA}"/>
                 </a:ext>
               </a:extLst>
             </p:cNvPr>
@@ -5269,7 +5739,7 @@
             <p:cNvPr id="72" name="TextBox 71">
               <a:extLst>
                 <a:ext uri="{FF2B5EF4-FFF2-40B4-BE49-F238E27FC236}">
-                  <a16:creationId xmlns:a16="http://schemas.microsoft.com/office/drawing/2014/main" xmlns="" id="{D763CC01-C5B9-4B00-93A8-25D6ADD4C0E0}"/>
+                  <a16:creationId xmlns="" xmlns:a16="http://schemas.microsoft.com/office/drawing/2014/main" id="{D763CC01-C5B9-4B00-93A8-25D6ADD4C0E0}"/>
                 </a:ext>
               </a:extLst>
             </p:cNvPr>
@@ -5307,7 +5777,7 @@
           <p:cNvPr id="74" name="그룹 73">
             <a:extLst>
               <a:ext uri="{FF2B5EF4-FFF2-40B4-BE49-F238E27FC236}">
-                <a16:creationId xmlns:a16="http://schemas.microsoft.com/office/drawing/2014/main" xmlns="" id="{BE5913C7-1C6F-4B1A-93A2-8F5A782FCF70}"/>
+                <a16:creationId xmlns="" xmlns:a16="http://schemas.microsoft.com/office/drawing/2014/main" id="{BE5913C7-1C6F-4B1A-93A2-8F5A782FCF70}"/>
               </a:ext>
             </a:extLst>
           </p:cNvPr>
@@ -5327,7 +5797,7 @@
             <p:cNvPr id="75" name="직선 화살표 연결선 74">
               <a:extLst>
                 <a:ext uri="{FF2B5EF4-FFF2-40B4-BE49-F238E27FC236}">
-                  <a16:creationId xmlns:a16="http://schemas.microsoft.com/office/drawing/2014/main" xmlns="" id="{5A32FE5A-D95D-40D1-A6CC-71180B87F368}"/>
+                  <a16:creationId xmlns="" xmlns:a16="http://schemas.microsoft.com/office/drawing/2014/main" id="{5A32FE5A-D95D-40D1-A6CC-71180B87F368}"/>
                 </a:ext>
               </a:extLst>
             </p:cNvPr>
@@ -5370,7 +5840,7 @@
             <p:cNvPr id="76" name="TextBox 75">
               <a:extLst>
                 <a:ext uri="{FF2B5EF4-FFF2-40B4-BE49-F238E27FC236}">
-                  <a16:creationId xmlns:a16="http://schemas.microsoft.com/office/drawing/2014/main" xmlns="" id="{772B408E-1863-4925-B684-13B1B7F10C2D}"/>
+                  <a16:creationId xmlns="" xmlns:a16="http://schemas.microsoft.com/office/drawing/2014/main" id="{772B408E-1863-4925-B684-13B1B7F10C2D}"/>
                 </a:ext>
               </a:extLst>
             </p:cNvPr>
@@ -5412,7 +5882,7 @@
           <p:cNvPr id="77" name="그룹 76">
             <a:extLst>
               <a:ext uri="{FF2B5EF4-FFF2-40B4-BE49-F238E27FC236}">
-                <a16:creationId xmlns:a16="http://schemas.microsoft.com/office/drawing/2014/main" xmlns="" id="{EAEB2C17-9C84-41F8-8131-9C3B1ACEDBEF}"/>
+                <a16:creationId xmlns="" xmlns:a16="http://schemas.microsoft.com/office/drawing/2014/main" id="{EAEB2C17-9C84-41F8-8131-9C3B1ACEDBEF}"/>
               </a:ext>
             </a:extLst>
           </p:cNvPr>
@@ -5432,7 +5902,7 @@
             <p:cNvPr id="78" name="직선 화살표 연결선 77">
               <a:extLst>
                 <a:ext uri="{FF2B5EF4-FFF2-40B4-BE49-F238E27FC236}">
-                  <a16:creationId xmlns:a16="http://schemas.microsoft.com/office/drawing/2014/main" xmlns="" id="{29AA5ED2-9D52-4D1F-AF4B-9B79A0DB5BE3}"/>
+                  <a16:creationId xmlns="" xmlns:a16="http://schemas.microsoft.com/office/drawing/2014/main" id="{29AA5ED2-9D52-4D1F-AF4B-9B79A0DB5BE3}"/>
                 </a:ext>
               </a:extLst>
             </p:cNvPr>
@@ -5475,7 +5945,7 @@
             <p:cNvPr id="79" name="TextBox 78">
               <a:extLst>
                 <a:ext uri="{FF2B5EF4-FFF2-40B4-BE49-F238E27FC236}">
-                  <a16:creationId xmlns:a16="http://schemas.microsoft.com/office/drawing/2014/main" xmlns="" id="{B0ADCDCB-221D-4E6F-BC22-A1B89B13A351}"/>
+                  <a16:creationId xmlns="" xmlns:a16="http://schemas.microsoft.com/office/drawing/2014/main" id="{B0ADCDCB-221D-4E6F-BC22-A1B89B13A351}"/>
                 </a:ext>
               </a:extLst>
             </p:cNvPr>
@@ -5513,7 +5983,7 @@
           <p:cNvPr id="80" name="그룹 79">
             <a:extLst>
               <a:ext uri="{FF2B5EF4-FFF2-40B4-BE49-F238E27FC236}">
-                <a16:creationId xmlns:a16="http://schemas.microsoft.com/office/drawing/2014/main" xmlns="" id="{4A49550F-FB19-4BDC-BEB9-CC139F744772}"/>
+                <a16:creationId xmlns="" xmlns:a16="http://schemas.microsoft.com/office/drawing/2014/main" id="{4A49550F-FB19-4BDC-BEB9-CC139F744772}"/>
               </a:ext>
             </a:extLst>
           </p:cNvPr>
@@ -5533,7 +6003,7 @@
             <p:cNvPr id="81" name="직선 화살표 연결선 80">
               <a:extLst>
                 <a:ext uri="{FF2B5EF4-FFF2-40B4-BE49-F238E27FC236}">
-                  <a16:creationId xmlns:a16="http://schemas.microsoft.com/office/drawing/2014/main" xmlns="" id="{1E1DCC7C-FA25-4D2A-B9B6-CCD5359DE7AB}"/>
+                  <a16:creationId xmlns="" xmlns:a16="http://schemas.microsoft.com/office/drawing/2014/main" id="{1E1DCC7C-FA25-4D2A-B9B6-CCD5359DE7AB}"/>
                 </a:ext>
               </a:extLst>
             </p:cNvPr>
@@ -5576,7 +6046,7 @@
             <p:cNvPr id="82" name="TextBox 81">
               <a:extLst>
                 <a:ext uri="{FF2B5EF4-FFF2-40B4-BE49-F238E27FC236}">
-                  <a16:creationId xmlns:a16="http://schemas.microsoft.com/office/drawing/2014/main" xmlns="" id="{260AC13B-0F12-4C9D-A092-6B7A21D71222}"/>
+                  <a16:creationId xmlns="" xmlns:a16="http://schemas.microsoft.com/office/drawing/2014/main" id="{260AC13B-0F12-4C9D-A092-6B7A21D71222}"/>
                 </a:ext>
               </a:extLst>
             </p:cNvPr>
@@ -5614,7 +6084,7 @@
           <p:cNvPr id="83" name="그룹 82">
             <a:extLst>
               <a:ext uri="{FF2B5EF4-FFF2-40B4-BE49-F238E27FC236}">
-                <a16:creationId xmlns:a16="http://schemas.microsoft.com/office/drawing/2014/main" xmlns="" id="{39BB9162-D801-4BD4-9745-D7CA48E71C03}"/>
+                <a16:creationId xmlns="" xmlns:a16="http://schemas.microsoft.com/office/drawing/2014/main" id="{39BB9162-D801-4BD4-9745-D7CA48E71C03}"/>
               </a:ext>
             </a:extLst>
           </p:cNvPr>
@@ -5634,7 +6104,7 @@
             <p:cNvPr id="84" name="직선 화살표 연결선 83">
               <a:extLst>
                 <a:ext uri="{FF2B5EF4-FFF2-40B4-BE49-F238E27FC236}">
-                  <a16:creationId xmlns:a16="http://schemas.microsoft.com/office/drawing/2014/main" xmlns="" id="{9ED2C0CA-8926-4346-8585-357BEBD5E4BF}"/>
+                  <a16:creationId xmlns="" xmlns:a16="http://schemas.microsoft.com/office/drawing/2014/main" id="{9ED2C0CA-8926-4346-8585-357BEBD5E4BF}"/>
                 </a:ext>
               </a:extLst>
             </p:cNvPr>
@@ -5677,7 +6147,7 @@
             <p:cNvPr id="85" name="TextBox 84">
               <a:extLst>
                 <a:ext uri="{FF2B5EF4-FFF2-40B4-BE49-F238E27FC236}">
-                  <a16:creationId xmlns:a16="http://schemas.microsoft.com/office/drawing/2014/main" xmlns="" id="{AC28A9FC-9831-4550-B16C-0AFA4AC7C0BE}"/>
+                  <a16:creationId xmlns="" xmlns:a16="http://schemas.microsoft.com/office/drawing/2014/main" id="{AC28A9FC-9831-4550-B16C-0AFA4AC7C0BE}"/>
                 </a:ext>
               </a:extLst>
             </p:cNvPr>
@@ -5739,7 +6209,7 @@
 </p:sld>
 </file>
 
-<file path=ppt/slides/slide3.xml><?xml version="1.0" encoding="utf-8"?>
+<file path=ppt/slides/slide4.xml><?xml version="1.0" encoding="utf-8"?>
 <p:sld xmlns:a="http://schemas.openxmlformats.org/drawingml/2006/main" xmlns:r="http://schemas.openxmlformats.org/officeDocument/2006/relationships" xmlns:p="http://schemas.openxmlformats.org/presentationml/2006/main">
   <p:cSld>
     <p:spTree>
@@ -5791,7 +6261,7 @@
           <p:cNvPr id="3" name="사각형: 둥근 모서리 2">
             <a:extLst>
               <a:ext uri="{FF2B5EF4-FFF2-40B4-BE49-F238E27FC236}">
-                <a16:creationId xmlns:a16="http://schemas.microsoft.com/office/drawing/2014/main" xmlns="" id="{F682A8B3-51E9-4E66-93BF-AC13CF953E0F}"/>
+                <a16:creationId xmlns="" xmlns:a16="http://schemas.microsoft.com/office/drawing/2014/main" id="{F682A8B3-51E9-4E66-93BF-AC13CF953E0F}"/>
               </a:ext>
             </a:extLst>
           </p:cNvPr>
@@ -5848,7 +6318,7 @@
           <p:cNvPr id="19" name="사각형: 둥근 모서리 18">
             <a:extLst>
               <a:ext uri="{FF2B5EF4-FFF2-40B4-BE49-F238E27FC236}">
-                <a16:creationId xmlns:a16="http://schemas.microsoft.com/office/drawing/2014/main" xmlns="" id="{0E51AB21-06DD-4D1C-881B-AB9AF29BE15E}"/>
+                <a16:creationId xmlns="" xmlns:a16="http://schemas.microsoft.com/office/drawing/2014/main" id="{0E51AB21-06DD-4D1C-881B-AB9AF29BE15E}"/>
               </a:ext>
             </a:extLst>
           </p:cNvPr>
@@ -5905,7 +6375,7 @@
           <p:cNvPr id="20" name="사각형: 둥근 모서리 19">
             <a:extLst>
               <a:ext uri="{FF2B5EF4-FFF2-40B4-BE49-F238E27FC236}">
-                <a16:creationId xmlns:a16="http://schemas.microsoft.com/office/drawing/2014/main" xmlns="" id="{1E98CDC1-9222-4883-B10A-81B66E8DC4B0}"/>
+                <a16:creationId xmlns="" xmlns:a16="http://schemas.microsoft.com/office/drawing/2014/main" id="{1E98CDC1-9222-4883-B10A-81B66E8DC4B0}"/>
               </a:ext>
             </a:extLst>
           </p:cNvPr>
@@ -5962,7 +6432,7 @@
           <p:cNvPr id="21" name="사각형: 둥근 모서리 20">
             <a:extLst>
               <a:ext uri="{FF2B5EF4-FFF2-40B4-BE49-F238E27FC236}">
-                <a16:creationId xmlns:a16="http://schemas.microsoft.com/office/drawing/2014/main" xmlns="" id="{79835011-8977-4FDA-B1B6-1DD7DB8C2468}"/>
+                <a16:creationId xmlns="" xmlns:a16="http://schemas.microsoft.com/office/drawing/2014/main" id="{79835011-8977-4FDA-B1B6-1DD7DB8C2468}"/>
               </a:ext>
             </a:extLst>
           </p:cNvPr>
@@ -6019,7 +6489,7 @@
           <p:cNvPr id="22" name="사각형: 둥근 모서리 21">
             <a:extLst>
               <a:ext uri="{FF2B5EF4-FFF2-40B4-BE49-F238E27FC236}">
-                <a16:creationId xmlns:a16="http://schemas.microsoft.com/office/drawing/2014/main" xmlns="" id="{97A5B4CE-CBA4-48F1-B07F-646FF8B5033F}"/>
+                <a16:creationId xmlns="" xmlns:a16="http://schemas.microsoft.com/office/drawing/2014/main" id="{97A5B4CE-CBA4-48F1-B07F-646FF8B5033F}"/>
               </a:ext>
             </a:extLst>
           </p:cNvPr>
@@ -6069,7 +6539,7 @@
           <p:cNvPr id="23" name="직선 연결선 22">
             <a:extLst>
               <a:ext uri="{FF2B5EF4-FFF2-40B4-BE49-F238E27FC236}">
-                <a16:creationId xmlns:a16="http://schemas.microsoft.com/office/drawing/2014/main" xmlns="" id="{CF38B8A0-1401-4E3B-9FC0-9ED096701E61}"/>
+                <a16:creationId xmlns="" xmlns:a16="http://schemas.microsoft.com/office/drawing/2014/main" id="{CF38B8A0-1401-4E3B-9FC0-9ED096701E61}"/>
               </a:ext>
             </a:extLst>
           </p:cNvPr>
@@ -6113,7 +6583,7 @@
           <p:cNvPr id="30" name="직선 연결선 29">
             <a:extLst>
               <a:ext uri="{FF2B5EF4-FFF2-40B4-BE49-F238E27FC236}">
-                <a16:creationId xmlns:a16="http://schemas.microsoft.com/office/drawing/2014/main" xmlns="" id="{5E45002D-6183-4784-BB3F-133D35EEE2BB}"/>
+                <a16:creationId xmlns="" xmlns:a16="http://schemas.microsoft.com/office/drawing/2014/main" id="{5E45002D-6183-4784-BB3F-133D35EEE2BB}"/>
               </a:ext>
             </a:extLst>
           </p:cNvPr>
@@ -6157,7 +6627,7 @@
           <p:cNvPr id="33" name="직선 연결선 32">
             <a:extLst>
               <a:ext uri="{FF2B5EF4-FFF2-40B4-BE49-F238E27FC236}">
-                <a16:creationId xmlns:a16="http://schemas.microsoft.com/office/drawing/2014/main" xmlns="" id="{71C2B82A-843B-4122-8D52-8C4F14103FA8}"/>
+                <a16:creationId xmlns="" xmlns:a16="http://schemas.microsoft.com/office/drawing/2014/main" id="{71C2B82A-843B-4122-8D52-8C4F14103FA8}"/>
               </a:ext>
             </a:extLst>
           </p:cNvPr>
@@ -6201,7 +6671,7 @@
           <p:cNvPr id="36" name="직선 연결선 35">
             <a:extLst>
               <a:ext uri="{FF2B5EF4-FFF2-40B4-BE49-F238E27FC236}">
-                <a16:creationId xmlns:a16="http://schemas.microsoft.com/office/drawing/2014/main" xmlns="" id="{772E8AA5-3AB5-4A92-A6C6-31B4125C65A0}"/>
+                <a16:creationId xmlns="" xmlns:a16="http://schemas.microsoft.com/office/drawing/2014/main" id="{772E8AA5-3AB5-4A92-A6C6-31B4125C65A0}"/>
               </a:ext>
             </a:extLst>
           </p:cNvPr>
@@ -6245,7 +6715,7 @@
           <p:cNvPr id="41" name="직선 연결선 40">
             <a:extLst>
               <a:ext uri="{FF2B5EF4-FFF2-40B4-BE49-F238E27FC236}">
-                <a16:creationId xmlns:a16="http://schemas.microsoft.com/office/drawing/2014/main" xmlns="" id="{27F6A3AB-03BA-45EF-9D8B-53D3EB078AA5}"/>
+                <a16:creationId xmlns="" xmlns:a16="http://schemas.microsoft.com/office/drawing/2014/main" id="{27F6A3AB-03BA-45EF-9D8B-53D3EB078AA5}"/>
               </a:ext>
             </a:extLst>
           </p:cNvPr>
@@ -6289,7 +6759,7 @@
           <p:cNvPr id="47" name="그룹 46">
             <a:extLst>
               <a:ext uri="{FF2B5EF4-FFF2-40B4-BE49-F238E27FC236}">
-                <a16:creationId xmlns:a16="http://schemas.microsoft.com/office/drawing/2014/main" xmlns="" id="{E3BB676B-A04A-46BB-A9BD-CA1B62AED92B}"/>
+                <a16:creationId xmlns="" xmlns:a16="http://schemas.microsoft.com/office/drawing/2014/main" id="{E3BB676B-A04A-46BB-A9BD-CA1B62AED92B}"/>
               </a:ext>
             </a:extLst>
           </p:cNvPr>
@@ -6309,7 +6779,7 @@
             <p:cNvPr id="45" name="직선 화살표 연결선 44">
               <a:extLst>
                 <a:ext uri="{FF2B5EF4-FFF2-40B4-BE49-F238E27FC236}">
-                  <a16:creationId xmlns:a16="http://schemas.microsoft.com/office/drawing/2014/main" xmlns="" id="{7DA70A64-B7A7-4AFC-BF95-321F5BF555B1}"/>
+                  <a16:creationId xmlns="" xmlns:a16="http://schemas.microsoft.com/office/drawing/2014/main" id="{7DA70A64-B7A7-4AFC-BF95-321F5BF555B1}"/>
                 </a:ext>
               </a:extLst>
             </p:cNvPr>
@@ -6352,7 +6822,7 @@
             <p:cNvPr id="46" name="TextBox 45">
               <a:extLst>
                 <a:ext uri="{FF2B5EF4-FFF2-40B4-BE49-F238E27FC236}">
-                  <a16:creationId xmlns:a16="http://schemas.microsoft.com/office/drawing/2014/main" xmlns="" id="{31320D19-CFB6-4C35-A360-5C2725A9C005}"/>
+                  <a16:creationId xmlns="" xmlns:a16="http://schemas.microsoft.com/office/drawing/2014/main" id="{31320D19-CFB6-4C35-A360-5C2725A9C005}"/>
                 </a:ext>
               </a:extLst>
             </p:cNvPr>
@@ -6390,7 +6860,7 @@
           <p:cNvPr id="48" name="그룹 47">
             <a:extLst>
               <a:ext uri="{FF2B5EF4-FFF2-40B4-BE49-F238E27FC236}">
-                <a16:creationId xmlns:a16="http://schemas.microsoft.com/office/drawing/2014/main" xmlns="" id="{EAFBC0F5-80D5-4A60-A12A-346D9948C032}"/>
+                <a16:creationId xmlns="" xmlns:a16="http://schemas.microsoft.com/office/drawing/2014/main" id="{EAFBC0F5-80D5-4A60-A12A-346D9948C032}"/>
               </a:ext>
             </a:extLst>
           </p:cNvPr>
@@ -6410,7 +6880,7 @@
             <p:cNvPr id="49" name="직선 화살표 연결선 48">
               <a:extLst>
                 <a:ext uri="{FF2B5EF4-FFF2-40B4-BE49-F238E27FC236}">
-                  <a16:creationId xmlns:a16="http://schemas.microsoft.com/office/drawing/2014/main" xmlns="" id="{3B709BA7-8290-4557-AF33-ED4F7E8812ED}"/>
+                  <a16:creationId xmlns="" xmlns:a16="http://schemas.microsoft.com/office/drawing/2014/main" id="{3B709BA7-8290-4557-AF33-ED4F7E8812ED}"/>
                 </a:ext>
               </a:extLst>
             </p:cNvPr>
@@ -6453,7 +6923,7 @@
             <p:cNvPr id="50" name="TextBox 49">
               <a:extLst>
                 <a:ext uri="{FF2B5EF4-FFF2-40B4-BE49-F238E27FC236}">
-                  <a16:creationId xmlns:a16="http://schemas.microsoft.com/office/drawing/2014/main" xmlns="" id="{9207FD93-EFBF-47E4-A844-1B1F49D86DB7}"/>
+                  <a16:creationId xmlns="" xmlns:a16="http://schemas.microsoft.com/office/drawing/2014/main" id="{9207FD93-EFBF-47E4-A844-1B1F49D86DB7}"/>
                 </a:ext>
               </a:extLst>
             </p:cNvPr>
@@ -6491,7 +6961,7 @@
           <p:cNvPr id="51" name="그룹 50">
             <a:extLst>
               <a:ext uri="{FF2B5EF4-FFF2-40B4-BE49-F238E27FC236}">
-                <a16:creationId xmlns:a16="http://schemas.microsoft.com/office/drawing/2014/main" xmlns="" id="{E78E7DB9-7A22-4F16-9950-ECFA5F3D4150}"/>
+                <a16:creationId xmlns="" xmlns:a16="http://schemas.microsoft.com/office/drawing/2014/main" id="{E78E7DB9-7A22-4F16-9950-ECFA5F3D4150}"/>
               </a:ext>
             </a:extLst>
           </p:cNvPr>
@@ -6511,7 +6981,7 @@
             <p:cNvPr id="52" name="직선 화살표 연결선 51">
               <a:extLst>
                 <a:ext uri="{FF2B5EF4-FFF2-40B4-BE49-F238E27FC236}">
-                  <a16:creationId xmlns:a16="http://schemas.microsoft.com/office/drawing/2014/main" xmlns="" id="{737C3D9E-DD8A-4406-910A-4D607E2EBF1F}"/>
+                  <a16:creationId xmlns="" xmlns:a16="http://schemas.microsoft.com/office/drawing/2014/main" id="{737C3D9E-DD8A-4406-910A-4D607E2EBF1F}"/>
                 </a:ext>
               </a:extLst>
             </p:cNvPr>
@@ -6554,7 +7024,7 @@
             <p:cNvPr id="53" name="TextBox 52">
               <a:extLst>
                 <a:ext uri="{FF2B5EF4-FFF2-40B4-BE49-F238E27FC236}">
-                  <a16:creationId xmlns:a16="http://schemas.microsoft.com/office/drawing/2014/main" xmlns="" id="{970114FF-E1D7-493F-9A33-71AC3EB2CD96}"/>
+                  <a16:creationId xmlns="" xmlns:a16="http://schemas.microsoft.com/office/drawing/2014/main" id="{970114FF-E1D7-493F-9A33-71AC3EB2CD96}"/>
                 </a:ext>
               </a:extLst>
             </p:cNvPr>
@@ -6600,7 +7070,7 @@
           <p:cNvPr id="94" name="그룹 93">
             <a:extLst>
               <a:ext uri="{FF2B5EF4-FFF2-40B4-BE49-F238E27FC236}">
-                <a16:creationId xmlns:a16="http://schemas.microsoft.com/office/drawing/2014/main" xmlns="" id="{2C0BE435-D7C4-4922-B098-06B69DDB1642}"/>
+                <a16:creationId xmlns="" xmlns:a16="http://schemas.microsoft.com/office/drawing/2014/main" id="{2C0BE435-D7C4-4922-B098-06B69DDB1642}"/>
               </a:ext>
             </a:extLst>
           </p:cNvPr>
@@ -6620,7 +7090,7 @@
             <p:cNvPr id="95" name="직선 화살표 연결선 94">
               <a:extLst>
                 <a:ext uri="{FF2B5EF4-FFF2-40B4-BE49-F238E27FC236}">
-                  <a16:creationId xmlns:a16="http://schemas.microsoft.com/office/drawing/2014/main" xmlns="" id="{A7AA4B86-63F1-45CE-B384-DD7D4292B1C2}"/>
+                  <a16:creationId xmlns="" xmlns:a16="http://schemas.microsoft.com/office/drawing/2014/main" id="{A7AA4B86-63F1-45CE-B384-DD7D4292B1C2}"/>
                 </a:ext>
               </a:extLst>
             </p:cNvPr>
@@ -6663,7 +7133,7 @@
             <p:cNvPr id="96" name="TextBox 95">
               <a:extLst>
                 <a:ext uri="{FF2B5EF4-FFF2-40B4-BE49-F238E27FC236}">
-                  <a16:creationId xmlns:a16="http://schemas.microsoft.com/office/drawing/2014/main" xmlns="" id="{F9C8F48E-2D48-4F08-B853-58584A1400D3}"/>
+                  <a16:creationId xmlns="" xmlns:a16="http://schemas.microsoft.com/office/drawing/2014/main" id="{F9C8F48E-2D48-4F08-B853-58584A1400D3}"/>
                 </a:ext>
               </a:extLst>
             </p:cNvPr>
@@ -6709,7 +7179,7 @@
           <p:cNvPr id="97" name="그룹 96">
             <a:extLst>
               <a:ext uri="{FF2B5EF4-FFF2-40B4-BE49-F238E27FC236}">
-                <a16:creationId xmlns:a16="http://schemas.microsoft.com/office/drawing/2014/main" xmlns="" id="{4FB62B47-5331-4283-B6CD-C6A614B8E152}"/>
+                <a16:creationId xmlns="" xmlns:a16="http://schemas.microsoft.com/office/drawing/2014/main" id="{4FB62B47-5331-4283-B6CD-C6A614B8E152}"/>
               </a:ext>
             </a:extLst>
           </p:cNvPr>
@@ -6729,7 +7199,7 @@
             <p:cNvPr id="98" name="직선 화살표 연결선 97">
               <a:extLst>
                 <a:ext uri="{FF2B5EF4-FFF2-40B4-BE49-F238E27FC236}">
-                  <a16:creationId xmlns:a16="http://schemas.microsoft.com/office/drawing/2014/main" xmlns="" id="{8D3BB6BF-2284-495C-A65C-BBBC20640412}"/>
+                  <a16:creationId xmlns="" xmlns:a16="http://schemas.microsoft.com/office/drawing/2014/main" id="{8D3BB6BF-2284-495C-A65C-BBBC20640412}"/>
                 </a:ext>
               </a:extLst>
             </p:cNvPr>
@@ -6772,7 +7242,7 @@
             <p:cNvPr id="99" name="TextBox 98">
               <a:extLst>
                 <a:ext uri="{FF2B5EF4-FFF2-40B4-BE49-F238E27FC236}">
-                  <a16:creationId xmlns:a16="http://schemas.microsoft.com/office/drawing/2014/main" xmlns="" id="{CE080D66-7229-4007-AA3D-15D0FB9C3773}"/>
+                  <a16:creationId xmlns="" xmlns:a16="http://schemas.microsoft.com/office/drawing/2014/main" id="{CE080D66-7229-4007-AA3D-15D0FB9C3773}"/>
                 </a:ext>
               </a:extLst>
             </p:cNvPr>
@@ -6818,7 +7288,7 @@
           <p:cNvPr id="100" name="그룹 99">
             <a:extLst>
               <a:ext uri="{FF2B5EF4-FFF2-40B4-BE49-F238E27FC236}">
-                <a16:creationId xmlns:a16="http://schemas.microsoft.com/office/drawing/2014/main" xmlns="" id="{2F068352-EDCD-4C95-B1B5-EB6CCAB1E571}"/>
+                <a16:creationId xmlns="" xmlns:a16="http://schemas.microsoft.com/office/drawing/2014/main" id="{2F068352-EDCD-4C95-B1B5-EB6CCAB1E571}"/>
               </a:ext>
             </a:extLst>
           </p:cNvPr>
@@ -6838,7 +7308,7 @@
             <p:cNvPr id="101" name="직선 화살표 연결선 100">
               <a:extLst>
                 <a:ext uri="{FF2B5EF4-FFF2-40B4-BE49-F238E27FC236}">
-                  <a16:creationId xmlns:a16="http://schemas.microsoft.com/office/drawing/2014/main" xmlns="" id="{5097F614-0150-40ED-992D-1C103D5C697A}"/>
+                  <a16:creationId xmlns="" xmlns:a16="http://schemas.microsoft.com/office/drawing/2014/main" id="{5097F614-0150-40ED-992D-1C103D5C697A}"/>
                 </a:ext>
               </a:extLst>
             </p:cNvPr>
@@ -6881,7 +7351,7 @@
             <p:cNvPr id="102" name="TextBox 101">
               <a:extLst>
                 <a:ext uri="{FF2B5EF4-FFF2-40B4-BE49-F238E27FC236}">
-                  <a16:creationId xmlns:a16="http://schemas.microsoft.com/office/drawing/2014/main" xmlns="" id="{CDE49E7C-CAD8-4475-B8E8-BE075CD8B5EF}"/>
+                  <a16:creationId xmlns="" xmlns:a16="http://schemas.microsoft.com/office/drawing/2014/main" id="{CDE49E7C-CAD8-4475-B8E8-BE075CD8B5EF}"/>
                 </a:ext>
               </a:extLst>
             </p:cNvPr>
@@ -6927,7 +7397,7 @@
           <p:cNvPr id="31" name="그룹 30">
             <a:extLst>
               <a:ext uri="{FF2B5EF4-FFF2-40B4-BE49-F238E27FC236}">
-                <a16:creationId xmlns:a16="http://schemas.microsoft.com/office/drawing/2014/main" xmlns="" id="{E78E7DB9-7A22-4F16-9950-ECFA5F3D4150}"/>
+                <a16:creationId xmlns="" xmlns:a16="http://schemas.microsoft.com/office/drawing/2014/main" id="{E78E7DB9-7A22-4F16-9950-ECFA5F3D4150}"/>
               </a:ext>
             </a:extLst>
           </p:cNvPr>
@@ -6947,7 +7417,7 @@
             <p:cNvPr id="32" name="직선 화살표 연결선 31">
               <a:extLst>
                 <a:ext uri="{FF2B5EF4-FFF2-40B4-BE49-F238E27FC236}">
-                  <a16:creationId xmlns:a16="http://schemas.microsoft.com/office/drawing/2014/main" xmlns="" id="{737C3D9E-DD8A-4406-910A-4D607E2EBF1F}"/>
+                  <a16:creationId xmlns="" xmlns:a16="http://schemas.microsoft.com/office/drawing/2014/main" id="{737C3D9E-DD8A-4406-910A-4D607E2EBF1F}"/>
                 </a:ext>
               </a:extLst>
             </p:cNvPr>
@@ -6990,7 +7460,7 @@
             <p:cNvPr id="34" name="TextBox 33">
               <a:extLst>
                 <a:ext uri="{FF2B5EF4-FFF2-40B4-BE49-F238E27FC236}">
-                  <a16:creationId xmlns:a16="http://schemas.microsoft.com/office/drawing/2014/main" xmlns="" id="{970114FF-E1D7-493F-9A33-71AC3EB2CD96}"/>
+                  <a16:creationId xmlns="" xmlns:a16="http://schemas.microsoft.com/office/drawing/2014/main" id="{970114FF-E1D7-493F-9A33-71AC3EB2CD96}"/>
                 </a:ext>
               </a:extLst>
             </p:cNvPr>
@@ -7032,7 +7502,7 @@
           <p:cNvPr id="35" name="그룹 34">
             <a:extLst>
               <a:ext uri="{FF2B5EF4-FFF2-40B4-BE49-F238E27FC236}">
-                <a16:creationId xmlns:a16="http://schemas.microsoft.com/office/drawing/2014/main" xmlns="" id="{E78E7DB9-7A22-4F16-9950-ECFA5F3D4150}"/>
+                <a16:creationId xmlns="" xmlns:a16="http://schemas.microsoft.com/office/drawing/2014/main" id="{E78E7DB9-7A22-4F16-9950-ECFA5F3D4150}"/>
               </a:ext>
             </a:extLst>
           </p:cNvPr>
@@ -7052,7 +7522,7 @@
             <p:cNvPr id="37" name="직선 화살표 연결선 36">
               <a:extLst>
                 <a:ext uri="{FF2B5EF4-FFF2-40B4-BE49-F238E27FC236}">
-                  <a16:creationId xmlns:a16="http://schemas.microsoft.com/office/drawing/2014/main" xmlns="" id="{737C3D9E-DD8A-4406-910A-4D607E2EBF1F}"/>
+                  <a16:creationId xmlns="" xmlns:a16="http://schemas.microsoft.com/office/drawing/2014/main" id="{737C3D9E-DD8A-4406-910A-4D607E2EBF1F}"/>
                 </a:ext>
               </a:extLst>
             </p:cNvPr>
@@ -7095,7 +7565,7 @@
             <p:cNvPr id="38" name="TextBox 37">
               <a:extLst>
                 <a:ext uri="{FF2B5EF4-FFF2-40B4-BE49-F238E27FC236}">
-                  <a16:creationId xmlns:a16="http://schemas.microsoft.com/office/drawing/2014/main" xmlns="" id="{970114FF-E1D7-493F-9A33-71AC3EB2CD96}"/>
+                  <a16:creationId xmlns="" xmlns:a16="http://schemas.microsoft.com/office/drawing/2014/main" id="{970114FF-E1D7-493F-9A33-71AC3EB2CD96}"/>
                 </a:ext>
               </a:extLst>
             </p:cNvPr>
@@ -7125,11 +7595,7 @@
               </a:r>
               <a:r>
                 <a:rPr lang="en-US" altLang="ko-KR" sz="900" dirty="0" smtClean="0"/>
-                <a:t>. </a:t>
-              </a:r>
-              <a:r>
-                <a:rPr lang="en-US" altLang="ko-KR" sz="900" dirty="0" smtClean="0"/>
-                <a:t>Agree</a:t>
+                <a:t>. Agree</a:t>
               </a:r>
               <a:endParaRPr lang="ko-KR" altLang="en-US" sz="900" dirty="0"/>
             </a:p>
@@ -7149,7 +7615,7 @@
 </p:sld>
 </file>
 
-<file path=ppt/slides/slide4.xml><?xml version="1.0" encoding="utf-8"?>
+<file path=ppt/slides/slide5.xml><?xml version="1.0" encoding="utf-8"?>
 <p:sld xmlns:a="http://schemas.openxmlformats.org/drawingml/2006/main" xmlns:r="http://schemas.openxmlformats.org/officeDocument/2006/relationships" xmlns:p="http://schemas.openxmlformats.org/presentationml/2006/main">
   <p:cSld>
     <p:spTree>
@@ -7201,7 +7667,7 @@
           <p:cNvPr id="3" name="사각형: 둥근 모서리 2">
             <a:extLst>
               <a:ext uri="{FF2B5EF4-FFF2-40B4-BE49-F238E27FC236}">
-                <a16:creationId xmlns:a16="http://schemas.microsoft.com/office/drawing/2014/main" xmlns="" id="{F682A8B3-51E9-4E66-93BF-AC13CF953E0F}"/>
+                <a16:creationId xmlns="" xmlns:a16="http://schemas.microsoft.com/office/drawing/2014/main" id="{F682A8B3-51E9-4E66-93BF-AC13CF953E0F}"/>
               </a:ext>
             </a:extLst>
           </p:cNvPr>
@@ -7258,7 +7724,7 @@
           <p:cNvPr id="19" name="사각형: 둥근 모서리 18">
             <a:extLst>
               <a:ext uri="{FF2B5EF4-FFF2-40B4-BE49-F238E27FC236}">
-                <a16:creationId xmlns:a16="http://schemas.microsoft.com/office/drawing/2014/main" xmlns="" id="{0E51AB21-06DD-4D1C-881B-AB9AF29BE15E}"/>
+                <a16:creationId xmlns="" xmlns:a16="http://schemas.microsoft.com/office/drawing/2014/main" id="{0E51AB21-06DD-4D1C-881B-AB9AF29BE15E}"/>
               </a:ext>
             </a:extLst>
           </p:cNvPr>
@@ -7315,7 +7781,7 @@
           <p:cNvPr id="20" name="사각형: 둥근 모서리 19">
             <a:extLst>
               <a:ext uri="{FF2B5EF4-FFF2-40B4-BE49-F238E27FC236}">
-                <a16:creationId xmlns:a16="http://schemas.microsoft.com/office/drawing/2014/main" xmlns="" id="{1E98CDC1-9222-4883-B10A-81B66E8DC4B0}"/>
+                <a16:creationId xmlns="" xmlns:a16="http://schemas.microsoft.com/office/drawing/2014/main" id="{1E98CDC1-9222-4883-B10A-81B66E8DC4B0}"/>
               </a:ext>
             </a:extLst>
           </p:cNvPr>
@@ -7372,7 +7838,7 @@
           <p:cNvPr id="21" name="사각형: 둥근 모서리 20">
             <a:extLst>
               <a:ext uri="{FF2B5EF4-FFF2-40B4-BE49-F238E27FC236}">
-                <a16:creationId xmlns:a16="http://schemas.microsoft.com/office/drawing/2014/main" xmlns="" id="{79835011-8977-4FDA-B1B6-1DD7DB8C2468}"/>
+                <a16:creationId xmlns="" xmlns:a16="http://schemas.microsoft.com/office/drawing/2014/main" id="{79835011-8977-4FDA-B1B6-1DD7DB8C2468}"/>
               </a:ext>
             </a:extLst>
           </p:cNvPr>
@@ -7429,7 +7895,7 @@
           <p:cNvPr id="22" name="사각형: 둥근 모서리 21">
             <a:extLst>
               <a:ext uri="{FF2B5EF4-FFF2-40B4-BE49-F238E27FC236}">
-                <a16:creationId xmlns:a16="http://schemas.microsoft.com/office/drawing/2014/main" xmlns="" id="{97A5B4CE-CBA4-48F1-B07F-646FF8B5033F}"/>
+                <a16:creationId xmlns="" xmlns:a16="http://schemas.microsoft.com/office/drawing/2014/main" id="{97A5B4CE-CBA4-48F1-B07F-646FF8B5033F}"/>
               </a:ext>
             </a:extLst>
           </p:cNvPr>
@@ -7479,7 +7945,7 @@
           <p:cNvPr id="23" name="직선 연결선 22">
             <a:extLst>
               <a:ext uri="{FF2B5EF4-FFF2-40B4-BE49-F238E27FC236}">
-                <a16:creationId xmlns:a16="http://schemas.microsoft.com/office/drawing/2014/main" xmlns="" id="{CF38B8A0-1401-4E3B-9FC0-9ED096701E61}"/>
+                <a16:creationId xmlns="" xmlns:a16="http://schemas.microsoft.com/office/drawing/2014/main" id="{CF38B8A0-1401-4E3B-9FC0-9ED096701E61}"/>
               </a:ext>
             </a:extLst>
           </p:cNvPr>
@@ -7523,7 +7989,7 @@
           <p:cNvPr id="30" name="직선 연결선 29">
             <a:extLst>
               <a:ext uri="{FF2B5EF4-FFF2-40B4-BE49-F238E27FC236}">
-                <a16:creationId xmlns:a16="http://schemas.microsoft.com/office/drawing/2014/main" xmlns="" id="{5E45002D-6183-4784-BB3F-133D35EEE2BB}"/>
+                <a16:creationId xmlns="" xmlns:a16="http://schemas.microsoft.com/office/drawing/2014/main" id="{5E45002D-6183-4784-BB3F-133D35EEE2BB}"/>
               </a:ext>
             </a:extLst>
           </p:cNvPr>
@@ -7567,7 +8033,7 @@
           <p:cNvPr id="33" name="직선 연결선 32">
             <a:extLst>
               <a:ext uri="{FF2B5EF4-FFF2-40B4-BE49-F238E27FC236}">
-                <a16:creationId xmlns:a16="http://schemas.microsoft.com/office/drawing/2014/main" xmlns="" id="{71C2B82A-843B-4122-8D52-8C4F14103FA8}"/>
+                <a16:creationId xmlns="" xmlns:a16="http://schemas.microsoft.com/office/drawing/2014/main" id="{71C2B82A-843B-4122-8D52-8C4F14103FA8}"/>
               </a:ext>
             </a:extLst>
           </p:cNvPr>
@@ -7611,7 +8077,7 @@
           <p:cNvPr id="36" name="직선 연결선 35">
             <a:extLst>
               <a:ext uri="{FF2B5EF4-FFF2-40B4-BE49-F238E27FC236}">
-                <a16:creationId xmlns:a16="http://schemas.microsoft.com/office/drawing/2014/main" xmlns="" id="{772E8AA5-3AB5-4A92-A6C6-31B4125C65A0}"/>
+                <a16:creationId xmlns="" xmlns:a16="http://schemas.microsoft.com/office/drawing/2014/main" id="{772E8AA5-3AB5-4A92-A6C6-31B4125C65A0}"/>
               </a:ext>
             </a:extLst>
           </p:cNvPr>
@@ -7655,7 +8121,7 @@
           <p:cNvPr id="41" name="직선 연결선 40">
             <a:extLst>
               <a:ext uri="{FF2B5EF4-FFF2-40B4-BE49-F238E27FC236}">
-                <a16:creationId xmlns:a16="http://schemas.microsoft.com/office/drawing/2014/main" xmlns="" id="{27F6A3AB-03BA-45EF-9D8B-53D3EB078AA5}"/>
+                <a16:creationId xmlns="" xmlns:a16="http://schemas.microsoft.com/office/drawing/2014/main" id="{27F6A3AB-03BA-45EF-9D8B-53D3EB078AA5}"/>
               </a:ext>
             </a:extLst>
           </p:cNvPr>
@@ -7699,7 +8165,7 @@
           <p:cNvPr id="47" name="그룹 46">
             <a:extLst>
               <a:ext uri="{FF2B5EF4-FFF2-40B4-BE49-F238E27FC236}">
-                <a16:creationId xmlns:a16="http://schemas.microsoft.com/office/drawing/2014/main" xmlns="" id="{E3BB676B-A04A-46BB-A9BD-CA1B62AED92B}"/>
+                <a16:creationId xmlns="" xmlns:a16="http://schemas.microsoft.com/office/drawing/2014/main" id="{E3BB676B-A04A-46BB-A9BD-CA1B62AED92B}"/>
               </a:ext>
             </a:extLst>
           </p:cNvPr>
@@ -7719,7 +8185,7 @@
             <p:cNvPr id="45" name="직선 화살표 연결선 44">
               <a:extLst>
                 <a:ext uri="{FF2B5EF4-FFF2-40B4-BE49-F238E27FC236}">
-                  <a16:creationId xmlns:a16="http://schemas.microsoft.com/office/drawing/2014/main" xmlns="" id="{7DA70A64-B7A7-4AFC-BF95-321F5BF555B1}"/>
+                  <a16:creationId xmlns="" xmlns:a16="http://schemas.microsoft.com/office/drawing/2014/main" id="{7DA70A64-B7A7-4AFC-BF95-321F5BF555B1}"/>
                 </a:ext>
               </a:extLst>
             </p:cNvPr>
@@ -7762,7 +8228,7 @@
             <p:cNvPr id="46" name="TextBox 45">
               <a:extLst>
                 <a:ext uri="{FF2B5EF4-FFF2-40B4-BE49-F238E27FC236}">
-                  <a16:creationId xmlns:a16="http://schemas.microsoft.com/office/drawing/2014/main" xmlns="" id="{31320D19-CFB6-4C35-A360-5C2725A9C005}"/>
+                  <a16:creationId xmlns="" xmlns:a16="http://schemas.microsoft.com/office/drawing/2014/main" id="{31320D19-CFB6-4C35-A360-5C2725A9C005}"/>
                 </a:ext>
               </a:extLst>
             </p:cNvPr>
@@ -7800,7 +8266,7 @@
           <p:cNvPr id="48" name="그룹 47">
             <a:extLst>
               <a:ext uri="{FF2B5EF4-FFF2-40B4-BE49-F238E27FC236}">
-                <a16:creationId xmlns:a16="http://schemas.microsoft.com/office/drawing/2014/main" xmlns="" id="{EAFBC0F5-80D5-4A60-A12A-346D9948C032}"/>
+                <a16:creationId xmlns="" xmlns:a16="http://schemas.microsoft.com/office/drawing/2014/main" id="{EAFBC0F5-80D5-4A60-A12A-346D9948C032}"/>
               </a:ext>
             </a:extLst>
           </p:cNvPr>
@@ -7820,7 +8286,7 @@
             <p:cNvPr id="49" name="직선 화살표 연결선 48">
               <a:extLst>
                 <a:ext uri="{FF2B5EF4-FFF2-40B4-BE49-F238E27FC236}">
-                  <a16:creationId xmlns:a16="http://schemas.microsoft.com/office/drawing/2014/main" xmlns="" id="{3B709BA7-8290-4557-AF33-ED4F7E8812ED}"/>
+                  <a16:creationId xmlns="" xmlns:a16="http://schemas.microsoft.com/office/drawing/2014/main" id="{3B709BA7-8290-4557-AF33-ED4F7E8812ED}"/>
                 </a:ext>
               </a:extLst>
             </p:cNvPr>
@@ -7863,7 +8329,7 @@
             <p:cNvPr id="50" name="TextBox 49">
               <a:extLst>
                 <a:ext uri="{FF2B5EF4-FFF2-40B4-BE49-F238E27FC236}">
-                  <a16:creationId xmlns:a16="http://schemas.microsoft.com/office/drawing/2014/main" xmlns="" id="{9207FD93-EFBF-47E4-A844-1B1F49D86DB7}"/>
+                  <a16:creationId xmlns="" xmlns:a16="http://schemas.microsoft.com/office/drawing/2014/main" id="{9207FD93-EFBF-47E4-A844-1B1F49D86DB7}"/>
                 </a:ext>
               </a:extLst>
             </p:cNvPr>
@@ -7901,7 +8367,7 @@
           <p:cNvPr id="54" name="그룹 53">
             <a:extLst>
               <a:ext uri="{FF2B5EF4-FFF2-40B4-BE49-F238E27FC236}">
-                <a16:creationId xmlns:a16="http://schemas.microsoft.com/office/drawing/2014/main" xmlns="" id="{CDD6EE29-EB52-4993-8B20-A22F290DA866}"/>
+                <a16:creationId xmlns="" xmlns:a16="http://schemas.microsoft.com/office/drawing/2014/main" id="{CDD6EE29-EB52-4993-8B20-A22F290DA866}"/>
               </a:ext>
             </a:extLst>
           </p:cNvPr>
@@ -7921,7 +8387,7 @@
             <p:cNvPr id="55" name="직선 화살표 연결선 54">
               <a:extLst>
                 <a:ext uri="{FF2B5EF4-FFF2-40B4-BE49-F238E27FC236}">
-                  <a16:creationId xmlns:a16="http://schemas.microsoft.com/office/drawing/2014/main" xmlns="" id="{CCA446D1-C896-4F7E-892E-0CF71C8A5BC4}"/>
+                  <a16:creationId xmlns="" xmlns:a16="http://schemas.microsoft.com/office/drawing/2014/main" id="{CCA446D1-C896-4F7E-892E-0CF71C8A5BC4}"/>
                 </a:ext>
               </a:extLst>
             </p:cNvPr>
@@ -7964,7 +8430,7 @@
             <p:cNvPr id="56" name="TextBox 55">
               <a:extLst>
                 <a:ext uri="{FF2B5EF4-FFF2-40B4-BE49-F238E27FC236}">
-                  <a16:creationId xmlns:a16="http://schemas.microsoft.com/office/drawing/2014/main" xmlns="" id="{EA43908E-750F-4404-9CC1-D54BE3F4DED3}"/>
+                  <a16:creationId xmlns="" xmlns:a16="http://schemas.microsoft.com/office/drawing/2014/main" id="{EA43908E-750F-4404-9CC1-D54BE3F4DED3}"/>
                 </a:ext>
               </a:extLst>
             </p:cNvPr>
@@ -8002,7 +8468,7 @@
           <p:cNvPr id="60" name="그룹 59">
             <a:extLst>
               <a:ext uri="{FF2B5EF4-FFF2-40B4-BE49-F238E27FC236}">
-                <a16:creationId xmlns:a16="http://schemas.microsoft.com/office/drawing/2014/main" xmlns="" id="{5FC3B104-6F52-4E7D-9A72-3E296B948ECF}"/>
+                <a16:creationId xmlns="" xmlns:a16="http://schemas.microsoft.com/office/drawing/2014/main" id="{5FC3B104-6F52-4E7D-9A72-3E296B948ECF}"/>
               </a:ext>
             </a:extLst>
           </p:cNvPr>
@@ -8022,7 +8488,7 @@
             <p:cNvPr id="73" name="직선 화살표 연결선 72">
               <a:extLst>
                 <a:ext uri="{FF2B5EF4-FFF2-40B4-BE49-F238E27FC236}">
-                  <a16:creationId xmlns:a16="http://schemas.microsoft.com/office/drawing/2014/main" xmlns="" id="{C00F76D6-4464-4F21-B79A-D6337CFFCC75}"/>
+                  <a16:creationId xmlns="" xmlns:a16="http://schemas.microsoft.com/office/drawing/2014/main" id="{C00F76D6-4464-4F21-B79A-D6337CFFCC75}"/>
                 </a:ext>
               </a:extLst>
             </p:cNvPr>
@@ -8065,7 +8531,7 @@
             <p:cNvPr id="86" name="TextBox 85">
               <a:extLst>
                 <a:ext uri="{FF2B5EF4-FFF2-40B4-BE49-F238E27FC236}">
-                  <a16:creationId xmlns:a16="http://schemas.microsoft.com/office/drawing/2014/main" xmlns="" id="{17B1C24A-4B1A-468E-BDA6-0038800DE201}"/>
+                  <a16:creationId xmlns="" xmlns:a16="http://schemas.microsoft.com/office/drawing/2014/main" id="{17B1C24A-4B1A-468E-BDA6-0038800DE201}"/>
                 </a:ext>
               </a:extLst>
             </p:cNvPr>
@@ -8119,7 +8585,7 @@
           <p:cNvPr id="87" name="그룹 86">
             <a:extLst>
               <a:ext uri="{FF2B5EF4-FFF2-40B4-BE49-F238E27FC236}">
-                <a16:creationId xmlns:a16="http://schemas.microsoft.com/office/drawing/2014/main" xmlns="" id="{48A44C0A-0A62-46D8-B98B-C13492A5F446}"/>
+                <a16:creationId xmlns="" xmlns:a16="http://schemas.microsoft.com/office/drawing/2014/main" id="{48A44C0A-0A62-46D8-B98B-C13492A5F446}"/>
               </a:ext>
             </a:extLst>
           </p:cNvPr>
@@ -8139,7 +8605,7 @@
             <p:cNvPr id="88" name="직선 화살표 연결선 87">
               <a:extLst>
                 <a:ext uri="{FF2B5EF4-FFF2-40B4-BE49-F238E27FC236}">
-                  <a16:creationId xmlns:a16="http://schemas.microsoft.com/office/drawing/2014/main" xmlns="" id="{ED95214B-8DE6-448C-A7DB-F01C9C3C2E50}"/>
+                  <a16:creationId xmlns="" xmlns:a16="http://schemas.microsoft.com/office/drawing/2014/main" id="{ED95214B-8DE6-448C-A7DB-F01C9C3C2E50}"/>
                 </a:ext>
               </a:extLst>
             </p:cNvPr>
@@ -8182,7 +8648,7 @@
             <p:cNvPr id="89" name="TextBox 88">
               <a:extLst>
                 <a:ext uri="{FF2B5EF4-FFF2-40B4-BE49-F238E27FC236}">
-                  <a16:creationId xmlns:a16="http://schemas.microsoft.com/office/drawing/2014/main" xmlns="" id="{C5449845-0CBD-46B2-81BE-8AAF19969987}"/>
+                  <a16:creationId xmlns="" xmlns:a16="http://schemas.microsoft.com/office/drawing/2014/main" id="{C5449845-0CBD-46B2-81BE-8AAF19969987}"/>
                 </a:ext>
               </a:extLst>
             </p:cNvPr>
@@ -8232,7 +8698,7 @@
           <p:cNvPr id="90" name="그룹 89">
             <a:extLst>
               <a:ext uri="{FF2B5EF4-FFF2-40B4-BE49-F238E27FC236}">
-                <a16:creationId xmlns:a16="http://schemas.microsoft.com/office/drawing/2014/main" xmlns="" id="{77B8B0B6-11DD-4DB0-AE2B-3CEE8A410804}"/>
+                <a16:creationId xmlns="" xmlns:a16="http://schemas.microsoft.com/office/drawing/2014/main" id="{77B8B0B6-11DD-4DB0-AE2B-3CEE8A410804}"/>
               </a:ext>
             </a:extLst>
           </p:cNvPr>
@@ -8252,7 +8718,7 @@
             <p:cNvPr id="91" name="직선 화살표 연결선 90">
               <a:extLst>
                 <a:ext uri="{FF2B5EF4-FFF2-40B4-BE49-F238E27FC236}">
-                  <a16:creationId xmlns:a16="http://schemas.microsoft.com/office/drawing/2014/main" xmlns="" id="{5C6F7EBD-C60B-4BB9-9065-59FB8790440B}"/>
+                  <a16:creationId xmlns="" xmlns:a16="http://schemas.microsoft.com/office/drawing/2014/main" id="{5C6F7EBD-C60B-4BB9-9065-59FB8790440B}"/>
                 </a:ext>
               </a:extLst>
             </p:cNvPr>
@@ -8295,7 +8761,7 @@
             <p:cNvPr id="92" name="TextBox 91">
               <a:extLst>
                 <a:ext uri="{FF2B5EF4-FFF2-40B4-BE49-F238E27FC236}">
-                  <a16:creationId xmlns:a16="http://schemas.microsoft.com/office/drawing/2014/main" xmlns="" id="{61F32451-02A4-4DC8-AF6C-7F126A79BF34}"/>
+                  <a16:creationId xmlns="" xmlns:a16="http://schemas.microsoft.com/office/drawing/2014/main" id="{61F32451-02A4-4DC8-AF6C-7F126A79BF34}"/>
                 </a:ext>
               </a:extLst>
             </p:cNvPr>
@@ -8345,7 +8811,7 @@
           <p:cNvPr id="94" name="그룹 93">
             <a:extLst>
               <a:ext uri="{FF2B5EF4-FFF2-40B4-BE49-F238E27FC236}">
-                <a16:creationId xmlns:a16="http://schemas.microsoft.com/office/drawing/2014/main" xmlns="" id="{90A98A4D-5940-4BD7-9367-0A1F6EDAB843}"/>
+                <a16:creationId xmlns="" xmlns:a16="http://schemas.microsoft.com/office/drawing/2014/main" id="{90A98A4D-5940-4BD7-9367-0A1F6EDAB843}"/>
               </a:ext>
             </a:extLst>
           </p:cNvPr>
@@ -8365,7 +8831,7 @@
             <p:cNvPr id="95" name="직선 화살표 연결선 94">
               <a:extLst>
                 <a:ext uri="{FF2B5EF4-FFF2-40B4-BE49-F238E27FC236}">
-                  <a16:creationId xmlns:a16="http://schemas.microsoft.com/office/drawing/2014/main" xmlns="" id="{F389BB76-47B0-41B2-A3DE-1764C6D95804}"/>
+                  <a16:creationId xmlns="" xmlns:a16="http://schemas.microsoft.com/office/drawing/2014/main" id="{F389BB76-47B0-41B2-A3DE-1764C6D95804}"/>
                 </a:ext>
               </a:extLst>
             </p:cNvPr>
@@ -8408,7 +8874,7 @@
             <p:cNvPr id="96" name="TextBox 95">
               <a:extLst>
                 <a:ext uri="{FF2B5EF4-FFF2-40B4-BE49-F238E27FC236}">
-                  <a16:creationId xmlns:a16="http://schemas.microsoft.com/office/drawing/2014/main" xmlns="" id="{C7412E1F-D4DD-4B7B-A578-BF035092B90B}"/>
+                  <a16:creationId xmlns="" xmlns:a16="http://schemas.microsoft.com/office/drawing/2014/main" id="{C7412E1F-D4DD-4B7B-A578-BF035092B90B}"/>
                 </a:ext>
               </a:extLst>
             </p:cNvPr>
@@ -8454,7 +8920,7 @@
           <p:cNvPr id="97" name="그룹 96">
             <a:extLst>
               <a:ext uri="{FF2B5EF4-FFF2-40B4-BE49-F238E27FC236}">
-                <a16:creationId xmlns:a16="http://schemas.microsoft.com/office/drawing/2014/main" xmlns="" id="{3AE27FDC-19D1-4CF2-A494-D693487949F2}"/>
+                <a16:creationId xmlns="" xmlns:a16="http://schemas.microsoft.com/office/drawing/2014/main" id="{3AE27FDC-19D1-4CF2-A494-D693487949F2}"/>
               </a:ext>
             </a:extLst>
           </p:cNvPr>
@@ -8474,7 +8940,7 @@
             <p:cNvPr id="98" name="직선 화살표 연결선 97">
               <a:extLst>
                 <a:ext uri="{FF2B5EF4-FFF2-40B4-BE49-F238E27FC236}">
-                  <a16:creationId xmlns:a16="http://schemas.microsoft.com/office/drawing/2014/main" xmlns="" id="{ABD1CC10-532D-403E-8777-1A50F5B9C4E2}"/>
+                  <a16:creationId xmlns="" xmlns:a16="http://schemas.microsoft.com/office/drawing/2014/main" id="{ABD1CC10-532D-403E-8777-1A50F5B9C4E2}"/>
                 </a:ext>
               </a:extLst>
             </p:cNvPr>
@@ -8517,7 +8983,7 @@
             <p:cNvPr id="99" name="TextBox 98">
               <a:extLst>
                 <a:ext uri="{FF2B5EF4-FFF2-40B4-BE49-F238E27FC236}">
-                  <a16:creationId xmlns:a16="http://schemas.microsoft.com/office/drawing/2014/main" xmlns="" id="{FA8D79D1-1DF1-4336-A8B3-FEB95F358ACB}"/>
+                  <a16:creationId xmlns="" xmlns:a16="http://schemas.microsoft.com/office/drawing/2014/main" id="{FA8D79D1-1DF1-4336-A8B3-FEB95F358ACB}"/>
                 </a:ext>
               </a:extLst>
             </p:cNvPr>
@@ -8559,7 +9025,7 @@
           <p:cNvPr id="100" name="그룹 99">
             <a:extLst>
               <a:ext uri="{FF2B5EF4-FFF2-40B4-BE49-F238E27FC236}">
-                <a16:creationId xmlns:a16="http://schemas.microsoft.com/office/drawing/2014/main" xmlns="" id="{60CFD806-1B72-48C1-9C48-882EF9EBA515}"/>
+                <a16:creationId xmlns="" xmlns:a16="http://schemas.microsoft.com/office/drawing/2014/main" id="{60CFD806-1B72-48C1-9C48-882EF9EBA515}"/>
               </a:ext>
             </a:extLst>
           </p:cNvPr>
@@ -8579,7 +9045,7 @@
             <p:cNvPr id="101" name="직선 화살표 연결선 100">
               <a:extLst>
                 <a:ext uri="{FF2B5EF4-FFF2-40B4-BE49-F238E27FC236}">
-                  <a16:creationId xmlns:a16="http://schemas.microsoft.com/office/drawing/2014/main" xmlns="" id="{628DEC57-A430-4676-8B8E-87010B34738D}"/>
+                  <a16:creationId xmlns="" xmlns:a16="http://schemas.microsoft.com/office/drawing/2014/main" id="{628DEC57-A430-4676-8B8E-87010B34738D}"/>
                 </a:ext>
               </a:extLst>
             </p:cNvPr>
@@ -8622,7 +9088,7 @@
             <p:cNvPr id="102" name="TextBox 101">
               <a:extLst>
                 <a:ext uri="{FF2B5EF4-FFF2-40B4-BE49-F238E27FC236}">
-                  <a16:creationId xmlns:a16="http://schemas.microsoft.com/office/drawing/2014/main" xmlns="" id="{2E157B44-484D-487B-BC2F-E67BB4C33717}"/>
+                  <a16:creationId xmlns="" xmlns:a16="http://schemas.microsoft.com/office/drawing/2014/main" id="{2E157B44-484D-487B-BC2F-E67BB4C33717}"/>
                 </a:ext>
               </a:extLst>
             </p:cNvPr>
@@ -8648,11 +9114,7 @@
               <a:pPr algn="ctr"/>
               <a:r>
                 <a:rPr lang="en-US" altLang="ko-KR" sz="900" dirty="0" smtClean="0"/>
-                <a:t>13</a:t>
-              </a:r>
-              <a:r>
-                <a:rPr lang="en-US" altLang="ko-KR" sz="900" dirty="0" smtClean="0"/>
-                <a:t>. </a:t>
+                <a:t>13. </a:t>
               </a:r>
               <a:r>
                 <a:rPr lang="en-US" altLang="ko-KR" sz="900" dirty="0"/>
@@ -8668,7 +9130,7 @@
           <p:cNvPr id="103" name="그룹 102">
             <a:extLst>
               <a:ext uri="{FF2B5EF4-FFF2-40B4-BE49-F238E27FC236}">
-                <a16:creationId xmlns:a16="http://schemas.microsoft.com/office/drawing/2014/main" xmlns="" id="{B3A68818-EAC1-43E8-B2E8-EF35EE7C8D8F}"/>
+                <a16:creationId xmlns="" xmlns:a16="http://schemas.microsoft.com/office/drawing/2014/main" id="{B3A68818-EAC1-43E8-B2E8-EF35EE7C8D8F}"/>
               </a:ext>
             </a:extLst>
           </p:cNvPr>
@@ -8688,7 +9150,7 @@
             <p:cNvPr id="104" name="직선 화살표 연결선 103">
               <a:extLst>
                 <a:ext uri="{FF2B5EF4-FFF2-40B4-BE49-F238E27FC236}">
-                  <a16:creationId xmlns:a16="http://schemas.microsoft.com/office/drawing/2014/main" xmlns="" id="{66C811DE-8B26-4491-AC63-183F51397B90}"/>
+                  <a16:creationId xmlns="" xmlns:a16="http://schemas.microsoft.com/office/drawing/2014/main" id="{66C811DE-8B26-4491-AC63-183F51397B90}"/>
                 </a:ext>
               </a:extLst>
             </p:cNvPr>
@@ -8731,7 +9193,7 @@
             <p:cNvPr id="105" name="TextBox 104">
               <a:extLst>
                 <a:ext uri="{FF2B5EF4-FFF2-40B4-BE49-F238E27FC236}">
-                  <a16:creationId xmlns:a16="http://schemas.microsoft.com/office/drawing/2014/main" xmlns="" id="{20AE6293-D3BC-454B-A4B8-396B4F5F032F}"/>
+                  <a16:creationId xmlns="" xmlns:a16="http://schemas.microsoft.com/office/drawing/2014/main" id="{20AE6293-D3BC-454B-A4B8-396B4F5F032F}"/>
                 </a:ext>
               </a:extLst>
             </p:cNvPr>
@@ -8773,7 +9235,7 @@
           <p:cNvPr id="43" name="그룹 42">
             <a:extLst>
               <a:ext uri="{FF2B5EF4-FFF2-40B4-BE49-F238E27FC236}">
-                <a16:creationId xmlns:a16="http://schemas.microsoft.com/office/drawing/2014/main" xmlns="" id="{E78E7DB9-7A22-4F16-9950-ECFA5F3D4150}"/>
+                <a16:creationId xmlns="" xmlns:a16="http://schemas.microsoft.com/office/drawing/2014/main" id="{E78E7DB9-7A22-4F16-9950-ECFA5F3D4150}"/>
               </a:ext>
             </a:extLst>
           </p:cNvPr>
@@ -8793,7 +9255,7 @@
             <p:cNvPr id="44" name="직선 화살표 연결선 43">
               <a:extLst>
                 <a:ext uri="{FF2B5EF4-FFF2-40B4-BE49-F238E27FC236}">
-                  <a16:creationId xmlns:a16="http://schemas.microsoft.com/office/drawing/2014/main" xmlns="" id="{737C3D9E-DD8A-4406-910A-4D607E2EBF1F}"/>
+                  <a16:creationId xmlns="" xmlns:a16="http://schemas.microsoft.com/office/drawing/2014/main" id="{737C3D9E-DD8A-4406-910A-4D607E2EBF1F}"/>
                 </a:ext>
               </a:extLst>
             </p:cNvPr>
@@ -8836,7 +9298,7 @@
             <p:cNvPr id="51" name="TextBox 50">
               <a:extLst>
                 <a:ext uri="{FF2B5EF4-FFF2-40B4-BE49-F238E27FC236}">
-                  <a16:creationId xmlns:a16="http://schemas.microsoft.com/office/drawing/2014/main" xmlns="" id="{970114FF-E1D7-493F-9A33-71AC3EB2CD96}"/>
+                  <a16:creationId xmlns="" xmlns:a16="http://schemas.microsoft.com/office/drawing/2014/main" id="{970114FF-E1D7-493F-9A33-71AC3EB2CD96}"/>
                 </a:ext>
               </a:extLst>
             </p:cNvPr>
@@ -8878,7 +9340,7 @@
           <p:cNvPr id="52" name="그룹 51">
             <a:extLst>
               <a:ext uri="{FF2B5EF4-FFF2-40B4-BE49-F238E27FC236}">
-                <a16:creationId xmlns:a16="http://schemas.microsoft.com/office/drawing/2014/main" xmlns="" id="{E78E7DB9-7A22-4F16-9950-ECFA5F3D4150}"/>
+                <a16:creationId xmlns="" xmlns:a16="http://schemas.microsoft.com/office/drawing/2014/main" id="{E78E7DB9-7A22-4F16-9950-ECFA5F3D4150}"/>
               </a:ext>
             </a:extLst>
           </p:cNvPr>
@@ -8898,7 +9360,7 @@
             <p:cNvPr id="53" name="직선 화살표 연결선 52">
               <a:extLst>
                 <a:ext uri="{FF2B5EF4-FFF2-40B4-BE49-F238E27FC236}">
-                  <a16:creationId xmlns:a16="http://schemas.microsoft.com/office/drawing/2014/main" xmlns="" id="{737C3D9E-DD8A-4406-910A-4D607E2EBF1F}"/>
+                  <a16:creationId xmlns="" xmlns:a16="http://schemas.microsoft.com/office/drawing/2014/main" id="{737C3D9E-DD8A-4406-910A-4D607E2EBF1F}"/>
                 </a:ext>
               </a:extLst>
             </p:cNvPr>
@@ -8941,7 +9403,7 @@
             <p:cNvPr id="57" name="TextBox 56">
               <a:extLst>
                 <a:ext uri="{FF2B5EF4-FFF2-40B4-BE49-F238E27FC236}">
-                  <a16:creationId xmlns:a16="http://schemas.microsoft.com/office/drawing/2014/main" xmlns="" id="{970114FF-E1D7-493F-9A33-71AC3EB2CD96}"/>
+                  <a16:creationId xmlns="" xmlns:a16="http://schemas.microsoft.com/office/drawing/2014/main" id="{970114FF-E1D7-493F-9A33-71AC3EB2CD96}"/>
                 </a:ext>
               </a:extLst>
             </p:cNvPr>
@@ -8971,11 +9433,7 @@
               </a:r>
               <a:r>
                 <a:rPr lang="en-US" altLang="ko-KR" sz="900" dirty="0" smtClean="0"/>
-                <a:t>. </a:t>
-              </a:r>
-              <a:r>
-                <a:rPr lang="en-US" altLang="ko-KR" sz="900" dirty="0" smtClean="0"/>
-                <a:t>Invalid</a:t>
+                <a:t>. Invalid</a:t>
               </a:r>
               <a:endParaRPr lang="ko-KR" altLang="en-US" sz="900" dirty="0"/>
             </a:p>
@@ -8987,7 +9445,7 @@
           <p:cNvPr id="58" name="그룹 57">
             <a:extLst>
               <a:ext uri="{FF2B5EF4-FFF2-40B4-BE49-F238E27FC236}">
-                <a16:creationId xmlns:a16="http://schemas.microsoft.com/office/drawing/2014/main" xmlns="" id="{E78E7DB9-7A22-4F16-9950-ECFA5F3D4150}"/>
+                <a16:creationId xmlns="" xmlns:a16="http://schemas.microsoft.com/office/drawing/2014/main" id="{E78E7DB9-7A22-4F16-9950-ECFA5F3D4150}"/>
               </a:ext>
             </a:extLst>
           </p:cNvPr>
@@ -9007,7 +9465,7 @@
             <p:cNvPr id="59" name="직선 화살표 연결선 58">
               <a:extLst>
                 <a:ext uri="{FF2B5EF4-FFF2-40B4-BE49-F238E27FC236}">
-                  <a16:creationId xmlns:a16="http://schemas.microsoft.com/office/drawing/2014/main" xmlns="" id="{737C3D9E-DD8A-4406-910A-4D607E2EBF1F}"/>
+                  <a16:creationId xmlns="" xmlns:a16="http://schemas.microsoft.com/office/drawing/2014/main" id="{737C3D9E-DD8A-4406-910A-4D607E2EBF1F}"/>
                 </a:ext>
               </a:extLst>
             </p:cNvPr>
@@ -9050,7 +9508,7 @@
             <p:cNvPr id="61" name="TextBox 60">
               <a:extLst>
                 <a:ext uri="{FF2B5EF4-FFF2-40B4-BE49-F238E27FC236}">
-                  <a16:creationId xmlns:a16="http://schemas.microsoft.com/office/drawing/2014/main" xmlns="" id="{970114FF-E1D7-493F-9A33-71AC3EB2CD96}"/>
+                  <a16:creationId xmlns="" xmlns:a16="http://schemas.microsoft.com/office/drawing/2014/main" id="{970114FF-E1D7-493F-9A33-71AC3EB2CD96}"/>
                 </a:ext>
               </a:extLst>
             </p:cNvPr>
@@ -9076,11 +9534,7 @@
               <a:pPr algn="ctr"/>
               <a:r>
                 <a:rPr lang="en-US" altLang="ko-KR" sz="900" dirty="0" smtClean="0"/>
-                <a:t>10</a:t>
-              </a:r>
-              <a:r>
-                <a:rPr lang="en-US" altLang="ko-KR" sz="900" dirty="0" smtClean="0"/>
-                <a:t>. Send Access Token</a:t>
+                <a:t>10. Send Access Token</a:t>
               </a:r>
               <a:endParaRPr lang="ko-KR" altLang="en-US" sz="900" dirty="0"/>
             </a:p>
@@ -9092,7 +9546,7 @@
           <p:cNvPr id="62" name="그룹 61">
             <a:extLst>
               <a:ext uri="{FF2B5EF4-FFF2-40B4-BE49-F238E27FC236}">
-                <a16:creationId xmlns:a16="http://schemas.microsoft.com/office/drawing/2014/main" xmlns="" id="{E78E7DB9-7A22-4F16-9950-ECFA5F3D4150}"/>
+                <a16:creationId xmlns="" xmlns:a16="http://schemas.microsoft.com/office/drawing/2014/main" id="{E78E7DB9-7A22-4F16-9950-ECFA5F3D4150}"/>
               </a:ext>
             </a:extLst>
           </p:cNvPr>
@@ -9112,7 +9566,7 @@
             <p:cNvPr id="63" name="직선 화살표 연결선 62">
               <a:extLst>
                 <a:ext uri="{FF2B5EF4-FFF2-40B4-BE49-F238E27FC236}">
-                  <a16:creationId xmlns:a16="http://schemas.microsoft.com/office/drawing/2014/main" xmlns="" id="{737C3D9E-DD8A-4406-910A-4D607E2EBF1F}"/>
+                  <a16:creationId xmlns="" xmlns:a16="http://schemas.microsoft.com/office/drawing/2014/main" id="{737C3D9E-DD8A-4406-910A-4D607E2EBF1F}"/>
                 </a:ext>
               </a:extLst>
             </p:cNvPr>
@@ -9155,7 +9609,7 @@
             <p:cNvPr id="64" name="TextBox 63">
               <a:extLst>
                 <a:ext uri="{FF2B5EF4-FFF2-40B4-BE49-F238E27FC236}">
-                  <a16:creationId xmlns:a16="http://schemas.microsoft.com/office/drawing/2014/main" xmlns="" id="{970114FF-E1D7-493F-9A33-71AC3EB2CD96}"/>
+                  <a16:creationId xmlns="" xmlns:a16="http://schemas.microsoft.com/office/drawing/2014/main" id="{970114FF-E1D7-493F-9A33-71AC3EB2CD96}"/>
                 </a:ext>
               </a:extLst>
             </p:cNvPr>
@@ -9181,11 +9635,7 @@
               <a:pPr algn="ctr"/>
               <a:r>
                 <a:rPr lang="en-US" altLang="ko-KR" sz="900" dirty="0" smtClean="0"/>
-                <a:t>11. </a:t>
-              </a:r>
-              <a:r>
-                <a:rPr lang="en-US" altLang="ko-KR" sz="900" dirty="0" smtClean="0"/>
-                <a:t>Invalid</a:t>
+                <a:t>11. Invalid</a:t>
               </a:r>
               <a:endParaRPr lang="ko-KR" altLang="en-US" sz="900" dirty="0"/>
             </a:p>

--- a/images/theory_analysis/OAuth_2.0/OAuth_2.0.pptx
+++ b/images/theory_analysis/OAuth_2.0/OAuth_2.0.pptx
@@ -5,14 +5,15 @@
     <p:sldMasterId id="2147483648" r:id="rId1"/>
   </p:sldMasterIdLst>
   <p:notesMasterIdLst>
-    <p:notesMasterId r:id="rId7"/>
+    <p:notesMasterId r:id="rId8"/>
   </p:notesMasterIdLst>
   <p:sldIdLst>
     <p:sldId id="369" r:id="rId2"/>
     <p:sldId id="368" r:id="rId3"/>
     <p:sldId id="366" r:id="rId4"/>
-    <p:sldId id="365" r:id="rId5"/>
-    <p:sldId id="367" r:id="rId6"/>
+    <p:sldId id="370" r:id="rId5"/>
+    <p:sldId id="365" r:id="rId6"/>
+    <p:sldId id="367" r:id="rId7"/>
   </p:sldIdLst>
   <p:sldSz cx="9144000" cy="5143500" type="screen16x9"/>
   <p:notesSz cx="6858000" cy="9144000"/>
@@ -113,7 +114,7 @@
   </p:defaultTextStyle>
   <p:extLst>
     <p:ext uri="{EFAFB233-063F-42B5-8137-9DF3F51BA10A}">
-      <p15:sldGuideLst xmlns="" xmlns:p15="http://schemas.microsoft.com/office/powerpoint/2012/main">
+      <p15:sldGuideLst xmlns:p15="http://schemas.microsoft.com/office/powerpoint/2012/main">
         <p15:guide id="1" orient="horz" pos="2160">
           <p15:clr>
             <a:srgbClr val="A4A3A4"/>
@@ -3419,11 +3420,7 @@
             </a:r>
             <a:r>
               <a:rPr lang="en-US" altLang="ko-KR" sz="3600" dirty="0"/>
-              <a:t> 2.0 </a:t>
-            </a:r>
-            <a:r>
-              <a:rPr lang="en-US" altLang="ko-KR" sz="3600" dirty="0" smtClean="0"/>
-              <a:t>Component</a:t>
+              <a:t> 2.0 Component</a:t>
             </a:r>
             <a:endParaRPr lang="ko-KR" altLang="en-US" sz="3600" dirty="0"/>
           </a:p>
@@ -3434,7 +3431,7 @@
           <p:cNvPr id="3" name="사각형: 둥근 모서리 2">
             <a:extLst>
               <a:ext uri="{FF2B5EF4-FFF2-40B4-BE49-F238E27FC236}">
-                <a16:creationId xmlns="" xmlns:a16="http://schemas.microsoft.com/office/drawing/2014/main" id="{F682A8B3-51E9-4E66-93BF-AC13CF953E0F}"/>
+                <a16:creationId xmlns:a16="http://schemas.microsoft.com/office/drawing/2014/main" id="{F682A8B3-51E9-4E66-93BF-AC13CF953E0F}"/>
               </a:ext>
             </a:extLst>
           </p:cNvPr>
@@ -3472,10 +3469,9 @@
           <a:p>
             <a:pPr algn="ctr"/>
             <a:r>
-              <a:rPr lang="en-US" altLang="ko-KR" sz="1200" dirty="0" smtClean="0"/>
+              <a:rPr lang="en-US" altLang="ko-KR" sz="1200" dirty="0"/>
               <a:t>User</a:t>
             </a:r>
-            <a:endParaRPr lang="en-US" altLang="ko-KR" sz="1200" dirty="0"/>
           </a:p>
         </p:txBody>
       </p:sp>
@@ -3484,7 +3480,7 @@
           <p:cNvPr id="20" name="사각형: 둥근 모서리 19">
             <a:extLst>
               <a:ext uri="{FF2B5EF4-FFF2-40B4-BE49-F238E27FC236}">
-                <a16:creationId xmlns="" xmlns:a16="http://schemas.microsoft.com/office/drawing/2014/main" id="{1E98CDC1-9222-4883-B10A-81B66E8DC4B0}"/>
+                <a16:creationId xmlns:a16="http://schemas.microsoft.com/office/drawing/2014/main" id="{1E98CDC1-9222-4883-B10A-81B66E8DC4B0}"/>
               </a:ext>
             </a:extLst>
           </p:cNvPr>
@@ -3522,10 +3518,9 @@
           <a:p>
             <a:pPr algn="ctr"/>
             <a:r>
-              <a:rPr lang="en-US" altLang="ko-KR" sz="1200" dirty="0" smtClean="0"/>
+              <a:rPr lang="en-US" altLang="ko-KR" sz="1200" dirty="0"/>
               <a:t>Application</a:t>
             </a:r>
-            <a:endParaRPr lang="en-US" altLang="ko-KR" sz="1200" dirty="0"/>
           </a:p>
         </p:txBody>
       </p:sp>
@@ -3534,7 +3529,7 @@
           <p:cNvPr id="22" name="사각형: 둥근 모서리 21">
             <a:extLst>
               <a:ext uri="{FF2B5EF4-FFF2-40B4-BE49-F238E27FC236}">
-                <a16:creationId xmlns="" xmlns:a16="http://schemas.microsoft.com/office/drawing/2014/main" id="{97A5B4CE-CBA4-48F1-B07F-646FF8B5033F}"/>
+                <a16:creationId xmlns:a16="http://schemas.microsoft.com/office/drawing/2014/main" id="{97A5B4CE-CBA4-48F1-B07F-646FF8B5033F}"/>
               </a:ext>
             </a:extLst>
           </p:cNvPr>
@@ -3572,7 +3567,7 @@
           <a:p>
             <a:pPr algn="ctr"/>
             <a:r>
-              <a:rPr lang="en-US" altLang="ko-KR" sz="1200" dirty="0" smtClean="0"/>
+              <a:rPr lang="en-US" altLang="ko-KR" sz="1200" dirty="0"/>
               <a:t>Server</a:t>
             </a:r>
             <a:endParaRPr lang="ko-KR" altLang="en-US" sz="1200" dirty="0"/>
@@ -3584,7 +3579,7 @@
           <p:cNvPr id="54" name="직선 화살표 연결선 53">
             <a:extLst>
               <a:ext uri="{FF2B5EF4-FFF2-40B4-BE49-F238E27FC236}">
-                <a16:creationId xmlns="" xmlns:a16="http://schemas.microsoft.com/office/drawing/2014/main" id="{7DA70A64-B7A7-4AFC-BF95-321F5BF555B1}"/>
+                <a16:creationId xmlns:a16="http://schemas.microsoft.com/office/drawing/2014/main" id="{7DA70A64-B7A7-4AFC-BF95-321F5BF555B1}"/>
               </a:ext>
             </a:extLst>
           </p:cNvPr>
@@ -3630,7 +3625,7 @@
           <p:cNvPr id="73" name="직선 화살표 연결선 72">
             <a:extLst>
               <a:ext uri="{FF2B5EF4-FFF2-40B4-BE49-F238E27FC236}">
-                <a16:creationId xmlns="" xmlns:a16="http://schemas.microsoft.com/office/drawing/2014/main" id="{7DA70A64-B7A7-4AFC-BF95-321F5BF555B1}"/>
+                <a16:creationId xmlns:a16="http://schemas.microsoft.com/office/drawing/2014/main" id="{7DA70A64-B7A7-4AFC-BF95-321F5BF555B1}"/>
               </a:ext>
             </a:extLst>
           </p:cNvPr>
@@ -3673,7 +3668,7 @@
           <p:cNvPr id="18" name="TextBox 17">
             <a:extLst>
               <a:ext uri="{FF2B5EF4-FFF2-40B4-BE49-F238E27FC236}">
-                <a16:creationId xmlns="" xmlns:a16="http://schemas.microsoft.com/office/drawing/2014/main" id="{9207FD93-EFBF-47E4-A844-1B1F49D86DB7}"/>
+                <a16:creationId xmlns:a16="http://schemas.microsoft.com/office/drawing/2014/main" id="{9207FD93-EFBF-47E4-A844-1B1F49D86DB7}"/>
               </a:ext>
             </a:extLst>
           </p:cNvPr>
@@ -3698,7 +3693,7 @@
           <a:p>
             <a:pPr algn="ctr"/>
             <a:r>
-              <a:rPr lang="en-US" altLang="ko-KR" sz="900" dirty="0" smtClean="0"/>
+              <a:rPr lang="en-US" altLang="ko-KR" sz="900" dirty="0"/>
               <a:t>1. Input ID/Password</a:t>
             </a:r>
             <a:endParaRPr lang="ko-KR" altLang="en-US" sz="900" dirty="0"/>
@@ -3710,7 +3705,7 @@
           <p:cNvPr id="23" name="TextBox 22">
             <a:extLst>
               <a:ext uri="{FF2B5EF4-FFF2-40B4-BE49-F238E27FC236}">
-                <a16:creationId xmlns="" xmlns:a16="http://schemas.microsoft.com/office/drawing/2014/main" id="{9207FD93-EFBF-47E4-A844-1B1F49D86DB7}"/>
+                <a16:creationId xmlns:a16="http://schemas.microsoft.com/office/drawing/2014/main" id="{9207FD93-EFBF-47E4-A844-1B1F49D86DB7}"/>
               </a:ext>
             </a:extLst>
           </p:cNvPr>
@@ -3735,7 +3730,7 @@
           <a:p>
             <a:pPr algn="ctr"/>
             <a:r>
-              <a:rPr lang="en-US" altLang="ko-KR" sz="900" dirty="0" smtClean="0"/>
+              <a:rPr lang="en-US" altLang="ko-KR" sz="900" dirty="0"/>
               <a:t>2. Send ID/Password</a:t>
             </a:r>
             <a:endParaRPr lang="ko-KR" altLang="en-US" sz="900" dirty="0"/>
@@ -3747,7 +3742,7 @@
           <p:cNvPr id="24" name="직선 화살표 연결선 23">
             <a:extLst>
               <a:ext uri="{FF2B5EF4-FFF2-40B4-BE49-F238E27FC236}">
-                <a16:creationId xmlns="" xmlns:a16="http://schemas.microsoft.com/office/drawing/2014/main" id="{7DA70A64-B7A7-4AFC-BF95-321F5BF555B1}"/>
+                <a16:creationId xmlns:a16="http://schemas.microsoft.com/office/drawing/2014/main" id="{7DA70A64-B7A7-4AFC-BF95-321F5BF555B1}"/>
               </a:ext>
             </a:extLst>
           </p:cNvPr>
@@ -3790,7 +3785,7 @@
           <p:cNvPr id="25" name="TextBox 24">
             <a:extLst>
               <a:ext uri="{FF2B5EF4-FFF2-40B4-BE49-F238E27FC236}">
-                <a16:creationId xmlns="" xmlns:a16="http://schemas.microsoft.com/office/drawing/2014/main" id="{9207FD93-EFBF-47E4-A844-1B1F49D86DB7}"/>
+                <a16:creationId xmlns:a16="http://schemas.microsoft.com/office/drawing/2014/main" id="{9207FD93-EFBF-47E4-A844-1B1F49D86DB7}"/>
               </a:ext>
             </a:extLst>
           </p:cNvPr>
@@ -3815,7 +3810,7 @@
           <a:p>
             <a:pPr algn="ctr"/>
             <a:r>
-              <a:rPr lang="en-US" altLang="ko-KR" sz="900" dirty="0" smtClean="0"/>
+              <a:rPr lang="en-US" altLang="ko-KR" sz="900" dirty="0"/>
               <a:t>3. Send Resource</a:t>
             </a:r>
             <a:endParaRPr lang="ko-KR" altLang="en-US" sz="900" dirty="0"/>
@@ -3880,11 +3875,7 @@
             </a:r>
             <a:r>
               <a:rPr lang="en-US" altLang="ko-KR" sz="3600" dirty="0"/>
-              <a:t> 2.0 </a:t>
-            </a:r>
-            <a:r>
-              <a:rPr lang="en-US" altLang="ko-KR" sz="3600" dirty="0" smtClean="0"/>
-              <a:t>Component</a:t>
+              <a:t> 2.0 Component</a:t>
             </a:r>
             <a:endParaRPr lang="ko-KR" altLang="en-US" sz="3600" dirty="0"/>
           </a:p>
@@ -3895,7 +3886,7 @@
           <p:cNvPr id="3" name="사각형: 둥근 모서리 2">
             <a:extLst>
               <a:ext uri="{FF2B5EF4-FFF2-40B4-BE49-F238E27FC236}">
-                <a16:creationId xmlns="" xmlns:a16="http://schemas.microsoft.com/office/drawing/2014/main" id="{F682A8B3-51E9-4E66-93BF-AC13CF953E0F}"/>
+                <a16:creationId xmlns:a16="http://schemas.microsoft.com/office/drawing/2014/main" id="{F682A8B3-51E9-4E66-93BF-AC13CF953E0F}"/>
               </a:ext>
             </a:extLst>
           </p:cNvPr>
@@ -3952,7 +3943,7 @@
           <p:cNvPr id="19" name="사각형: 둥근 모서리 18">
             <a:extLst>
               <a:ext uri="{FF2B5EF4-FFF2-40B4-BE49-F238E27FC236}">
-                <a16:creationId xmlns="" xmlns:a16="http://schemas.microsoft.com/office/drawing/2014/main" id="{0E51AB21-06DD-4D1C-881B-AB9AF29BE15E}"/>
+                <a16:creationId xmlns:a16="http://schemas.microsoft.com/office/drawing/2014/main" id="{0E51AB21-06DD-4D1C-881B-AB9AF29BE15E}"/>
               </a:ext>
             </a:extLst>
           </p:cNvPr>
@@ -4009,7 +4000,7 @@
           <p:cNvPr id="20" name="사각형: 둥근 모서리 19">
             <a:extLst>
               <a:ext uri="{FF2B5EF4-FFF2-40B4-BE49-F238E27FC236}">
-                <a16:creationId xmlns="" xmlns:a16="http://schemas.microsoft.com/office/drawing/2014/main" id="{1E98CDC1-9222-4883-B10A-81B66E8DC4B0}"/>
+                <a16:creationId xmlns:a16="http://schemas.microsoft.com/office/drawing/2014/main" id="{1E98CDC1-9222-4883-B10A-81B66E8DC4B0}"/>
               </a:ext>
             </a:extLst>
           </p:cNvPr>
@@ -4066,7 +4057,7 @@
           <p:cNvPr id="21" name="사각형: 둥근 모서리 20">
             <a:extLst>
               <a:ext uri="{FF2B5EF4-FFF2-40B4-BE49-F238E27FC236}">
-                <a16:creationId xmlns="" xmlns:a16="http://schemas.microsoft.com/office/drawing/2014/main" id="{79835011-8977-4FDA-B1B6-1DD7DB8C2468}"/>
+                <a16:creationId xmlns:a16="http://schemas.microsoft.com/office/drawing/2014/main" id="{79835011-8977-4FDA-B1B6-1DD7DB8C2468}"/>
               </a:ext>
             </a:extLst>
           </p:cNvPr>
@@ -4123,7 +4114,7 @@
           <p:cNvPr id="22" name="사각형: 둥근 모서리 21">
             <a:extLst>
               <a:ext uri="{FF2B5EF4-FFF2-40B4-BE49-F238E27FC236}">
-                <a16:creationId xmlns="" xmlns:a16="http://schemas.microsoft.com/office/drawing/2014/main" id="{97A5B4CE-CBA4-48F1-B07F-646FF8B5033F}"/>
+                <a16:creationId xmlns:a16="http://schemas.microsoft.com/office/drawing/2014/main" id="{97A5B4CE-CBA4-48F1-B07F-646FF8B5033F}"/>
               </a:ext>
             </a:extLst>
           </p:cNvPr>
@@ -4173,7 +4164,7 @@
           <p:cNvPr id="54" name="직선 화살표 연결선 53">
             <a:extLst>
               <a:ext uri="{FF2B5EF4-FFF2-40B4-BE49-F238E27FC236}">
-                <a16:creationId xmlns="" xmlns:a16="http://schemas.microsoft.com/office/drawing/2014/main" id="{7DA70A64-B7A7-4AFC-BF95-321F5BF555B1}"/>
+                <a16:creationId xmlns:a16="http://schemas.microsoft.com/office/drawing/2014/main" id="{7DA70A64-B7A7-4AFC-BF95-321F5BF555B1}"/>
               </a:ext>
             </a:extLst>
           </p:cNvPr>
@@ -4219,7 +4210,7 @@
           <p:cNvPr id="55" name="직선 화살표 연결선 54">
             <a:extLst>
               <a:ext uri="{FF2B5EF4-FFF2-40B4-BE49-F238E27FC236}">
-                <a16:creationId xmlns="" xmlns:a16="http://schemas.microsoft.com/office/drawing/2014/main" id="{7DA70A64-B7A7-4AFC-BF95-321F5BF555B1}"/>
+                <a16:creationId xmlns:a16="http://schemas.microsoft.com/office/drawing/2014/main" id="{7DA70A64-B7A7-4AFC-BF95-321F5BF555B1}"/>
               </a:ext>
             </a:extLst>
           </p:cNvPr>
@@ -4265,7 +4256,7 @@
           <p:cNvPr id="56" name="직선 화살표 연결선 55">
             <a:extLst>
               <a:ext uri="{FF2B5EF4-FFF2-40B4-BE49-F238E27FC236}">
-                <a16:creationId xmlns="" xmlns:a16="http://schemas.microsoft.com/office/drawing/2014/main" id="{7DA70A64-B7A7-4AFC-BF95-321F5BF555B1}"/>
+                <a16:creationId xmlns:a16="http://schemas.microsoft.com/office/drawing/2014/main" id="{7DA70A64-B7A7-4AFC-BF95-321F5BF555B1}"/>
               </a:ext>
             </a:extLst>
           </p:cNvPr>
@@ -4311,7 +4302,7 @@
           <p:cNvPr id="60" name="직선 화살표 연결선 59">
             <a:extLst>
               <a:ext uri="{FF2B5EF4-FFF2-40B4-BE49-F238E27FC236}">
-                <a16:creationId xmlns="" xmlns:a16="http://schemas.microsoft.com/office/drawing/2014/main" id="{7DA70A64-B7A7-4AFC-BF95-321F5BF555B1}"/>
+                <a16:creationId xmlns:a16="http://schemas.microsoft.com/office/drawing/2014/main" id="{7DA70A64-B7A7-4AFC-BF95-321F5BF555B1}"/>
               </a:ext>
             </a:extLst>
           </p:cNvPr>
@@ -4357,7 +4348,7 @@
           <p:cNvPr id="73" name="직선 화살표 연결선 72">
             <a:extLst>
               <a:ext uri="{FF2B5EF4-FFF2-40B4-BE49-F238E27FC236}">
-                <a16:creationId xmlns="" xmlns:a16="http://schemas.microsoft.com/office/drawing/2014/main" id="{7DA70A64-B7A7-4AFC-BF95-321F5BF555B1}"/>
+                <a16:creationId xmlns:a16="http://schemas.microsoft.com/office/drawing/2014/main" id="{7DA70A64-B7A7-4AFC-BF95-321F5BF555B1}"/>
               </a:ext>
             </a:extLst>
           </p:cNvPr>
@@ -4463,7 +4454,7 @@
           <p:cNvPr id="3" name="사각형: 둥근 모서리 2">
             <a:extLst>
               <a:ext uri="{FF2B5EF4-FFF2-40B4-BE49-F238E27FC236}">
-                <a16:creationId xmlns="" xmlns:a16="http://schemas.microsoft.com/office/drawing/2014/main" id="{F682A8B3-51E9-4E66-93BF-AC13CF953E0F}"/>
+                <a16:creationId xmlns:a16="http://schemas.microsoft.com/office/drawing/2014/main" id="{F682A8B3-51E9-4E66-93BF-AC13CF953E0F}"/>
               </a:ext>
             </a:extLst>
           </p:cNvPr>
@@ -4520,7 +4511,7 @@
           <p:cNvPr id="19" name="사각형: 둥근 모서리 18">
             <a:extLst>
               <a:ext uri="{FF2B5EF4-FFF2-40B4-BE49-F238E27FC236}">
-                <a16:creationId xmlns="" xmlns:a16="http://schemas.microsoft.com/office/drawing/2014/main" id="{0E51AB21-06DD-4D1C-881B-AB9AF29BE15E}"/>
+                <a16:creationId xmlns:a16="http://schemas.microsoft.com/office/drawing/2014/main" id="{0E51AB21-06DD-4D1C-881B-AB9AF29BE15E}"/>
               </a:ext>
             </a:extLst>
           </p:cNvPr>
@@ -4577,7 +4568,7 @@
           <p:cNvPr id="20" name="사각형: 둥근 모서리 19">
             <a:extLst>
               <a:ext uri="{FF2B5EF4-FFF2-40B4-BE49-F238E27FC236}">
-                <a16:creationId xmlns="" xmlns:a16="http://schemas.microsoft.com/office/drawing/2014/main" id="{1E98CDC1-9222-4883-B10A-81B66E8DC4B0}"/>
+                <a16:creationId xmlns:a16="http://schemas.microsoft.com/office/drawing/2014/main" id="{1E98CDC1-9222-4883-B10A-81B66E8DC4B0}"/>
               </a:ext>
             </a:extLst>
           </p:cNvPr>
@@ -4634,7 +4625,7 @@
           <p:cNvPr id="21" name="사각형: 둥근 모서리 20">
             <a:extLst>
               <a:ext uri="{FF2B5EF4-FFF2-40B4-BE49-F238E27FC236}">
-                <a16:creationId xmlns="" xmlns:a16="http://schemas.microsoft.com/office/drawing/2014/main" id="{79835011-8977-4FDA-B1B6-1DD7DB8C2468}"/>
+                <a16:creationId xmlns:a16="http://schemas.microsoft.com/office/drawing/2014/main" id="{79835011-8977-4FDA-B1B6-1DD7DB8C2468}"/>
               </a:ext>
             </a:extLst>
           </p:cNvPr>
@@ -4691,7 +4682,7 @@
           <p:cNvPr id="22" name="사각형: 둥근 모서리 21">
             <a:extLst>
               <a:ext uri="{FF2B5EF4-FFF2-40B4-BE49-F238E27FC236}">
-                <a16:creationId xmlns="" xmlns:a16="http://schemas.microsoft.com/office/drawing/2014/main" id="{97A5B4CE-CBA4-48F1-B07F-646FF8B5033F}"/>
+                <a16:creationId xmlns:a16="http://schemas.microsoft.com/office/drawing/2014/main" id="{97A5B4CE-CBA4-48F1-B07F-646FF8B5033F}"/>
               </a:ext>
             </a:extLst>
           </p:cNvPr>
@@ -4741,7 +4732,7 @@
           <p:cNvPr id="23" name="직선 연결선 22">
             <a:extLst>
               <a:ext uri="{FF2B5EF4-FFF2-40B4-BE49-F238E27FC236}">
-                <a16:creationId xmlns="" xmlns:a16="http://schemas.microsoft.com/office/drawing/2014/main" id="{CF38B8A0-1401-4E3B-9FC0-9ED096701E61}"/>
+                <a16:creationId xmlns:a16="http://schemas.microsoft.com/office/drawing/2014/main" id="{CF38B8A0-1401-4E3B-9FC0-9ED096701E61}"/>
               </a:ext>
             </a:extLst>
           </p:cNvPr>
@@ -4785,7 +4776,7 @@
           <p:cNvPr id="30" name="직선 연결선 29">
             <a:extLst>
               <a:ext uri="{FF2B5EF4-FFF2-40B4-BE49-F238E27FC236}">
-                <a16:creationId xmlns="" xmlns:a16="http://schemas.microsoft.com/office/drawing/2014/main" id="{5E45002D-6183-4784-BB3F-133D35EEE2BB}"/>
+                <a16:creationId xmlns:a16="http://schemas.microsoft.com/office/drawing/2014/main" id="{5E45002D-6183-4784-BB3F-133D35EEE2BB}"/>
               </a:ext>
             </a:extLst>
           </p:cNvPr>
@@ -4829,7 +4820,7 @@
           <p:cNvPr id="33" name="직선 연결선 32">
             <a:extLst>
               <a:ext uri="{FF2B5EF4-FFF2-40B4-BE49-F238E27FC236}">
-                <a16:creationId xmlns="" xmlns:a16="http://schemas.microsoft.com/office/drawing/2014/main" id="{71C2B82A-843B-4122-8D52-8C4F14103FA8}"/>
+                <a16:creationId xmlns:a16="http://schemas.microsoft.com/office/drawing/2014/main" id="{71C2B82A-843B-4122-8D52-8C4F14103FA8}"/>
               </a:ext>
             </a:extLst>
           </p:cNvPr>
@@ -4873,7 +4864,7 @@
           <p:cNvPr id="36" name="직선 연결선 35">
             <a:extLst>
               <a:ext uri="{FF2B5EF4-FFF2-40B4-BE49-F238E27FC236}">
-                <a16:creationId xmlns="" xmlns:a16="http://schemas.microsoft.com/office/drawing/2014/main" id="{772E8AA5-3AB5-4A92-A6C6-31B4125C65A0}"/>
+                <a16:creationId xmlns:a16="http://schemas.microsoft.com/office/drawing/2014/main" id="{772E8AA5-3AB5-4A92-A6C6-31B4125C65A0}"/>
               </a:ext>
             </a:extLst>
           </p:cNvPr>
@@ -4917,7 +4908,7 @@
           <p:cNvPr id="41" name="직선 연결선 40">
             <a:extLst>
               <a:ext uri="{FF2B5EF4-FFF2-40B4-BE49-F238E27FC236}">
-                <a16:creationId xmlns="" xmlns:a16="http://schemas.microsoft.com/office/drawing/2014/main" id="{27F6A3AB-03BA-45EF-9D8B-53D3EB078AA5}"/>
+                <a16:creationId xmlns:a16="http://schemas.microsoft.com/office/drawing/2014/main" id="{27F6A3AB-03BA-45EF-9D8B-53D3EB078AA5}"/>
               </a:ext>
             </a:extLst>
           </p:cNvPr>
@@ -4961,7 +4952,7 @@
           <p:cNvPr id="47" name="그룹 46">
             <a:extLst>
               <a:ext uri="{FF2B5EF4-FFF2-40B4-BE49-F238E27FC236}">
-                <a16:creationId xmlns="" xmlns:a16="http://schemas.microsoft.com/office/drawing/2014/main" id="{E3BB676B-A04A-46BB-A9BD-CA1B62AED92B}"/>
+                <a16:creationId xmlns:a16="http://schemas.microsoft.com/office/drawing/2014/main" id="{E3BB676B-A04A-46BB-A9BD-CA1B62AED92B}"/>
               </a:ext>
             </a:extLst>
           </p:cNvPr>
@@ -4981,7 +4972,7 @@
             <p:cNvPr id="45" name="직선 화살표 연결선 44">
               <a:extLst>
                 <a:ext uri="{FF2B5EF4-FFF2-40B4-BE49-F238E27FC236}">
-                  <a16:creationId xmlns="" xmlns:a16="http://schemas.microsoft.com/office/drawing/2014/main" id="{7DA70A64-B7A7-4AFC-BF95-321F5BF555B1}"/>
+                  <a16:creationId xmlns:a16="http://schemas.microsoft.com/office/drawing/2014/main" id="{7DA70A64-B7A7-4AFC-BF95-321F5BF555B1}"/>
                 </a:ext>
               </a:extLst>
             </p:cNvPr>
@@ -5024,7 +5015,7 @@
             <p:cNvPr id="46" name="TextBox 45">
               <a:extLst>
                 <a:ext uri="{FF2B5EF4-FFF2-40B4-BE49-F238E27FC236}">
-                  <a16:creationId xmlns="" xmlns:a16="http://schemas.microsoft.com/office/drawing/2014/main" id="{31320D19-CFB6-4C35-A360-5C2725A9C005}"/>
+                  <a16:creationId xmlns:a16="http://schemas.microsoft.com/office/drawing/2014/main" id="{31320D19-CFB6-4C35-A360-5C2725A9C005}"/>
                 </a:ext>
               </a:extLst>
             </p:cNvPr>
@@ -5062,7 +5053,7 @@
           <p:cNvPr id="48" name="그룹 47">
             <a:extLst>
               <a:ext uri="{FF2B5EF4-FFF2-40B4-BE49-F238E27FC236}">
-                <a16:creationId xmlns="" xmlns:a16="http://schemas.microsoft.com/office/drawing/2014/main" id="{EAFBC0F5-80D5-4A60-A12A-346D9948C032}"/>
+                <a16:creationId xmlns:a16="http://schemas.microsoft.com/office/drawing/2014/main" id="{EAFBC0F5-80D5-4A60-A12A-346D9948C032}"/>
               </a:ext>
             </a:extLst>
           </p:cNvPr>
@@ -5082,7 +5073,7 @@
             <p:cNvPr id="49" name="직선 화살표 연결선 48">
               <a:extLst>
                 <a:ext uri="{FF2B5EF4-FFF2-40B4-BE49-F238E27FC236}">
-                  <a16:creationId xmlns="" xmlns:a16="http://schemas.microsoft.com/office/drawing/2014/main" id="{3B709BA7-8290-4557-AF33-ED4F7E8812ED}"/>
+                  <a16:creationId xmlns:a16="http://schemas.microsoft.com/office/drawing/2014/main" id="{3B709BA7-8290-4557-AF33-ED4F7E8812ED}"/>
                 </a:ext>
               </a:extLst>
             </p:cNvPr>
@@ -5125,7 +5116,7 @@
             <p:cNvPr id="50" name="TextBox 49">
               <a:extLst>
                 <a:ext uri="{FF2B5EF4-FFF2-40B4-BE49-F238E27FC236}">
-                  <a16:creationId xmlns="" xmlns:a16="http://schemas.microsoft.com/office/drawing/2014/main" id="{9207FD93-EFBF-47E4-A844-1B1F49D86DB7}"/>
+                  <a16:creationId xmlns:a16="http://schemas.microsoft.com/office/drawing/2014/main" id="{9207FD93-EFBF-47E4-A844-1B1F49D86DB7}"/>
                 </a:ext>
               </a:extLst>
             </p:cNvPr>
@@ -5171,7 +5162,7 @@
           <p:cNvPr id="51" name="그룹 50">
             <a:extLst>
               <a:ext uri="{FF2B5EF4-FFF2-40B4-BE49-F238E27FC236}">
-                <a16:creationId xmlns="" xmlns:a16="http://schemas.microsoft.com/office/drawing/2014/main" id="{E78E7DB9-7A22-4F16-9950-ECFA5F3D4150}"/>
+                <a16:creationId xmlns:a16="http://schemas.microsoft.com/office/drawing/2014/main" id="{E78E7DB9-7A22-4F16-9950-ECFA5F3D4150}"/>
               </a:ext>
             </a:extLst>
           </p:cNvPr>
@@ -5180,10 +5171,10 @@
         </p:nvGrpSpPr>
         <p:grpSpPr>
           <a:xfrm>
-            <a:off x="2864081" y="1707654"/>
-            <a:ext cx="1764197" cy="230832"/>
-            <a:chOff x="1099896" y="1044774"/>
-            <a:chExt cx="1764197" cy="230832"/>
+            <a:off x="2864081" y="1641996"/>
+            <a:ext cx="1764197" cy="369332"/>
+            <a:chOff x="1099896" y="932508"/>
+            <a:chExt cx="1764197" cy="369332"/>
           </a:xfrm>
         </p:grpSpPr>
         <p:cxnSp>
@@ -5191,7 +5182,7 @@
             <p:cNvPr id="52" name="직선 화살표 연결선 51">
               <a:extLst>
                 <a:ext uri="{FF2B5EF4-FFF2-40B4-BE49-F238E27FC236}">
-                  <a16:creationId xmlns="" xmlns:a16="http://schemas.microsoft.com/office/drawing/2014/main" id="{737C3D9E-DD8A-4406-910A-4D607E2EBF1F}"/>
+                  <a16:creationId xmlns:a16="http://schemas.microsoft.com/office/drawing/2014/main" id="{737C3D9E-DD8A-4406-910A-4D607E2EBF1F}"/>
                 </a:ext>
               </a:extLst>
             </p:cNvPr>
@@ -5234,7 +5225,7 @@
             <p:cNvPr id="53" name="TextBox 52">
               <a:extLst>
                 <a:ext uri="{FF2B5EF4-FFF2-40B4-BE49-F238E27FC236}">
-                  <a16:creationId xmlns="" xmlns:a16="http://schemas.microsoft.com/office/drawing/2014/main" id="{970114FF-E1D7-493F-9A33-71AC3EB2CD96}"/>
+                  <a16:creationId xmlns:a16="http://schemas.microsoft.com/office/drawing/2014/main" id="{970114FF-E1D7-493F-9A33-71AC3EB2CD96}"/>
                 </a:ext>
               </a:extLst>
             </p:cNvPr>
@@ -5243,8 +5234,8 @@
           </p:nvSpPr>
           <p:spPr>
             <a:xfrm>
-              <a:off x="1099896" y="1044774"/>
-              <a:ext cx="1764187" cy="230832"/>
+              <a:off x="1099896" y="932508"/>
+              <a:ext cx="1764187" cy="369332"/>
             </a:xfrm>
             <a:prstGeom prst="rect">
               <a:avLst/>
@@ -5260,9 +5251,21 @@
               <a:pPr algn="ctr"/>
               <a:r>
                 <a:rPr lang="en-US" altLang="ko-KR" sz="900"/>
-                <a:t>3. Redirect to Auth Server</a:t>
+                <a:t>3. Redirect to Auth Server with </a:t>
               </a:r>
-              <a:endParaRPr lang="ko-KR" altLang="en-US" sz="900"/>
+              <a:r>
+                <a:rPr lang="en-US" altLang="ko-KR" sz="900" b="1"/>
+                <a:t>Scope </a:t>
+              </a:r>
+              <a:r>
+                <a:rPr lang="en-US" altLang="ko-KR" sz="900"/>
+                <a:t>and</a:t>
+              </a:r>
+              <a:r>
+                <a:rPr lang="en-US" altLang="ko-KR" sz="900" b="1"/>
+                <a:t> App URL</a:t>
+              </a:r>
+              <a:endParaRPr lang="ko-KR" altLang="en-US" sz="900" b="1"/>
             </a:p>
           </p:txBody>
         </p:sp>
@@ -5272,7 +5275,7 @@
           <p:cNvPr id="57" name="그룹 56">
             <a:extLst>
               <a:ext uri="{FF2B5EF4-FFF2-40B4-BE49-F238E27FC236}">
-                <a16:creationId xmlns="" xmlns:a16="http://schemas.microsoft.com/office/drawing/2014/main" id="{5A8411E5-A9E9-4E36-B89B-25648DB82851}"/>
+                <a16:creationId xmlns:a16="http://schemas.microsoft.com/office/drawing/2014/main" id="{5A8411E5-A9E9-4E36-B89B-25648DB82851}"/>
               </a:ext>
             </a:extLst>
           </p:cNvPr>
@@ -5281,7 +5284,7 @@
         </p:nvGrpSpPr>
         <p:grpSpPr>
           <a:xfrm>
-            <a:off x="2864081" y="1995686"/>
+            <a:off x="2864081" y="2048644"/>
             <a:ext cx="3528388" cy="230832"/>
             <a:chOff x="1099896" y="1044774"/>
             <a:chExt cx="1764197" cy="230832"/>
@@ -5292,7 +5295,7 @@
             <p:cNvPr id="58" name="직선 화살표 연결선 57">
               <a:extLst>
                 <a:ext uri="{FF2B5EF4-FFF2-40B4-BE49-F238E27FC236}">
-                  <a16:creationId xmlns="" xmlns:a16="http://schemas.microsoft.com/office/drawing/2014/main" id="{7080B2E9-6D6B-43B4-8519-32D04C6545D6}"/>
+                  <a16:creationId xmlns:a16="http://schemas.microsoft.com/office/drawing/2014/main" id="{7080B2E9-6D6B-43B4-8519-32D04C6545D6}"/>
                 </a:ext>
               </a:extLst>
             </p:cNvPr>
@@ -5335,7 +5338,7 @@
             <p:cNvPr id="59" name="TextBox 58">
               <a:extLst>
                 <a:ext uri="{FF2B5EF4-FFF2-40B4-BE49-F238E27FC236}">
-                  <a16:creationId xmlns="" xmlns:a16="http://schemas.microsoft.com/office/drawing/2014/main" id="{6C6D28AC-42F8-4727-B049-E98805DBEC34}"/>
+                  <a16:creationId xmlns:a16="http://schemas.microsoft.com/office/drawing/2014/main" id="{6C6D28AC-42F8-4727-B049-E98805DBEC34}"/>
                 </a:ext>
               </a:extLst>
             </p:cNvPr>
@@ -5361,7 +5364,7 @@
               <a:pPr algn="ctr"/>
               <a:r>
                 <a:rPr lang="en-US" altLang="ko-KR" sz="900"/>
-                <a:t>4. Goto Auth Server</a:t>
+                <a:t>4. Goto Auth Server with Scope and App URL</a:t>
               </a:r>
               <a:endParaRPr lang="ko-KR" altLang="en-US" sz="900"/>
             </a:p>
@@ -5373,7 +5376,7 @@
           <p:cNvPr id="61" name="그룹 60">
             <a:extLst>
               <a:ext uri="{FF2B5EF4-FFF2-40B4-BE49-F238E27FC236}">
-                <a16:creationId xmlns="" xmlns:a16="http://schemas.microsoft.com/office/drawing/2014/main" id="{DD2B2FB0-94BB-4A5E-A589-6984AA294FEE}"/>
+                <a16:creationId xmlns:a16="http://schemas.microsoft.com/office/drawing/2014/main" id="{DD2B2FB0-94BB-4A5E-A589-6984AA294FEE}"/>
               </a:ext>
             </a:extLst>
           </p:cNvPr>
@@ -5382,7 +5385,7 @@
         </p:nvGrpSpPr>
         <p:grpSpPr>
           <a:xfrm>
-            <a:off x="2864081" y="2283718"/>
+            <a:off x="2864081" y="2336676"/>
             <a:ext cx="3528366" cy="230832"/>
             <a:chOff x="1099896" y="1044774"/>
             <a:chExt cx="1764197" cy="230832"/>
@@ -5393,7 +5396,7 @@
             <p:cNvPr id="62" name="직선 화살표 연결선 61">
               <a:extLst>
                 <a:ext uri="{FF2B5EF4-FFF2-40B4-BE49-F238E27FC236}">
-                  <a16:creationId xmlns="" xmlns:a16="http://schemas.microsoft.com/office/drawing/2014/main" id="{9FB015E7-91E7-400D-A123-A976DF82F65D}"/>
+                  <a16:creationId xmlns:a16="http://schemas.microsoft.com/office/drawing/2014/main" id="{9FB015E7-91E7-400D-A123-A976DF82F65D}"/>
                 </a:ext>
               </a:extLst>
             </p:cNvPr>
@@ -5436,7 +5439,7 @@
             <p:cNvPr id="63" name="TextBox 62">
               <a:extLst>
                 <a:ext uri="{FF2B5EF4-FFF2-40B4-BE49-F238E27FC236}">
-                  <a16:creationId xmlns="" xmlns:a16="http://schemas.microsoft.com/office/drawing/2014/main" id="{F8E64580-FDE6-4924-88A9-1AE155603782}"/>
+                  <a16:creationId xmlns:a16="http://schemas.microsoft.com/office/drawing/2014/main" id="{F8E64580-FDE6-4924-88A9-1AE155603782}"/>
                 </a:ext>
               </a:extLst>
             </p:cNvPr>
@@ -5474,7 +5477,7 @@
           <p:cNvPr id="64" name="그룹 63">
             <a:extLst>
               <a:ext uri="{FF2B5EF4-FFF2-40B4-BE49-F238E27FC236}">
-                <a16:creationId xmlns="" xmlns:a16="http://schemas.microsoft.com/office/drawing/2014/main" id="{597B8C85-295D-4C92-9310-7320E17DDA59}"/>
+                <a16:creationId xmlns:a16="http://schemas.microsoft.com/office/drawing/2014/main" id="{597B8C85-295D-4C92-9310-7320E17DDA59}"/>
               </a:ext>
             </a:extLst>
           </p:cNvPr>
@@ -5483,7 +5486,7 @@
         </p:nvGrpSpPr>
         <p:grpSpPr>
           <a:xfrm>
-            <a:off x="1099897" y="2571750"/>
+            <a:off x="1099897" y="2624708"/>
             <a:ext cx="1764184" cy="230832"/>
             <a:chOff x="1099896" y="1044774"/>
             <a:chExt cx="1764197" cy="230832"/>
@@ -5494,7 +5497,7 @@
             <p:cNvPr id="65" name="직선 화살표 연결선 64">
               <a:extLst>
                 <a:ext uri="{FF2B5EF4-FFF2-40B4-BE49-F238E27FC236}">
-                  <a16:creationId xmlns="" xmlns:a16="http://schemas.microsoft.com/office/drawing/2014/main" id="{716E46BF-9231-4EBA-9EDB-0F6CDE9F93DF}"/>
+                  <a16:creationId xmlns:a16="http://schemas.microsoft.com/office/drawing/2014/main" id="{716E46BF-9231-4EBA-9EDB-0F6CDE9F93DF}"/>
                 </a:ext>
               </a:extLst>
             </p:cNvPr>
@@ -5537,7 +5540,7 @@
             <p:cNvPr id="66" name="TextBox 65">
               <a:extLst>
                 <a:ext uri="{FF2B5EF4-FFF2-40B4-BE49-F238E27FC236}">
-                  <a16:creationId xmlns="" xmlns:a16="http://schemas.microsoft.com/office/drawing/2014/main" id="{AEF921D0-D2FC-4BE9-AB63-E2462AA435CB}"/>
+                  <a16:creationId xmlns:a16="http://schemas.microsoft.com/office/drawing/2014/main" id="{AEF921D0-D2FC-4BE9-AB63-E2462AA435CB}"/>
                 </a:ext>
               </a:extLst>
             </p:cNvPr>
@@ -5575,7 +5578,7 @@
           <p:cNvPr id="67" name="그룹 66">
             <a:extLst>
               <a:ext uri="{FF2B5EF4-FFF2-40B4-BE49-F238E27FC236}">
-                <a16:creationId xmlns="" xmlns:a16="http://schemas.microsoft.com/office/drawing/2014/main" id="{8FB4A4B0-DE36-47FC-9BAE-7A0347C8CB49}"/>
+                <a16:creationId xmlns:a16="http://schemas.microsoft.com/office/drawing/2014/main" id="{8FB4A4B0-DE36-47FC-9BAE-7A0347C8CB49}"/>
               </a:ext>
             </a:extLst>
           </p:cNvPr>
@@ -5584,7 +5587,7 @@
         </p:nvGrpSpPr>
         <p:grpSpPr>
           <a:xfrm>
-            <a:off x="1099896" y="2865386"/>
+            <a:off x="1099896" y="2918344"/>
             <a:ext cx="1764197" cy="230832"/>
             <a:chOff x="1099896" y="1044774"/>
             <a:chExt cx="1764197" cy="230832"/>
@@ -5595,7 +5598,7 @@
             <p:cNvPr id="68" name="직선 화살표 연결선 67">
               <a:extLst>
                 <a:ext uri="{FF2B5EF4-FFF2-40B4-BE49-F238E27FC236}">
-                  <a16:creationId xmlns="" xmlns:a16="http://schemas.microsoft.com/office/drawing/2014/main" id="{44F9F2A3-37EA-44FC-8E45-AB5318C717E0}"/>
+                  <a16:creationId xmlns:a16="http://schemas.microsoft.com/office/drawing/2014/main" id="{44F9F2A3-37EA-44FC-8E45-AB5318C717E0}"/>
                 </a:ext>
               </a:extLst>
             </p:cNvPr>
@@ -5638,7 +5641,7 @@
             <p:cNvPr id="69" name="TextBox 68">
               <a:extLst>
                 <a:ext uri="{FF2B5EF4-FFF2-40B4-BE49-F238E27FC236}">
-                  <a16:creationId xmlns="" xmlns:a16="http://schemas.microsoft.com/office/drawing/2014/main" id="{72E47B97-61A2-4325-9CAB-DA60897BED2D}"/>
+                  <a16:creationId xmlns:a16="http://schemas.microsoft.com/office/drawing/2014/main" id="{72E47B97-61A2-4325-9CAB-DA60897BED2D}"/>
                 </a:ext>
               </a:extLst>
             </p:cNvPr>
@@ -5676,7 +5679,7 @@
           <p:cNvPr id="70" name="그룹 69">
             <a:extLst>
               <a:ext uri="{FF2B5EF4-FFF2-40B4-BE49-F238E27FC236}">
-                <a16:creationId xmlns="" xmlns:a16="http://schemas.microsoft.com/office/drawing/2014/main" id="{F1A2A4C1-4A3E-408E-A9A1-A4F65D4F8A6E}"/>
+                <a16:creationId xmlns:a16="http://schemas.microsoft.com/office/drawing/2014/main" id="{F1A2A4C1-4A3E-408E-A9A1-A4F65D4F8A6E}"/>
               </a:ext>
             </a:extLst>
           </p:cNvPr>
@@ -5685,7 +5688,7 @@
         </p:nvGrpSpPr>
         <p:grpSpPr>
           <a:xfrm>
-            <a:off x="2864029" y="3163042"/>
+            <a:off x="2864029" y="3216000"/>
             <a:ext cx="3528386" cy="230832"/>
             <a:chOff x="1099896" y="1044774"/>
             <a:chExt cx="1764197" cy="230832"/>
@@ -5696,7 +5699,7 @@
             <p:cNvPr id="71" name="직선 화살표 연결선 70">
               <a:extLst>
                 <a:ext uri="{FF2B5EF4-FFF2-40B4-BE49-F238E27FC236}">
-                  <a16:creationId xmlns="" xmlns:a16="http://schemas.microsoft.com/office/drawing/2014/main" id="{80C9B849-3164-45D1-B6F8-53A74B2174EA}"/>
+                  <a16:creationId xmlns:a16="http://schemas.microsoft.com/office/drawing/2014/main" id="{80C9B849-3164-45D1-B6F8-53A74B2174EA}"/>
                 </a:ext>
               </a:extLst>
             </p:cNvPr>
@@ -5739,7 +5742,7 @@
             <p:cNvPr id="72" name="TextBox 71">
               <a:extLst>
                 <a:ext uri="{FF2B5EF4-FFF2-40B4-BE49-F238E27FC236}">
-                  <a16:creationId xmlns="" xmlns:a16="http://schemas.microsoft.com/office/drawing/2014/main" id="{D763CC01-C5B9-4B00-93A8-25D6ADD4C0E0}"/>
+                  <a16:creationId xmlns:a16="http://schemas.microsoft.com/office/drawing/2014/main" id="{D763CC01-C5B9-4B00-93A8-25D6ADD4C0E0}"/>
                 </a:ext>
               </a:extLst>
             </p:cNvPr>
@@ -5765,7 +5768,7 @@
               <a:pPr algn="ctr"/>
               <a:r>
                 <a:rPr lang="en-US" altLang="ko-KR" sz="900"/>
-                <a:t>8. Send Authentication Info </a:t>
+                <a:t>8. Send Authentication and Authorization Info </a:t>
               </a:r>
               <a:endParaRPr lang="ko-KR" altLang="en-US" sz="900"/>
             </a:p>
@@ -5777,7 +5780,7 @@
           <p:cNvPr id="74" name="그룹 73">
             <a:extLst>
               <a:ext uri="{FF2B5EF4-FFF2-40B4-BE49-F238E27FC236}">
-                <a16:creationId xmlns="" xmlns:a16="http://schemas.microsoft.com/office/drawing/2014/main" id="{BE5913C7-1C6F-4B1A-93A2-8F5A782FCF70}"/>
+                <a16:creationId xmlns:a16="http://schemas.microsoft.com/office/drawing/2014/main" id="{BE5913C7-1C6F-4B1A-93A2-8F5A782FCF70}"/>
               </a:ext>
             </a:extLst>
           </p:cNvPr>
@@ -5786,7 +5789,7 @@
         </p:nvGrpSpPr>
         <p:grpSpPr>
           <a:xfrm>
-            <a:off x="2864029" y="3454239"/>
+            <a:off x="2864029" y="3507197"/>
             <a:ext cx="3528386" cy="230832"/>
             <a:chOff x="1099896" y="1044774"/>
             <a:chExt cx="1764197" cy="230832"/>
@@ -5797,7 +5800,7 @@
             <p:cNvPr id="75" name="직선 화살표 연결선 74">
               <a:extLst>
                 <a:ext uri="{FF2B5EF4-FFF2-40B4-BE49-F238E27FC236}">
-                  <a16:creationId xmlns="" xmlns:a16="http://schemas.microsoft.com/office/drawing/2014/main" id="{5A32FE5A-D95D-40D1-A6CC-71180B87F368}"/>
+                  <a16:creationId xmlns:a16="http://schemas.microsoft.com/office/drawing/2014/main" id="{5A32FE5A-D95D-40D1-A6CC-71180B87F368}"/>
                 </a:ext>
               </a:extLst>
             </p:cNvPr>
@@ -5840,7 +5843,7 @@
             <p:cNvPr id="76" name="TextBox 75">
               <a:extLst>
                 <a:ext uri="{FF2B5EF4-FFF2-40B4-BE49-F238E27FC236}">
-                  <a16:creationId xmlns="" xmlns:a16="http://schemas.microsoft.com/office/drawing/2014/main" id="{772B408E-1863-4925-B684-13B1B7F10C2D}"/>
+                  <a16:creationId xmlns:a16="http://schemas.microsoft.com/office/drawing/2014/main" id="{772B408E-1863-4925-B684-13B1B7F10C2D}"/>
                 </a:ext>
               </a:extLst>
             </p:cNvPr>
@@ -5866,7 +5869,7 @@
               <a:pPr algn="ctr"/>
               <a:r>
                 <a:rPr lang="en-US" altLang="ko-KR" sz="900"/>
-                <a:t>9. Redirect to App with </a:t>
+                <a:t>9. Redirect to App URL with </a:t>
               </a:r>
               <a:r>
                 <a:rPr lang="en-US" altLang="ko-KR" sz="900" b="1"/>
@@ -5882,7 +5885,7 @@
           <p:cNvPr id="77" name="그룹 76">
             <a:extLst>
               <a:ext uri="{FF2B5EF4-FFF2-40B4-BE49-F238E27FC236}">
-                <a16:creationId xmlns="" xmlns:a16="http://schemas.microsoft.com/office/drawing/2014/main" id="{EAEB2C17-9C84-41F8-8131-9C3B1ACEDBEF}"/>
+                <a16:creationId xmlns:a16="http://schemas.microsoft.com/office/drawing/2014/main" id="{EAEB2C17-9C84-41F8-8131-9C3B1ACEDBEF}"/>
               </a:ext>
             </a:extLst>
           </p:cNvPr>
@@ -5891,10 +5894,10 @@
         </p:nvGrpSpPr>
         <p:grpSpPr>
           <a:xfrm>
-            <a:off x="2864081" y="3745039"/>
-            <a:ext cx="1764197" cy="230832"/>
-            <a:chOff x="1099896" y="1044774"/>
-            <a:chExt cx="1764197" cy="230832"/>
+            <a:off x="2864081" y="3733636"/>
+            <a:ext cx="1764197" cy="369332"/>
+            <a:chOff x="1099896" y="942313"/>
+            <a:chExt cx="1764197" cy="369332"/>
           </a:xfrm>
         </p:grpSpPr>
         <p:cxnSp>
@@ -5902,7 +5905,7 @@
             <p:cNvPr id="78" name="직선 화살표 연결선 77">
               <a:extLst>
                 <a:ext uri="{FF2B5EF4-FFF2-40B4-BE49-F238E27FC236}">
-                  <a16:creationId xmlns="" xmlns:a16="http://schemas.microsoft.com/office/drawing/2014/main" id="{29AA5ED2-9D52-4D1F-AF4B-9B79A0DB5BE3}"/>
+                  <a16:creationId xmlns:a16="http://schemas.microsoft.com/office/drawing/2014/main" id="{29AA5ED2-9D52-4D1F-AF4B-9B79A0DB5BE3}"/>
                 </a:ext>
               </a:extLst>
             </p:cNvPr>
@@ -5945,7 +5948,7 @@
             <p:cNvPr id="79" name="TextBox 78">
               <a:extLst>
                 <a:ext uri="{FF2B5EF4-FFF2-40B4-BE49-F238E27FC236}">
-                  <a16:creationId xmlns="" xmlns:a16="http://schemas.microsoft.com/office/drawing/2014/main" id="{B0ADCDCB-221D-4E6F-BC22-A1B89B13A351}"/>
+                  <a16:creationId xmlns:a16="http://schemas.microsoft.com/office/drawing/2014/main" id="{B0ADCDCB-221D-4E6F-BC22-A1B89B13A351}"/>
                 </a:ext>
               </a:extLst>
             </p:cNvPr>
@@ -5954,8 +5957,8 @@
           </p:nvSpPr>
           <p:spPr>
             <a:xfrm>
-              <a:off x="1099896" y="1044774"/>
-              <a:ext cx="1764187" cy="230832"/>
+              <a:off x="1099896" y="942313"/>
+              <a:ext cx="1764187" cy="369332"/>
             </a:xfrm>
             <a:prstGeom prst="rect">
               <a:avLst/>
@@ -5971,7 +5974,7 @@
               <a:pPr algn="ctr"/>
               <a:r>
                 <a:rPr lang="en-US" altLang="ko-KR" sz="900"/>
-                <a:t>10. Goto to App</a:t>
+                <a:t>10. Goto to App with Authorization Code</a:t>
               </a:r>
               <a:endParaRPr lang="ko-KR" altLang="en-US" sz="900"/>
             </a:p>
@@ -5983,7 +5986,7 @@
           <p:cNvPr id="80" name="그룹 79">
             <a:extLst>
               <a:ext uri="{FF2B5EF4-FFF2-40B4-BE49-F238E27FC236}">
-                <a16:creationId xmlns="" xmlns:a16="http://schemas.microsoft.com/office/drawing/2014/main" id="{4A49550F-FB19-4BDC-BEB9-CC139F744772}"/>
+                <a16:creationId xmlns:a16="http://schemas.microsoft.com/office/drawing/2014/main" id="{4A49550F-FB19-4BDC-BEB9-CC139F744772}"/>
               </a:ext>
             </a:extLst>
           </p:cNvPr>
@@ -5992,7 +5995,7 @@
         </p:nvGrpSpPr>
         <p:grpSpPr>
           <a:xfrm>
-            <a:off x="4629226" y="4042302"/>
+            <a:off x="4629226" y="4128418"/>
             <a:ext cx="1764197" cy="230832"/>
             <a:chOff x="1099896" y="1044774"/>
             <a:chExt cx="1764197" cy="230832"/>
@@ -6003,7 +6006,7 @@
             <p:cNvPr id="81" name="직선 화살표 연결선 80">
               <a:extLst>
                 <a:ext uri="{FF2B5EF4-FFF2-40B4-BE49-F238E27FC236}">
-                  <a16:creationId xmlns="" xmlns:a16="http://schemas.microsoft.com/office/drawing/2014/main" id="{1E1DCC7C-FA25-4D2A-B9B6-CCD5359DE7AB}"/>
+                  <a16:creationId xmlns:a16="http://schemas.microsoft.com/office/drawing/2014/main" id="{1E1DCC7C-FA25-4D2A-B9B6-CCD5359DE7AB}"/>
                 </a:ext>
               </a:extLst>
             </p:cNvPr>
@@ -6046,7 +6049,7 @@
             <p:cNvPr id="82" name="TextBox 81">
               <a:extLst>
                 <a:ext uri="{FF2B5EF4-FFF2-40B4-BE49-F238E27FC236}">
-                  <a16:creationId xmlns="" xmlns:a16="http://schemas.microsoft.com/office/drawing/2014/main" id="{260AC13B-0F12-4C9D-A092-6B7A21D71222}"/>
+                  <a16:creationId xmlns:a16="http://schemas.microsoft.com/office/drawing/2014/main" id="{260AC13B-0F12-4C9D-A092-6B7A21D71222}"/>
                 </a:ext>
               </a:extLst>
             </p:cNvPr>
@@ -6084,7 +6087,7 @@
           <p:cNvPr id="83" name="그룹 82">
             <a:extLst>
               <a:ext uri="{FF2B5EF4-FFF2-40B4-BE49-F238E27FC236}">
-                <a16:creationId xmlns="" xmlns:a16="http://schemas.microsoft.com/office/drawing/2014/main" id="{39BB9162-D801-4BD4-9745-D7CA48E71C03}"/>
+                <a16:creationId xmlns:a16="http://schemas.microsoft.com/office/drawing/2014/main" id="{39BB9162-D801-4BD4-9745-D7CA48E71C03}"/>
               </a:ext>
             </a:extLst>
           </p:cNvPr>
@@ -6093,7 +6096,7 @@
         </p:nvGrpSpPr>
         <p:grpSpPr>
           <a:xfrm>
-            <a:off x="4627829" y="4273133"/>
+            <a:off x="4627829" y="4357841"/>
             <a:ext cx="1765594" cy="369332"/>
             <a:chOff x="1098499" y="948715"/>
             <a:chExt cx="1765594" cy="369332"/>
@@ -6104,7 +6107,7 @@
             <p:cNvPr id="84" name="직선 화살표 연결선 83">
               <a:extLst>
                 <a:ext uri="{FF2B5EF4-FFF2-40B4-BE49-F238E27FC236}">
-                  <a16:creationId xmlns="" xmlns:a16="http://schemas.microsoft.com/office/drawing/2014/main" id="{9ED2C0CA-8926-4346-8585-357BEBD5E4BF}"/>
+                  <a16:creationId xmlns:a16="http://schemas.microsoft.com/office/drawing/2014/main" id="{9ED2C0CA-8926-4346-8585-357BEBD5E4BF}"/>
                 </a:ext>
               </a:extLst>
             </p:cNvPr>
@@ -6147,7 +6150,7 @@
             <p:cNvPr id="85" name="TextBox 84">
               <a:extLst>
                 <a:ext uri="{FF2B5EF4-FFF2-40B4-BE49-F238E27FC236}">
-                  <a16:creationId xmlns="" xmlns:a16="http://schemas.microsoft.com/office/drawing/2014/main" id="{AC28A9FC-9831-4550-B16C-0AFA4AC7C0BE}"/>
+                  <a16:creationId xmlns:a16="http://schemas.microsoft.com/office/drawing/2014/main" id="{AC28A9FC-9831-4550-B16C-0AFA4AC7C0BE}"/>
                 </a:ext>
               </a:extLst>
             </p:cNvPr>
@@ -6177,19 +6180,7 @@
               </a:r>
               <a:r>
                 <a:rPr lang="en-US" altLang="ko-KR" sz="900" b="1" dirty="0"/>
-                <a:t>Access Token </a:t>
-              </a:r>
-              <a:r>
-                <a:rPr lang="en-US" altLang="ko-KR" sz="900" b="1" dirty="0" smtClean="0"/>
-                <a:t>(&amp; </a:t>
-              </a:r>
-              <a:r>
-                <a:rPr lang="en-US" altLang="ko-KR" sz="900" b="1" dirty="0"/>
-                <a:t>Refresh </a:t>
-              </a:r>
-              <a:r>
-                <a:rPr lang="en-US" altLang="ko-KR" sz="900" b="1" dirty="0" smtClean="0"/>
-                <a:t>Token)</a:t>
+                <a:t>Access Token (&amp; Refresh Token)</a:t>
               </a:r>
               <a:endParaRPr lang="ko-KR" altLang="en-US" sz="900" b="1" dirty="0"/>
             </a:p>
@@ -6249,6 +6240,146 @@
           <a:lstStyle/>
           <a:p>
             <a:r>
+              <a:rPr lang="en-US" altLang="ko-KR" sz="3600" dirty="0" err="1"/>
+              <a:t>OAuth</a:t>
+            </a:r>
+            <a:r>
+              <a:rPr lang="en-US" altLang="ko-KR" sz="3600" dirty="0"/>
+              <a:t> </a:t>
+            </a:r>
+            <a:r>
+              <a:rPr lang="en-US" altLang="ko-KR" sz="3600"/>
+              <a:t>2.0 Goole Auth UI</a:t>
+            </a:r>
+            <a:endParaRPr lang="ko-KR" altLang="en-US" sz="3600" dirty="0"/>
+          </a:p>
+        </p:txBody>
+      </p:sp>
+      <p:pic>
+        <p:nvPicPr>
+          <p:cNvPr id="5" name="그림 4">
+            <a:extLst>
+              <a:ext uri="{FF2B5EF4-FFF2-40B4-BE49-F238E27FC236}">
+                <a16:creationId xmlns:a16="http://schemas.microsoft.com/office/drawing/2014/main" id="{8AF897AA-D5F4-4373-A75D-CBE4762C5025}"/>
+              </a:ext>
+            </a:extLst>
+          </p:cNvPr>
+          <p:cNvPicPr>
+            <a:picLocks noChangeAspect="1"/>
+          </p:cNvPicPr>
+          <p:nvPr/>
+        </p:nvPicPr>
+        <p:blipFill>
+          <a:blip r:embed="rId2">
+            <a:extLst>
+              <a:ext uri="{28A0092B-C50C-407E-A947-70E740481C1C}">
+                <a14:useLocalDpi xmlns:a14="http://schemas.microsoft.com/office/drawing/2010/main" val="0"/>
+              </a:ext>
+            </a:extLst>
+          </a:blip>
+          <a:stretch>
+            <a:fillRect/>
+          </a:stretch>
+        </p:blipFill>
+        <p:spPr>
+          <a:xfrm>
+            <a:off x="1115616" y="779138"/>
+            <a:ext cx="3647600" cy="4055503"/>
+          </a:xfrm>
+          <a:prstGeom prst="rect">
+            <a:avLst/>
+          </a:prstGeom>
+        </p:spPr>
+      </p:pic>
+      <p:pic>
+        <p:nvPicPr>
+          <p:cNvPr id="9" name="그림 8">
+            <a:extLst>
+              <a:ext uri="{FF2B5EF4-FFF2-40B4-BE49-F238E27FC236}">
+                <a16:creationId xmlns:a16="http://schemas.microsoft.com/office/drawing/2014/main" id="{66A96372-A75B-46E8-A9FB-11BAFAE20A41}"/>
+              </a:ext>
+            </a:extLst>
+          </p:cNvPr>
+          <p:cNvPicPr>
+            <a:picLocks noChangeAspect="1"/>
+          </p:cNvPicPr>
+          <p:nvPr/>
+        </p:nvPicPr>
+        <p:blipFill>
+          <a:blip r:embed="rId3">
+            <a:extLst>
+              <a:ext uri="{28A0092B-C50C-407E-A947-70E740481C1C}">
+                <a14:useLocalDpi xmlns:a14="http://schemas.microsoft.com/office/drawing/2010/main" val="0"/>
+              </a:ext>
+            </a:extLst>
+          </a:blip>
+          <a:stretch>
+            <a:fillRect/>
+          </a:stretch>
+        </p:blipFill>
+        <p:spPr>
+          <a:xfrm>
+            <a:off x="4758630" y="771672"/>
+            <a:ext cx="3413770" cy="4062969"/>
+          </a:xfrm>
+          <a:prstGeom prst="rect">
+            <a:avLst/>
+          </a:prstGeom>
+        </p:spPr>
+      </p:pic>
+    </p:spTree>
+    <p:extLst>
+      <p:ext uri="{BB962C8B-B14F-4D97-AF65-F5344CB8AC3E}">
+        <p14:creationId xmlns:p14="http://schemas.microsoft.com/office/powerpoint/2010/main" val="4164449474"/>
+      </p:ext>
+    </p:extLst>
+  </p:cSld>
+  <p:clrMapOvr>
+    <a:masterClrMapping/>
+  </p:clrMapOvr>
+</p:sld>
+</file>
+
+<file path=ppt/slides/slide5.xml><?xml version="1.0" encoding="utf-8"?>
+<p:sld xmlns:a="http://schemas.openxmlformats.org/drawingml/2006/main" xmlns:r="http://schemas.openxmlformats.org/officeDocument/2006/relationships" xmlns:p="http://schemas.openxmlformats.org/presentationml/2006/main">
+  <p:cSld>
+    <p:spTree>
+      <p:nvGrpSpPr>
+        <p:cNvPr id="1" name=""/>
+        <p:cNvGrpSpPr/>
+        <p:nvPr/>
+      </p:nvGrpSpPr>
+      <p:grpSpPr>
+        <a:xfrm>
+          <a:off x="0" y="0"/>
+          <a:ext cx="0" cy="0"/>
+          <a:chOff x="0" y="0"/>
+          <a:chExt cx="0" cy="0"/>
+        </a:xfrm>
+      </p:grpSpPr>
+      <p:sp>
+        <p:nvSpPr>
+          <p:cNvPr id="2" name="제목 1"/>
+          <p:cNvSpPr>
+            <a:spLocks noGrp="1"/>
+          </p:cNvSpPr>
+          <p:nvPr>
+            <p:ph type="title"/>
+          </p:nvPr>
+        </p:nvSpPr>
+        <p:spPr>
+          <a:xfrm>
+            <a:off x="457200" y="-20538"/>
+            <a:ext cx="8229600" cy="720080"/>
+          </a:xfrm>
+        </p:spPr>
+        <p:txBody>
+          <a:bodyPr>
+            <a:normAutofit/>
+          </a:bodyPr>
+          <a:lstStyle/>
+          <a:p>
+            <a:r>
               <a:rPr lang="en-US" altLang="ko-KR" sz="3600"/>
               <a:t>OAuth 2.0 Flow - Resource Access</a:t>
             </a:r>
@@ -6261,7 +6392,7 @@
           <p:cNvPr id="3" name="사각형: 둥근 모서리 2">
             <a:extLst>
               <a:ext uri="{FF2B5EF4-FFF2-40B4-BE49-F238E27FC236}">
-                <a16:creationId xmlns="" xmlns:a16="http://schemas.microsoft.com/office/drawing/2014/main" id="{F682A8B3-51E9-4E66-93BF-AC13CF953E0F}"/>
+                <a16:creationId xmlns:a16="http://schemas.microsoft.com/office/drawing/2014/main" id="{F682A8B3-51E9-4E66-93BF-AC13CF953E0F}"/>
               </a:ext>
             </a:extLst>
           </p:cNvPr>
@@ -6318,7 +6449,7 @@
           <p:cNvPr id="19" name="사각형: 둥근 모서리 18">
             <a:extLst>
               <a:ext uri="{FF2B5EF4-FFF2-40B4-BE49-F238E27FC236}">
-                <a16:creationId xmlns="" xmlns:a16="http://schemas.microsoft.com/office/drawing/2014/main" id="{0E51AB21-06DD-4D1C-881B-AB9AF29BE15E}"/>
+                <a16:creationId xmlns:a16="http://schemas.microsoft.com/office/drawing/2014/main" id="{0E51AB21-06DD-4D1C-881B-AB9AF29BE15E}"/>
               </a:ext>
             </a:extLst>
           </p:cNvPr>
@@ -6375,7 +6506,7 @@
           <p:cNvPr id="20" name="사각형: 둥근 모서리 19">
             <a:extLst>
               <a:ext uri="{FF2B5EF4-FFF2-40B4-BE49-F238E27FC236}">
-                <a16:creationId xmlns="" xmlns:a16="http://schemas.microsoft.com/office/drawing/2014/main" id="{1E98CDC1-9222-4883-B10A-81B66E8DC4B0}"/>
+                <a16:creationId xmlns:a16="http://schemas.microsoft.com/office/drawing/2014/main" id="{1E98CDC1-9222-4883-B10A-81B66E8DC4B0}"/>
               </a:ext>
             </a:extLst>
           </p:cNvPr>
@@ -6432,7 +6563,7 @@
           <p:cNvPr id="21" name="사각형: 둥근 모서리 20">
             <a:extLst>
               <a:ext uri="{FF2B5EF4-FFF2-40B4-BE49-F238E27FC236}">
-                <a16:creationId xmlns="" xmlns:a16="http://schemas.microsoft.com/office/drawing/2014/main" id="{79835011-8977-4FDA-B1B6-1DD7DB8C2468}"/>
+                <a16:creationId xmlns:a16="http://schemas.microsoft.com/office/drawing/2014/main" id="{79835011-8977-4FDA-B1B6-1DD7DB8C2468}"/>
               </a:ext>
             </a:extLst>
           </p:cNvPr>
@@ -6489,7 +6620,7 @@
           <p:cNvPr id="22" name="사각형: 둥근 모서리 21">
             <a:extLst>
               <a:ext uri="{FF2B5EF4-FFF2-40B4-BE49-F238E27FC236}">
-                <a16:creationId xmlns="" xmlns:a16="http://schemas.microsoft.com/office/drawing/2014/main" id="{97A5B4CE-CBA4-48F1-B07F-646FF8B5033F}"/>
+                <a16:creationId xmlns:a16="http://schemas.microsoft.com/office/drawing/2014/main" id="{97A5B4CE-CBA4-48F1-B07F-646FF8B5033F}"/>
               </a:ext>
             </a:extLst>
           </p:cNvPr>
@@ -6539,7 +6670,7 @@
           <p:cNvPr id="23" name="직선 연결선 22">
             <a:extLst>
               <a:ext uri="{FF2B5EF4-FFF2-40B4-BE49-F238E27FC236}">
-                <a16:creationId xmlns="" xmlns:a16="http://schemas.microsoft.com/office/drawing/2014/main" id="{CF38B8A0-1401-4E3B-9FC0-9ED096701E61}"/>
+                <a16:creationId xmlns:a16="http://schemas.microsoft.com/office/drawing/2014/main" id="{CF38B8A0-1401-4E3B-9FC0-9ED096701E61}"/>
               </a:ext>
             </a:extLst>
           </p:cNvPr>
@@ -6583,7 +6714,7 @@
           <p:cNvPr id="30" name="직선 연결선 29">
             <a:extLst>
               <a:ext uri="{FF2B5EF4-FFF2-40B4-BE49-F238E27FC236}">
-                <a16:creationId xmlns="" xmlns:a16="http://schemas.microsoft.com/office/drawing/2014/main" id="{5E45002D-6183-4784-BB3F-133D35EEE2BB}"/>
+                <a16:creationId xmlns:a16="http://schemas.microsoft.com/office/drawing/2014/main" id="{5E45002D-6183-4784-BB3F-133D35EEE2BB}"/>
               </a:ext>
             </a:extLst>
           </p:cNvPr>
@@ -6627,7 +6758,7 @@
           <p:cNvPr id="33" name="직선 연결선 32">
             <a:extLst>
               <a:ext uri="{FF2B5EF4-FFF2-40B4-BE49-F238E27FC236}">
-                <a16:creationId xmlns="" xmlns:a16="http://schemas.microsoft.com/office/drawing/2014/main" id="{71C2B82A-843B-4122-8D52-8C4F14103FA8}"/>
+                <a16:creationId xmlns:a16="http://schemas.microsoft.com/office/drawing/2014/main" id="{71C2B82A-843B-4122-8D52-8C4F14103FA8}"/>
               </a:ext>
             </a:extLst>
           </p:cNvPr>
@@ -6671,7 +6802,7 @@
           <p:cNvPr id="36" name="직선 연결선 35">
             <a:extLst>
               <a:ext uri="{FF2B5EF4-FFF2-40B4-BE49-F238E27FC236}">
-                <a16:creationId xmlns="" xmlns:a16="http://schemas.microsoft.com/office/drawing/2014/main" id="{772E8AA5-3AB5-4A92-A6C6-31B4125C65A0}"/>
+                <a16:creationId xmlns:a16="http://schemas.microsoft.com/office/drawing/2014/main" id="{772E8AA5-3AB5-4A92-A6C6-31B4125C65A0}"/>
               </a:ext>
             </a:extLst>
           </p:cNvPr>
@@ -6715,7 +6846,7 @@
           <p:cNvPr id="41" name="직선 연결선 40">
             <a:extLst>
               <a:ext uri="{FF2B5EF4-FFF2-40B4-BE49-F238E27FC236}">
-                <a16:creationId xmlns="" xmlns:a16="http://schemas.microsoft.com/office/drawing/2014/main" id="{27F6A3AB-03BA-45EF-9D8B-53D3EB078AA5}"/>
+                <a16:creationId xmlns:a16="http://schemas.microsoft.com/office/drawing/2014/main" id="{27F6A3AB-03BA-45EF-9D8B-53D3EB078AA5}"/>
               </a:ext>
             </a:extLst>
           </p:cNvPr>
@@ -6759,7 +6890,7 @@
           <p:cNvPr id="47" name="그룹 46">
             <a:extLst>
               <a:ext uri="{FF2B5EF4-FFF2-40B4-BE49-F238E27FC236}">
-                <a16:creationId xmlns="" xmlns:a16="http://schemas.microsoft.com/office/drawing/2014/main" id="{E3BB676B-A04A-46BB-A9BD-CA1B62AED92B}"/>
+                <a16:creationId xmlns:a16="http://schemas.microsoft.com/office/drawing/2014/main" id="{E3BB676B-A04A-46BB-A9BD-CA1B62AED92B}"/>
               </a:ext>
             </a:extLst>
           </p:cNvPr>
@@ -6779,7 +6910,7 @@
             <p:cNvPr id="45" name="직선 화살표 연결선 44">
               <a:extLst>
                 <a:ext uri="{FF2B5EF4-FFF2-40B4-BE49-F238E27FC236}">
-                  <a16:creationId xmlns="" xmlns:a16="http://schemas.microsoft.com/office/drawing/2014/main" id="{7DA70A64-B7A7-4AFC-BF95-321F5BF555B1}"/>
+                  <a16:creationId xmlns:a16="http://schemas.microsoft.com/office/drawing/2014/main" id="{7DA70A64-B7A7-4AFC-BF95-321F5BF555B1}"/>
                 </a:ext>
               </a:extLst>
             </p:cNvPr>
@@ -6822,7 +6953,7 @@
             <p:cNvPr id="46" name="TextBox 45">
               <a:extLst>
                 <a:ext uri="{FF2B5EF4-FFF2-40B4-BE49-F238E27FC236}">
-                  <a16:creationId xmlns="" xmlns:a16="http://schemas.microsoft.com/office/drawing/2014/main" id="{31320D19-CFB6-4C35-A360-5C2725A9C005}"/>
+                  <a16:creationId xmlns:a16="http://schemas.microsoft.com/office/drawing/2014/main" id="{31320D19-CFB6-4C35-A360-5C2725A9C005}"/>
                 </a:ext>
               </a:extLst>
             </p:cNvPr>
@@ -6860,7 +6991,7 @@
           <p:cNvPr id="48" name="그룹 47">
             <a:extLst>
               <a:ext uri="{FF2B5EF4-FFF2-40B4-BE49-F238E27FC236}">
-                <a16:creationId xmlns="" xmlns:a16="http://schemas.microsoft.com/office/drawing/2014/main" id="{EAFBC0F5-80D5-4A60-A12A-346D9948C032}"/>
+                <a16:creationId xmlns:a16="http://schemas.microsoft.com/office/drawing/2014/main" id="{EAFBC0F5-80D5-4A60-A12A-346D9948C032}"/>
               </a:ext>
             </a:extLst>
           </p:cNvPr>
@@ -6880,7 +7011,7 @@
             <p:cNvPr id="49" name="직선 화살표 연결선 48">
               <a:extLst>
                 <a:ext uri="{FF2B5EF4-FFF2-40B4-BE49-F238E27FC236}">
-                  <a16:creationId xmlns="" xmlns:a16="http://schemas.microsoft.com/office/drawing/2014/main" id="{3B709BA7-8290-4557-AF33-ED4F7E8812ED}"/>
+                  <a16:creationId xmlns:a16="http://schemas.microsoft.com/office/drawing/2014/main" id="{3B709BA7-8290-4557-AF33-ED4F7E8812ED}"/>
                 </a:ext>
               </a:extLst>
             </p:cNvPr>
@@ -6923,7 +7054,7 @@
             <p:cNvPr id="50" name="TextBox 49">
               <a:extLst>
                 <a:ext uri="{FF2B5EF4-FFF2-40B4-BE49-F238E27FC236}">
-                  <a16:creationId xmlns="" xmlns:a16="http://schemas.microsoft.com/office/drawing/2014/main" id="{9207FD93-EFBF-47E4-A844-1B1F49D86DB7}"/>
+                  <a16:creationId xmlns:a16="http://schemas.microsoft.com/office/drawing/2014/main" id="{9207FD93-EFBF-47E4-A844-1B1F49D86DB7}"/>
                 </a:ext>
               </a:extLst>
             </p:cNvPr>
@@ -6961,7 +7092,7 @@
           <p:cNvPr id="51" name="그룹 50">
             <a:extLst>
               <a:ext uri="{FF2B5EF4-FFF2-40B4-BE49-F238E27FC236}">
-                <a16:creationId xmlns="" xmlns:a16="http://schemas.microsoft.com/office/drawing/2014/main" id="{E78E7DB9-7A22-4F16-9950-ECFA5F3D4150}"/>
+                <a16:creationId xmlns:a16="http://schemas.microsoft.com/office/drawing/2014/main" id="{E78E7DB9-7A22-4F16-9950-ECFA5F3D4150}"/>
               </a:ext>
             </a:extLst>
           </p:cNvPr>
@@ -6981,7 +7112,7 @@
             <p:cNvPr id="52" name="직선 화살표 연결선 51">
               <a:extLst>
                 <a:ext uri="{FF2B5EF4-FFF2-40B4-BE49-F238E27FC236}">
-                  <a16:creationId xmlns="" xmlns:a16="http://schemas.microsoft.com/office/drawing/2014/main" id="{737C3D9E-DD8A-4406-910A-4D607E2EBF1F}"/>
+                  <a16:creationId xmlns:a16="http://schemas.microsoft.com/office/drawing/2014/main" id="{737C3D9E-DD8A-4406-910A-4D607E2EBF1F}"/>
                 </a:ext>
               </a:extLst>
             </p:cNvPr>
@@ -7024,7 +7155,7 @@
             <p:cNvPr id="53" name="TextBox 52">
               <a:extLst>
                 <a:ext uri="{FF2B5EF4-FFF2-40B4-BE49-F238E27FC236}">
-                  <a16:creationId xmlns="" xmlns:a16="http://schemas.microsoft.com/office/drawing/2014/main" id="{970114FF-E1D7-493F-9A33-71AC3EB2CD96}"/>
+                  <a16:creationId xmlns:a16="http://schemas.microsoft.com/office/drawing/2014/main" id="{970114FF-E1D7-493F-9A33-71AC3EB2CD96}"/>
                 </a:ext>
               </a:extLst>
             </p:cNvPr>
@@ -7070,7 +7201,7 @@
           <p:cNvPr id="94" name="그룹 93">
             <a:extLst>
               <a:ext uri="{FF2B5EF4-FFF2-40B4-BE49-F238E27FC236}">
-                <a16:creationId xmlns="" xmlns:a16="http://schemas.microsoft.com/office/drawing/2014/main" id="{2C0BE435-D7C4-4922-B098-06B69DDB1642}"/>
+                <a16:creationId xmlns:a16="http://schemas.microsoft.com/office/drawing/2014/main" id="{2C0BE435-D7C4-4922-B098-06B69DDB1642}"/>
               </a:ext>
             </a:extLst>
           </p:cNvPr>
@@ -7090,7 +7221,7 @@
             <p:cNvPr id="95" name="직선 화살표 연결선 94">
               <a:extLst>
                 <a:ext uri="{FF2B5EF4-FFF2-40B4-BE49-F238E27FC236}">
-                  <a16:creationId xmlns="" xmlns:a16="http://schemas.microsoft.com/office/drawing/2014/main" id="{A7AA4B86-63F1-45CE-B384-DD7D4292B1C2}"/>
+                  <a16:creationId xmlns:a16="http://schemas.microsoft.com/office/drawing/2014/main" id="{A7AA4B86-63F1-45CE-B384-DD7D4292B1C2}"/>
                 </a:ext>
               </a:extLst>
             </p:cNvPr>
@@ -7133,7 +7264,7 @@
             <p:cNvPr id="96" name="TextBox 95">
               <a:extLst>
                 <a:ext uri="{FF2B5EF4-FFF2-40B4-BE49-F238E27FC236}">
-                  <a16:creationId xmlns="" xmlns:a16="http://schemas.microsoft.com/office/drawing/2014/main" id="{F9C8F48E-2D48-4F08-B853-58584A1400D3}"/>
+                  <a16:creationId xmlns:a16="http://schemas.microsoft.com/office/drawing/2014/main" id="{F9C8F48E-2D48-4F08-B853-58584A1400D3}"/>
                 </a:ext>
               </a:extLst>
             </p:cNvPr>
@@ -7159,15 +7290,7 @@
               <a:pPr algn="ctr"/>
               <a:r>
                 <a:rPr lang="en-US" altLang="ko-KR" sz="900" dirty="0"/>
-                <a:t>6</a:t>
-              </a:r>
-              <a:r>
-                <a:rPr lang="en-US" altLang="ko-KR" sz="900" dirty="0" smtClean="0"/>
-                <a:t>. </a:t>
-              </a:r>
-              <a:r>
-                <a:rPr lang="en-US" altLang="ko-KR" sz="900" dirty="0"/>
-                <a:t>Send Resource</a:t>
+                <a:t>6. Send Resource</a:t>
               </a:r>
               <a:endParaRPr lang="ko-KR" altLang="en-US" sz="900" dirty="0"/>
             </a:p>
@@ -7179,7 +7302,7 @@
           <p:cNvPr id="97" name="그룹 96">
             <a:extLst>
               <a:ext uri="{FF2B5EF4-FFF2-40B4-BE49-F238E27FC236}">
-                <a16:creationId xmlns="" xmlns:a16="http://schemas.microsoft.com/office/drawing/2014/main" id="{4FB62B47-5331-4283-B6CD-C6A614B8E152}"/>
+                <a16:creationId xmlns:a16="http://schemas.microsoft.com/office/drawing/2014/main" id="{4FB62B47-5331-4283-B6CD-C6A614B8E152}"/>
               </a:ext>
             </a:extLst>
           </p:cNvPr>
@@ -7199,7 +7322,7 @@
             <p:cNvPr id="98" name="직선 화살표 연결선 97">
               <a:extLst>
                 <a:ext uri="{FF2B5EF4-FFF2-40B4-BE49-F238E27FC236}">
-                  <a16:creationId xmlns="" xmlns:a16="http://schemas.microsoft.com/office/drawing/2014/main" id="{8D3BB6BF-2284-495C-A65C-BBBC20640412}"/>
+                  <a16:creationId xmlns:a16="http://schemas.microsoft.com/office/drawing/2014/main" id="{8D3BB6BF-2284-495C-A65C-BBBC20640412}"/>
                 </a:ext>
               </a:extLst>
             </p:cNvPr>
@@ -7242,7 +7365,7 @@
             <p:cNvPr id="99" name="TextBox 98">
               <a:extLst>
                 <a:ext uri="{FF2B5EF4-FFF2-40B4-BE49-F238E27FC236}">
-                  <a16:creationId xmlns="" xmlns:a16="http://schemas.microsoft.com/office/drawing/2014/main" id="{CE080D66-7229-4007-AA3D-15D0FB9C3773}"/>
+                  <a16:creationId xmlns:a16="http://schemas.microsoft.com/office/drawing/2014/main" id="{CE080D66-7229-4007-AA3D-15D0FB9C3773}"/>
                 </a:ext>
               </a:extLst>
             </p:cNvPr>
@@ -7268,15 +7391,7 @@
               <a:pPr algn="ctr"/>
               <a:r>
                 <a:rPr lang="en-US" altLang="ko-KR" sz="900" dirty="0"/>
-                <a:t>7</a:t>
-              </a:r>
-              <a:r>
-                <a:rPr lang="en-US" altLang="ko-KR" sz="900" dirty="0" smtClean="0"/>
-                <a:t>. </a:t>
-              </a:r>
-              <a:r>
-                <a:rPr lang="en-US" altLang="ko-KR" sz="900" dirty="0"/>
-                <a:t>Present Resource</a:t>
+                <a:t>7. Present Resource</a:t>
               </a:r>
               <a:endParaRPr lang="ko-KR" altLang="en-US" sz="900" dirty="0"/>
             </a:p>
@@ -7288,7 +7403,7 @@
           <p:cNvPr id="100" name="그룹 99">
             <a:extLst>
               <a:ext uri="{FF2B5EF4-FFF2-40B4-BE49-F238E27FC236}">
-                <a16:creationId xmlns="" xmlns:a16="http://schemas.microsoft.com/office/drawing/2014/main" id="{2F068352-EDCD-4C95-B1B5-EB6CCAB1E571}"/>
+                <a16:creationId xmlns:a16="http://schemas.microsoft.com/office/drawing/2014/main" id="{2F068352-EDCD-4C95-B1B5-EB6CCAB1E571}"/>
               </a:ext>
             </a:extLst>
           </p:cNvPr>
@@ -7308,7 +7423,7 @@
             <p:cNvPr id="101" name="직선 화살표 연결선 100">
               <a:extLst>
                 <a:ext uri="{FF2B5EF4-FFF2-40B4-BE49-F238E27FC236}">
-                  <a16:creationId xmlns="" xmlns:a16="http://schemas.microsoft.com/office/drawing/2014/main" id="{5097F614-0150-40ED-992D-1C103D5C697A}"/>
+                  <a16:creationId xmlns:a16="http://schemas.microsoft.com/office/drawing/2014/main" id="{5097F614-0150-40ED-992D-1C103D5C697A}"/>
                 </a:ext>
               </a:extLst>
             </p:cNvPr>
@@ -7351,7 +7466,7 @@
             <p:cNvPr id="102" name="TextBox 101">
               <a:extLst>
                 <a:ext uri="{FF2B5EF4-FFF2-40B4-BE49-F238E27FC236}">
-                  <a16:creationId xmlns="" xmlns:a16="http://schemas.microsoft.com/office/drawing/2014/main" id="{CDE49E7C-CAD8-4475-B8E8-BE075CD8B5EF}"/>
+                  <a16:creationId xmlns:a16="http://schemas.microsoft.com/office/drawing/2014/main" id="{CDE49E7C-CAD8-4475-B8E8-BE075CD8B5EF}"/>
                 </a:ext>
               </a:extLst>
             </p:cNvPr>
@@ -7377,15 +7492,7 @@
               <a:pPr algn="ctr"/>
               <a:r>
                 <a:rPr lang="en-US" altLang="ko-KR" sz="900" dirty="0"/>
-                <a:t>8</a:t>
-              </a:r>
-              <a:r>
-                <a:rPr lang="en-US" altLang="ko-KR" sz="900" dirty="0" smtClean="0"/>
-                <a:t>. </a:t>
-              </a:r>
-              <a:r>
-                <a:rPr lang="en-US" altLang="ko-KR" sz="900" dirty="0"/>
-                <a:t>Get Resource</a:t>
+                <a:t>8. Get Resource</a:t>
               </a:r>
               <a:endParaRPr lang="ko-KR" altLang="en-US" sz="900" dirty="0"/>
             </a:p>
@@ -7397,7 +7504,7 @@
           <p:cNvPr id="31" name="그룹 30">
             <a:extLst>
               <a:ext uri="{FF2B5EF4-FFF2-40B4-BE49-F238E27FC236}">
-                <a16:creationId xmlns="" xmlns:a16="http://schemas.microsoft.com/office/drawing/2014/main" id="{E78E7DB9-7A22-4F16-9950-ECFA5F3D4150}"/>
+                <a16:creationId xmlns:a16="http://schemas.microsoft.com/office/drawing/2014/main" id="{E78E7DB9-7A22-4F16-9950-ECFA5F3D4150}"/>
               </a:ext>
             </a:extLst>
           </p:cNvPr>
@@ -7417,7 +7524,7 @@
             <p:cNvPr id="32" name="직선 화살표 연결선 31">
               <a:extLst>
                 <a:ext uri="{FF2B5EF4-FFF2-40B4-BE49-F238E27FC236}">
-                  <a16:creationId xmlns="" xmlns:a16="http://schemas.microsoft.com/office/drawing/2014/main" id="{737C3D9E-DD8A-4406-910A-4D607E2EBF1F}"/>
+                  <a16:creationId xmlns:a16="http://schemas.microsoft.com/office/drawing/2014/main" id="{737C3D9E-DD8A-4406-910A-4D607E2EBF1F}"/>
                 </a:ext>
               </a:extLst>
             </p:cNvPr>
@@ -7460,7 +7567,7 @@
             <p:cNvPr id="34" name="TextBox 33">
               <a:extLst>
                 <a:ext uri="{FF2B5EF4-FFF2-40B4-BE49-F238E27FC236}">
-                  <a16:creationId xmlns="" xmlns:a16="http://schemas.microsoft.com/office/drawing/2014/main" id="{970114FF-E1D7-493F-9A33-71AC3EB2CD96}"/>
+                  <a16:creationId xmlns:a16="http://schemas.microsoft.com/office/drawing/2014/main" id="{970114FF-E1D7-493F-9A33-71AC3EB2CD96}"/>
                 </a:ext>
               </a:extLst>
             </p:cNvPr>
@@ -7486,11 +7593,7 @@
               <a:pPr algn="ctr"/>
               <a:r>
                 <a:rPr lang="en-US" altLang="ko-KR" sz="900" dirty="0"/>
-                <a:t>4</a:t>
-              </a:r>
-              <a:r>
-                <a:rPr lang="en-US" altLang="ko-KR" sz="900" dirty="0" smtClean="0"/>
-                <a:t>. Send Access Token</a:t>
+                <a:t>4. Send Access Token</a:t>
               </a:r>
               <a:endParaRPr lang="ko-KR" altLang="en-US" sz="900" dirty="0"/>
             </a:p>
@@ -7502,7 +7605,7 @@
           <p:cNvPr id="35" name="그룹 34">
             <a:extLst>
               <a:ext uri="{FF2B5EF4-FFF2-40B4-BE49-F238E27FC236}">
-                <a16:creationId xmlns="" xmlns:a16="http://schemas.microsoft.com/office/drawing/2014/main" id="{E78E7DB9-7A22-4F16-9950-ECFA5F3D4150}"/>
+                <a16:creationId xmlns:a16="http://schemas.microsoft.com/office/drawing/2014/main" id="{E78E7DB9-7A22-4F16-9950-ECFA5F3D4150}"/>
               </a:ext>
             </a:extLst>
           </p:cNvPr>
@@ -7522,7 +7625,7 @@
             <p:cNvPr id="37" name="직선 화살표 연결선 36">
               <a:extLst>
                 <a:ext uri="{FF2B5EF4-FFF2-40B4-BE49-F238E27FC236}">
-                  <a16:creationId xmlns="" xmlns:a16="http://schemas.microsoft.com/office/drawing/2014/main" id="{737C3D9E-DD8A-4406-910A-4D607E2EBF1F}"/>
+                  <a16:creationId xmlns:a16="http://schemas.microsoft.com/office/drawing/2014/main" id="{737C3D9E-DD8A-4406-910A-4D607E2EBF1F}"/>
                 </a:ext>
               </a:extLst>
             </p:cNvPr>
@@ -7565,7 +7668,7 @@
             <p:cNvPr id="38" name="TextBox 37">
               <a:extLst>
                 <a:ext uri="{FF2B5EF4-FFF2-40B4-BE49-F238E27FC236}">
-                  <a16:creationId xmlns="" xmlns:a16="http://schemas.microsoft.com/office/drawing/2014/main" id="{970114FF-E1D7-493F-9A33-71AC3EB2CD96}"/>
+                  <a16:creationId xmlns:a16="http://schemas.microsoft.com/office/drawing/2014/main" id="{970114FF-E1D7-493F-9A33-71AC3EB2CD96}"/>
                 </a:ext>
               </a:extLst>
             </p:cNvPr>
@@ -7591,11 +7694,7 @@
               <a:pPr algn="ctr"/>
               <a:r>
                 <a:rPr lang="en-US" altLang="ko-KR" sz="900" dirty="0"/>
-                <a:t>5</a:t>
-              </a:r>
-              <a:r>
-                <a:rPr lang="en-US" altLang="ko-KR" sz="900" dirty="0" smtClean="0"/>
-                <a:t>. Agree</a:t>
+                <a:t>5. Agree</a:t>
               </a:r>
               <a:endParaRPr lang="ko-KR" altLang="en-US" sz="900" dirty="0"/>
             </a:p>
@@ -7615,7 +7714,7 @@
 </p:sld>
 </file>
 
-<file path=ppt/slides/slide5.xml><?xml version="1.0" encoding="utf-8"?>
+<file path=ppt/slides/slide6.xml><?xml version="1.0" encoding="utf-8"?>
 <p:sld xmlns:a="http://schemas.openxmlformats.org/drawingml/2006/main" xmlns:r="http://schemas.openxmlformats.org/officeDocument/2006/relationships" xmlns:p="http://schemas.openxmlformats.org/presentationml/2006/main">
   <p:cSld>
     <p:spTree>
@@ -7667,7 +7766,7 @@
           <p:cNvPr id="3" name="사각형: 둥근 모서리 2">
             <a:extLst>
               <a:ext uri="{FF2B5EF4-FFF2-40B4-BE49-F238E27FC236}">
-                <a16:creationId xmlns="" xmlns:a16="http://schemas.microsoft.com/office/drawing/2014/main" id="{F682A8B3-51E9-4E66-93BF-AC13CF953E0F}"/>
+                <a16:creationId xmlns:a16="http://schemas.microsoft.com/office/drawing/2014/main" id="{F682A8B3-51E9-4E66-93BF-AC13CF953E0F}"/>
               </a:ext>
             </a:extLst>
           </p:cNvPr>
@@ -7724,7 +7823,7 @@
           <p:cNvPr id="19" name="사각형: 둥근 모서리 18">
             <a:extLst>
               <a:ext uri="{FF2B5EF4-FFF2-40B4-BE49-F238E27FC236}">
-                <a16:creationId xmlns="" xmlns:a16="http://schemas.microsoft.com/office/drawing/2014/main" id="{0E51AB21-06DD-4D1C-881B-AB9AF29BE15E}"/>
+                <a16:creationId xmlns:a16="http://schemas.microsoft.com/office/drawing/2014/main" id="{0E51AB21-06DD-4D1C-881B-AB9AF29BE15E}"/>
               </a:ext>
             </a:extLst>
           </p:cNvPr>
@@ -7781,7 +7880,7 @@
           <p:cNvPr id="20" name="사각형: 둥근 모서리 19">
             <a:extLst>
               <a:ext uri="{FF2B5EF4-FFF2-40B4-BE49-F238E27FC236}">
-                <a16:creationId xmlns="" xmlns:a16="http://schemas.microsoft.com/office/drawing/2014/main" id="{1E98CDC1-9222-4883-B10A-81B66E8DC4B0}"/>
+                <a16:creationId xmlns:a16="http://schemas.microsoft.com/office/drawing/2014/main" id="{1E98CDC1-9222-4883-B10A-81B66E8DC4B0}"/>
               </a:ext>
             </a:extLst>
           </p:cNvPr>
@@ -7838,7 +7937,7 @@
           <p:cNvPr id="21" name="사각형: 둥근 모서리 20">
             <a:extLst>
               <a:ext uri="{FF2B5EF4-FFF2-40B4-BE49-F238E27FC236}">
-                <a16:creationId xmlns="" xmlns:a16="http://schemas.microsoft.com/office/drawing/2014/main" id="{79835011-8977-4FDA-B1B6-1DD7DB8C2468}"/>
+                <a16:creationId xmlns:a16="http://schemas.microsoft.com/office/drawing/2014/main" id="{79835011-8977-4FDA-B1B6-1DD7DB8C2468}"/>
               </a:ext>
             </a:extLst>
           </p:cNvPr>
@@ -7895,7 +7994,7 @@
           <p:cNvPr id="22" name="사각형: 둥근 모서리 21">
             <a:extLst>
               <a:ext uri="{FF2B5EF4-FFF2-40B4-BE49-F238E27FC236}">
-                <a16:creationId xmlns="" xmlns:a16="http://schemas.microsoft.com/office/drawing/2014/main" id="{97A5B4CE-CBA4-48F1-B07F-646FF8B5033F}"/>
+                <a16:creationId xmlns:a16="http://schemas.microsoft.com/office/drawing/2014/main" id="{97A5B4CE-CBA4-48F1-B07F-646FF8B5033F}"/>
               </a:ext>
             </a:extLst>
           </p:cNvPr>
@@ -7945,7 +8044,7 @@
           <p:cNvPr id="23" name="직선 연결선 22">
             <a:extLst>
               <a:ext uri="{FF2B5EF4-FFF2-40B4-BE49-F238E27FC236}">
-                <a16:creationId xmlns="" xmlns:a16="http://schemas.microsoft.com/office/drawing/2014/main" id="{CF38B8A0-1401-4E3B-9FC0-9ED096701E61}"/>
+                <a16:creationId xmlns:a16="http://schemas.microsoft.com/office/drawing/2014/main" id="{CF38B8A0-1401-4E3B-9FC0-9ED096701E61}"/>
               </a:ext>
             </a:extLst>
           </p:cNvPr>
@@ -7989,7 +8088,7 @@
           <p:cNvPr id="30" name="직선 연결선 29">
             <a:extLst>
               <a:ext uri="{FF2B5EF4-FFF2-40B4-BE49-F238E27FC236}">
-                <a16:creationId xmlns="" xmlns:a16="http://schemas.microsoft.com/office/drawing/2014/main" id="{5E45002D-6183-4784-BB3F-133D35EEE2BB}"/>
+                <a16:creationId xmlns:a16="http://schemas.microsoft.com/office/drawing/2014/main" id="{5E45002D-6183-4784-BB3F-133D35EEE2BB}"/>
               </a:ext>
             </a:extLst>
           </p:cNvPr>
@@ -8033,7 +8132,7 @@
           <p:cNvPr id="33" name="직선 연결선 32">
             <a:extLst>
               <a:ext uri="{FF2B5EF4-FFF2-40B4-BE49-F238E27FC236}">
-                <a16:creationId xmlns="" xmlns:a16="http://schemas.microsoft.com/office/drawing/2014/main" id="{71C2B82A-843B-4122-8D52-8C4F14103FA8}"/>
+                <a16:creationId xmlns:a16="http://schemas.microsoft.com/office/drawing/2014/main" id="{71C2B82A-843B-4122-8D52-8C4F14103FA8}"/>
               </a:ext>
             </a:extLst>
           </p:cNvPr>
@@ -8077,7 +8176,7 @@
           <p:cNvPr id="36" name="직선 연결선 35">
             <a:extLst>
               <a:ext uri="{FF2B5EF4-FFF2-40B4-BE49-F238E27FC236}">
-                <a16:creationId xmlns="" xmlns:a16="http://schemas.microsoft.com/office/drawing/2014/main" id="{772E8AA5-3AB5-4A92-A6C6-31B4125C65A0}"/>
+                <a16:creationId xmlns:a16="http://schemas.microsoft.com/office/drawing/2014/main" id="{772E8AA5-3AB5-4A92-A6C6-31B4125C65A0}"/>
               </a:ext>
             </a:extLst>
           </p:cNvPr>
@@ -8121,7 +8220,7 @@
           <p:cNvPr id="41" name="직선 연결선 40">
             <a:extLst>
               <a:ext uri="{FF2B5EF4-FFF2-40B4-BE49-F238E27FC236}">
-                <a16:creationId xmlns="" xmlns:a16="http://schemas.microsoft.com/office/drawing/2014/main" id="{27F6A3AB-03BA-45EF-9D8B-53D3EB078AA5}"/>
+                <a16:creationId xmlns:a16="http://schemas.microsoft.com/office/drawing/2014/main" id="{27F6A3AB-03BA-45EF-9D8B-53D3EB078AA5}"/>
               </a:ext>
             </a:extLst>
           </p:cNvPr>
@@ -8165,7 +8264,7 @@
           <p:cNvPr id="47" name="그룹 46">
             <a:extLst>
               <a:ext uri="{FF2B5EF4-FFF2-40B4-BE49-F238E27FC236}">
-                <a16:creationId xmlns="" xmlns:a16="http://schemas.microsoft.com/office/drawing/2014/main" id="{E3BB676B-A04A-46BB-A9BD-CA1B62AED92B}"/>
+                <a16:creationId xmlns:a16="http://schemas.microsoft.com/office/drawing/2014/main" id="{E3BB676B-A04A-46BB-A9BD-CA1B62AED92B}"/>
               </a:ext>
             </a:extLst>
           </p:cNvPr>
@@ -8185,7 +8284,7 @@
             <p:cNvPr id="45" name="직선 화살표 연결선 44">
               <a:extLst>
                 <a:ext uri="{FF2B5EF4-FFF2-40B4-BE49-F238E27FC236}">
-                  <a16:creationId xmlns="" xmlns:a16="http://schemas.microsoft.com/office/drawing/2014/main" id="{7DA70A64-B7A7-4AFC-BF95-321F5BF555B1}"/>
+                  <a16:creationId xmlns:a16="http://schemas.microsoft.com/office/drawing/2014/main" id="{7DA70A64-B7A7-4AFC-BF95-321F5BF555B1}"/>
                 </a:ext>
               </a:extLst>
             </p:cNvPr>
@@ -8228,7 +8327,7 @@
             <p:cNvPr id="46" name="TextBox 45">
               <a:extLst>
                 <a:ext uri="{FF2B5EF4-FFF2-40B4-BE49-F238E27FC236}">
-                  <a16:creationId xmlns="" xmlns:a16="http://schemas.microsoft.com/office/drawing/2014/main" id="{31320D19-CFB6-4C35-A360-5C2725A9C005}"/>
+                  <a16:creationId xmlns:a16="http://schemas.microsoft.com/office/drawing/2014/main" id="{31320D19-CFB6-4C35-A360-5C2725A9C005}"/>
                 </a:ext>
               </a:extLst>
             </p:cNvPr>
@@ -8266,7 +8365,7 @@
           <p:cNvPr id="48" name="그룹 47">
             <a:extLst>
               <a:ext uri="{FF2B5EF4-FFF2-40B4-BE49-F238E27FC236}">
-                <a16:creationId xmlns="" xmlns:a16="http://schemas.microsoft.com/office/drawing/2014/main" id="{EAFBC0F5-80D5-4A60-A12A-346D9948C032}"/>
+                <a16:creationId xmlns:a16="http://schemas.microsoft.com/office/drawing/2014/main" id="{EAFBC0F5-80D5-4A60-A12A-346D9948C032}"/>
               </a:ext>
             </a:extLst>
           </p:cNvPr>
@@ -8286,7 +8385,7 @@
             <p:cNvPr id="49" name="직선 화살표 연결선 48">
               <a:extLst>
                 <a:ext uri="{FF2B5EF4-FFF2-40B4-BE49-F238E27FC236}">
-                  <a16:creationId xmlns="" xmlns:a16="http://schemas.microsoft.com/office/drawing/2014/main" id="{3B709BA7-8290-4557-AF33-ED4F7E8812ED}"/>
+                  <a16:creationId xmlns:a16="http://schemas.microsoft.com/office/drawing/2014/main" id="{3B709BA7-8290-4557-AF33-ED4F7E8812ED}"/>
                 </a:ext>
               </a:extLst>
             </p:cNvPr>
@@ -8329,7 +8428,7 @@
             <p:cNvPr id="50" name="TextBox 49">
               <a:extLst>
                 <a:ext uri="{FF2B5EF4-FFF2-40B4-BE49-F238E27FC236}">
-                  <a16:creationId xmlns="" xmlns:a16="http://schemas.microsoft.com/office/drawing/2014/main" id="{9207FD93-EFBF-47E4-A844-1B1F49D86DB7}"/>
+                  <a16:creationId xmlns:a16="http://schemas.microsoft.com/office/drawing/2014/main" id="{9207FD93-EFBF-47E4-A844-1B1F49D86DB7}"/>
                 </a:ext>
               </a:extLst>
             </p:cNvPr>
@@ -8367,7 +8466,7 @@
           <p:cNvPr id="54" name="그룹 53">
             <a:extLst>
               <a:ext uri="{FF2B5EF4-FFF2-40B4-BE49-F238E27FC236}">
-                <a16:creationId xmlns="" xmlns:a16="http://schemas.microsoft.com/office/drawing/2014/main" id="{CDD6EE29-EB52-4993-8B20-A22F290DA866}"/>
+                <a16:creationId xmlns:a16="http://schemas.microsoft.com/office/drawing/2014/main" id="{CDD6EE29-EB52-4993-8B20-A22F290DA866}"/>
               </a:ext>
             </a:extLst>
           </p:cNvPr>
@@ -8387,7 +8486,7 @@
             <p:cNvPr id="55" name="직선 화살표 연결선 54">
               <a:extLst>
                 <a:ext uri="{FF2B5EF4-FFF2-40B4-BE49-F238E27FC236}">
-                  <a16:creationId xmlns="" xmlns:a16="http://schemas.microsoft.com/office/drawing/2014/main" id="{CCA446D1-C896-4F7E-892E-0CF71C8A5BC4}"/>
+                  <a16:creationId xmlns:a16="http://schemas.microsoft.com/office/drawing/2014/main" id="{CCA446D1-C896-4F7E-892E-0CF71C8A5BC4}"/>
                 </a:ext>
               </a:extLst>
             </p:cNvPr>
@@ -8430,7 +8529,7 @@
             <p:cNvPr id="56" name="TextBox 55">
               <a:extLst>
                 <a:ext uri="{FF2B5EF4-FFF2-40B4-BE49-F238E27FC236}">
-                  <a16:creationId xmlns="" xmlns:a16="http://schemas.microsoft.com/office/drawing/2014/main" id="{EA43908E-750F-4404-9CC1-D54BE3F4DED3}"/>
+                  <a16:creationId xmlns:a16="http://schemas.microsoft.com/office/drawing/2014/main" id="{EA43908E-750F-4404-9CC1-D54BE3F4DED3}"/>
                 </a:ext>
               </a:extLst>
             </p:cNvPr>
@@ -8468,7 +8567,7 @@
           <p:cNvPr id="60" name="그룹 59">
             <a:extLst>
               <a:ext uri="{FF2B5EF4-FFF2-40B4-BE49-F238E27FC236}">
-                <a16:creationId xmlns="" xmlns:a16="http://schemas.microsoft.com/office/drawing/2014/main" id="{5FC3B104-6F52-4E7D-9A72-3E296B948ECF}"/>
+                <a16:creationId xmlns:a16="http://schemas.microsoft.com/office/drawing/2014/main" id="{5FC3B104-6F52-4E7D-9A72-3E296B948ECF}"/>
               </a:ext>
             </a:extLst>
           </p:cNvPr>
@@ -8488,7 +8587,7 @@
             <p:cNvPr id="73" name="직선 화살표 연결선 72">
               <a:extLst>
                 <a:ext uri="{FF2B5EF4-FFF2-40B4-BE49-F238E27FC236}">
-                  <a16:creationId xmlns="" xmlns:a16="http://schemas.microsoft.com/office/drawing/2014/main" id="{C00F76D6-4464-4F21-B79A-D6337CFFCC75}"/>
+                  <a16:creationId xmlns:a16="http://schemas.microsoft.com/office/drawing/2014/main" id="{C00F76D6-4464-4F21-B79A-D6337CFFCC75}"/>
                 </a:ext>
               </a:extLst>
             </p:cNvPr>
@@ -8531,7 +8630,7 @@
             <p:cNvPr id="86" name="TextBox 85">
               <a:extLst>
                 <a:ext uri="{FF2B5EF4-FFF2-40B4-BE49-F238E27FC236}">
-                  <a16:creationId xmlns="" xmlns:a16="http://schemas.microsoft.com/office/drawing/2014/main" id="{17B1C24A-4B1A-468E-BDA6-0038800DE201}"/>
+                  <a16:creationId xmlns:a16="http://schemas.microsoft.com/office/drawing/2014/main" id="{17B1C24A-4B1A-468E-BDA6-0038800DE201}"/>
                 </a:ext>
               </a:extLst>
             </p:cNvPr>
@@ -8557,15 +8656,7 @@
               <a:pPr algn="ctr"/>
               <a:r>
                 <a:rPr lang="en-US" altLang="ko-KR" sz="900" dirty="0"/>
-                <a:t>6</a:t>
-              </a:r>
-              <a:r>
-                <a:rPr lang="en-US" altLang="ko-KR" sz="900" dirty="0" smtClean="0"/>
-                <a:t>. </a:t>
-              </a:r>
-              <a:r>
-                <a:rPr lang="en-US" altLang="ko-KR" sz="900" dirty="0"/>
-                <a:t>Send </a:t>
+                <a:t>6. Send </a:t>
               </a:r>
               <a:r>
                 <a:rPr lang="en-US" altLang="ko-KR" sz="900" dirty="0" err="1"/>
@@ -8585,7 +8676,7 @@
           <p:cNvPr id="87" name="그룹 86">
             <a:extLst>
               <a:ext uri="{FF2B5EF4-FFF2-40B4-BE49-F238E27FC236}">
-                <a16:creationId xmlns="" xmlns:a16="http://schemas.microsoft.com/office/drawing/2014/main" id="{48A44C0A-0A62-46D8-B98B-C13492A5F446}"/>
+                <a16:creationId xmlns:a16="http://schemas.microsoft.com/office/drawing/2014/main" id="{48A44C0A-0A62-46D8-B98B-C13492A5F446}"/>
               </a:ext>
             </a:extLst>
           </p:cNvPr>
@@ -8605,7 +8696,7 @@
             <p:cNvPr id="88" name="직선 화살표 연결선 87">
               <a:extLst>
                 <a:ext uri="{FF2B5EF4-FFF2-40B4-BE49-F238E27FC236}">
-                  <a16:creationId xmlns="" xmlns:a16="http://schemas.microsoft.com/office/drawing/2014/main" id="{ED95214B-8DE6-448C-A7DB-F01C9C3C2E50}"/>
+                  <a16:creationId xmlns:a16="http://schemas.microsoft.com/office/drawing/2014/main" id="{ED95214B-8DE6-448C-A7DB-F01C9C3C2E50}"/>
                 </a:ext>
               </a:extLst>
             </p:cNvPr>
@@ -8648,7 +8739,7 @@
             <p:cNvPr id="89" name="TextBox 88">
               <a:extLst>
                 <a:ext uri="{FF2B5EF4-FFF2-40B4-BE49-F238E27FC236}">
-                  <a16:creationId xmlns="" xmlns:a16="http://schemas.microsoft.com/office/drawing/2014/main" id="{C5449845-0CBD-46B2-81BE-8AAF19969987}"/>
+                  <a16:creationId xmlns:a16="http://schemas.microsoft.com/office/drawing/2014/main" id="{C5449845-0CBD-46B2-81BE-8AAF19969987}"/>
                 </a:ext>
               </a:extLst>
             </p:cNvPr>
@@ -8674,19 +8765,11 @@
               <a:pPr algn="ctr"/>
               <a:r>
                 <a:rPr lang="en-US" altLang="ko-KR" sz="900" dirty="0"/>
-                <a:t>7</a:t>
-              </a:r>
-              <a:r>
-                <a:rPr lang="en-US" altLang="ko-KR" sz="900" dirty="0" smtClean="0"/>
-                <a:t>. Send </a:t>
-              </a:r>
-              <a:r>
-                <a:rPr lang="en-US" altLang="ko-KR" sz="900" b="1" dirty="0" smtClean="0"/>
-                <a:t>Refresh </a:t>
+                <a:t>7. Send </a:t>
               </a:r>
               <a:r>
                 <a:rPr lang="en-US" altLang="ko-KR" sz="900" b="1" dirty="0"/>
-                <a:t>Token </a:t>
+                <a:t>Refresh Token </a:t>
               </a:r>
               <a:endParaRPr lang="ko-KR" altLang="en-US" sz="900" b="1" dirty="0"/>
             </a:p>
@@ -8698,7 +8781,7 @@
           <p:cNvPr id="90" name="그룹 89">
             <a:extLst>
               <a:ext uri="{FF2B5EF4-FFF2-40B4-BE49-F238E27FC236}">
-                <a16:creationId xmlns="" xmlns:a16="http://schemas.microsoft.com/office/drawing/2014/main" id="{77B8B0B6-11DD-4DB0-AE2B-3CEE8A410804}"/>
+                <a16:creationId xmlns:a16="http://schemas.microsoft.com/office/drawing/2014/main" id="{77B8B0B6-11DD-4DB0-AE2B-3CEE8A410804}"/>
               </a:ext>
             </a:extLst>
           </p:cNvPr>
@@ -8718,7 +8801,7 @@
             <p:cNvPr id="91" name="직선 화살표 연결선 90">
               <a:extLst>
                 <a:ext uri="{FF2B5EF4-FFF2-40B4-BE49-F238E27FC236}">
-                  <a16:creationId xmlns="" xmlns:a16="http://schemas.microsoft.com/office/drawing/2014/main" id="{5C6F7EBD-C60B-4BB9-9065-59FB8790440B}"/>
+                  <a16:creationId xmlns:a16="http://schemas.microsoft.com/office/drawing/2014/main" id="{5C6F7EBD-C60B-4BB9-9065-59FB8790440B}"/>
                 </a:ext>
               </a:extLst>
             </p:cNvPr>
@@ -8761,7 +8844,7 @@
             <p:cNvPr id="92" name="TextBox 91">
               <a:extLst>
                 <a:ext uri="{FF2B5EF4-FFF2-40B4-BE49-F238E27FC236}">
-                  <a16:creationId xmlns="" xmlns:a16="http://schemas.microsoft.com/office/drawing/2014/main" id="{61F32451-02A4-4DC8-AF6C-7F126A79BF34}"/>
+                  <a16:creationId xmlns:a16="http://schemas.microsoft.com/office/drawing/2014/main" id="{61F32451-02A4-4DC8-AF6C-7F126A79BF34}"/>
                 </a:ext>
               </a:extLst>
             </p:cNvPr>
@@ -8787,15 +8870,7 @@
               <a:pPr algn="ctr"/>
               <a:r>
                 <a:rPr lang="en-US" altLang="ko-KR" sz="900" dirty="0"/>
-                <a:t>8</a:t>
-              </a:r>
-              <a:r>
-                <a:rPr lang="en-US" altLang="ko-KR" sz="900" dirty="0" smtClean="0"/>
-                <a:t>. </a:t>
-              </a:r>
-              <a:r>
-                <a:rPr lang="en-US" altLang="ko-KR" sz="900" dirty="0"/>
-                <a:t>Send </a:t>
+                <a:t>8. Send </a:t>
               </a:r>
               <a:r>
                 <a:rPr lang="en-US" altLang="ko-KR" sz="900" b="1" dirty="0"/>
@@ -8811,7 +8886,7 @@
           <p:cNvPr id="94" name="그룹 93">
             <a:extLst>
               <a:ext uri="{FF2B5EF4-FFF2-40B4-BE49-F238E27FC236}">
-                <a16:creationId xmlns="" xmlns:a16="http://schemas.microsoft.com/office/drawing/2014/main" id="{90A98A4D-5940-4BD7-9367-0A1F6EDAB843}"/>
+                <a16:creationId xmlns:a16="http://schemas.microsoft.com/office/drawing/2014/main" id="{90A98A4D-5940-4BD7-9367-0A1F6EDAB843}"/>
               </a:ext>
             </a:extLst>
           </p:cNvPr>
@@ -8831,7 +8906,7 @@
             <p:cNvPr id="95" name="직선 화살표 연결선 94">
               <a:extLst>
                 <a:ext uri="{FF2B5EF4-FFF2-40B4-BE49-F238E27FC236}">
-                  <a16:creationId xmlns="" xmlns:a16="http://schemas.microsoft.com/office/drawing/2014/main" id="{F389BB76-47B0-41B2-A3DE-1764C6D95804}"/>
+                  <a16:creationId xmlns:a16="http://schemas.microsoft.com/office/drawing/2014/main" id="{F389BB76-47B0-41B2-A3DE-1764C6D95804}"/>
                 </a:ext>
               </a:extLst>
             </p:cNvPr>
@@ -8874,7 +8949,7 @@
             <p:cNvPr id="96" name="TextBox 95">
               <a:extLst>
                 <a:ext uri="{FF2B5EF4-FFF2-40B4-BE49-F238E27FC236}">
-                  <a16:creationId xmlns="" xmlns:a16="http://schemas.microsoft.com/office/drawing/2014/main" id="{C7412E1F-D4DD-4B7B-A578-BF035092B90B}"/>
+                  <a16:creationId xmlns:a16="http://schemas.microsoft.com/office/drawing/2014/main" id="{C7412E1F-D4DD-4B7B-A578-BF035092B90B}"/>
                 </a:ext>
               </a:extLst>
             </p:cNvPr>
@@ -8900,15 +8975,7 @@
               <a:pPr algn="ctr"/>
               <a:r>
                 <a:rPr lang="en-US" altLang="ko-KR" sz="900" dirty="0"/>
-                <a:t>9</a:t>
-              </a:r>
-              <a:r>
-                <a:rPr lang="en-US" altLang="ko-KR" sz="900" dirty="0" smtClean="0"/>
-                <a:t>. </a:t>
-              </a:r>
-              <a:r>
-                <a:rPr lang="en-US" altLang="ko-KR" sz="900" dirty="0"/>
-                <a:t>Request Resource with New Access Token </a:t>
+                <a:t>9. Request Resource with New Access Token </a:t>
               </a:r>
               <a:endParaRPr lang="ko-KR" altLang="en-US" sz="900" dirty="0"/>
             </a:p>
@@ -8920,7 +8987,7 @@
           <p:cNvPr id="97" name="그룹 96">
             <a:extLst>
               <a:ext uri="{FF2B5EF4-FFF2-40B4-BE49-F238E27FC236}">
-                <a16:creationId xmlns="" xmlns:a16="http://schemas.microsoft.com/office/drawing/2014/main" id="{3AE27FDC-19D1-4CF2-A494-D693487949F2}"/>
+                <a16:creationId xmlns:a16="http://schemas.microsoft.com/office/drawing/2014/main" id="{3AE27FDC-19D1-4CF2-A494-D693487949F2}"/>
               </a:ext>
             </a:extLst>
           </p:cNvPr>
@@ -8940,7 +9007,7 @@
             <p:cNvPr id="98" name="직선 화살표 연결선 97">
               <a:extLst>
                 <a:ext uri="{FF2B5EF4-FFF2-40B4-BE49-F238E27FC236}">
-                  <a16:creationId xmlns="" xmlns:a16="http://schemas.microsoft.com/office/drawing/2014/main" id="{ABD1CC10-532D-403E-8777-1A50F5B9C4E2}"/>
+                  <a16:creationId xmlns:a16="http://schemas.microsoft.com/office/drawing/2014/main" id="{ABD1CC10-532D-403E-8777-1A50F5B9C4E2}"/>
                 </a:ext>
               </a:extLst>
             </p:cNvPr>
@@ -8983,7 +9050,7 @@
             <p:cNvPr id="99" name="TextBox 98">
               <a:extLst>
                 <a:ext uri="{FF2B5EF4-FFF2-40B4-BE49-F238E27FC236}">
-                  <a16:creationId xmlns="" xmlns:a16="http://schemas.microsoft.com/office/drawing/2014/main" id="{FA8D79D1-1DF1-4336-A8B3-FEB95F358ACB}"/>
+                  <a16:creationId xmlns:a16="http://schemas.microsoft.com/office/drawing/2014/main" id="{FA8D79D1-1DF1-4336-A8B3-FEB95F358ACB}"/>
                 </a:ext>
               </a:extLst>
             </p:cNvPr>
@@ -9008,12 +9075,8 @@
             <a:p>
               <a:pPr algn="ctr"/>
               <a:r>
-                <a:rPr lang="en-US" altLang="ko-KR" sz="900" dirty="0" smtClean="0"/>
-                <a:t>12. </a:t>
-              </a:r>
-              <a:r>
                 <a:rPr lang="en-US" altLang="ko-KR" sz="900" dirty="0"/>
-                <a:t>Send Resource</a:t>
+                <a:t>12. Send Resource</a:t>
               </a:r>
               <a:endParaRPr lang="ko-KR" altLang="en-US" sz="900" dirty="0"/>
             </a:p>
@@ -9025,7 +9088,7 @@
           <p:cNvPr id="100" name="그룹 99">
             <a:extLst>
               <a:ext uri="{FF2B5EF4-FFF2-40B4-BE49-F238E27FC236}">
-                <a16:creationId xmlns="" xmlns:a16="http://schemas.microsoft.com/office/drawing/2014/main" id="{60CFD806-1B72-48C1-9C48-882EF9EBA515}"/>
+                <a16:creationId xmlns:a16="http://schemas.microsoft.com/office/drawing/2014/main" id="{60CFD806-1B72-48C1-9C48-882EF9EBA515}"/>
               </a:ext>
             </a:extLst>
           </p:cNvPr>
@@ -9045,7 +9108,7 @@
             <p:cNvPr id="101" name="직선 화살표 연결선 100">
               <a:extLst>
                 <a:ext uri="{FF2B5EF4-FFF2-40B4-BE49-F238E27FC236}">
-                  <a16:creationId xmlns="" xmlns:a16="http://schemas.microsoft.com/office/drawing/2014/main" id="{628DEC57-A430-4676-8B8E-87010B34738D}"/>
+                  <a16:creationId xmlns:a16="http://schemas.microsoft.com/office/drawing/2014/main" id="{628DEC57-A430-4676-8B8E-87010B34738D}"/>
                 </a:ext>
               </a:extLst>
             </p:cNvPr>
@@ -9088,7 +9151,7 @@
             <p:cNvPr id="102" name="TextBox 101">
               <a:extLst>
                 <a:ext uri="{FF2B5EF4-FFF2-40B4-BE49-F238E27FC236}">
-                  <a16:creationId xmlns="" xmlns:a16="http://schemas.microsoft.com/office/drawing/2014/main" id="{2E157B44-484D-487B-BC2F-E67BB4C33717}"/>
+                  <a16:creationId xmlns:a16="http://schemas.microsoft.com/office/drawing/2014/main" id="{2E157B44-484D-487B-BC2F-E67BB4C33717}"/>
                 </a:ext>
               </a:extLst>
             </p:cNvPr>
@@ -9113,12 +9176,8 @@
             <a:p>
               <a:pPr algn="ctr"/>
               <a:r>
-                <a:rPr lang="en-US" altLang="ko-KR" sz="900" dirty="0" smtClean="0"/>
-                <a:t>13. </a:t>
-              </a:r>
-              <a:r>
                 <a:rPr lang="en-US" altLang="ko-KR" sz="900" dirty="0"/>
-                <a:t>Present Resource</a:t>
+                <a:t>13. Present Resource</a:t>
               </a:r>
               <a:endParaRPr lang="ko-KR" altLang="en-US" sz="900" dirty="0"/>
             </a:p>
@@ -9130,7 +9189,7 @@
           <p:cNvPr id="103" name="그룹 102">
             <a:extLst>
               <a:ext uri="{FF2B5EF4-FFF2-40B4-BE49-F238E27FC236}">
-                <a16:creationId xmlns="" xmlns:a16="http://schemas.microsoft.com/office/drawing/2014/main" id="{B3A68818-EAC1-43E8-B2E8-EF35EE7C8D8F}"/>
+                <a16:creationId xmlns:a16="http://schemas.microsoft.com/office/drawing/2014/main" id="{B3A68818-EAC1-43E8-B2E8-EF35EE7C8D8F}"/>
               </a:ext>
             </a:extLst>
           </p:cNvPr>
@@ -9150,7 +9209,7 @@
             <p:cNvPr id="104" name="직선 화살표 연결선 103">
               <a:extLst>
                 <a:ext uri="{FF2B5EF4-FFF2-40B4-BE49-F238E27FC236}">
-                  <a16:creationId xmlns="" xmlns:a16="http://schemas.microsoft.com/office/drawing/2014/main" id="{66C811DE-8B26-4491-AC63-183F51397B90}"/>
+                  <a16:creationId xmlns:a16="http://schemas.microsoft.com/office/drawing/2014/main" id="{66C811DE-8B26-4491-AC63-183F51397B90}"/>
                 </a:ext>
               </a:extLst>
             </p:cNvPr>
@@ -9193,7 +9252,7 @@
             <p:cNvPr id="105" name="TextBox 104">
               <a:extLst>
                 <a:ext uri="{FF2B5EF4-FFF2-40B4-BE49-F238E27FC236}">
-                  <a16:creationId xmlns="" xmlns:a16="http://schemas.microsoft.com/office/drawing/2014/main" id="{20AE6293-D3BC-454B-A4B8-396B4F5F032F}"/>
+                  <a16:creationId xmlns:a16="http://schemas.microsoft.com/office/drawing/2014/main" id="{20AE6293-D3BC-454B-A4B8-396B4F5F032F}"/>
                 </a:ext>
               </a:extLst>
             </p:cNvPr>
@@ -9218,12 +9277,8 @@
             <a:p>
               <a:pPr algn="ctr"/>
               <a:r>
-                <a:rPr lang="en-US" altLang="ko-KR" sz="900" dirty="0" smtClean="0"/>
-                <a:t>14. </a:t>
-              </a:r>
-              <a:r>
                 <a:rPr lang="en-US" altLang="ko-KR" sz="900" dirty="0"/>
-                <a:t>Get Resource</a:t>
+                <a:t>14. Get Resource</a:t>
               </a:r>
               <a:endParaRPr lang="ko-KR" altLang="en-US" sz="900" dirty="0"/>
             </a:p>
@@ -9235,7 +9290,7 @@
           <p:cNvPr id="43" name="그룹 42">
             <a:extLst>
               <a:ext uri="{FF2B5EF4-FFF2-40B4-BE49-F238E27FC236}">
-                <a16:creationId xmlns="" xmlns:a16="http://schemas.microsoft.com/office/drawing/2014/main" id="{E78E7DB9-7A22-4F16-9950-ECFA5F3D4150}"/>
+                <a16:creationId xmlns:a16="http://schemas.microsoft.com/office/drawing/2014/main" id="{E78E7DB9-7A22-4F16-9950-ECFA5F3D4150}"/>
               </a:ext>
             </a:extLst>
           </p:cNvPr>
@@ -9255,7 +9310,7 @@
             <p:cNvPr id="44" name="직선 화살표 연결선 43">
               <a:extLst>
                 <a:ext uri="{FF2B5EF4-FFF2-40B4-BE49-F238E27FC236}">
-                  <a16:creationId xmlns="" xmlns:a16="http://schemas.microsoft.com/office/drawing/2014/main" id="{737C3D9E-DD8A-4406-910A-4D607E2EBF1F}"/>
+                  <a16:creationId xmlns:a16="http://schemas.microsoft.com/office/drawing/2014/main" id="{737C3D9E-DD8A-4406-910A-4D607E2EBF1F}"/>
                 </a:ext>
               </a:extLst>
             </p:cNvPr>
@@ -9298,7 +9353,7 @@
             <p:cNvPr id="51" name="TextBox 50">
               <a:extLst>
                 <a:ext uri="{FF2B5EF4-FFF2-40B4-BE49-F238E27FC236}">
-                  <a16:creationId xmlns="" xmlns:a16="http://schemas.microsoft.com/office/drawing/2014/main" id="{970114FF-E1D7-493F-9A33-71AC3EB2CD96}"/>
+                  <a16:creationId xmlns:a16="http://schemas.microsoft.com/office/drawing/2014/main" id="{970114FF-E1D7-493F-9A33-71AC3EB2CD96}"/>
                 </a:ext>
               </a:extLst>
             </p:cNvPr>
@@ -9324,11 +9379,7 @@
               <a:pPr algn="ctr"/>
               <a:r>
                 <a:rPr lang="en-US" altLang="ko-KR" sz="900" dirty="0"/>
-                <a:t>4</a:t>
-              </a:r>
-              <a:r>
-                <a:rPr lang="en-US" altLang="ko-KR" sz="900" dirty="0" smtClean="0"/>
-                <a:t>. Send Access Token</a:t>
+                <a:t>4. Send Access Token</a:t>
               </a:r>
               <a:endParaRPr lang="ko-KR" altLang="en-US" sz="900" dirty="0"/>
             </a:p>
@@ -9340,7 +9391,7 @@
           <p:cNvPr id="52" name="그룹 51">
             <a:extLst>
               <a:ext uri="{FF2B5EF4-FFF2-40B4-BE49-F238E27FC236}">
-                <a16:creationId xmlns="" xmlns:a16="http://schemas.microsoft.com/office/drawing/2014/main" id="{E78E7DB9-7A22-4F16-9950-ECFA5F3D4150}"/>
+                <a16:creationId xmlns:a16="http://schemas.microsoft.com/office/drawing/2014/main" id="{E78E7DB9-7A22-4F16-9950-ECFA5F3D4150}"/>
               </a:ext>
             </a:extLst>
           </p:cNvPr>
@@ -9360,7 +9411,7 @@
             <p:cNvPr id="53" name="직선 화살표 연결선 52">
               <a:extLst>
                 <a:ext uri="{FF2B5EF4-FFF2-40B4-BE49-F238E27FC236}">
-                  <a16:creationId xmlns="" xmlns:a16="http://schemas.microsoft.com/office/drawing/2014/main" id="{737C3D9E-DD8A-4406-910A-4D607E2EBF1F}"/>
+                  <a16:creationId xmlns:a16="http://schemas.microsoft.com/office/drawing/2014/main" id="{737C3D9E-DD8A-4406-910A-4D607E2EBF1F}"/>
                 </a:ext>
               </a:extLst>
             </p:cNvPr>
@@ -9403,7 +9454,7 @@
             <p:cNvPr id="57" name="TextBox 56">
               <a:extLst>
                 <a:ext uri="{FF2B5EF4-FFF2-40B4-BE49-F238E27FC236}">
-                  <a16:creationId xmlns="" xmlns:a16="http://schemas.microsoft.com/office/drawing/2014/main" id="{970114FF-E1D7-493F-9A33-71AC3EB2CD96}"/>
+                  <a16:creationId xmlns:a16="http://schemas.microsoft.com/office/drawing/2014/main" id="{970114FF-E1D7-493F-9A33-71AC3EB2CD96}"/>
                 </a:ext>
               </a:extLst>
             </p:cNvPr>
@@ -9429,11 +9480,7 @@
               <a:pPr algn="ctr"/>
               <a:r>
                 <a:rPr lang="en-US" altLang="ko-KR" sz="900" dirty="0"/>
-                <a:t>5</a:t>
-              </a:r>
-              <a:r>
-                <a:rPr lang="en-US" altLang="ko-KR" sz="900" dirty="0" smtClean="0"/>
-                <a:t>. Invalid</a:t>
+                <a:t>5. Invalid</a:t>
               </a:r>
               <a:endParaRPr lang="ko-KR" altLang="en-US" sz="900" dirty="0"/>
             </a:p>
@@ -9445,7 +9492,7 @@
           <p:cNvPr id="58" name="그룹 57">
             <a:extLst>
               <a:ext uri="{FF2B5EF4-FFF2-40B4-BE49-F238E27FC236}">
-                <a16:creationId xmlns="" xmlns:a16="http://schemas.microsoft.com/office/drawing/2014/main" id="{E78E7DB9-7A22-4F16-9950-ECFA5F3D4150}"/>
+                <a16:creationId xmlns:a16="http://schemas.microsoft.com/office/drawing/2014/main" id="{E78E7DB9-7A22-4F16-9950-ECFA5F3D4150}"/>
               </a:ext>
             </a:extLst>
           </p:cNvPr>
@@ -9465,7 +9512,7 @@
             <p:cNvPr id="59" name="직선 화살표 연결선 58">
               <a:extLst>
                 <a:ext uri="{FF2B5EF4-FFF2-40B4-BE49-F238E27FC236}">
-                  <a16:creationId xmlns="" xmlns:a16="http://schemas.microsoft.com/office/drawing/2014/main" id="{737C3D9E-DD8A-4406-910A-4D607E2EBF1F}"/>
+                  <a16:creationId xmlns:a16="http://schemas.microsoft.com/office/drawing/2014/main" id="{737C3D9E-DD8A-4406-910A-4D607E2EBF1F}"/>
                 </a:ext>
               </a:extLst>
             </p:cNvPr>
@@ -9508,7 +9555,7 @@
             <p:cNvPr id="61" name="TextBox 60">
               <a:extLst>
                 <a:ext uri="{FF2B5EF4-FFF2-40B4-BE49-F238E27FC236}">
-                  <a16:creationId xmlns="" xmlns:a16="http://schemas.microsoft.com/office/drawing/2014/main" id="{970114FF-E1D7-493F-9A33-71AC3EB2CD96}"/>
+                  <a16:creationId xmlns:a16="http://schemas.microsoft.com/office/drawing/2014/main" id="{970114FF-E1D7-493F-9A33-71AC3EB2CD96}"/>
                 </a:ext>
               </a:extLst>
             </p:cNvPr>
@@ -9533,7 +9580,7 @@
             <a:p>
               <a:pPr algn="ctr"/>
               <a:r>
-                <a:rPr lang="en-US" altLang="ko-KR" sz="900" dirty="0" smtClean="0"/>
+                <a:rPr lang="en-US" altLang="ko-KR" sz="900" dirty="0"/>
                 <a:t>10. Send Access Token</a:t>
               </a:r>
               <a:endParaRPr lang="ko-KR" altLang="en-US" sz="900" dirty="0"/>
@@ -9546,7 +9593,7 @@
           <p:cNvPr id="62" name="그룹 61">
             <a:extLst>
               <a:ext uri="{FF2B5EF4-FFF2-40B4-BE49-F238E27FC236}">
-                <a16:creationId xmlns="" xmlns:a16="http://schemas.microsoft.com/office/drawing/2014/main" id="{E78E7DB9-7A22-4F16-9950-ECFA5F3D4150}"/>
+                <a16:creationId xmlns:a16="http://schemas.microsoft.com/office/drawing/2014/main" id="{E78E7DB9-7A22-4F16-9950-ECFA5F3D4150}"/>
               </a:ext>
             </a:extLst>
           </p:cNvPr>
@@ -9566,7 +9613,7 @@
             <p:cNvPr id="63" name="직선 화살표 연결선 62">
               <a:extLst>
                 <a:ext uri="{FF2B5EF4-FFF2-40B4-BE49-F238E27FC236}">
-                  <a16:creationId xmlns="" xmlns:a16="http://schemas.microsoft.com/office/drawing/2014/main" id="{737C3D9E-DD8A-4406-910A-4D607E2EBF1F}"/>
+                  <a16:creationId xmlns:a16="http://schemas.microsoft.com/office/drawing/2014/main" id="{737C3D9E-DD8A-4406-910A-4D607E2EBF1F}"/>
                 </a:ext>
               </a:extLst>
             </p:cNvPr>
@@ -9609,7 +9656,7 @@
             <p:cNvPr id="64" name="TextBox 63">
               <a:extLst>
                 <a:ext uri="{FF2B5EF4-FFF2-40B4-BE49-F238E27FC236}">
-                  <a16:creationId xmlns="" xmlns:a16="http://schemas.microsoft.com/office/drawing/2014/main" id="{970114FF-E1D7-493F-9A33-71AC3EB2CD96}"/>
+                  <a16:creationId xmlns:a16="http://schemas.microsoft.com/office/drawing/2014/main" id="{970114FF-E1D7-493F-9A33-71AC3EB2CD96}"/>
                 </a:ext>
               </a:extLst>
             </p:cNvPr>
@@ -9634,7 +9681,7 @@
             <a:p>
               <a:pPr algn="ctr"/>
               <a:r>
-                <a:rPr lang="en-US" altLang="ko-KR" sz="900" dirty="0" smtClean="0"/>
+                <a:rPr lang="en-US" altLang="ko-KR" sz="900" dirty="0"/>
                 <a:t>11. Invalid</a:t>
               </a:r>
               <a:endParaRPr lang="ko-KR" altLang="en-US" sz="900" dirty="0"/>

--- a/images/theory_analysis/OAuth_2.0/OAuth_2.0.pptx
+++ b/images/theory_analysis/OAuth_2.0/OAuth_2.0.pptx
@@ -218,7 +218,7 @@
           <a:p>
             <a:fld id="{6CD5550B-26C4-49A9-A5BA-636EF7BE6CE9}" type="datetimeFigureOut">
               <a:rPr lang="ko-KR" altLang="en-US" smtClean="0"/>
-              <a:t>2018-03-07</a:t>
+              <a:t>2018-03-10</a:t>
             </a:fld>
             <a:endParaRPr lang="ko-KR" altLang="en-US"/>
           </a:p>
@@ -664,7 +664,7 @@
           <a:p>
             <a:fld id="{FB30EDBD-1C2D-4C1E-B459-B60219FAB484}" type="datetimeFigureOut">
               <a:rPr lang="ko-KR" altLang="en-US" smtClean="0"/>
-              <a:t>2018-03-07</a:t>
+              <a:t>2018-03-10</a:t>
             </a:fld>
             <a:endParaRPr lang="ko-KR" altLang="en-US"/>
           </a:p>
@@ -827,7 +827,7 @@
           <a:p>
             <a:fld id="{FB30EDBD-1C2D-4C1E-B459-B60219FAB484}" type="datetimeFigureOut">
               <a:rPr lang="ko-KR" altLang="en-US" smtClean="0"/>
-              <a:t>2018-03-07</a:t>
+              <a:t>2018-03-10</a:t>
             </a:fld>
             <a:endParaRPr lang="ko-KR" altLang="en-US"/>
           </a:p>
@@ -1000,7 +1000,7 @@
           <a:p>
             <a:fld id="{FB30EDBD-1C2D-4C1E-B459-B60219FAB484}" type="datetimeFigureOut">
               <a:rPr lang="ko-KR" altLang="en-US" smtClean="0"/>
-              <a:t>2018-03-07</a:t>
+              <a:t>2018-03-10</a:t>
             </a:fld>
             <a:endParaRPr lang="ko-KR" altLang="en-US"/>
           </a:p>
@@ -1163,7 +1163,7 @@
           <a:p>
             <a:fld id="{FB30EDBD-1C2D-4C1E-B459-B60219FAB484}" type="datetimeFigureOut">
               <a:rPr lang="ko-KR" altLang="en-US" smtClean="0"/>
-              <a:t>2018-03-07</a:t>
+              <a:t>2018-03-10</a:t>
             </a:fld>
             <a:endParaRPr lang="ko-KR" altLang="en-US"/>
           </a:p>
@@ -1403,7 +1403,7 @@
           <a:p>
             <a:fld id="{FB30EDBD-1C2D-4C1E-B459-B60219FAB484}" type="datetimeFigureOut">
               <a:rPr lang="ko-KR" altLang="en-US" smtClean="0"/>
-              <a:t>2018-03-07</a:t>
+              <a:t>2018-03-10</a:t>
             </a:fld>
             <a:endParaRPr lang="ko-KR" altLang="en-US"/>
           </a:p>
@@ -1683,7 +1683,7 @@
           <a:p>
             <a:fld id="{FB30EDBD-1C2D-4C1E-B459-B60219FAB484}" type="datetimeFigureOut">
               <a:rPr lang="ko-KR" altLang="en-US" smtClean="0"/>
-              <a:t>2018-03-07</a:t>
+              <a:t>2018-03-10</a:t>
             </a:fld>
             <a:endParaRPr lang="ko-KR" altLang="en-US"/>
           </a:p>
@@ -2097,7 +2097,7 @@
           <a:p>
             <a:fld id="{FB30EDBD-1C2D-4C1E-B459-B60219FAB484}" type="datetimeFigureOut">
               <a:rPr lang="ko-KR" altLang="en-US" smtClean="0"/>
-              <a:t>2018-03-07</a:t>
+              <a:t>2018-03-10</a:t>
             </a:fld>
             <a:endParaRPr lang="ko-KR" altLang="en-US"/>
           </a:p>
@@ -2209,7 +2209,7 @@
           <a:p>
             <a:fld id="{FB30EDBD-1C2D-4C1E-B459-B60219FAB484}" type="datetimeFigureOut">
               <a:rPr lang="ko-KR" altLang="en-US" smtClean="0"/>
-              <a:t>2018-03-07</a:t>
+              <a:t>2018-03-10</a:t>
             </a:fld>
             <a:endParaRPr lang="ko-KR" altLang="en-US"/>
           </a:p>
@@ -2299,7 +2299,7 @@
           <a:p>
             <a:fld id="{FB30EDBD-1C2D-4C1E-B459-B60219FAB484}" type="datetimeFigureOut">
               <a:rPr lang="ko-KR" altLang="en-US" smtClean="0"/>
-              <a:t>2018-03-07</a:t>
+              <a:t>2018-03-10</a:t>
             </a:fld>
             <a:endParaRPr lang="ko-KR" altLang="en-US"/>
           </a:p>
@@ -2569,7 +2569,7 @@
           <a:p>
             <a:fld id="{FB30EDBD-1C2D-4C1E-B459-B60219FAB484}" type="datetimeFigureOut">
               <a:rPr lang="ko-KR" altLang="en-US" smtClean="0"/>
-              <a:t>2018-03-07</a:t>
+              <a:t>2018-03-10</a:t>
             </a:fld>
             <a:endParaRPr lang="ko-KR" altLang="en-US"/>
           </a:p>
@@ -2816,7 +2816,7 @@
           <a:p>
             <a:fld id="{FB30EDBD-1C2D-4C1E-B459-B60219FAB484}" type="datetimeFigureOut">
               <a:rPr lang="ko-KR" altLang="en-US" smtClean="0"/>
-              <a:t>2018-03-07</a:t>
+              <a:t>2018-03-10</a:t>
             </a:fld>
             <a:endParaRPr lang="ko-KR" altLang="en-US"/>
           </a:p>
@@ -3022,7 +3022,7 @@
           <a:p>
             <a:fld id="{FB30EDBD-1C2D-4C1E-B459-B60219FAB484}" type="datetimeFigureOut">
               <a:rPr lang="ko-KR" altLang="en-US" smtClean="0"/>
-              <a:t>2018-03-07</a:t>
+              <a:t>2018-03-10</a:t>
             </a:fld>
             <a:endParaRPr lang="ko-KR" altLang="en-US"/>
           </a:p>
@@ -7492,7 +7492,15 @@
               <a:pPr algn="ctr"/>
               <a:r>
                 <a:rPr lang="en-US" altLang="ko-KR" sz="900" dirty="0"/>
-                <a:t>8. Get Resource</a:t>
+                <a:t>8</a:t>
+              </a:r>
+              <a:r>
+                <a:rPr lang="en-US" altLang="ko-KR" sz="900"/>
+                <a:t>. Show </a:t>
+              </a:r>
+              <a:r>
+                <a:rPr lang="en-US" altLang="ko-KR" sz="900" dirty="0"/>
+                <a:t>Resource</a:t>
               </a:r>
               <a:endParaRPr lang="ko-KR" altLang="en-US" sz="900" dirty="0"/>
             </a:p>
@@ -9278,7 +9286,15 @@
               <a:pPr algn="ctr"/>
               <a:r>
                 <a:rPr lang="en-US" altLang="ko-KR" sz="900" dirty="0"/>
-                <a:t>14. Get Resource</a:t>
+                <a:t>14</a:t>
+              </a:r>
+              <a:r>
+                <a:rPr lang="en-US" altLang="ko-KR" sz="900"/>
+                <a:t>. Show </a:t>
+              </a:r>
+              <a:r>
+                <a:rPr lang="en-US" altLang="ko-KR" sz="900" dirty="0"/>
+                <a:t>Resource</a:t>
               </a:r>
               <a:endParaRPr lang="ko-KR" altLang="en-US" sz="900" dirty="0"/>
             </a:p>

--- a/images/theory_analysis/OAuth_2.0/OAuth_2.0.pptx
+++ b/images/theory_analysis/OAuth_2.0/OAuth_2.0.pptx
@@ -218,7 +218,7 @@
           <a:p>
             <a:fld id="{6CD5550B-26C4-49A9-A5BA-636EF7BE6CE9}" type="datetimeFigureOut">
               <a:rPr lang="ko-KR" altLang="en-US" smtClean="0"/>
-              <a:t>2018-03-10</a:t>
+              <a:t>2020-06-27</a:t>
             </a:fld>
             <a:endParaRPr lang="ko-KR" altLang="en-US"/>
           </a:p>
@@ -664,7 +664,7 @@
           <a:p>
             <a:fld id="{FB30EDBD-1C2D-4C1E-B459-B60219FAB484}" type="datetimeFigureOut">
               <a:rPr lang="ko-KR" altLang="en-US" smtClean="0"/>
-              <a:t>2018-03-10</a:t>
+              <a:t>2020-06-27</a:t>
             </a:fld>
             <a:endParaRPr lang="ko-KR" altLang="en-US"/>
           </a:p>
@@ -827,7 +827,7 @@
           <a:p>
             <a:fld id="{FB30EDBD-1C2D-4C1E-B459-B60219FAB484}" type="datetimeFigureOut">
               <a:rPr lang="ko-KR" altLang="en-US" smtClean="0"/>
-              <a:t>2018-03-10</a:t>
+              <a:t>2020-06-27</a:t>
             </a:fld>
             <a:endParaRPr lang="ko-KR" altLang="en-US"/>
           </a:p>
@@ -1000,7 +1000,7 @@
           <a:p>
             <a:fld id="{FB30EDBD-1C2D-4C1E-B459-B60219FAB484}" type="datetimeFigureOut">
               <a:rPr lang="ko-KR" altLang="en-US" smtClean="0"/>
-              <a:t>2018-03-10</a:t>
+              <a:t>2020-06-27</a:t>
             </a:fld>
             <a:endParaRPr lang="ko-KR" altLang="en-US"/>
           </a:p>
@@ -1163,7 +1163,7 @@
           <a:p>
             <a:fld id="{FB30EDBD-1C2D-4C1E-B459-B60219FAB484}" type="datetimeFigureOut">
               <a:rPr lang="ko-KR" altLang="en-US" smtClean="0"/>
-              <a:t>2018-03-10</a:t>
+              <a:t>2020-06-27</a:t>
             </a:fld>
             <a:endParaRPr lang="ko-KR" altLang="en-US"/>
           </a:p>
@@ -1403,7 +1403,7 @@
           <a:p>
             <a:fld id="{FB30EDBD-1C2D-4C1E-B459-B60219FAB484}" type="datetimeFigureOut">
               <a:rPr lang="ko-KR" altLang="en-US" smtClean="0"/>
-              <a:t>2018-03-10</a:t>
+              <a:t>2020-06-27</a:t>
             </a:fld>
             <a:endParaRPr lang="ko-KR" altLang="en-US"/>
           </a:p>
@@ -1683,7 +1683,7 @@
           <a:p>
             <a:fld id="{FB30EDBD-1C2D-4C1E-B459-B60219FAB484}" type="datetimeFigureOut">
               <a:rPr lang="ko-KR" altLang="en-US" smtClean="0"/>
-              <a:t>2018-03-10</a:t>
+              <a:t>2020-06-27</a:t>
             </a:fld>
             <a:endParaRPr lang="ko-KR" altLang="en-US"/>
           </a:p>
@@ -2097,7 +2097,7 @@
           <a:p>
             <a:fld id="{FB30EDBD-1C2D-4C1E-B459-B60219FAB484}" type="datetimeFigureOut">
               <a:rPr lang="ko-KR" altLang="en-US" smtClean="0"/>
-              <a:t>2018-03-10</a:t>
+              <a:t>2020-06-27</a:t>
             </a:fld>
             <a:endParaRPr lang="ko-KR" altLang="en-US"/>
           </a:p>
@@ -2209,7 +2209,7 @@
           <a:p>
             <a:fld id="{FB30EDBD-1C2D-4C1E-B459-B60219FAB484}" type="datetimeFigureOut">
               <a:rPr lang="ko-KR" altLang="en-US" smtClean="0"/>
-              <a:t>2018-03-10</a:t>
+              <a:t>2020-06-27</a:t>
             </a:fld>
             <a:endParaRPr lang="ko-KR" altLang="en-US"/>
           </a:p>
@@ -2299,7 +2299,7 @@
           <a:p>
             <a:fld id="{FB30EDBD-1C2D-4C1E-B459-B60219FAB484}" type="datetimeFigureOut">
               <a:rPr lang="ko-KR" altLang="en-US" smtClean="0"/>
-              <a:t>2018-03-10</a:t>
+              <a:t>2020-06-27</a:t>
             </a:fld>
             <a:endParaRPr lang="ko-KR" altLang="en-US"/>
           </a:p>
@@ -2569,7 +2569,7 @@
           <a:p>
             <a:fld id="{FB30EDBD-1C2D-4C1E-B459-B60219FAB484}" type="datetimeFigureOut">
               <a:rPr lang="ko-KR" altLang="en-US" smtClean="0"/>
-              <a:t>2018-03-10</a:t>
+              <a:t>2020-06-27</a:t>
             </a:fld>
             <a:endParaRPr lang="ko-KR" altLang="en-US"/>
           </a:p>
@@ -2816,7 +2816,7 @@
           <a:p>
             <a:fld id="{FB30EDBD-1C2D-4C1E-B459-B60219FAB484}" type="datetimeFigureOut">
               <a:rPr lang="ko-KR" altLang="en-US" smtClean="0"/>
-              <a:t>2018-03-10</a:t>
+              <a:t>2020-06-27</a:t>
             </a:fld>
             <a:endParaRPr lang="ko-KR" altLang="en-US"/>
           </a:p>
@@ -3022,7 +3022,7 @@
           <a:p>
             <a:fld id="{FB30EDBD-1C2D-4C1E-B459-B60219FAB484}" type="datetimeFigureOut">
               <a:rPr lang="ko-KR" altLang="en-US" smtClean="0"/>
-              <a:t>2018-03-10</a:t>
+              <a:t>2020-06-27</a:t>
             </a:fld>
             <a:endParaRPr lang="ko-KR" altLang="en-US"/>
           </a:p>
@@ -3989,7 +3989,7 @@
             <a:pPr algn="ctr"/>
             <a:r>
               <a:rPr lang="en-US" altLang="ko-KR" sz="1200"/>
-              <a:t>(Browser)</a:t>
+              <a:t>(Web Browser)</a:t>
             </a:r>
             <a:endParaRPr lang="ko-KR" altLang="en-US" sz="1200"/>
           </a:p>
@@ -4557,7 +4557,7 @@
             <a:pPr algn="ctr"/>
             <a:r>
               <a:rPr lang="en-US" altLang="ko-KR" sz="1000"/>
-              <a:t>(Browser)</a:t>
+              <a:t>(Web Browser)</a:t>
             </a:r>
             <a:endParaRPr lang="ko-KR" altLang="en-US" sz="1000"/>
           </a:p>
@@ -6495,7 +6495,7 @@
             <a:pPr algn="ctr"/>
             <a:r>
               <a:rPr lang="en-US" altLang="ko-KR" sz="1000"/>
-              <a:t>(Browser)</a:t>
+              <a:t>(Web Browser)</a:t>
             </a:r>
             <a:endParaRPr lang="ko-KR" altLang="en-US" sz="1000"/>
           </a:p>
@@ -7877,7 +7877,7 @@
             <a:pPr algn="ctr"/>
             <a:r>
               <a:rPr lang="en-US" altLang="ko-KR" sz="1000"/>
-              <a:t>(Browser)</a:t>
+              <a:t>(Web Browser)</a:t>
             </a:r>
             <a:endParaRPr lang="ko-KR" altLang="en-US" sz="1000"/>
           </a:p>

--- a/images/theory_analysis/OAuth_2.0/OAuth_2.0.pptx
+++ b/images/theory_analysis/OAuth_2.0/OAuth_2.0.pptx
@@ -5,7 +5,7 @@
     <p:sldMasterId id="2147483648" r:id="rId1"/>
   </p:sldMasterIdLst>
   <p:notesMasterIdLst>
-    <p:notesMasterId r:id="rId8"/>
+    <p:notesMasterId r:id="rId10"/>
   </p:notesMasterIdLst>
   <p:sldIdLst>
     <p:sldId id="369" r:id="rId2"/>
@@ -14,6 +14,8 @@
     <p:sldId id="370" r:id="rId5"/>
     <p:sldId id="365" r:id="rId6"/>
     <p:sldId id="367" r:id="rId7"/>
+    <p:sldId id="372" r:id="rId8"/>
+    <p:sldId id="371" r:id="rId9"/>
   </p:sldIdLst>
   <p:sldSz cx="9144000" cy="5143500" type="screen16x9"/>
   <p:notesSz cx="6858000" cy="9144000"/>
@@ -218,7 +220,7 @@
           <a:p>
             <a:fld id="{6CD5550B-26C4-49A9-A5BA-636EF7BE6CE9}" type="datetimeFigureOut">
               <a:rPr lang="ko-KR" altLang="en-US" smtClean="0"/>
-              <a:t>2020-06-27</a:t>
+              <a:t>2021-04-10</a:t>
             </a:fld>
             <a:endParaRPr lang="ko-KR" altLang="en-US"/>
           </a:p>
@@ -664,7 +666,7 @@
           <a:p>
             <a:fld id="{FB30EDBD-1C2D-4C1E-B459-B60219FAB484}" type="datetimeFigureOut">
               <a:rPr lang="ko-KR" altLang="en-US" smtClean="0"/>
-              <a:t>2020-06-27</a:t>
+              <a:t>2021-04-10</a:t>
             </a:fld>
             <a:endParaRPr lang="ko-KR" altLang="en-US"/>
           </a:p>
@@ -827,7 +829,7 @@
           <a:p>
             <a:fld id="{FB30EDBD-1C2D-4C1E-B459-B60219FAB484}" type="datetimeFigureOut">
               <a:rPr lang="ko-KR" altLang="en-US" smtClean="0"/>
-              <a:t>2020-06-27</a:t>
+              <a:t>2021-04-10</a:t>
             </a:fld>
             <a:endParaRPr lang="ko-KR" altLang="en-US"/>
           </a:p>
@@ -1000,7 +1002,7 @@
           <a:p>
             <a:fld id="{FB30EDBD-1C2D-4C1E-B459-B60219FAB484}" type="datetimeFigureOut">
               <a:rPr lang="ko-KR" altLang="en-US" smtClean="0"/>
-              <a:t>2020-06-27</a:t>
+              <a:t>2021-04-10</a:t>
             </a:fld>
             <a:endParaRPr lang="ko-KR" altLang="en-US"/>
           </a:p>
@@ -1163,7 +1165,7 @@
           <a:p>
             <a:fld id="{FB30EDBD-1C2D-4C1E-B459-B60219FAB484}" type="datetimeFigureOut">
               <a:rPr lang="ko-KR" altLang="en-US" smtClean="0"/>
-              <a:t>2020-06-27</a:t>
+              <a:t>2021-04-10</a:t>
             </a:fld>
             <a:endParaRPr lang="ko-KR" altLang="en-US"/>
           </a:p>
@@ -1403,7 +1405,7 @@
           <a:p>
             <a:fld id="{FB30EDBD-1C2D-4C1E-B459-B60219FAB484}" type="datetimeFigureOut">
               <a:rPr lang="ko-KR" altLang="en-US" smtClean="0"/>
-              <a:t>2020-06-27</a:t>
+              <a:t>2021-04-10</a:t>
             </a:fld>
             <a:endParaRPr lang="ko-KR" altLang="en-US"/>
           </a:p>
@@ -1683,7 +1685,7 @@
           <a:p>
             <a:fld id="{FB30EDBD-1C2D-4C1E-B459-B60219FAB484}" type="datetimeFigureOut">
               <a:rPr lang="ko-KR" altLang="en-US" smtClean="0"/>
-              <a:t>2020-06-27</a:t>
+              <a:t>2021-04-10</a:t>
             </a:fld>
             <a:endParaRPr lang="ko-KR" altLang="en-US"/>
           </a:p>
@@ -2097,7 +2099,7 @@
           <a:p>
             <a:fld id="{FB30EDBD-1C2D-4C1E-B459-B60219FAB484}" type="datetimeFigureOut">
               <a:rPr lang="ko-KR" altLang="en-US" smtClean="0"/>
-              <a:t>2020-06-27</a:t>
+              <a:t>2021-04-10</a:t>
             </a:fld>
             <a:endParaRPr lang="ko-KR" altLang="en-US"/>
           </a:p>
@@ -2209,7 +2211,7 @@
           <a:p>
             <a:fld id="{FB30EDBD-1C2D-4C1E-B459-B60219FAB484}" type="datetimeFigureOut">
               <a:rPr lang="ko-KR" altLang="en-US" smtClean="0"/>
-              <a:t>2020-06-27</a:t>
+              <a:t>2021-04-10</a:t>
             </a:fld>
             <a:endParaRPr lang="ko-KR" altLang="en-US"/>
           </a:p>
@@ -2299,7 +2301,7 @@
           <a:p>
             <a:fld id="{FB30EDBD-1C2D-4C1E-B459-B60219FAB484}" type="datetimeFigureOut">
               <a:rPr lang="ko-KR" altLang="en-US" smtClean="0"/>
-              <a:t>2020-06-27</a:t>
+              <a:t>2021-04-10</a:t>
             </a:fld>
             <a:endParaRPr lang="ko-KR" altLang="en-US"/>
           </a:p>
@@ -2569,7 +2571,7 @@
           <a:p>
             <a:fld id="{FB30EDBD-1C2D-4C1E-B459-B60219FAB484}" type="datetimeFigureOut">
               <a:rPr lang="ko-KR" altLang="en-US" smtClean="0"/>
-              <a:t>2020-06-27</a:t>
+              <a:t>2021-04-10</a:t>
             </a:fld>
             <a:endParaRPr lang="ko-KR" altLang="en-US"/>
           </a:p>
@@ -2816,7 +2818,7 @@
           <a:p>
             <a:fld id="{FB30EDBD-1C2D-4C1E-B459-B60219FAB484}" type="datetimeFigureOut">
               <a:rPr lang="ko-KR" altLang="en-US" smtClean="0"/>
-              <a:t>2020-06-27</a:t>
+              <a:t>2021-04-10</a:t>
             </a:fld>
             <a:endParaRPr lang="ko-KR" altLang="en-US"/>
           </a:p>
@@ -3022,7 +3024,7 @@
           <a:p>
             <a:fld id="{FB30EDBD-1C2D-4C1E-B459-B60219FAB484}" type="datetimeFigureOut">
               <a:rPr lang="ko-KR" altLang="en-US" smtClean="0"/>
-              <a:t>2020-06-27</a:t>
+              <a:t>2021-04-10</a:t>
             </a:fld>
             <a:endParaRPr lang="ko-KR" altLang="en-US"/>
           </a:p>
@@ -3394,6 +3396,59 @@
       </p:grpSpPr>
       <p:sp>
         <p:nvSpPr>
+          <p:cNvPr id="4" name="사각형: 둥근 모서리 3">
+            <a:extLst>
+              <a:ext uri="{FF2B5EF4-FFF2-40B4-BE49-F238E27FC236}">
+                <a16:creationId xmlns:a16="http://schemas.microsoft.com/office/drawing/2014/main" id="{E4C54D33-68FC-479C-9670-23ED765ECC26}"/>
+              </a:ext>
+            </a:extLst>
+          </p:cNvPr>
+          <p:cNvSpPr/>
+          <p:nvPr/>
+        </p:nvSpPr>
+        <p:spPr>
+          <a:xfrm>
+            <a:off x="6481607" y="2427734"/>
+            <a:ext cx="1621957" cy="872302"/>
+          </a:xfrm>
+          <a:prstGeom prst="roundRect">
+            <a:avLst>
+              <a:gd name="adj" fmla="val 5893"/>
+            </a:avLst>
+          </a:prstGeom>
+          <a:ln>
+            <a:prstDash val="dash"/>
+          </a:ln>
+        </p:spPr>
+        <p:style>
+          <a:lnRef idx="2">
+            <a:schemeClr val="dk1"/>
+          </a:lnRef>
+          <a:fillRef idx="1">
+            <a:schemeClr val="lt1"/>
+          </a:fillRef>
+          <a:effectRef idx="0">
+            <a:schemeClr val="dk1"/>
+          </a:effectRef>
+          <a:fontRef idx="minor">
+            <a:schemeClr val="dk1"/>
+          </a:fontRef>
+        </p:style>
+        <p:txBody>
+          <a:bodyPr rtlCol="0" anchor="b"/>
+          <a:lstStyle/>
+          <a:p>
+            <a:pPr algn="ctr"/>
+            <a:r>
+              <a:rPr lang="en-US" altLang="ko-KR" sz="1200"/>
+              <a:t>Service Provider</a:t>
+            </a:r>
+            <a:endParaRPr lang="ko-KR" altLang="en-US" sz="1200"/>
+          </a:p>
+        </p:txBody>
+      </p:sp>
+      <p:sp>
+        <p:nvSpPr>
           <p:cNvPr id="2" name="제목 1"/>
           <p:cNvSpPr>
             <a:spLocks noGrp="1"/>
@@ -3567,8 +3622,8 @@
           <a:p>
             <a:pPr algn="ctr"/>
             <a:r>
-              <a:rPr lang="en-US" altLang="ko-KR" sz="1200" dirty="0"/>
-              <a:t>Server</a:t>
+              <a:rPr lang="en-US" altLang="ko-KR" sz="1200"/>
+              <a:t>API Server</a:t>
             </a:r>
             <a:endParaRPr lang="ko-KR" altLang="en-US" sz="1200" dirty="0"/>
           </a:p>
@@ -3714,8 +3769,8 @@
         </p:nvSpPr>
         <p:spPr>
           <a:xfrm>
-            <a:off x="5022054" y="2355726"/>
-            <a:ext cx="1764187" cy="230832"/>
+            <a:off x="5022054" y="2221236"/>
+            <a:ext cx="1764187" cy="369332"/>
           </a:xfrm>
           <a:prstGeom prst="rect">
             <a:avLst/>
@@ -3731,7 +3786,18 @@
             <a:pPr algn="ctr"/>
             <a:r>
               <a:rPr lang="en-US" altLang="ko-KR" sz="900" dirty="0"/>
-              <a:t>2. Send ID/Password</a:t>
+              <a:t>2. Send ID</a:t>
+            </a:r>
+            <a:r>
+              <a:rPr lang="en-US" altLang="ko-KR" sz="900"/>
+              <a:t>/Password</a:t>
+            </a:r>
+          </a:p>
+          <a:p>
+            <a:pPr algn="ctr"/>
+            <a:r>
+              <a:rPr lang="en-US" altLang="ko-KR" sz="900"/>
+              <a:t>&amp; Request</a:t>
             </a:r>
             <a:endParaRPr lang="ko-KR" altLang="en-US" sz="900" dirty="0"/>
           </a:p>
@@ -3811,7 +3877,11 @@
             <a:pPr algn="ctr"/>
             <a:r>
               <a:rPr lang="en-US" altLang="ko-KR" sz="900" dirty="0"/>
-              <a:t>3. Send Resource</a:t>
+              <a:t>3</a:t>
+            </a:r>
+            <a:r>
+              <a:rPr lang="en-US" altLang="ko-KR" sz="900"/>
+              <a:t>. Response</a:t>
             </a:r>
             <a:endParaRPr lang="ko-KR" altLang="en-US" sz="900" dirty="0"/>
           </a:p>
@@ -3849,6 +3919,59 @@
       </p:grpSpPr>
       <p:sp>
         <p:nvSpPr>
+          <p:cNvPr id="13" name="사각형: 둥근 모서리 12">
+            <a:extLst>
+              <a:ext uri="{FF2B5EF4-FFF2-40B4-BE49-F238E27FC236}">
+                <a16:creationId xmlns:a16="http://schemas.microsoft.com/office/drawing/2014/main" id="{3F4B8E58-7E66-4106-A564-5EAF9C968AE3}"/>
+              </a:ext>
+            </a:extLst>
+          </p:cNvPr>
+          <p:cNvSpPr/>
+          <p:nvPr/>
+        </p:nvSpPr>
+        <p:spPr>
+          <a:xfrm>
+            <a:off x="4716016" y="2257225"/>
+            <a:ext cx="3417668" cy="1618875"/>
+          </a:xfrm>
+          <a:prstGeom prst="roundRect">
+            <a:avLst>
+              <a:gd name="adj" fmla="val 2733"/>
+            </a:avLst>
+          </a:prstGeom>
+          <a:ln>
+            <a:prstDash val="dash"/>
+          </a:ln>
+        </p:spPr>
+        <p:style>
+          <a:lnRef idx="2">
+            <a:schemeClr val="dk1"/>
+          </a:lnRef>
+          <a:fillRef idx="1">
+            <a:schemeClr val="lt1"/>
+          </a:fillRef>
+          <a:effectRef idx="0">
+            <a:schemeClr val="dk1"/>
+          </a:effectRef>
+          <a:fontRef idx="minor">
+            <a:schemeClr val="dk1"/>
+          </a:fontRef>
+        </p:style>
+        <p:txBody>
+          <a:bodyPr rtlCol="0" anchor="b"/>
+          <a:lstStyle/>
+          <a:p>
+            <a:pPr algn="r"/>
+            <a:r>
+              <a:rPr lang="en-US" altLang="ko-KR" sz="1200"/>
+              <a:t>Service Provider</a:t>
+            </a:r>
+            <a:endParaRPr lang="ko-KR" altLang="en-US" sz="1200"/>
+          </a:p>
+        </p:txBody>
+      </p:sp>
+      <p:sp>
+        <p:nvSpPr>
           <p:cNvPr id="2" name="제목 1"/>
           <p:cNvSpPr>
             <a:spLocks noGrp="1"/>
@@ -4154,6 +4277,13 @@
             <a:r>
               <a:rPr lang="en-US" altLang="ko-KR" sz="1200"/>
               <a:t>Resource Server</a:t>
+            </a:r>
+          </a:p>
+          <a:p>
+            <a:pPr algn="ctr"/>
+            <a:r>
+              <a:rPr lang="en-US" altLang="ko-KR" sz="1200"/>
+              <a:t>(API Server)</a:t>
             </a:r>
             <a:endParaRPr lang="ko-KR" altLang="en-US" sz="1200"/>
           </a:p>
@@ -4722,6 +4852,13 @@
             <a:r>
               <a:rPr lang="en-US" altLang="ko-KR" sz="1000"/>
               <a:t>Resource Server</a:t>
+            </a:r>
+          </a:p>
+          <a:p>
+            <a:pPr algn="ctr"/>
+            <a:r>
+              <a:rPr lang="en-US" altLang="ko-KR" sz="1000"/>
+              <a:t>(API Server)</a:t>
             </a:r>
             <a:endParaRPr lang="ko-KR" altLang="en-US" sz="1000"/>
           </a:p>
@@ -6661,6 +6798,13 @@
               <a:rPr lang="en-US" altLang="ko-KR" sz="1000"/>
               <a:t>Resource Server</a:t>
             </a:r>
+          </a:p>
+          <a:p>
+            <a:pPr algn="ctr"/>
+            <a:r>
+              <a:rPr lang="en-US" altLang="ko-KR" sz="1000"/>
+              <a:t>(API Server)</a:t>
+            </a:r>
             <a:endParaRPr lang="ko-KR" altLang="en-US" sz="1000"/>
           </a:p>
         </p:txBody>
@@ -8043,6 +8187,13 @@
               <a:rPr lang="en-US" altLang="ko-KR" sz="1000"/>
               <a:t>Resource Server</a:t>
             </a:r>
+          </a:p>
+          <a:p>
+            <a:pPr algn="ctr"/>
+            <a:r>
+              <a:rPr lang="en-US" altLang="ko-KR" sz="1000"/>
+              <a:t>(API Server)</a:t>
+            </a:r>
             <a:endParaRPr lang="ko-KR" altLang="en-US" sz="1000"/>
           </a:p>
         </p:txBody>
@@ -9709,6 +9860,491 @@
     <p:extLst>
       <p:ext uri="{BB962C8B-B14F-4D97-AF65-F5344CB8AC3E}">
         <p14:creationId xmlns:p14="http://schemas.microsoft.com/office/powerpoint/2010/main" val="2538881742"/>
+      </p:ext>
+    </p:extLst>
+  </p:cSld>
+  <p:clrMapOvr>
+    <a:masterClrMapping/>
+  </p:clrMapOvr>
+</p:sld>
+</file>
+
+<file path=ppt/slides/slide7.xml><?xml version="1.0" encoding="utf-8"?>
+<p:sld xmlns:a="http://schemas.openxmlformats.org/drawingml/2006/main" xmlns:r="http://schemas.openxmlformats.org/officeDocument/2006/relationships" xmlns:p="http://schemas.openxmlformats.org/presentationml/2006/main">
+  <p:cSld>
+    <p:spTree>
+      <p:nvGrpSpPr>
+        <p:cNvPr id="1" name=""/>
+        <p:cNvGrpSpPr/>
+        <p:nvPr/>
+      </p:nvGrpSpPr>
+      <p:grpSpPr>
+        <a:xfrm>
+          <a:off x="0" y="0"/>
+          <a:ext cx="0" cy="0"/>
+          <a:chOff x="0" y="0"/>
+          <a:chExt cx="0" cy="0"/>
+        </a:xfrm>
+      </p:grpSpPr>
+    </p:spTree>
+    <p:extLst>
+      <p:ext uri="{BB962C8B-B14F-4D97-AF65-F5344CB8AC3E}">
+        <p14:creationId xmlns:p14="http://schemas.microsoft.com/office/powerpoint/2010/main" val="3166114234"/>
+      </p:ext>
+    </p:extLst>
+  </p:cSld>
+  <p:clrMapOvr>
+    <a:masterClrMapping/>
+  </p:clrMapOvr>
+</p:sld>
+</file>
+
+<file path=ppt/slides/slide8.xml><?xml version="1.0" encoding="utf-8"?>
+<p:sld xmlns:a="http://schemas.openxmlformats.org/drawingml/2006/main" xmlns:r="http://schemas.openxmlformats.org/officeDocument/2006/relationships" xmlns:p="http://schemas.openxmlformats.org/presentationml/2006/main">
+  <p:cSld>
+    <p:spTree>
+      <p:nvGrpSpPr>
+        <p:cNvPr id="1" name=""/>
+        <p:cNvGrpSpPr/>
+        <p:nvPr/>
+      </p:nvGrpSpPr>
+      <p:grpSpPr>
+        <a:xfrm>
+          <a:off x="0" y="0"/>
+          <a:ext cx="0" cy="0"/>
+          <a:chOff x="0" y="0"/>
+          <a:chExt cx="0" cy="0"/>
+        </a:xfrm>
+      </p:grpSpPr>
+      <p:sp>
+        <p:nvSpPr>
+          <p:cNvPr id="2" name="제목 1"/>
+          <p:cNvSpPr>
+            <a:spLocks noGrp="1"/>
+          </p:cNvSpPr>
+          <p:nvPr>
+            <p:ph type="title"/>
+          </p:nvPr>
+        </p:nvSpPr>
+        <p:spPr>
+          <a:xfrm>
+            <a:off x="457200" y="-20538"/>
+            <a:ext cx="8229600" cy="720080"/>
+          </a:xfrm>
+        </p:spPr>
+        <p:txBody>
+          <a:bodyPr>
+            <a:normAutofit/>
+          </a:bodyPr>
+          <a:lstStyle/>
+          <a:p>
+            <a:r>
+              <a:rPr lang="en-US" altLang="ko-KR" sz="3600" dirty="0" err="1"/>
+              <a:t>OAuth</a:t>
+            </a:r>
+            <a:r>
+              <a:rPr lang="en-US" altLang="ko-KR" sz="3600" dirty="0"/>
+              <a:t> 2.0 Component</a:t>
+            </a:r>
+            <a:endParaRPr lang="ko-KR" altLang="en-US" sz="3600" dirty="0"/>
+          </a:p>
+        </p:txBody>
+      </p:sp>
+      <p:sp>
+        <p:nvSpPr>
+          <p:cNvPr id="3" name="사각형: 둥근 모서리 2">
+            <a:extLst>
+              <a:ext uri="{FF2B5EF4-FFF2-40B4-BE49-F238E27FC236}">
+                <a16:creationId xmlns:a16="http://schemas.microsoft.com/office/drawing/2014/main" id="{F682A8B3-51E9-4E66-93BF-AC13CF953E0F}"/>
+              </a:ext>
+            </a:extLst>
+          </p:cNvPr>
+          <p:cNvSpPr/>
+          <p:nvPr/>
+        </p:nvSpPr>
+        <p:spPr>
+          <a:xfrm>
+            <a:off x="971600" y="2497523"/>
+            <a:ext cx="1471598" cy="504056"/>
+          </a:xfrm>
+          <a:prstGeom prst="roundRect">
+            <a:avLst>
+              <a:gd name="adj" fmla="val 0"/>
+            </a:avLst>
+          </a:prstGeom>
+        </p:spPr>
+        <p:style>
+          <a:lnRef idx="2">
+            <a:schemeClr val="dk1"/>
+          </a:lnRef>
+          <a:fillRef idx="1">
+            <a:schemeClr val="lt1"/>
+          </a:fillRef>
+          <a:effectRef idx="0">
+            <a:schemeClr val="dk1"/>
+          </a:effectRef>
+          <a:fontRef idx="minor">
+            <a:schemeClr val="dk1"/>
+          </a:fontRef>
+        </p:style>
+        <p:txBody>
+          <a:bodyPr rtlCol="0" anchor="ctr"/>
+          <a:lstStyle/>
+          <a:p>
+            <a:pPr algn="ctr"/>
+            <a:r>
+              <a:rPr lang="en-US" altLang="ko-KR" sz="1200" dirty="0"/>
+              <a:t>User</a:t>
+            </a:r>
+          </a:p>
+        </p:txBody>
+      </p:sp>
+      <p:sp>
+        <p:nvSpPr>
+          <p:cNvPr id="20" name="사각형: 둥근 모서리 19">
+            <a:extLst>
+              <a:ext uri="{FF2B5EF4-FFF2-40B4-BE49-F238E27FC236}">
+                <a16:creationId xmlns:a16="http://schemas.microsoft.com/office/drawing/2014/main" id="{1E98CDC1-9222-4883-B10A-81B66E8DC4B0}"/>
+              </a:ext>
+            </a:extLst>
+          </p:cNvPr>
+          <p:cNvSpPr/>
+          <p:nvPr/>
+        </p:nvSpPr>
+        <p:spPr>
+          <a:xfrm>
+            <a:off x="3779912" y="2497523"/>
+            <a:ext cx="1471598" cy="504056"/>
+          </a:xfrm>
+          <a:prstGeom prst="roundRect">
+            <a:avLst>
+              <a:gd name="adj" fmla="val 0"/>
+            </a:avLst>
+          </a:prstGeom>
+        </p:spPr>
+        <p:style>
+          <a:lnRef idx="2">
+            <a:schemeClr val="dk1"/>
+          </a:lnRef>
+          <a:fillRef idx="1">
+            <a:schemeClr val="lt1"/>
+          </a:fillRef>
+          <a:effectRef idx="0">
+            <a:schemeClr val="dk1"/>
+          </a:effectRef>
+          <a:fontRef idx="minor">
+            <a:schemeClr val="dk1"/>
+          </a:fontRef>
+        </p:style>
+        <p:txBody>
+          <a:bodyPr rtlCol="0" anchor="ctr"/>
+          <a:lstStyle/>
+          <a:p>
+            <a:pPr algn="ctr"/>
+            <a:r>
+              <a:rPr lang="en-US" altLang="ko-KR" sz="1200" dirty="0"/>
+              <a:t>Application</a:t>
+            </a:r>
+          </a:p>
+        </p:txBody>
+      </p:sp>
+      <p:sp>
+        <p:nvSpPr>
+          <p:cNvPr id="22" name="사각형: 둥근 모서리 21">
+            <a:extLst>
+              <a:ext uri="{FF2B5EF4-FFF2-40B4-BE49-F238E27FC236}">
+                <a16:creationId xmlns:a16="http://schemas.microsoft.com/office/drawing/2014/main" id="{97A5B4CE-CBA4-48F1-B07F-646FF8B5033F}"/>
+              </a:ext>
+            </a:extLst>
+          </p:cNvPr>
+          <p:cNvSpPr/>
+          <p:nvPr/>
+        </p:nvSpPr>
+        <p:spPr>
+          <a:xfrm>
+            <a:off x="6556786" y="2499742"/>
+            <a:ext cx="1471598" cy="504056"/>
+          </a:xfrm>
+          <a:prstGeom prst="roundRect">
+            <a:avLst>
+              <a:gd name="adj" fmla="val 0"/>
+            </a:avLst>
+          </a:prstGeom>
+        </p:spPr>
+        <p:style>
+          <a:lnRef idx="2">
+            <a:schemeClr val="dk1"/>
+          </a:lnRef>
+          <a:fillRef idx="1">
+            <a:schemeClr val="lt1"/>
+          </a:fillRef>
+          <a:effectRef idx="0">
+            <a:schemeClr val="dk1"/>
+          </a:effectRef>
+          <a:fontRef idx="minor">
+            <a:schemeClr val="dk1"/>
+          </a:fontRef>
+        </p:style>
+        <p:txBody>
+          <a:bodyPr rtlCol="0" anchor="ctr"/>
+          <a:lstStyle/>
+          <a:p>
+            <a:pPr algn="ctr"/>
+            <a:r>
+              <a:rPr lang="en-US" altLang="ko-KR" sz="1200" dirty="0"/>
+              <a:t>Server</a:t>
+            </a:r>
+            <a:endParaRPr lang="ko-KR" altLang="en-US" sz="1200" dirty="0"/>
+          </a:p>
+        </p:txBody>
+      </p:sp>
+      <p:cxnSp>
+        <p:nvCxnSpPr>
+          <p:cNvPr id="54" name="직선 화살표 연결선 53">
+            <a:extLst>
+              <a:ext uri="{FF2B5EF4-FFF2-40B4-BE49-F238E27FC236}">
+                <a16:creationId xmlns:a16="http://schemas.microsoft.com/office/drawing/2014/main" id="{7DA70A64-B7A7-4AFC-BF95-321F5BF555B1}"/>
+              </a:ext>
+            </a:extLst>
+          </p:cNvPr>
+          <p:cNvCxnSpPr>
+            <a:stCxn id="3" idx="3"/>
+            <a:endCxn id="20" idx="1"/>
+          </p:cNvCxnSpPr>
+          <p:nvPr/>
+        </p:nvCxnSpPr>
+        <p:spPr>
+          <a:xfrm>
+            <a:off x="2443198" y="2749551"/>
+            <a:ext cx="1336714" cy="0"/>
+          </a:xfrm>
+          <a:prstGeom prst="straightConnector1">
+            <a:avLst/>
+          </a:prstGeom>
+          <a:ln w="19050">
+            <a:solidFill>
+              <a:schemeClr val="tx1"/>
+            </a:solidFill>
+            <a:headEnd type="none" w="med" len="med"/>
+            <a:tailEnd type="arrow" w="med" len="med"/>
+          </a:ln>
+        </p:spPr>
+        <p:style>
+          <a:lnRef idx="1">
+            <a:schemeClr val="accent1"/>
+          </a:lnRef>
+          <a:fillRef idx="0">
+            <a:schemeClr val="accent1"/>
+          </a:fillRef>
+          <a:effectRef idx="0">
+            <a:schemeClr val="accent1"/>
+          </a:effectRef>
+          <a:fontRef idx="minor">
+            <a:schemeClr val="tx1"/>
+          </a:fontRef>
+        </p:style>
+      </p:cxnSp>
+      <p:cxnSp>
+        <p:nvCxnSpPr>
+          <p:cNvPr id="73" name="직선 화살표 연결선 72">
+            <a:extLst>
+              <a:ext uri="{FF2B5EF4-FFF2-40B4-BE49-F238E27FC236}">
+                <a16:creationId xmlns:a16="http://schemas.microsoft.com/office/drawing/2014/main" id="{7DA70A64-B7A7-4AFC-BF95-321F5BF555B1}"/>
+              </a:ext>
+            </a:extLst>
+          </p:cNvPr>
+          <p:cNvCxnSpPr/>
+          <p:nvPr/>
+        </p:nvCxnSpPr>
+        <p:spPr>
+          <a:xfrm flipH="1" flipV="1">
+            <a:off x="5251510" y="2586558"/>
+            <a:ext cx="1305276" cy="2219"/>
+          </a:xfrm>
+          <a:prstGeom prst="straightConnector1">
+            <a:avLst/>
+          </a:prstGeom>
+          <a:ln w="19050">
+            <a:solidFill>
+              <a:schemeClr val="tx1"/>
+            </a:solidFill>
+            <a:headEnd type="arrow" w="med" len="med"/>
+            <a:tailEnd type="none" w="med" len="med"/>
+          </a:ln>
+        </p:spPr>
+        <p:style>
+          <a:lnRef idx="1">
+            <a:schemeClr val="accent1"/>
+          </a:lnRef>
+          <a:fillRef idx="0">
+            <a:schemeClr val="accent1"/>
+          </a:fillRef>
+          <a:effectRef idx="0">
+            <a:schemeClr val="accent1"/>
+          </a:effectRef>
+          <a:fontRef idx="minor">
+            <a:schemeClr val="tx1"/>
+          </a:fontRef>
+        </p:style>
+      </p:cxnSp>
+      <p:sp>
+        <p:nvSpPr>
+          <p:cNvPr id="18" name="TextBox 17">
+            <a:extLst>
+              <a:ext uri="{FF2B5EF4-FFF2-40B4-BE49-F238E27FC236}">
+                <a16:creationId xmlns:a16="http://schemas.microsoft.com/office/drawing/2014/main" id="{9207FD93-EFBF-47E4-A844-1B1F49D86DB7}"/>
+              </a:ext>
+            </a:extLst>
+          </p:cNvPr>
+          <p:cNvSpPr txBox="1"/>
+          <p:nvPr/>
+        </p:nvSpPr>
+        <p:spPr>
+          <a:xfrm>
+            <a:off x="2229461" y="2520938"/>
+            <a:ext cx="1764187" cy="230832"/>
+          </a:xfrm>
+          <a:prstGeom prst="rect">
+            <a:avLst/>
+          </a:prstGeom>
+          <a:noFill/>
+        </p:spPr>
+        <p:txBody>
+          <a:bodyPr wrap="square" rtlCol="0" anchor="ctr">
+            <a:spAutoFit/>
+          </a:bodyPr>
+          <a:lstStyle/>
+          <a:p>
+            <a:pPr algn="ctr"/>
+            <a:r>
+              <a:rPr lang="en-US" altLang="ko-KR" sz="900" dirty="0"/>
+              <a:t>1. Input ID/Password</a:t>
+            </a:r>
+            <a:endParaRPr lang="ko-KR" altLang="en-US" sz="900" dirty="0"/>
+          </a:p>
+        </p:txBody>
+      </p:sp>
+      <p:sp>
+        <p:nvSpPr>
+          <p:cNvPr id="23" name="TextBox 22">
+            <a:extLst>
+              <a:ext uri="{FF2B5EF4-FFF2-40B4-BE49-F238E27FC236}">
+                <a16:creationId xmlns:a16="http://schemas.microsoft.com/office/drawing/2014/main" id="{9207FD93-EFBF-47E4-A844-1B1F49D86DB7}"/>
+              </a:ext>
+            </a:extLst>
+          </p:cNvPr>
+          <p:cNvSpPr txBox="1"/>
+          <p:nvPr/>
+        </p:nvSpPr>
+        <p:spPr>
+          <a:xfrm>
+            <a:off x="5022054" y="2355726"/>
+            <a:ext cx="1764187" cy="230832"/>
+          </a:xfrm>
+          <a:prstGeom prst="rect">
+            <a:avLst/>
+          </a:prstGeom>
+          <a:noFill/>
+        </p:spPr>
+        <p:txBody>
+          <a:bodyPr wrap="square" rtlCol="0" anchor="ctr">
+            <a:spAutoFit/>
+          </a:bodyPr>
+          <a:lstStyle/>
+          <a:p>
+            <a:pPr algn="ctr"/>
+            <a:r>
+              <a:rPr lang="en-US" altLang="ko-KR" sz="900" dirty="0"/>
+              <a:t>2. Send ID/Password</a:t>
+            </a:r>
+            <a:endParaRPr lang="ko-KR" altLang="en-US" sz="900" dirty="0"/>
+          </a:p>
+        </p:txBody>
+      </p:sp>
+      <p:cxnSp>
+        <p:nvCxnSpPr>
+          <p:cNvPr id="24" name="직선 화살표 연결선 23">
+            <a:extLst>
+              <a:ext uri="{FF2B5EF4-FFF2-40B4-BE49-F238E27FC236}">
+                <a16:creationId xmlns:a16="http://schemas.microsoft.com/office/drawing/2014/main" id="{7DA70A64-B7A7-4AFC-BF95-321F5BF555B1}"/>
+              </a:ext>
+            </a:extLst>
+          </p:cNvPr>
+          <p:cNvCxnSpPr/>
+          <p:nvPr/>
+        </p:nvCxnSpPr>
+        <p:spPr>
+          <a:xfrm flipH="1" flipV="1">
+            <a:off x="5251510" y="2929571"/>
+            <a:ext cx="1305276" cy="2219"/>
+          </a:xfrm>
+          <a:prstGeom prst="straightConnector1">
+            <a:avLst/>
+          </a:prstGeom>
+          <a:ln w="19050">
+            <a:solidFill>
+              <a:schemeClr val="tx1"/>
+            </a:solidFill>
+            <a:headEnd type="none" w="med" len="med"/>
+            <a:tailEnd type="arrow" w="med" len="med"/>
+          </a:ln>
+        </p:spPr>
+        <p:style>
+          <a:lnRef idx="1">
+            <a:schemeClr val="accent1"/>
+          </a:lnRef>
+          <a:fillRef idx="0">
+            <a:schemeClr val="accent1"/>
+          </a:fillRef>
+          <a:effectRef idx="0">
+            <a:schemeClr val="accent1"/>
+          </a:effectRef>
+          <a:fontRef idx="minor">
+            <a:schemeClr val="tx1"/>
+          </a:fontRef>
+        </p:style>
+      </p:cxnSp>
+      <p:sp>
+        <p:nvSpPr>
+          <p:cNvPr id="25" name="TextBox 24">
+            <a:extLst>
+              <a:ext uri="{FF2B5EF4-FFF2-40B4-BE49-F238E27FC236}">
+                <a16:creationId xmlns:a16="http://schemas.microsoft.com/office/drawing/2014/main" id="{9207FD93-EFBF-47E4-A844-1B1F49D86DB7}"/>
+              </a:ext>
+            </a:extLst>
+          </p:cNvPr>
+          <p:cNvSpPr txBox="1"/>
+          <p:nvPr/>
+        </p:nvSpPr>
+        <p:spPr>
+          <a:xfrm>
+            <a:off x="5022054" y="2700415"/>
+            <a:ext cx="1764187" cy="230832"/>
+          </a:xfrm>
+          <a:prstGeom prst="rect">
+            <a:avLst/>
+          </a:prstGeom>
+          <a:noFill/>
+        </p:spPr>
+        <p:txBody>
+          <a:bodyPr wrap="square" rtlCol="0" anchor="ctr">
+            <a:spAutoFit/>
+          </a:bodyPr>
+          <a:lstStyle/>
+          <a:p>
+            <a:pPr algn="ctr"/>
+            <a:r>
+              <a:rPr lang="en-US" altLang="ko-KR" sz="900" dirty="0"/>
+              <a:t>3. Send Resource</a:t>
+            </a:r>
+            <a:endParaRPr lang="ko-KR" altLang="en-US" sz="900" dirty="0"/>
+          </a:p>
+        </p:txBody>
+      </p:sp>
+    </p:spTree>
+    <p:extLst>
+      <p:ext uri="{BB962C8B-B14F-4D97-AF65-F5344CB8AC3E}">
+        <p14:creationId xmlns:p14="http://schemas.microsoft.com/office/powerpoint/2010/main" val="3724696730"/>
       </p:ext>
     </p:extLst>
   </p:cSld>

--- a/images/theory_analysis/OAuth_2.0/OAuth_2.0.pptx
+++ b/images/theory_analysis/OAuth_2.0/OAuth_2.0.pptx
@@ -220,7 +220,7 @@
           <a:p>
             <a:fld id="{6CD5550B-26C4-49A9-A5BA-636EF7BE6CE9}" type="datetimeFigureOut">
               <a:rPr lang="ko-KR" altLang="en-US" smtClean="0"/>
-              <a:t>2021-04-10</a:t>
+              <a:t>2022-02-20</a:t>
             </a:fld>
             <a:endParaRPr lang="ko-KR" altLang="en-US"/>
           </a:p>
@@ -666,7 +666,7 @@
           <a:p>
             <a:fld id="{FB30EDBD-1C2D-4C1E-B459-B60219FAB484}" type="datetimeFigureOut">
               <a:rPr lang="ko-KR" altLang="en-US" smtClean="0"/>
-              <a:t>2021-04-10</a:t>
+              <a:t>2022-02-20</a:t>
             </a:fld>
             <a:endParaRPr lang="ko-KR" altLang="en-US"/>
           </a:p>
@@ -829,7 +829,7 @@
           <a:p>
             <a:fld id="{FB30EDBD-1C2D-4C1E-B459-B60219FAB484}" type="datetimeFigureOut">
               <a:rPr lang="ko-KR" altLang="en-US" smtClean="0"/>
-              <a:t>2021-04-10</a:t>
+              <a:t>2022-02-20</a:t>
             </a:fld>
             <a:endParaRPr lang="ko-KR" altLang="en-US"/>
           </a:p>
@@ -1002,7 +1002,7 @@
           <a:p>
             <a:fld id="{FB30EDBD-1C2D-4C1E-B459-B60219FAB484}" type="datetimeFigureOut">
               <a:rPr lang="ko-KR" altLang="en-US" smtClean="0"/>
-              <a:t>2021-04-10</a:t>
+              <a:t>2022-02-20</a:t>
             </a:fld>
             <a:endParaRPr lang="ko-KR" altLang="en-US"/>
           </a:p>
@@ -1165,7 +1165,7 @@
           <a:p>
             <a:fld id="{FB30EDBD-1C2D-4C1E-B459-B60219FAB484}" type="datetimeFigureOut">
               <a:rPr lang="ko-KR" altLang="en-US" smtClean="0"/>
-              <a:t>2021-04-10</a:t>
+              <a:t>2022-02-20</a:t>
             </a:fld>
             <a:endParaRPr lang="ko-KR" altLang="en-US"/>
           </a:p>
@@ -1405,7 +1405,7 @@
           <a:p>
             <a:fld id="{FB30EDBD-1C2D-4C1E-B459-B60219FAB484}" type="datetimeFigureOut">
               <a:rPr lang="ko-KR" altLang="en-US" smtClean="0"/>
-              <a:t>2021-04-10</a:t>
+              <a:t>2022-02-20</a:t>
             </a:fld>
             <a:endParaRPr lang="ko-KR" altLang="en-US"/>
           </a:p>
@@ -1685,7 +1685,7 @@
           <a:p>
             <a:fld id="{FB30EDBD-1C2D-4C1E-B459-B60219FAB484}" type="datetimeFigureOut">
               <a:rPr lang="ko-KR" altLang="en-US" smtClean="0"/>
-              <a:t>2021-04-10</a:t>
+              <a:t>2022-02-20</a:t>
             </a:fld>
             <a:endParaRPr lang="ko-KR" altLang="en-US"/>
           </a:p>
@@ -2099,7 +2099,7 @@
           <a:p>
             <a:fld id="{FB30EDBD-1C2D-4C1E-B459-B60219FAB484}" type="datetimeFigureOut">
               <a:rPr lang="ko-KR" altLang="en-US" smtClean="0"/>
-              <a:t>2021-04-10</a:t>
+              <a:t>2022-02-20</a:t>
             </a:fld>
             <a:endParaRPr lang="ko-KR" altLang="en-US"/>
           </a:p>
@@ -2211,7 +2211,7 @@
           <a:p>
             <a:fld id="{FB30EDBD-1C2D-4C1E-B459-B60219FAB484}" type="datetimeFigureOut">
               <a:rPr lang="ko-KR" altLang="en-US" smtClean="0"/>
-              <a:t>2021-04-10</a:t>
+              <a:t>2022-02-20</a:t>
             </a:fld>
             <a:endParaRPr lang="ko-KR" altLang="en-US"/>
           </a:p>
@@ -2301,7 +2301,7 @@
           <a:p>
             <a:fld id="{FB30EDBD-1C2D-4C1E-B459-B60219FAB484}" type="datetimeFigureOut">
               <a:rPr lang="ko-KR" altLang="en-US" smtClean="0"/>
-              <a:t>2021-04-10</a:t>
+              <a:t>2022-02-20</a:t>
             </a:fld>
             <a:endParaRPr lang="ko-KR" altLang="en-US"/>
           </a:p>
@@ -2571,7 +2571,7 @@
           <a:p>
             <a:fld id="{FB30EDBD-1C2D-4C1E-B459-B60219FAB484}" type="datetimeFigureOut">
               <a:rPr lang="ko-KR" altLang="en-US" smtClean="0"/>
-              <a:t>2021-04-10</a:t>
+              <a:t>2022-02-20</a:t>
             </a:fld>
             <a:endParaRPr lang="ko-KR" altLang="en-US"/>
           </a:p>
@@ -2818,7 +2818,7 @@
           <a:p>
             <a:fld id="{FB30EDBD-1C2D-4C1E-B459-B60219FAB484}" type="datetimeFigureOut">
               <a:rPr lang="ko-KR" altLang="en-US" smtClean="0"/>
-              <a:t>2021-04-10</a:t>
+              <a:t>2022-02-20</a:t>
             </a:fld>
             <a:endParaRPr lang="ko-KR" altLang="en-US"/>
           </a:p>
@@ -3024,7 +3024,7 @@
           <a:p>
             <a:fld id="{FB30EDBD-1C2D-4C1E-B459-B60219FAB484}" type="datetimeFigureOut">
               <a:rPr lang="ko-KR" altLang="en-US" smtClean="0"/>
-              <a:t>2021-04-10</a:t>
+              <a:t>2022-02-20</a:t>
             </a:fld>
             <a:endParaRPr lang="ko-KR" altLang="en-US"/>
           </a:p>
@@ -5308,10 +5308,10 @@
         </p:nvGrpSpPr>
         <p:grpSpPr>
           <a:xfrm>
-            <a:off x="2864081" y="1641996"/>
-            <a:ext cx="1764197" cy="369332"/>
-            <a:chOff x="1099896" y="932508"/>
-            <a:chExt cx="1764197" cy="369332"/>
+            <a:off x="2751517" y="1641996"/>
+            <a:ext cx="1989316" cy="369332"/>
+            <a:chOff x="987332" y="932508"/>
+            <a:chExt cx="1989316" cy="369332"/>
           </a:xfrm>
         </p:grpSpPr>
         <p:cxnSp>
@@ -5371,8 +5371,8 @@
           </p:nvSpPr>
           <p:spPr>
             <a:xfrm>
-              <a:off x="1099896" y="932508"/>
-              <a:ext cx="1764187" cy="369332"/>
+              <a:off x="987332" y="932508"/>
+              <a:ext cx="1989316" cy="369332"/>
             </a:xfrm>
             <a:prstGeom prst="rect">
               <a:avLst/>
@@ -5392,15 +5392,15 @@
               </a:r>
               <a:r>
                 <a:rPr lang="en-US" altLang="ko-KR" sz="900" b="1"/>
-                <a:t>Scope </a:t>
+                <a:t>Client ID,</a:t>
               </a:r>
               <a:r>
                 <a:rPr lang="en-US" altLang="ko-KR" sz="900"/>
-                <a:t>and</a:t>
+                <a:t> </a:t>
               </a:r>
               <a:r>
                 <a:rPr lang="en-US" altLang="ko-KR" sz="900" b="1"/>
-                <a:t> App URL</a:t>
+                <a:t>Scope, App URL</a:t>
               </a:r>
               <a:endParaRPr lang="ko-KR" altLang="en-US" sz="900" b="1"/>
             </a:p>
@@ -5501,7 +5501,7 @@
               <a:pPr algn="ctr"/>
               <a:r>
                 <a:rPr lang="en-US" altLang="ko-KR" sz="900"/>
-                <a:t>4. Goto Auth Server with Scope and App URL</a:t>
+                <a:t>4. Goto Auth Server with Client ID, Scope, App URL</a:t>
               </a:r>
               <a:endParaRPr lang="ko-KR" altLang="en-US" sz="900"/>
             </a:p>
@@ -6132,10 +6132,10 @@
         </p:nvGrpSpPr>
         <p:grpSpPr>
           <a:xfrm>
-            <a:off x="4629226" y="4128418"/>
-            <a:ext cx="1764197" cy="230832"/>
-            <a:chOff x="1099896" y="1044774"/>
-            <a:chExt cx="1764197" cy="230832"/>
+            <a:off x="4506577" y="3988764"/>
+            <a:ext cx="2009486" cy="370486"/>
+            <a:chOff x="977247" y="905120"/>
+            <a:chExt cx="2009486" cy="370486"/>
           </a:xfrm>
         </p:grpSpPr>
         <p:cxnSp>
@@ -6195,8 +6195,8 @@
           </p:nvSpPr>
           <p:spPr>
             <a:xfrm>
-              <a:off x="1099896" y="1044774"/>
-              <a:ext cx="1764187" cy="230832"/>
+              <a:off x="977247" y="905120"/>
+              <a:ext cx="2009486" cy="369332"/>
             </a:xfrm>
             <a:prstGeom prst="rect">
               <a:avLst/>
@@ -6212,7 +6212,7 @@
               <a:pPr algn="ctr"/>
               <a:r>
                 <a:rPr lang="en-US" altLang="ko-KR" sz="900"/>
-                <a:t>11. Send Authorization Code</a:t>
+                <a:t>11. Send Authorization Code, Client ID, Client Secret</a:t>
               </a:r>
               <a:endParaRPr lang="ko-KR" altLang="en-US" sz="900"/>
             </a:p>
@@ -7895,7 +7895,7 @@
         </p:nvSpPr>
         <p:spPr>
           <a:xfrm>
-            <a:off x="457200" y="-20538"/>
+            <a:off x="457200" y="-92546"/>
             <a:ext cx="8229600" cy="720080"/>
           </a:xfrm>
         </p:spPr>
@@ -7927,7 +7927,7 @@
         </p:nvSpPr>
         <p:spPr>
           <a:xfrm>
-            <a:off x="508114" y="627534"/>
+            <a:off x="508114" y="555526"/>
             <a:ext cx="1183566" cy="360040"/>
           </a:xfrm>
           <a:prstGeom prst="roundRect">
@@ -7984,7 +7984,7 @@
         </p:nvSpPr>
         <p:spPr>
           <a:xfrm>
-            <a:off x="2272310" y="627534"/>
+            <a:off x="2272310" y="555526"/>
             <a:ext cx="1183566" cy="360040"/>
           </a:xfrm>
           <a:prstGeom prst="roundRect">
@@ -8041,7 +8041,7 @@
         </p:nvSpPr>
         <p:spPr>
           <a:xfrm>
-            <a:off x="4036506" y="627534"/>
+            <a:off x="4036506" y="555526"/>
             <a:ext cx="1183566" cy="360040"/>
           </a:xfrm>
           <a:prstGeom prst="roundRect">
@@ -8098,7 +8098,7 @@
         </p:nvSpPr>
         <p:spPr>
           <a:xfrm>
-            <a:off x="5800702" y="627534"/>
+            <a:off x="5800702" y="555526"/>
             <a:ext cx="1183566" cy="360040"/>
           </a:xfrm>
           <a:prstGeom prst="roundRect">
@@ -8155,7 +8155,7 @@
         </p:nvSpPr>
         <p:spPr>
           <a:xfrm>
-            <a:off x="7564898" y="627534"/>
+            <a:off x="7564898" y="555526"/>
             <a:ext cx="1183566" cy="360040"/>
           </a:xfrm>
           <a:prstGeom prst="roundRect">
@@ -8215,8 +8215,8 @@
         </p:nvCxnSpPr>
         <p:spPr>
           <a:xfrm>
-            <a:off x="1099897" y="987574"/>
-            <a:ext cx="0" cy="4104456"/>
+            <a:off x="1099897" y="915566"/>
+            <a:ext cx="0" cy="4155926"/>
           </a:xfrm>
           <a:prstGeom prst="line">
             <a:avLst/>
@@ -8258,9 +8258,9 @@
           <p:nvPr/>
         </p:nvCxnSpPr>
         <p:spPr>
-          <a:xfrm>
-            <a:off x="2864093" y="987574"/>
-            <a:ext cx="0" cy="4104456"/>
+          <a:xfrm flipH="1">
+            <a:off x="2860520" y="915566"/>
+            <a:ext cx="3573" cy="4155926"/>
           </a:xfrm>
           <a:prstGeom prst="line">
             <a:avLst/>
@@ -8303,8 +8303,8 @@
         </p:nvCxnSpPr>
         <p:spPr>
           <a:xfrm>
-            <a:off x="4628289" y="987574"/>
-            <a:ext cx="0" cy="4104456"/>
+            <a:off x="4628289" y="915566"/>
+            <a:ext cx="0" cy="4155926"/>
           </a:xfrm>
           <a:prstGeom prst="line">
             <a:avLst/>
@@ -8347,8 +8347,8 @@
         </p:nvCxnSpPr>
         <p:spPr>
           <a:xfrm>
-            <a:off x="6392485" y="987574"/>
-            <a:ext cx="0" cy="4104456"/>
+            <a:off x="6392485" y="915566"/>
+            <a:ext cx="0" cy="4155926"/>
           </a:xfrm>
           <a:prstGeom prst="line">
             <a:avLst/>
@@ -8391,8 +8391,8 @@
         </p:nvCxnSpPr>
         <p:spPr>
           <a:xfrm>
-            <a:off x="8156681" y="987574"/>
-            <a:ext cx="0" cy="4104456"/>
+            <a:off x="8156681" y="915566"/>
+            <a:ext cx="0" cy="4155926"/>
           </a:xfrm>
           <a:prstGeom prst="line">
             <a:avLst/>
@@ -8432,7 +8432,7 @@
         </p:nvGrpSpPr>
         <p:grpSpPr>
           <a:xfrm>
-            <a:off x="1099896" y="1044774"/>
+            <a:off x="1099896" y="972766"/>
             <a:ext cx="1764197" cy="230832"/>
             <a:chOff x="1099896" y="1044774"/>
             <a:chExt cx="1764197" cy="230832"/>
@@ -8533,7 +8533,7 @@
         </p:nvGrpSpPr>
         <p:grpSpPr>
           <a:xfrm>
-            <a:off x="2864081" y="1275606"/>
+            <a:off x="2864081" y="1203598"/>
             <a:ext cx="1764197" cy="230832"/>
             <a:chOff x="1099896" y="1044774"/>
             <a:chExt cx="1764197" cy="230832"/>
@@ -8634,7 +8634,7 @@
         </p:nvGrpSpPr>
         <p:grpSpPr>
           <a:xfrm flipH="1">
-            <a:off x="4628278" y="1491630"/>
+            <a:off x="4628278" y="1419622"/>
             <a:ext cx="3528038" cy="230832"/>
             <a:chOff x="1099896" y="1044774"/>
             <a:chExt cx="1764197" cy="230832"/>
@@ -8735,7 +8735,7 @@
         </p:nvGrpSpPr>
         <p:grpSpPr>
           <a:xfrm>
-            <a:off x="4624635" y="2397686"/>
+            <a:off x="4624635" y="2325678"/>
             <a:ext cx="3528037" cy="230832"/>
             <a:chOff x="1099896" y="1044774"/>
             <a:chExt cx="1764197" cy="230832"/>
@@ -8844,10 +8844,10 @@
         </p:nvGrpSpPr>
         <p:grpSpPr>
           <a:xfrm flipH="1">
-            <a:off x="4628278" y="2700958"/>
-            <a:ext cx="1764393" cy="230832"/>
-            <a:chOff x="1099896" y="1044774"/>
-            <a:chExt cx="1764197" cy="230832"/>
+            <a:off x="4628278" y="2586039"/>
+            <a:ext cx="1764393" cy="369332"/>
+            <a:chOff x="1099896" y="916001"/>
+            <a:chExt cx="1764197" cy="369332"/>
           </a:xfrm>
         </p:grpSpPr>
         <p:cxnSp>
@@ -8907,8 +8907,8 @@
           </p:nvSpPr>
           <p:spPr>
             <a:xfrm>
-              <a:off x="1099896" y="1044774"/>
-              <a:ext cx="1764187" cy="230832"/>
+              <a:off x="1099896" y="916001"/>
+              <a:ext cx="1764187" cy="369332"/>
             </a:xfrm>
             <a:prstGeom prst="rect">
               <a:avLst/>
@@ -8924,11 +8924,22 @@
               <a:pPr algn="ctr"/>
               <a:r>
                 <a:rPr lang="en-US" altLang="ko-KR" sz="900" dirty="0"/>
-                <a:t>7. Send </a:t>
+                <a:t>7. </a:t>
               </a:r>
               <a:r>
-                <a:rPr lang="en-US" altLang="ko-KR" sz="900" b="1" dirty="0"/>
-                <a:t>Refresh Token </a:t>
+                <a:rPr lang="en-US" altLang="ko-KR" sz="900"/>
+                <a:t>Send </a:t>
+              </a:r>
+              <a:r>
+                <a:rPr lang="en-US" altLang="ko-KR" sz="900" b="1"/>
+                <a:t>Client ID, </a:t>
+              </a:r>
+              <a:br>
+                <a:rPr lang="en-US" altLang="ko-KR" sz="900" b="1"/>
+              </a:br>
+              <a:r>
+                <a:rPr lang="en-US" altLang="ko-KR" sz="900" b="1"/>
+                <a:t>Client Secret, Refresh Token </a:t>
               </a:r>
               <a:endParaRPr lang="ko-KR" altLang="en-US" sz="900" b="1" dirty="0"/>
             </a:p>
@@ -8949,7 +8960,7 @@
         </p:nvGrpSpPr>
         <p:grpSpPr>
           <a:xfrm>
-            <a:off x="4624615" y="3003798"/>
+            <a:off x="4624615" y="3017652"/>
             <a:ext cx="1771267" cy="230832"/>
             <a:chOff x="1099896" y="1044774"/>
             <a:chExt cx="1764197" cy="230832"/>
@@ -9054,7 +9065,7 @@
         </p:nvGrpSpPr>
         <p:grpSpPr>
           <a:xfrm flipH="1">
-            <a:off x="4631843" y="3291830"/>
+            <a:off x="4631843" y="3305684"/>
             <a:ext cx="3528038" cy="230832"/>
             <a:chOff x="1099896" y="1044774"/>
             <a:chExt cx="1764197" cy="230832"/>
@@ -9155,7 +9166,7 @@
         </p:nvGrpSpPr>
         <p:grpSpPr>
           <a:xfrm>
-            <a:off x="4631843" y="4205506"/>
+            <a:off x="4631843" y="4219360"/>
             <a:ext cx="3528037" cy="230832"/>
             <a:chOff x="1099896" y="1044774"/>
             <a:chExt cx="1764197" cy="230832"/>
@@ -9256,7 +9267,7 @@
         </p:nvGrpSpPr>
         <p:grpSpPr>
           <a:xfrm>
-            <a:off x="2860520" y="4501158"/>
+            <a:off x="2860520" y="4515012"/>
             <a:ext cx="1761544" cy="230832"/>
             <a:chOff x="1099896" y="1044774"/>
             <a:chExt cx="1764197" cy="230832"/>
@@ -9357,7 +9368,7 @@
         </p:nvGrpSpPr>
         <p:grpSpPr>
           <a:xfrm>
-            <a:off x="1100487" y="4789190"/>
+            <a:off x="1100487" y="4803044"/>
             <a:ext cx="1761544" cy="230832"/>
             <a:chOff x="1099896" y="1044774"/>
             <a:chExt cx="1764197" cy="230832"/>
@@ -9466,7 +9477,7 @@
         </p:nvGrpSpPr>
         <p:grpSpPr>
           <a:xfrm flipH="1">
-            <a:off x="6395872" y="1779662"/>
+            <a:off x="6395872" y="1707654"/>
             <a:ext cx="1764020" cy="230832"/>
             <a:chOff x="1099896" y="1044774"/>
             <a:chExt cx="1764197" cy="230832"/>
@@ -9567,7 +9578,7 @@
         </p:nvGrpSpPr>
         <p:grpSpPr>
           <a:xfrm flipH="1">
-            <a:off x="6392661" y="2090554"/>
+            <a:off x="6392661" y="2018546"/>
             <a:ext cx="1764020" cy="230832"/>
             <a:chOff x="1099896" y="1044774"/>
             <a:chExt cx="1764197" cy="230832"/>
@@ -9668,7 +9679,7 @@
         </p:nvGrpSpPr>
         <p:grpSpPr>
           <a:xfrm flipH="1">
-            <a:off x="6395872" y="3579862"/>
+            <a:off x="6395872" y="3593716"/>
             <a:ext cx="1764020" cy="230832"/>
             <a:chOff x="1099896" y="1044774"/>
             <a:chExt cx="1764197" cy="230832"/>
@@ -9769,7 +9780,7 @@
         </p:nvGrpSpPr>
         <p:grpSpPr>
           <a:xfrm flipH="1">
-            <a:off x="6392661" y="3890754"/>
+            <a:off x="6392661" y="3904608"/>
             <a:ext cx="1764020" cy="230832"/>
             <a:chOff x="1099896" y="1044774"/>
             <a:chExt cx="1764197" cy="230832"/>

--- a/images/theory_analysis/OAuth_2.0/OAuth_2.0.pptx
+++ b/images/theory_analysis/OAuth_2.0/OAuth_2.0.pptx
@@ -5,7 +5,7 @@
     <p:sldMasterId id="2147483648" r:id="rId1"/>
   </p:sldMasterIdLst>
   <p:notesMasterIdLst>
-    <p:notesMasterId r:id="rId10"/>
+    <p:notesMasterId r:id="rId11"/>
   </p:notesMasterIdLst>
   <p:sldIdLst>
     <p:sldId id="369" r:id="rId2"/>
@@ -15,7 +15,8 @@
     <p:sldId id="365" r:id="rId6"/>
     <p:sldId id="367" r:id="rId7"/>
     <p:sldId id="372" r:id="rId8"/>
-    <p:sldId id="371" r:id="rId9"/>
+    <p:sldId id="373" r:id="rId9"/>
+    <p:sldId id="371" r:id="rId10"/>
   </p:sldIdLst>
   <p:sldSz cx="9144000" cy="5143500" type="screen16x9"/>
   <p:notesSz cx="6858000" cy="9144000"/>
@@ -220,7 +221,7 @@
           <a:p>
             <a:fld id="{6CD5550B-26C4-49A9-A5BA-636EF7BE6CE9}" type="datetimeFigureOut">
               <a:rPr lang="ko-KR" altLang="en-US" smtClean="0"/>
-              <a:t>2022-02-20</a:t>
+              <a:t>2022-02-26</a:t>
             </a:fld>
             <a:endParaRPr lang="ko-KR" altLang="en-US"/>
           </a:p>
@@ -666,7 +667,7 @@
           <a:p>
             <a:fld id="{FB30EDBD-1C2D-4C1E-B459-B60219FAB484}" type="datetimeFigureOut">
               <a:rPr lang="ko-KR" altLang="en-US" smtClean="0"/>
-              <a:t>2022-02-20</a:t>
+              <a:t>2022-02-26</a:t>
             </a:fld>
             <a:endParaRPr lang="ko-KR" altLang="en-US"/>
           </a:p>
@@ -829,7 +830,7 @@
           <a:p>
             <a:fld id="{FB30EDBD-1C2D-4C1E-B459-B60219FAB484}" type="datetimeFigureOut">
               <a:rPr lang="ko-KR" altLang="en-US" smtClean="0"/>
-              <a:t>2022-02-20</a:t>
+              <a:t>2022-02-26</a:t>
             </a:fld>
             <a:endParaRPr lang="ko-KR" altLang="en-US"/>
           </a:p>
@@ -1002,7 +1003,7 @@
           <a:p>
             <a:fld id="{FB30EDBD-1C2D-4C1E-B459-B60219FAB484}" type="datetimeFigureOut">
               <a:rPr lang="ko-KR" altLang="en-US" smtClean="0"/>
-              <a:t>2022-02-20</a:t>
+              <a:t>2022-02-26</a:t>
             </a:fld>
             <a:endParaRPr lang="ko-KR" altLang="en-US"/>
           </a:p>
@@ -1165,7 +1166,7 @@
           <a:p>
             <a:fld id="{FB30EDBD-1C2D-4C1E-B459-B60219FAB484}" type="datetimeFigureOut">
               <a:rPr lang="ko-KR" altLang="en-US" smtClean="0"/>
-              <a:t>2022-02-20</a:t>
+              <a:t>2022-02-26</a:t>
             </a:fld>
             <a:endParaRPr lang="ko-KR" altLang="en-US"/>
           </a:p>
@@ -1405,7 +1406,7 @@
           <a:p>
             <a:fld id="{FB30EDBD-1C2D-4C1E-B459-B60219FAB484}" type="datetimeFigureOut">
               <a:rPr lang="ko-KR" altLang="en-US" smtClean="0"/>
-              <a:t>2022-02-20</a:t>
+              <a:t>2022-02-26</a:t>
             </a:fld>
             <a:endParaRPr lang="ko-KR" altLang="en-US"/>
           </a:p>
@@ -1685,7 +1686,7 @@
           <a:p>
             <a:fld id="{FB30EDBD-1C2D-4C1E-B459-B60219FAB484}" type="datetimeFigureOut">
               <a:rPr lang="ko-KR" altLang="en-US" smtClean="0"/>
-              <a:t>2022-02-20</a:t>
+              <a:t>2022-02-26</a:t>
             </a:fld>
             <a:endParaRPr lang="ko-KR" altLang="en-US"/>
           </a:p>
@@ -2099,7 +2100,7 @@
           <a:p>
             <a:fld id="{FB30EDBD-1C2D-4C1E-B459-B60219FAB484}" type="datetimeFigureOut">
               <a:rPr lang="ko-KR" altLang="en-US" smtClean="0"/>
-              <a:t>2022-02-20</a:t>
+              <a:t>2022-02-26</a:t>
             </a:fld>
             <a:endParaRPr lang="ko-KR" altLang="en-US"/>
           </a:p>
@@ -2211,7 +2212,7 @@
           <a:p>
             <a:fld id="{FB30EDBD-1C2D-4C1E-B459-B60219FAB484}" type="datetimeFigureOut">
               <a:rPr lang="ko-KR" altLang="en-US" smtClean="0"/>
-              <a:t>2022-02-20</a:t>
+              <a:t>2022-02-26</a:t>
             </a:fld>
             <a:endParaRPr lang="ko-KR" altLang="en-US"/>
           </a:p>
@@ -2301,7 +2302,7 @@
           <a:p>
             <a:fld id="{FB30EDBD-1C2D-4C1E-B459-B60219FAB484}" type="datetimeFigureOut">
               <a:rPr lang="ko-KR" altLang="en-US" smtClean="0"/>
-              <a:t>2022-02-20</a:t>
+              <a:t>2022-02-26</a:t>
             </a:fld>
             <a:endParaRPr lang="ko-KR" altLang="en-US"/>
           </a:p>
@@ -2571,7 +2572,7 @@
           <a:p>
             <a:fld id="{FB30EDBD-1C2D-4C1E-B459-B60219FAB484}" type="datetimeFigureOut">
               <a:rPr lang="ko-KR" altLang="en-US" smtClean="0"/>
-              <a:t>2022-02-20</a:t>
+              <a:t>2022-02-26</a:t>
             </a:fld>
             <a:endParaRPr lang="ko-KR" altLang="en-US"/>
           </a:p>
@@ -2818,7 +2819,7 @@
           <a:p>
             <a:fld id="{FB30EDBD-1C2D-4C1E-B459-B60219FAB484}" type="datetimeFigureOut">
               <a:rPr lang="ko-KR" altLang="en-US" smtClean="0"/>
-              <a:t>2022-02-20</a:t>
+              <a:t>2022-02-26</a:t>
             </a:fld>
             <a:endParaRPr lang="ko-KR" altLang="en-US"/>
           </a:p>
@@ -3024,7 +3025,7 @@
           <a:p>
             <a:fld id="{FB30EDBD-1C2D-4C1E-B459-B60219FAB484}" type="datetimeFigureOut">
               <a:rPr lang="ko-KR" altLang="en-US" smtClean="0"/>
-              <a:t>2022-02-20</a:t>
+              <a:t>2022-02-26</a:t>
             </a:fld>
             <a:endParaRPr lang="ko-KR" altLang="en-US"/>
           </a:p>
@@ -5400,9 +5401,8 @@
               </a:r>
               <a:r>
                 <a:rPr lang="en-US" altLang="ko-KR" sz="900" b="1"/>
-                <a:t>Scope, App URL</a:t>
+                <a:t>Scope, Return URL</a:t>
               </a:r>
-              <a:endParaRPr lang="ko-KR" altLang="en-US" sz="900" b="1"/>
             </a:p>
           </p:txBody>
         </p:sp>
@@ -5501,7 +5501,7 @@
               <a:pPr algn="ctr"/>
               <a:r>
                 <a:rPr lang="en-US" altLang="ko-KR" sz="900"/>
-                <a:t>4. Goto Auth Server with Client ID, Scope, App URL</a:t>
+                <a:t>4. Goto Auth Server with Client ID, Scope, Return URL</a:t>
               </a:r>
               <a:endParaRPr lang="ko-KR" altLang="en-US" sz="900"/>
             </a:p>
@@ -6111,7 +6111,7 @@
               <a:pPr algn="ctr"/>
               <a:r>
                 <a:rPr lang="en-US" altLang="ko-KR" sz="900"/>
-                <a:t>10. Goto to App with Authorization Code</a:t>
+                <a:t>10. Return to App with Authorization Code</a:t>
               </a:r>
               <a:endParaRPr lang="ko-KR" altLang="en-US" sz="900"/>
             </a:p>
@@ -7224,7 +7224,7 @@
               <a:pPr algn="ctr"/>
               <a:r>
                 <a:rPr lang="en-US" altLang="ko-KR" sz="900"/>
-                <a:t>2. Goto Auth URL</a:t>
+                <a:t>2. Goto URL</a:t>
               </a:r>
               <a:endParaRPr lang="ko-KR" altLang="en-US" sz="900"/>
             </a:p>
@@ -9911,6 +9911,1811 @@
 </file>
 
 <file path=ppt/slides/slide8.xml><?xml version="1.0" encoding="utf-8"?>
+<p:sld xmlns:a="http://schemas.openxmlformats.org/drawingml/2006/main" xmlns:r="http://schemas.openxmlformats.org/officeDocument/2006/relationships" xmlns:p="http://schemas.openxmlformats.org/presentationml/2006/main">
+  <p:cSld>
+    <p:spTree>
+      <p:nvGrpSpPr>
+        <p:cNvPr id="1" name=""/>
+        <p:cNvGrpSpPr/>
+        <p:nvPr/>
+      </p:nvGrpSpPr>
+      <p:grpSpPr>
+        <a:xfrm>
+          <a:off x="0" y="0"/>
+          <a:ext cx="0" cy="0"/>
+          <a:chOff x="0" y="0"/>
+          <a:chExt cx="0" cy="0"/>
+        </a:xfrm>
+      </p:grpSpPr>
+      <p:sp>
+        <p:nvSpPr>
+          <p:cNvPr id="2" name="제목 1"/>
+          <p:cNvSpPr>
+            <a:spLocks noGrp="1"/>
+          </p:cNvSpPr>
+          <p:nvPr>
+            <p:ph type="title"/>
+          </p:nvPr>
+        </p:nvSpPr>
+        <p:spPr>
+          <a:xfrm>
+            <a:off x="457200" y="-20538"/>
+            <a:ext cx="8229600" cy="720080"/>
+          </a:xfrm>
+        </p:spPr>
+        <p:txBody>
+          <a:bodyPr>
+            <a:normAutofit/>
+          </a:bodyPr>
+          <a:lstStyle/>
+          <a:p>
+            <a:r>
+              <a:rPr lang="en-US" altLang="ko-KR" sz="3600"/>
+              <a:t>OAuth 2.0 Flow - Access Token</a:t>
+            </a:r>
+            <a:endParaRPr lang="ko-KR" altLang="en-US" sz="3600" dirty="0"/>
+          </a:p>
+        </p:txBody>
+      </p:sp>
+      <p:sp>
+        <p:nvSpPr>
+          <p:cNvPr id="3" name="사각형: 둥근 모서리 2">
+            <a:extLst>
+              <a:ext uri="{FF2B5EF4-FFF2-40B4-BE49-F238E27FC236}">
+                <a16:creationId xmlns:a16="http://schemas.microsoft.com/office/drawing/2014/main" id="{F682A8B3-51E9-4E66-93BF-AC13CF953E0F}"/>
+              </a:ext>
+            </a:extLst>
+          </p:cNvPr>
+          <p:cNvSpPr/>
+          <p:nvPr/>
+        </p:nvSpPr>
+        <p:spPr>
+          <a:xfrm>
+            <a:off x="508114" y="771550"/>
+            <a:ext cx="1183566" cy="360040"/>
+          </a:xfrm>
+          <a:prstGeom prst="roundRect">
+            <a:avLst>
+              <a:gd name="adj" fmla="val 0"/>
+            </a:avLst>
+          </a:prstGeom>
+        </p:spPr>
+        <p:style>
+          <a:lnRef idx="2">
+            <a:schemeClr val="dk1"/>
+          </a:lnRef>
+          <a:fillRef idx="1">
+            <a:schemeClr val="lt1"/>
+          </a:fillRef>
+          <a:effectRef idx="0">
+            <a:schemeClr val="dk1"/>
+          </a:effectRef>
+          <a:fontRef idx="minor">
+            <a:schemeClr val="dk1"/>
+          </a:fontRef>
+        </p:style>
+        <p:txBody>
+          <a:bodyPr rtlCol="0" anchor="ctr"/>
+          <a:lstStyle/>
+          <a:p>
+            <a:pPr algn="ctr"/>
+            <a:r>
+              <a:rPr lang="en-US" altLang="ko-KR" sz="1000"/>
+              <a:t>User</a:t>
+            </a:r>
+          </a:p>
+          <a:p>
+            <a:pPr algn="ctr"/>
+            <a:r>
+              <a:rPr lang="en-US" altLang="ko-KR" sz="1000"/>
+              <a:t>(Resource Owner)</a:t>
+            </a:r>
+            <a:endParaRPr lang="ko-KR" altLang="en-US" sz="1000"/>
+          </a:p>
+        </p:txBody>
+      </p:sp>
+      <p:sp>
+        <p:nvSpPr>
+          <p:cNvPr id="19" name="사각형: 둥근 모서리 18">
+            <a:extLst>
+              <a:ext uri="{FF2B5EF4-FFF2-40B4-BE49-F238E27FC236}">
+                <a16:creationId xmlns:a16="http://schemas.microsoft.com/office/drawing/2014/main" id="{0E51AB21-06DD-4D1C-881B-AB9AF29BE15E}"/>
+              </a:ext>
+            </a:extLst>
+          </p:cNvPr>
+          <p:cNvSpPr/>
+          <p:nvPr/>
+        </p:nvSpPr>
+        <p:spPr>
+          <a:xfrm>
+            <a:off x="2272310" y="771550"/>
+            <a:ext cx="1183566" cy="360040"/>
+          </a:xfrm>
+          <a:prstGeom prst="roundRect">
+            <a:avLst>
+              <a:gd name="adj" fmla="val 0"/>
+            </a:avLst>
+          </a:prstGeom>
+        </p:spPr>
+        <p:style>
+          <a:lnRef idx="2">
+            <a:schemeClr val="dk1"/>
+          </a:lnRef>
+          <a:fillRef idx="1">
+            <a:schemeClr val="lt1"/>
+          </a:fillRef>
+          <a:effectRef idx="0">
+            <a:schemeClr val="dk1"/>
+          </a:effectRef>
+          <a:fontRef idx="minor">
+            <a:schemeClr val="dk1"/>
+          </a:fontRef>
+        </p:style>
+        <p:txBody>
+          <a:bodyPr rtlCol="0" anchor="ctr"/>
+          <a:lstStyle/>
+          <a:p>
+            <a:pPr algn="ctr"/>
+            <a:r>
+              <a:rPr lang="en-US" altLang="ko-KR" sz="1000"/>
+              <a:t>User Agent</a:t>
+            </a:r>
+          </a:p>
+          <a:p>
+            <a:pPr algn="ctr"/>
+            <a:r>
+              <a:rPr lang="en-US" altLang="ko-KR" sz="1000"/>
+              <a:t>(Web Browser)</a:t>
+            </a:r>
+            <a:endParaRPr lang="ko-KR" altLang="en-US" sz="1000"/>
+          </a:p>
+        </p:txBody>
+      </p:sp>
+      <p:sp>
+        <p:nvSpPr>
+          <p:cNvPr id="20" name="사각형: 둥근 모서리 19">
+            <a:extLst>
+              <a:ext uri="{FF2B5EF4-FFF2-40B4-BE49-F238E27FC236}">
+                <a16:creationId xmlns:a16="http://schemas.microsoft.com/office/drawing/2014/main" id="{1E98CDC1-9222-4883-B10A-81B66E8DC4B0}"/>
+              </a:ext>
+            </a:extLst>
+          </p:cNvPr>
+          <p:cNvSpPr/>
+          <p:nvPr/>
+        </p:nvSpPr>
+        <p:spPr>
+          <a:xfrm>
+            <a:off x="4036506" y="771550"/>
+            <a:ext cx="1183566" cy="360040"/>
+          </a:xfrm>
+          <a:prstGeom prst="roundRect">
+            <a:avLst>
+              <a:gd name="adj" fmla="val 0"/>
+            </a:avLst>
+          </a:prstGeom>
+        </p:spPr>
+        <p:style>
+          <a:lnRef idx="2">
+            <a:schemeClr val="dk1"/>
+          </a:lnRef>
+          <a:fillRef idx="1">
+            <a:schemeClr val="lt1"/>
+          </a:fillRef>
+          <a:effectRef idx="0">
+            <a:schemeClr val="dk1"/>
+          </a:effectRef>
+          <a:fontRef idx="minor">
+            <a:schemeClr val="dk1"/>
+          </a:fontRef>
+        </p:style>
+        <p:txBody>
+          <a:bodyPr rtlCol="0" anchor="ctr"/>
+          <a:lstStyle/>
+          <a:p>
+            <a:pPr algn="ctr"/>
+            <a:r>
+              <a:rPr lang="en-US" altLang="ko-KR" sz="1000"/>
+              <a:t>Application</a:t>
+            </a:r>
+          </a:p>
+          <a:p>
+            <a:pPr algn="ctr"/>
+            <a:r>
+              <a:rPr lang="en-US" altLang="ko-KR" sz="1000"/>
+              <a:t>(Web Server)</a:t>
+            </a:r>
+            <a:endParaRPr lang="ko-KR" altLang="en-US" sz="1000"/>
+          </a:p>
+        </p:txBody>
+      </p:sp>
+      <p:sp>
+        <p:nvSpPr>
+          <p:cNvPr id="21" name="사각형: 둥근 모서리 20">
+            <a:extLst>
+              <a:ext uri="{FF2B5EF4-FFF2-40B4-BE49-F238E27FC236}">
+                <a16:creationId xmlns:a16="http://schemas.microsoft.com/office/drawing/2014/main" id="{79835011-8977-4FDA-B1B6-1DD7DB8C2468}"/>
+              </a:ext>
+            </a:extLst>
+          </p:cNvPr>
+          <p:cNvSpPr/>
+          <p:nvPr/>
+        </p:nvSpPr>
+        <p:spPr>
+          <a:xfrm>
+            <a:off x="5800702" y="771550"/>
+            <a:ext cx="1183566" cy="360040"/>
+          </a:xfrm>
+          <a:prstGeom prst="roundRect">
+            <a:avLst>
+              <a:gd name="adj" fmla="val 0"/>
+            </a:avLst>
+          </a:prstGeom>
+        </p:spPr>
+        <p:style>
+          <a:lnRef idx="2">
+            <a:schemeClr val="dk1"/>
+          </a:lnRef>
+          <a:fillRef idx="1">
+            <a:schemeClr val="lt1"/>
+          </a:fillRef>
+          <a:effectRef idx="0">
+            <a:schemeClr val="dk1"/>
+          </a:effectRef>
+          <a:fontRef idx="minor">
+            <a:schemeClr val="dk1"/>
+          </a:fontRef>
+        </p:style>
+        <p:txBody>
+          <a:bodyPr rtlCol="0" anchor="ctr"/>
+          <a:lstStyle/>
+          <a:p>
+            <a:pPr algn="ctr"/>
+            <a:r>
+              <a:rPr lang="en-US" altLang="ko-KR" sz="1000"/>
+              <a:t>Authorization</a:t>
+            </a:r>
+          </a:p>
+          <a:p>
+            <a:pPr algn="ctr"/>
+            <a:r>
+              <a:rPr lang="en-US" altLang="ko-KR" sz="1000"/>
+              <a:t>Server</a:t>
+            </a:r>
+            <a:endParaRPr lang="ko-KR" altLang="en-US" sz="1000"/>
+          </a:p>
+        </p:txBody>
+      </p:sp>
+      <p:sp>
+        <p:nvSpPr>
+          <p:cNvPr id="22" name="사각형: 둥근 모서리 21">
+            <a:extLst>
+              <a:ext uri="{FF2B5EF4-FFF2-40B4-BE49-F238E27FC236}">
+                <a16:creationId xmlns:a16="http://schemas.microsoft.com/office/drawing/2014/main" id="{97A5B4CE-CBA4-48F1-B07F-646FF8B5033F}"/>
+              </a:ext>
+            </a:extLst>
+          </p:cNvPr>
+          <p:cNvSpPr/>
+          <p:nvPr/>
+        </p:nvSpPr>
+        <p:spPr>
+          <a:xfrm>
+            <a:off x="7564898" y="771550"/>
+            <a:ext cx="1183566" cy="360040"/>
+          </a:xfrm>
+          <a:prstGeom prst="roundRect">
+            <a:avLst>
+              <a:gd name="adj" fmla="val 0"/>
+            </a:avLst>
+          </a:prstGeom>
+        </p:spPr>
+        <p:style>
+          <a:lnRef idx="2">
+            <a:schemeClr val="dk1"/>
+          </a:lnRef>
+          <a:fillRef idx="1">
+            <a:schemeClr val="lt1"/>
+          </a:fillRef>
+          <a:effectRef idx="0">
+            <a:schemeClr val="dk1"/>
+          </a:effectRef>
+          <a:fontRef idx="minor">
+            <a:schemeClr val="dk1"/>
+          </a:fontRef>
+        </p:style>
+        <p:txBody>
+          <a:bodyPr rtlCol="0" anchor="ctr"/>
+          <a:lstStyle/>
+          <a:p>
+            <a:pPr algn="ctr"/>
+            <a:r>
+              <a:rPr lang="en-US" altLang="ko-KR" sz="1000"/>
+              <a:t>Resource Server</a:t>
+            </a:r>
+          </a:p>
+          <a:p>
+            <a:pPr algn="ctr"/>
+            <a:r>
+              <a:rPr lang="en-US" altLang="ko-KR" sz="1000"/>
+              <a:t>(API Server)</a:t>
+            </a:r>
+            <a:endParaRPr lang="ko-KR" altLang="en-US" sz="1000"/>
+          </a:p>
+        </p:txBody>
+      </p:sp>
+      <p:cxnSp>
+        <p:nvCxnSpPr>
+          <p:cNvPr id="23" name="직선 연결선 22">
+            <a:extLst>
+              <a:ext uri="{FF2B5EF4-FFF2-40B4-BE49-F238E27FC236}">
+                <a16:creationId xmlns:a16="http://schemas.microsoft.com/office/drawing/2014/main" id="{CF38B8A0-1401-4E3B-9FC0-9ED096701E61}"/>
+              </a:ext>
+            </a:extLst>
+          </p:cNvPr>
+          <p:cNvCxnSpPr>
+            <a:cxnSpLocks/>
+            <a:stCxn id="3" idx="2"/>
+          </p:cNvCxnSpPr>
+          <p:nvPr/>
+        </p:nvCxnSpPr>
+        <p:spPr>
+          <a:xfrm>
+            <a:off x="1099897" y="1131590"/>
+            <a:ext cx="0" cy="3744416"/>
+          </a:xfrm>
+          <a:prstGeom prst="line">
+            <a:avLst/>
+          </a:prstGeom>
+          <a:ln w="19050">
+            <a:solidFill>
+              <a:schemeClr val="tx1"/>
+            </a:solidFill>
+          </a:ln>
+        </p:spPr>
+        <p:style>
+          <a:lnRef idx="1">
+            <a:schemeClr val="accent1"/>
+          </a:lnRef>
+          <a:fillRef idx="0">
+            <a:schemeClr val="accent1"/>
+          </a:fillRef>
+          <a:effectRef idx="0">
+            <a:schemeClr val="accent1"/>
+          </a:effectRef>
+          <a:fontRef idx="minor">
+            <a:schemeClr val="tx1"/>
+          </a:fontRef>
+        </p:style>
+      </p:cxnSp>
+      <p:cxnSp>
+        <p:nvCxnSpPr>
+          <p:cNvPr id="30" name="직선 연결선 29">
+            <a:extLst>
+              <a:ext uri="{FF2B5EF4-FFF2-40B4-BE49-F238E27FC236}">
+                <a16:creationId xmlns:a16="http://schemas.microsoft.com/office/drawing/2014/main" id="{5E45002D-6183-4784-BB3F-133D35EEE2BB}"/>
+              </a:ext>
+            </a:extLst>
+          </p:cNvPr>
+          <p:cNvCxnSpPr>
+            <a:cxnSpLocks/>
+            <a:stCxn id="19" idx="2"/>
+          </p:cNvCxnSpPr>
+          <p:nvPr/>
+        </p:nvCxnSpPr>
+        <p:spPr>
+          <a:xfrm flipH="1">
+            <a:off x="2863091" y="1131590"/>
+            <a:ext cx="1002" cy="3744416"/>
+          </a:xfrm>
+          <a:prstGeom prst="line">
+            <a:avLst/>
+          </a:prstGeom>
+          <a:ln w="19050">
+            <a:solidFill>
+              <a:schemeClr val="tx1"/>
+            </a:solidFill>
+          </a:ln>
+        </p:spPr>
+        <p:style>
+          <a:lnRef idx="1">
+            <a:schemeClr val="accent1"/>
+          </a:lnRef>
+          <a:fillRef idx="0">
+            <a:schemeClr val="accent1"/>
+          </a:fillRef>
+          <a:effectRef idx="0">
+            <a:schemeClr val="accent1"/>
+          </a:effectRef>
+          <a:fontRef idx="minor">
+            <a:schemeClr val="tx1"/>
+          </a:fontRef>
+        </p:style>
+      </p:cxnSp>
+      <p:cxnSp>
+        <p:nvCxnSpPr>
+          <p:cNvPr id="33" name="직선 연결선 32">
+            <a:extLst>
+              <a:ext uri="{FF2B5EF4-FFF2-40B4-BE49-F238E27FC236}">
+                <a16:creationId xmlns:a16="http://schemas.microsoft.com/office/drawing/2014/main" id="{71C2B82A-843B-4122-8D52-8C4F14103FA8}"/>
+              </a:ext>
+            </a:extLst>
+          </p:cNvPr>
+          <p:cNvCxnSpPr>
+            <a:cxnSpLocks/>
+            <a:stCxn id="20" idx="2"/>
+          </p:cNvCxnSpPr>
+          <p:nvPr/>
+        </p:nvCxnSpPr>
+        <p:spPr>
+          <a:xfrm flipH="1">
+            <a:off x="4628212" y="1131590"/>
+            <a:ext cx="77" cy="3744416"/>
+          </a:xfrm>
+          <a:prstGeom prst="line">
+            <a:avLst/>
+          </a:prstGeom>
+          <a:ln w="19050">
+            <a:solidFill>
+              <a:schemeClr val="tx1"/>
+            </a:solidFill>
+          </a:ln>
+        </p:spPr>
+        <p:style>
+          <a:lnRef idx="1">
+            <a:schemeClr val="accent1"/>
+          </a:lnRef>
+          <a:fillRef idx="0">
+            <a:schemeClr val="accent1"/>
+          </a:fillRef>
+          <a:effectRef idx="0">
+            <a:schemeClr val="accent1"/>
+          </a:effectRef>
+          <a:fontRef idx="minor">
+            <a:schemeClr val="tx1"/>
+          </a:fontRef>
+        </p:style>
+      </p:cxnSp>
+      <p:cxnSp>
+        <p:nvCxnSpPr>
+          <p:cNvPr id="36" name="직선 연결선 35">
+            <a:extLst>
+              <a:ext uri="{FF2B5EF4-FFF2-40B4-BE49-F238E27FC236}">
+                <a16:creationId xmlns:a16="http://schemas.microsoft.com/office/drawing/2014/main" id="{772E8AA5-3AB5-4A92-A6C6-31B4125C65A0}"/>
+              </a:ext>
+            </a:extLst>
+          </p:cNvPr>
+          <p:cNvCxnSpPr>
+            <a:cxnSpLocks/>
+            <a:stCxn id="21" idx="2"/>
+          </p:cNvCxnSpPr>
+          <p:nvPr/>
+        </p:nvCxnSpPr>
+        <p:spPr>
+          <a:xfrm>
+            <a:off x="6392485" y="1131590"/>
+            <a:ext cx="0" cy="3744416"/>
+          </a:xfrm>
+          <a:prstGeom prst="line">
+            <a:avLst/>
+          </a:prstGeom>
+          <a:ln w="19050">
+            <a:solidFill>
+              <a:schemeClr val="tx1"/>
+            </a:solidFill>
+          </a:ln>
+        </p:spPr>
+        <p:style>
+          <a:lnRef idx="1">
+            <a:schemeClr val="accent1"/>
+          </a:lnRef>
+          <a:fillRef idx="0">
+            <a:schemeClr val="accent1"/>
+          </a:fillRef>
+          <a:effectRef idx="0">
+            <a:schemeClr val="accent1"/>
+          </a:effectRef>
+          <a:fontRef idx="minor">
+            <a:schemeClr val="tx1"/>
+          </a:fontRef>
+        </p:style>
+      </p:cxnSp>
+      <p:cxnSp>
+        <p:nvCxnSpPr>
+          <p:cNvPr id="41" name="직선 연결선 40">
+            <a:extLst>
+              <a:ext uri="{FF2B5EF4-FFF2-40B4-BE49-F238E27FC236}">
+                <a16:creationId xmlns:a16="http://schemas.microsoft.com/office/drawing/2014/main" id="{27F6A3AB-03BA-45EF-9D8B-53D3EB078AA5}"/>
+              </a:ext>
+            </a:extLst>
+          </p:cNvPr>
+          <p:cNvCxnSpPr>
+            <a:cxnSpLocks/>
+            <a:stCxn id="22" idx="2"/>
+          </p:cNvCxnSpPr>
+          <p:nvPr/>
+        </p:nvCxnSpPr>
+        <p:spPr>
+          <a:xfrm>
+            <a:off x="8156681" y="1131590"/>
+            <a:ext cx="0" cy="3744416"/>
+          </a:xfrm>
+          <a:prstGeom prst="line">
+            <a:avLst/>
+          </a:prstGeom>
+          <a:ln w="19050">
+            <a:solidFill>
+              <a:schemeClr val="tx1"/>
+            </a:solidFill>
+          </a:ln>
+        </p:spPr>
+        <p:style>
+          <a:lnRef idx="1">
+            <a:schemeClr val="accent1"/>
+          </a:lnRef>
+          <a:fillRef idx="0">
+            <a:schemeClr val="accent1"/>
+          </a:fillRef>
+          <a:effectRef idx="0">
+            <a:schemeClr val="accent1"/>
+          </a:effectRef>
+          <a:fontRef idx="minor">
+            <a:schemeClr val="tx1"/>
+          </a:fontRef>
+        </p:style>
+      </p:cxnSp>
+      <p:grpSp>
+        <p:nvGrpSpPr>
+          <p:cNvPr id="47" name="그룹 46">
+            <a:extLst>
+              <a:ext uri="{FF2B5EF4-FFF2-40B4-BE49-F238E27FC236}">
+                <a16:creationId xmlns:a16="http://schemas.microsoft.com/office/drawing/2014/main" id="{E3BB676B-A04A-46BB-A9BD-CA1B62AED92B}"/>
+              </a:ext>
+            </a:extLst>
+          </p:cNvPr>
+          <p:cNvGrpSpPr/>
+          <p:nvPr/>
+        </p:nvGrpSpPr>
+        <p:grpSpPr>
+          <a:xfrm>
+            <a:off x="1099896" y="1188790"/>
+            <a:ext cx="1764197" cy="230832"/>
+            <a:chOff x="1099896" y="1044774"/>
+            <a:chExt cx="1764197" cy="230832"/>
+          </a:xfrm>
+        </p:grpSpPr>
+        <p:cxnSp>
+          <p:nvCxnSpPr>
+            <p:cNvPr id="45" name="직선 화살표 연결선 44">
+              <a:extLst>
+                <a:ext uri="{FF2B5EF4-FFF2-40B4-BE49-F238E27FC236}">
+                  <a16:creationId xmlns:a16="http://schemas.microsoft.com/office/drawing/2014/main" id="{7DA70A64-B7A7-4AFC-BF95-321F5BF555B1}"/>
+                </a:ext>
+              </a:extLst>
+            </p:cNvPr>
+            <p:cNvCxnSpPr/>
+            <p:nvPr/>
+          </p:nvCxnSpPr>
+          <p:spPr>
+            <a:xfrm>
+              <a:off x="1099897" y="1275606"/>
+              <a:ext cx="1764196" cy="0"/>
+            </a:xfrm>
+            <a:prstGeom prst="straightConnector1">
+              <a:avLst/>
+            </a:prstGeom>
+            <a:ln w="19050">
+              <a:solidFill>
+                <a:schemeClr val="tx1"/>
+              </a:solidFill>
+              <a:headEnd type="none" w="med" len="med"/>
+              <a:tailEnd type="arrow" w="med" len="med"/>
+            </a:ln>
+          </p:spPr>
+          <p:style>
+            <a:lnRef idx="1">
+              <a:schemeClr val="accent1"/>
+            </a:lnRef>
+            <a:fillRef idx="0">
+              <a:schemeClr val="accent1"/>
+            </a:fillRef>
+            <a:effectRef idx="0">
+              <a:schemeClr val="accent1"/>
+            </a:effectRef>
+            <a:fontRef idx="minor">
+              <a:schemeClr val="tx1"/>
+            </a:fontRef>
+          </p:style>
+        </p:cxnSp>
+        <p:sp>
+          <p:nvSpPr>
+            <p:cNvPr id="46" name="TextBox 45">
+              <a:extLst>
+                <a:ext uri="{FF2B5EF4-FFF2-40B4-BE49-F238E27FC236}">
+                  <a16:creationId xmlns:a16="http://schemas.microsoft.com/office/drawing/2014/main" id="{31320D19-CFB6-4C35-A360-5C2725A9C005}"/>
+                </a:ext>
+              </a:extLst>
+            </p:cNvPr>
+            <p:cNvSpPr txBox="1"/>
+            <p:nvPr/>
+          </p:nvSpPr>
+          <p:spPr>
+            <a:xfrm>
+              <a:off x="1099896" y="1044774"/>
+              <a:ext cx="1764187" cy="230832"/>
+            </a:xfrm>
+            <a:prstGeom prst="rect">
+              <a:avLst/>
+            </a:prstGeom>
+            <a:noFill/>
+          </p:spPr>
+          <p:txBody>
+            <a:bodyPr wrap="square" rtlCol="0" anchor="ctr">
+              <a:spAutoFit/>
+            </a:bodyPr>
+            <a:lstStyle/>
+            <a:p>
+              <a:pPr algn="ctr"/>
+              <a:r>
+                <a:rPr lang="en-US" altLang="ko-KR" sz="900"/>
+                <a:t>1. Enter URL</a:t>
+              </a:r>
+              <a:endParaRPr lang="ko-KR" altLang="en-US" sz="900"/>
+            </a:p>
+          </p:txBody>
+        </p:sp>
+      </p:grpSp>
+      <p:grpSp>
+        <p:nvGrpSpPr>
+          <p:cNvPr id="48" name="그룹 47">
+            <a:extLst>
+              <a:ext uri="{FF2B5EF4-FFF2-40B4-BE49-F238E27FC236}">
+                <a16:creationId xmlns:a16="http://schemas.microsoft.com/office/drawing/2014/main" id="{EAFBC0F5-80D5-4A60-A12A-346D9948C032}"/>
+              </a:ext>
+            </a:extLst>
+          </p:cNvPr>
+          <p:cNvGrpSpPr/>
+          <p:nvPr/>
+        </p:nvGrpSpPr>
+        <p:grpSpPr>
+          <a:xfrm>
+            <a:off x="2864081" y="1419622"/>
+            <a:ext cx="1764197" cy="230832"/>
+            <a:chOff x="1099896" y="1044774"/>
+            <a:chExt cx="1764197" cy="230832"/>
+          </a:xfrm>
+        </p:grpSpPr>
+        <p:cxnSp>
+          <p:nvCxnSpPr>
+            <p:cNvPr id="49" name="직선 화살표 연결선 48">
+              <a:extLst>
+                <a:ext uri="{FF2B5EF4-FFF2-40B4-BE49-F238E27FC236}">
+                  <a16:creationId xmlns:a16="http://schemas.microsoft.com/office/drawing/2014/main" id="{3B709BA7-8290-4557-AF33-ED4F7E8812ED}"/>
+                </a:ext>
+              </a:extLst>
+            </p:cNvPr>
+            <p:cNvCxnSpPr/>
+            <p:nvPr/>
+          </p:nvCxnSpPr>
+          <p:spPr>
+            <a:xfrm>
+              <a:off x="1099897" y="1275606"/>
+              <a:ext cx="1764196" cy="0"/>
+            </a:xfrm>
+            <a:prstGeom prst="straightConnector1">
+              <a:avLst/>
+            </a:prstGeom>
+            <a:ln w="19050">
+              <a:solidFill>
+                <a:schemeClr val="tx1"/>
+              </a:solidFill>
+              <a:headEnd type="none" w="med" len="med"/>
+              <a:tailEnd type="arrow" w="med" len="med"/>
+            </a:ln>
+          </p:spPr>
+          <p:style>
+            <a:lnRef idx="1">
+              <a:schemeClr val="accent1"/>
+            </a:lnRef>
+            <a:fillRef idx="0">
+              <a:schemeClr val="accent1"/>
+            </a:fillRef>
+            <a:effectRef idx="0">
+              <a:schemeClr val="accent1"/>
+            </a:effectRef>
+            <a:fontRef idx="minor">
+              <a:schemeClr val="tx1"/>
+            </a:fontRef>
+          </p:style>
+        </p:cxnSp>
+        <p:sp>
+          <p:nvSpPr>
+            <p:cNvPr id="50" name="TextBox 49">
+              <a:extLst>
+                <a:ext uri="{FF2B5EF4-FFF2-40B4-BE49-F238E27FC236}">
+                  <a16:creationId xmlns:a16="http://schemas.microsoft.com/office/drawing/2014/main" id="{9207FD93-EFBF-47E4-A844-1B1F49D86DB7}"/>
+                </a:ext>
+              </a:extLst>
+            </p:cNvPr>
+            <p:cNvSpPr txBox="1"/>
+            <p:nvPr/>
+          </p:nvSpPr>
+          <p:spPr>
+            <a:xfrm>
+              <a:off x="1099896" y="1044774"/>
+              <a:ext cx="1764187" cy="230832"/>
+            </a:xfrm>
+            <a:prstGeom prst="rect">
+              <a:avLst/>
+            </a:prstGeom>
+            <a:noFill/>
+          </p:spPr>
+          <p:txBody>
+            <a:bodyPr wrap="square" rtlCol="0" anchor="ctr">
+              <a:spAutoFit/>
+            </a:bodyPr>
+            <a:lstStyle/>
+            <a:p>
+              <a:pPr algn="ctr"/>
+              <a:r>
+                <a:rPr lang="en-US" altLang="ko-KR" sz="900" dirty="0"/>
+                <a:t>2. </a:t>
+              </a:r>
+              <a:r>
+                <a:rPr lang="en-US" altLang="ko-KR" sz="900" dirty="0" err="1"/>
+                <a:t>Goto</a:t>
+              </a:r>
+              <a:r>
+                <a:rPr lang="en-US" altLang="ko-KR" sz="900" dirty="0"/>
+                <a:t> URL</a:t>
+              </a:r>
+              <a:endParaRPr lang="ko-KR" altLang="en-US" sz="900" dirty="0"/>
+            </a:p>
+          </p:txBody>
+        </p:sp>
+      </p:grpSp>
+      <p:grpSp>
+        <p:nvGrpSpPr>
+          <p:cNvPr id="51" name="그룹 50">
+            <a:extLst>
+              <a:ext uri="{FF2B5EF4-FFF2-40B4-BE49-F238E27FC236}">
+                <a16:creationId xmlns:a16="http://schemas.microsoft.com/office/drawing/2014/main" id="{E78E7DB9-7A22-4F16-9950-ECFA5F3D4150}"/>
+              </a:ext>
+            </a:extLst>
+          </p:cNvPr>
+          <p:cNvGrpSpPr/>
+          <p:nvPr/>
+        </p:nvGrpSpPr>
+        <p:grpSpPr>
+          <a:xfrm>
+            <a:off x="2751517" y="1641996"/>
+            <a:ext cx="1989316" cy="369332"/>
+            <a:chOff x="987332" y="932508"/>
+            <a:chExt cx="1989316" cy="369332"/>
+          </a:xfrm>
+        </p:grpSpPr>
+        <p:cxnSp>
+          <p:nvCxnSpPr>
+            <p:cNvPr id="52" name="직선 화살표 연결선 51">
+              <a:extLst>
+                <a:ext uri="{FF2B5EF4-FFF2-40B4-BE49-F238E27FC236}">
+                  <a16:creationId xmlns:a16="http://schemas.microsoft.com/office/drawing/2014/main" id="{737C3D9E-DD8A-4406-910A-4D607E2EBF1F}"/>
+                </a:ext>
+              </a:extLst>
+            </p:cNvPr>
+            <p:cNvCxnSpPr/>
+            <p:nvPr/>
+          </p:nvCxnSpPr>
+          <p:spPr>
+            <a:xfrm>
+              <a:off x="1099897" y="1275606"/>
+              <a:ext cx="1764196" cy="0"/>
+            </a:xfrm>
+            <a:prstGeom prst="straightConnector1">
+              <a:avLst/>
+            </a:prstGeom>
+            <a:ln w="19050">
+              <a:solidFill>
+                <a:schemeClr val="tx1"/>
+              </a:solidFill>
+              <a:headEnd type="arrow" w="med" len="med"/>
+              <a:tailEnd type="none" w="med" len="med"/>
+            </a:ln>
+          </p:spPr>
+          <p:style>
+            <a:lnRef idx="1">
+              <a:schemeClr val="accent1"/>
+            </a:lnRef>
+            <a:fillRef idx="0">
+              <a:schemeClr val="accent1"/>
+            </a:fillRef>
+            <a:effectRef idx="0">
+              <a:schemeClr val="accent1"/>
+            </a:effectRef>
+            <a:fontRef idx="minor">
+              <a:schemeClr val="tx1"/>
+            </a:fontRef>
+          </p:style>
+        </p:cxnSp>
+        <p:sp>
+          <p:nvSpPr>
+            <p:cNvPr id="53" name="TextBox 52">
+              <a:extLst>
+                <a:ext uri="{FF2B5EF4-FFF2-40B4-BE49-F238E27FC236}">
+                  <a16:creationId xmlns:a16="http://schemas.microsoft.com/office/drawing/2014/main" id="{970114FF-E1D7-493F-9A33-71AC3EB2CD96}"/>
+                </a:ext>
+              </a:extLst>
+            </p:cNvPr>
+            <p:cNvSpPr txBox="1"/>
+            <p:nvPr/>
+          </p:nvSpPr>
+          <p:spPr>
+            <a:xfrm>
+              <a:off x="987332" y="932508"/>
+              <a:ext cx="1989316" cy="369332"/>
+            </a:xfrm>
+            <a:prstGeom prst="rect">
+              <a:avLst/>
+            </a:prstGeom>
+            <a:noFill/>
+          </p:spPr>
+          <p:txBody>
+            <a:bodyPr wrap="square" rtlCol="0" anchor="ctr">
+              <a:spAutoFit/>
+            </a:bodyPr>
+            <a:lstStyle/>
+            <a:p>
+              <a:pPr algn="ctr"/>
+              <a:r>
+                <a:rPr lang="en-US" altLang="ko-KR" sz="900"/>
+                <a:t>3. Redirect to Auth Server with </a:t>
+              </a:r>
+              <a:r>
+                <a:rPr lang="en-US" altLang="ko-KR" sz="900" b="1"/>
+                <a:t>Client ID,</a:t>
+              </a:r>
+              <a:r>
+                <a:rPr lang="en-US" altLang="ko-KR" sz="900"/>
+                <a:t> </a:t>
+              </a:r>
+              <a:r>
+                <a:rPr lang="en-US" altLang="ko-KR" sz="900" b="1"/>
+                <a:t>Scope, App URL</a:t>
+              </a:r>
+              <a:endParaRPr lang="ko-KR" altLang="en-US" sz="900" b="1"/>
+            </a:p>
+          </p:txBody>
+        </p:sp>
+      </p:grpSp>
+      <p:grpSp>
+        <p:nvGrpSpPr>
+          <p:cNvPr id="57" name="그룹 56">
+            <a:extLst>
+              <a:ext uri="{FF2B5EF4-FFF2-40B4-BE49-F238E27FC236}">
+                <a16:creationId xmlns:a16="http://schemas.microsoft.com/office/drawing/2014/main" id="{5A8411E5-A9E9-4E36-B89B-25648DB82851}"/>
+              </a:ext>
+            </a:extLst>
+          </p:cNvPr>
+          <p:cNvGrpSpPr/>
+          <p:nvPr/>
+        </p:nvGrpSpPr>
+        <p:grpSpPr>
+          <a:xfrm>
+            <a:off x="2864081" y="2048644"/>
+            <a:ext cx="3528388" cy="230832"/>
+            <a:chOff x="1099896" y="1044774"/>
+            <a:chExt cx="1764197" cy="230832"/>
+          </a:xfrm>
+        </p:grpSpPr>
+        <p:cxnSp>
+          <p:nvCxnSpPr>
+            <p:cNvPr id="58" name="직선 화살표 연결선 57">
+              <a:extLst>
+                <a:ext uri="{FF2B5EF4-FFF2-40B4-BE49-F238E27FC236}">
+                  <a16:creationId xmlns:a16="http://schemas.microsoft.com/office/drawing/2014/main" id="{7080B2E9-6D6B-43B4-8519-32D04C6545D6}"/>
+                </a:ext>
+              </a:extLst>
+            </p:cNvPr>
+            <p:cNvCxnSpPr/>
+            <p:nvPr/>
+          </p:nvCxnSpPr>
+          <p:spPr>
+            <a:xfrm>
+              <a:off x="1099897" y="1275606"/>
+              <a:ext cx="1764196" cy="0"/>
+            </a:xfrm>
+            <a:prstGeom prst="straightConnector1">
+              <a:avLst/>
+            </a:prstGeom>
+            <a:ln w="19050">
+              <a:solidFill>
+                <a:schemeClr val="tx1"/>
+              </a:solidFill>
+              <a:headEnd type="none" w="med" len="med"/>
+              <a:tailEnd type="arrow" w="med" len="med"/>
+            </a:ln>
+          </p:spPr>
+          <p:style>
+            <a:lnRef idx="1">
+              <a:schemeClr val="accent1"/>
+            </a:lnRef>
+            <a:fillRef idx="0">
+              <a:schemeClr val="accent1"/>
+            </a:fillRef>
+            <a:effectRef idx="0">
+              <a:schemeClr val="accent1"/>
+            </a:effectRef>
+            <a:fontRef idx="minor">
+              <a:schemeClr val="tx1"/>
+            </a:fontRef>
+          </p:style>
+        </p:cxnSp>
+        <p:sp>
+          <p:nvSpPr>
+            <p:cNvPr id="59" name="TextBox 58">
+              <a:extLst>
+                <a:ext uri="{FF2B5EF4-FFF2-40B4-BE49-F238E27FC236}">
+                  <a16:creationId xmlns:a16="http://schemas.microsoft.com/office/drawing/2014/main" id="{6C6D28AC-42F8-4727-B049-E98805DBEC34}"/>
+                </a:ext>
+              </a:extLst>
+            </p:cNvPr>
+            <p:cNvSpPr txBox="1"/>
+            <p:nvPr/>
+          </p:nvSpPr>
+          <p:spPr>
+            <a:xfrm>
+              <a:off x="1099896" y="1044774"/>
+              <a:ext cx="1764187" cy="230832"/>
+            </a:xfrm>
+            <a:prstGeom prst="rect">
+              <a:avLst/>
+            </a:prstGeom>
+            <a:noFill/>
+          </p:spPr>
+          <p:txBody>
+            <a:bodyPr wrap="square" rtlCol="0" anchor="ctr">
+              <a:spAutoFit/>
+            </a:bodyPr>
+            <a:lstStyle/>
+            <a:p>
+              <a:pPr algn="ctr"/>
+              <a:r>
+                <a:rPr lang="en-US" altLang="ko-KR" sz="900"/>
+                <a:t>4. Goto Auth Server with Client ID, Scope, App URL</a:t>
+              </a:r>
+              <a:endParaRPr lang="ko-KR" altLang="en-US" sz="900"/>
+            </a:p>
+          </p:txBody>
+        </p:sp>
+      </p:grpSp>
+      <p:grpSp>
+        <p:nvGrpSpPr>
+          <p:cNvPr id="61" name="그룹 60">
+            <a:extLst>
+              <a:ext uri="{FF2B5EF4-FFF2-40B4-BE49-F238E27FC236}">
+                <a16:creationId xmlns:a16="http://schemas.microsoft.com/office/drawing/2014/main" id="{DD2B2FB0-94BB-4A5E-A589-6984AA294FEE}"/>
+              </a:ext>
+            </a:extLst>
+          </p:cNvPr>
+          <p:cNvGrpSpPr/>
+          <p:nvPr/>
+        </p:nvGrpSpPr>
+        <p:grpSpPr>
+          <a:xfrm>
+            <a:off x="2864081" y="2336676"/>
+            <a:ext cx="3528366" cy="230832"/>
+            <a:chOff x="1099896" y="1044774"/>
+            <a:chExt cx="1764197" cy="230832"/>
+          </a:xfrm>
+        </p:grpSpPr>
+        <p:cxnSp>
+          <p:nvCxnSpPr>
+            <p:cNvPr id="62" name="직선 화살표 연결선 61">
+              <a:extLst>
+                <a:ext uri="{FF2B5EF4-FFF2-40B4-BE49-F238E27FC236}">
+                  <a16:creationId xmlns:a16="http://schemas.microsoft.com/office/drawing/2014/main" id="{9FB015E7-91E7-400D-A123-A976DF82F65D}"/>
+                </a:ext>
+              </a:extLst>
+            </p:cNvPr>
+            <p:cNvCxnSpPr/>
+            <p:nvPr/>
+          </p:nvCxnSpPr>
+          <p:spPr>
+            <a:xfrm>
+              <a:off x="1099897" y="1275606"/>
+              <a:ext cx="1764196" cy="0"/>
+            </a:xfrm>
+            <a:prstGeom prst="straightConnector1">
+              <a:avLst/>
+            </a:prstGeom>
+            <a:ln w="19050">
+              <a:solidFill>
+                <a:schemeClr val="tx1"/>
+              </a:solidFill>
+              <a:headEnd type="arrow" w="med" len="med"/>
+              <a:tailEnd type="none" w="med" len="med"/>
+            </a:ln>
+          </p:spPr>
+          <p:style>
+            <a:lnRef idx="1">
+              <a:schemeClr val="accent1"/>
+            </a:lnRef>
+            <a:fillRef idx="0">
+              <a:schemeClr val="accent1"/>
+            </a:fillRef>
+            <a:effectRef idx="0">
+              <a:schemeClr val="accent1"/>
+            </a:effectRef>
+            <a:fontRef idx="minor">
+              <a:schemeClr val="tx1"/>
+            </a:fontRef>
+          </p:style>
+        </p:cxnSp>
+        <p:sp>
+          <p:nvSpPr>
+            <p:cNvPr id="63" name="TextBox 62">
+              <a:extLst>
+                <a:ext uri="{FF2B5EF4-FFF2-40B4-BE49-F238E27FC236}">
+                  <a16:creationId xmlns:a16="http://schemas.microsoft.com/office/drawing/2014/main" id="{F8E64580-FDE6-4924-88A9-1AE155603782}"/>
+                </a:ext>
+              </a:extLst>
+            </p:cNvPr>
+            <p:cNvSpPr txBox="1"/>
+            <p:nvPr/>
+          </p:nvSpPr>
+          <p:spPr>
+            <a:xfrm>
+              <a:off x="1099896" y="1044774"/>
+              <a:ext cx="1764187" cy="230832"/>
+            </a:xfrm>
+            <a:prstGeom prst="rect">
+              <a:avLst/>
+            </a:prstGeom>
+            <a:noFill/>
+          </p:spPr>
+          <p:txBody>
+            <a:bodyPr wrap="square" rtlCol="0" anchor="ctr">
+              <a:spAutoFit/>
+            </a:bodyPr>
+            <a:lstStyle/>
+            <a:p>
+              <a:pPr algn="ctr"/>
+              <a:r>
+                <a:rPr lang="en-US" altLang="ko-KR" sz="900"/>
+                <a:t>5. Present Authorization UI</a:t>
+              </a:r>
+              <a:endParaRPr lang="ko-KR" altLang="en-US" sz="900"/>
+            </a:p>
+          </p:txBody>
+        </p:sp>
+      </p:grpSp>
+      <p:grpSp>
+        <p:nvGrpSpPr>
+          <p:cNvPr id="64" name="그룹 63">
+            <a:extLst>
+              <a:ext uri="{FF2B5EF4-FFF2-40B4-BE49-F238E27FC236}">
+                <a16:creationId xmlns:a16="http://schemas.microsoft.com/office/drawing/2014/main" id="{597B8C85-295D-4C92-9310-7320E17DDA59}"/>
+              </a:ext>
+            </a:extLst>
+          </p:cNvPr>
+          <p:cNvGrpSpPr/>
+          <p:nvPr/>
+        </p:nvGrpSpPr>
+        <p:grpSpPr>
+          <a:xfrm>
+            <a:off x="1099897" y="2624708"/>
+            <a:ext cx="1764184" cy="230832"/>
+            <a:chOff x="1099896" y="1044774"/>
+            <a:chExt cx="1764197" cy="230832"/>
+          </a:xfrm>
+        </p:grpSpPr>
+        <p:cxnSp>
+          <p:nvCxnSpPr>
+            <p:cNvPr id="65" name="직선 화살표 연결선 64">
+              <a:extLst>
+                <a:ext uri="{FF2B5EF4-FFF2-40B4-BE49-F238E27FC236}">
+                  <a16:creationId xmlns:a16="http://schemas.microsoft.com/office/drawing/2014/main" id="{716E46BF-9231-4EBA-9EDB-0F6CDE9F93DF}"/>
+                </a:ext>
+              </a:extLst>
+            </p:cNvPr>
+            <p:cNvCxnSpPr/>
+            <p:nvPr/>
+          </p:nvCxnSpPr>
+          <p:spPr>
+            <a:xfrm>
+              <a:off x="1099897" y="1275606"/>
+              <a:ext cx="1764196" cy="0"/>
+            </a:xfrm>
+            <a:prstGeom prst="straightConnector1">
+              <a:avLst/>
+            </a:prstGeom>
+            <a:ln w="19050">
+              <a:solidFill>
+                <a:schemeClr val="tx1"/>
+              </a:solidFill>
+              <a:headEnd type="arrow" w="med" len="med"/>
+              <a:tailEnd type="none" w="med" len="med"/>
+            </a:ln>
+          </p:spPr>
+          <p:style>
+            <a:lnRef idx="1">
+              <a:schemeClr val="accent1"/>
+            </a:lnRef>
+            <a:fillRef idx="0">
+              <a:schemeClr val="accent1"/>
+            </a:fillRef>
+            <a:effectRef idx="0">
+              <a:schemeClr val="accent1"/>
+            </a:effectRef>
+            <a:fontRef idx="minor">
+              <a:schemeClr val="tx1"/>
+            </a:fontRef>
+          </p:style>
+        </p:cxnSp>
+        <p:sp>
+          <p:nvSpPr>
+            <p:cNvPr id="66" name="TextBox 65">
+              <a:extLst>
+                <a:ext uri="{FF2B5EF4-FFF2-40B4-BE49-F238E27FC236}">
+                  <a16:creationId xmlns:a16="http://schemas.microsoft.com/office/drawing/2014/main" id="{AEF921D0-D2FC-4BE9-AB63-E2462AA435CB}"/>
+                </a:ext>
+              </a:extLst>
+            </p:cNvPr>
+            <p:cNvSpPr txBox="1"/>
+            <p:nvPr/>
+          </p:nvSpPr>
+          <p:spPr>
+            <a:xfrm>
+              <a:off x="1099896" y="1044774"/>
+              <a:ext cx="1764187" cy="230832"/>
+            </a:xfrm>
+            <a:prstGeom prst="rect">
+              <a:avLst/>
+            </a:prstGeom>
+            <a:noFill/>
+          </p:spPr>
+          <p:txBody>
+            <a:bodyPr wrap="square" rtlCol="0" anchor="ctr">
+              <a:spAutoFit/>
+            </a:bodyPr>
+            <a:lstStyle/>
+            <a:p>
+              <a:pPr algn="ctr"/>
+              <a:r>
+                <a:rPr lang="en-US" altLang="ko-KR" sz="900"/>
+                <a:t>6. Show Authorization UI</a:t>
+              </a:r>
+              <a:endParaRPr lang="ko-KR" altLang="en-US" sz="900"/>
+            </a:p>
+          </p:txBody>
+        </p:sp>
+      </p:grpSp>
+      <p:grpSp>
+        <p:nvGrpSpPr>
+          <p:cNvPr id="67" name="그룹 66">
+            <a:extLst>
+              <a:ext uri="{FF2B5EF4-FFF2-40B4-BE49-F238E27FC236}">
+                <a16:creationId xmlns:a16="http://schemas.microsoft.com/office/drawing/2014/main" id="{8FB4A4B0-DE36-47FC-9BAE-7A0347C8CB49}"/>
+              </a:ext>
+            </a:extLst>
+          </p:cNvPr>
+          <p:cNvGrpSpPr/>
+          <p:nvPr/>
+        </p:nvGrpSpPr>
+        <p:grpSpPr>
+          <a:xfrm>
+            <a:off x="1099896" y="2918344"/>
+            <a:ext cx="1764197" cy="230832"/>
+            <a:chOff x="1099896" y="1044774"/>
+            <a:chExt cx="1764197" cy="230832"/>
+          </a:xfrm>
+        </p:grpSpPr>
+        <p:cxnSp>
+          <p:nvCxnSpPr>
+            <p:cNvPr id="68" name="직선 화살표 연결선 67">
+              <a:extLst>
+                <a:ext uri="{FF2B5EF4-FFF2-40B4-BE49-F238E27FC236}">
+                  <a16:creationId xmlns:a16="http://schemas.microsoft.com/office/drawing/2014/main" id="{44F9F2A3-37EA-44FC-8E45-AB5318C717E0}"/>
+                </a:ext>
+              </a:extLst>
+            </p:cNvPr>
+            <p:cNvCxnSpPr/>
+            <p:nvPr/>
+          </p:nvCxnSpPr>
+          <p:spPr>
+            <a:xfrm>
+              <a:off x="1099897" y="1275606"/>
+              <a:ext cx="1764196" cy="0"/>
+            </a:xfrm>
+            <a:prstGeom prst="straightConnector1">
+              <a:avLst/>
+            </a:prstGeom>
+            <a:ln w="19050">
+              <a:solidFill>
+                <a:schemeClr val="tx1"/>
+              </a:solidFill>
+              <a:headEnd type="none" w="med" len="med"/>
+              <a:tailEnd type="arrow" w="med" len="med"/>
+            </a:ln>
+          </p:spPr>
+          <p:style>
+            <a:lnRef idx="1">
+              <a:schemeClr val="accent1"/>
+            </a:lnRef>
+            <a:fillRef idx="0">
+              <a:schemeClr val="accent1"/>
+            </a:fillRef>
+            <a:effectRef idx="0">
+              <a:schemeClr val="accent1"/>
+            </a:effectRef>
+            <a:fontRef idx="minor">
+              <a:schemeClr val="tx1"/>
+            </a:fontRef>
+          </p:style>
+        </p:cxnSp>
+        <p:sp>
+          <p:nvSpPr>
+            <p:cNvPr id="69" name="TextBox 68">
+              <a:extLst>
+                <a:ext uri="{FF2B5EF4-FFF2-40B4-BE49-F238E27FC236}">
+                  <a16:creationId xmlns:a16="http://schemas.microsoft.com/office/drawing/2014/main" id="{72E47B97-61A2-4325-9CAB-DA60897BED2D}"/>
+                </a:ext>
+              </a:extLst>
+            </p:cNvPr>
+            <p:cNvSpPr txBox="1"/>
+            <p:nvPr/>
+          </p:nvSpPr>
+          <p:spPr>
+            <a:xfrm>
+              <a:off x="1099896" y="1044774"/>
+              <a:ext cx="1764187" cy="230832"/>
+            </a:xfrm>
+            <a:prstGeom prst="rect">
+              <a:avLst/>
+            </a:prstGeom>
+            <a:noFill/>
+          </p:spPr>
+          <p:txBody>
+            <a:bodyPr wrap="square" rtlCol="0" anchor="ctr">
+              <a:spAutoFit/>
+            </a:bodyPr>
+            <a:lstStyle/>
+            <a:p>
+              <a:pPr algn="ctr"/>
+              <a:r>
+                <a:rPr lang="en-US" altLang="ko-KR" sz="900"/>
+                <a:t>7. Agree</a:t>
+              </a:r>
+              <a:endParaRPr lang="ko-KR" altLang="en-US" sz="900"/>
+            </a:p>
+          </p:txBody>
+        </p:sp>
+      </p:grpSp>
+      <p:grpSp>
+        <p:nvGrpSpPr>
+          <p:cNvPr id="70" name="그룹 69">
+            <a:extLst>
+              <a:ext uri="{FF2B5EF4-FFF2-40B4-BE49-F238E27FC236}">
+                <a16:creationId xmlns:a16="http://schemas.microsoft.com/office/drawing/2014/main" id="{F1A2A4C1-4A3E-408E-A9A1-A4F65D4F8A6E}"/>
+              </a:ext>
+            </a:extLst>
+          </p:cNvPr>
+          <p:cNvGrpSpPr/>
+          <p:nvPr/>
+        </p:nvGrpSpPr>
+        <p:grpSpPr>
+          <a:xfrm>
+            <a:off x="2864029" y="3216000"/>
+            <a:ext cx="3528386" cy="230832"/>
+            <a:chOff x="1099896" y="1044774"/>
+            <a:chExt cx="1764197" cy="230832"/>
+          </a:xfrm>
+        </p:grpSpPr>
+        <p:cxnSp>
+          <p:nvCxnSpPr>
+            <p:cNvPr id="71" name="직선 화살표 연결선 70">
+              <a:extLst>
+                <a:ext uri="{FF2B5EF4-FFF2-40B4-BE49-F238E27FC236}">
+                  <a16:creationId xmlns:a16="http://schemas.microsoft.com/office/drawing/2014/main" id="{80C9B849-3164-45D1-B6F8-53A74B2174EA}"/>
+                </a:ext>
+              </a:extLst>
+            </p:cNvPr>
+            <p:cNvCxnSpPr/>
+            <p:nvPr/>
+          </p:nvCxnSpPr>
+          <p:spPr>
+            <a:xfrm>
+              <a:off x="1099897" y="1275606"/>
+              <a:ext cx="1764196" cy="0"/>
+            </a:xfrm>
+            <a:prstGeom prst="straightConnector1">
+              <a:avLst/>
+            </a:prstGeom>
+            <a:ln w="19050">
+              <a:solidFill>
+                <a:schemeClr val="tx1"/>
+              </a:solidFill>
+              <a:headEnd type="none" w="med" len="med"/>
+              <a:tailEnd type="arrow" w="med" len="med"/>
+            </a:ln>
+          </p:spPr>
+          <p:style>
+            <a:lnRef idx="1">
+              <a:schemeClr val="accent1"/>
+            </a:lnRef>
+            <a:fillRef idx="0">
+              <a:schemeClr val="accent1"/>
+            </a:fillRef>
+            <a:effectRef idx="0">
+              <a:schemeClr val="accent1"/>
+            </a:effectRef>
+            <a:fontRef idx="minor">
+              <a:schemeClr val="tx1"/>
+            </a:fontRef>
+          </p:style>
+        </p:cxnSp>
+        <p:sp>
+          <p:nvSpPr>
+            <p:cNvPr id="72" name="TextBox 71">
+              <a:extLst>
+                <a:ext uri="{FF2B5EF4-FFF2-40B4-BE49-F238E27FC236}">
+                  <a16:creationId xmlns:a16="http://schemas.microsoft.com/office/drawing/2014/main" id="{D763CC01-C5B9-4B00-93A8-25D6ADD4C0E0}"/>
+                </a:ext>
+              </a:extLst>
+            </p:cNvPr>
+            <p:cNvSpPr txBox="1"/>
+            <p:nvPr/>
+          </p:nvSpPr>
+          <p:spPr>
+            <a:xfrm>
+              <a:off x="1099896" y="1044774"/>
+              <a:ext cx="1764187" cy="230832"/>
+            </a:xfrm>
+            <a:prstGeom prst="rect">
+              <a:avLst/>
+            </a:prstGeom>
+            <a:noFill/>
+          </p:spPr>
+          <p:txBody>
+            <a:bodyPr wrap="square" rtlCol="0" anchor="ctr">
+              <a:spAutoFit/>
+            </a:bodyPr>
+            <a:lstStyle/>
+            <a:p>
+              <a:pPr algn="ctr"/>
+              <a:r>
+                <a:rPr lang="en-US" altLang="ko-KR" sz="900"/>
+                <a:t>8. Send Authentication and Authorization Info </a:t>
+              </a:r>
+              <a:endParaRPr lang="ko-KR" altLang="en-US" sz="900"/>
+            </a:p>
+          </p:txBody>
+        </p:sp>
+      </p:grpSp>
+      <p:grpSp>
+        <p:nvGrpSpPr>
+          <p:cNvPr id="74" name="그룹 73">
+            <a:extLst>
+              <a:ext uri="{FF2B5EF4-FFF2-40B4-BE49-F238E27FC236}">
+                <a16:creationId xmlns:a16="http://schemas.microsoft.com/office/drawing/2014/main" id="{BE5913C7-1C6F-4B1A-93A2-8F5A782FCF70}"/>
+              </a:ext>
+            </a:extLst>
+          </p:cNvPr>
+          <p:cNvGrpSpPr/>
+          <p:nvPr/>
+        </p:nvGrpSpPr>
+        <p:grpSpPr>
+          <a:xfrm>
+            <a:off x="2864029" y="3507197"/>
+            <a:ext cx="3528386" cy="230832"/>
+            <a:chOff x="1099896" y="1044774"/>
+            <a:chExt cx="1764197" cy="230832"/>
+          </a:xfrm>
+        </p:grpSpPr>
+        <p:cxnSp>
+          <p:nvCxnSpPr>
+            <p:cNvPr id="75" name="직선 화살표 연결선 74">
+              <a:extLst>
+                <a:ext uri="{FF2B5EF4-FFF2-40B4-BE49-F238E27FC236}">
+                  <a16:creationId xmlns:a16="http://schemas.microsoft.com/office/drawing/2014/main" id="{5A32FE5A-D95D-40D1-A6CC-71180B87F368}"/>
+                </a:ext>
+              </a:extLst>
+            </p:cNvPr>
+            <p:cNvCxnSpPr/>
+            <p:nvPr/>
+          </p:nvCxnSpPr>
+          <p:spPr>
+            <a:xfrm>
+              <a:off x="1099897" y="1275606"/>
+              <a:ext cx="1764196" cy="0"/>
+            </a:xfrm>
+            <a:prstGeom prst="straightConnector1">
+              <a:avLst/>
+            </a:prstGeom>
+            <a:ln w="19050">
+              <a:solidFill>
+                <a:schemeClr val="tx1"/>
+              </a:solidFill>
+              <a:headEnd type="arrow" w="med" len="med"/>
+              <a:tailEnd type="none" w="med" len="med"/>
+            </a:ln>
+          </p:spPr>
+          <p:style>
+            <a:lnRef idx="1">
+              <a:schemeClr val="accent1"/>
+            </a:lnRef>
+            <a:fillRef idx="0">
+              <a:schemeClr val="accent1"/>
+            </a:fillRef>
+            <a:effectRef idx="0">
+              <a:schemeClr val="accent1"/>
+            </a:effectRef>
+            <a:fontRef idx="minor">
+              <a:schemeClr val="tx1"/>
+            </a:fontRef>
+          </p:style>
+        </p:cxnSp>
+        <p:sp>
+          <p:nvSpPr>
+            <p:cNvPr id="76" name="TextBox 75">
+              <a:extLst>
+                <a:ext uri="{FF2B5EF4-FFF2-40B4-BE49-F238E27FC236}">
+                  <a16:creationId xmlns:a16="http://schemas.microsoft.com/office/drawing/2014/main" id="{772B408E-1863-4925-B684-13B1B7F10C2D}"/>
+                </a:ext>
+              </a:extLst>
+            </p:cNvPr>
+            <p:cNvSpPr txBox="1"/>
+            <p:nvPr/>
+          </p:nvSpPr>
+          <p:spPr>
+            <a:xfrm>
+              <a:off x="1099896" y="1044774"/>
+              <a:ext cx="1764187" cy="230832"/>
+            </a:xfrm>
+            <a:prstGeom prst="rect">
+              <a:avLst/>
+            </a:prstGeom>
+            <a:noFill/>
+          </p:spPr>
+          <p:txBody>
+            <a:bodyPr wrap="square" rtlCol="0" anchor="ctr">
+              <a:spAutoFit/>
+            </a:bodyPr>
+            <a:lstStyle/>
+            <a:p>
+              <a:pPr algn="ctr"/>
+              <a:r>
+                <a:rPr lang="en-US" altLang="ko-KR" sz="900"/>
+                <a:t>9. Redirect to App URL with </a:t>
+              </a:r>
+              <a:r>
+                <a:rPr lang="en-US" altLang="ko-KR" sz="900" b="1"/>
+                <a:t>Authorization Code</a:t>
+              </a:r>
+              <a:endParaRPr lang="ko-KR" altLang="en-US" sz="900" b="1"/>
+            </a:p>
+          </p:txBody>
+        </p:sp>
+      </p:grpSp>
+      <p:grpSp>
+        <p:nvGrpSpPr>
+          <p:cNvPr id="77" name="그룹 76">
+            <a:extLst>
+              <a:ext uri="{FF2B5EF4-FFF2-40B4-BE49-F238E27FC236}">
+                <a16:creationId xmlns:a16="http://schemas.microsoft.com/office/drawing/2014/main" id="{EAEB2C17-9C84-41F8-8131-9C3B1ACEDBEF}"/>
+              </a:ext>
+            </a:extLst>
+          </p:cNvPr>
+          <p:cNvGrpSpPr/>
+          <p:nvPr/>
+        </p:nvGrpSpPr>
+        <p:grpSpPr>
+          <a:xfrm>
+            <a:off x="2864081" y="3733636"/>
+            <a:ext cx="1764197" cy="369332"/>
+            <a:chOff x="1099896" y="942313"/>
+            <a:chExt cx="1764197" cy="369332"/>
+          </a:xfrm>
+        </p:grpSpPr>
+        <p:cxnSp>
+          <p:nvCxnSpPr>
+            <p:cNvPr id="78" name="직선 화살표 연결선 77">
+              <a:extLst>
+                <a:ext uri="{FF2B5EF4-FFF2-40B4-BE49-F238E27FC236}">
+                  <a16:creationId xmlns:a16="http://schemas.microsoft.com/office/drawing/2014/main" id="{29AA5ED2-9D52-4D1F-AF4B-9B79A0DB5BE3}"/>
+                </a:ext>
+              </a:extLst>
+            </p:cNvPr>
+            <p:cNvCxnSpPr/>
+            <p:nvPr/>
+          </p:nvCxnSpPr>
+          <p:spPr>
+            <a:xfrm>
+              <a:off x="1099897" y="1275606"/>
+              <a:ext cx="1764196" cy="0"/>
+            </a:xfrm>
+            <a:prstGeom prst="straightConnector1">
+              <a:avLst/>
+            </a:prstGeom>
+            <a:ln w="19050">
+              <a:solidFill>
+                <a:schemeClr val="tx1"/>
+              </a:solidFill>
+              <a:headEnd type="none" w="med" len="med"/>
+              <a:tailEnd type="arrow" w="med" len="med"/>
+            </a:ln>
+          </p:spPr>
+          <p:style>
+            <a:lnRef idx="1">
+              <a:schemeClr val="accent1"/>
+            </a:lnRef>
+            <a:fillRef idx="0">
+              <a:schemeClr val="accent1"/>
+            </a:fillRef>
+            <a:effectRef idx="0">
+              <a:schemeClr val="accent1"/>
+            </a:effectRef>
+            <a:fontRef idx="minor">
+              <a:schemeClr val="tx1"/>
+            </a:fontRef>
+          </p:style>
+        </p:cxnSp>
+        <p:sp>
+          <p:nvSpPr>
+            <p:cNvPr id="79" name="TextBox 78">
+              <a:extLst>
+                <a:ext uri="{FF2B5EF4-FFF2-40B4-BE49-F238E27FC236}">
+                  <a16:creationId xmlns:a16="http://schemas.microsoft.com/office/drawing/2014/main" id="{B0ADCDCB-221D-4E6F-BC22-A1B89B13A351}"/>
+                </a:ext>
+              </a:extLst>
+            </p:cNvPr>
+            <p:cNvSpPr txBox="1"/>
+            <p:nvPr/>
+          </p:nvSpPr>
+          <p:spPr>
+            <a:xfrm>
+              <a:off x="1099896" y="942313"/>
+              <a:ext cx="1764187" cy="369332"/>
+            </a:xfrm>
+            <a:prstGeom prst="rect">
+              <a:avLst/>
+            </a:prstGeom>
+            <a:noFill/>
+          </p:spPr>
+          <p:txBody>
+            <a:bodyPr wrap="square" rtlCol="0" anchor="ctr">
+              <a:spAutoFit/>
+            </a:bodyPr>
+            <a:lstStyle/>
+            <a:p>
+              <a:pPr algn="ctr"/>
+              <a:r>
+                <a:rPr lang="en-US" altLang="ko-KR" sz="900"/>
+                <a:t>10. Goto to App with Authorization Code</a:t>
+              </a:r>
+              <a:endParaRPr lang="ko-KR" altLang="en-US" sz="900"/>
+            </a:p>
+          </p:txBody>
+        </p:sp>
+      </p:grpSp>
+      <p:grpSp>
+        <p:nvGrpSpPr>
+          <p:cNvPr id="80" name="그룹 79">
+            <a:extLst>
+              <a:ext uri="{FF2B5EF4-FFF2-40B4-BE49-F238E27FC236}">
+                <a16:creationId xmlns:a16="http://schemas.microsoft.com/office/drawing/2014/main" id="{4A49550F-FB19-4BDC-BEB9-CC139F744772}"/>
+              </a:ext>
+            </a:extLst>
+          </p:cNvPr>
+          <p:cNvGrpSpPr/>
+          <p:nvPr/>
+        </p:nvGrpSpPr>
+        <p:grpSpPr>
+          <a:xfrm>
+            <a:off x="4506577" y="3988764"/>
+            <a:ext cx="2009486" cy="370486"/>
+            <a:chOff x="977247" y="905120"/>
+            <a:chExt cx="2009486" cy="370486"/>
+          </a:xfrm>
+        </p:grpSpPr>
+        <p:cxnSp>
+          <p:nvCxnSpPr>
+            <p:cNvPr id="81" name="직선 화살표 연결선 80">
+              <a:extLst>
+                <a:ext uri="{FF2B5EF4-FFF2-40B4-BE49-F238E27FC236}">
+                  <a16:creationId xmlns:a16="http://schemas.microsoft.com/office/drawing/2014/main" id="{1E1DCC7C-FA25-4D2A-B9B6-CCD5359DE7AB}"/>
+                </a:ext>
+              </a:extLst>
+            </p:cNvPr>
+            <p:cNvCxnSpPr/>
+            <p:nvPr/>
+          </p:nvCxnSpPr>
+          <p:spPr>
+            <a:xfrm>
+              <a:off x="1099897" y="1275606"/>
+              <a:ext cx="1764196" cy="0"/>
+            </a:xfrm>
+            <a:prstGeom prst="straightConnector1">
+              <a:avLst/>
+            </a:prstGeom>
+            <a:ln w="19050">
+              <a:solidFill>
+                <a:schemeClr val="tx1"/>
+              </a:solidFill>
+              <a:headEnd type="none" w="med" len="med"/>
+              <a:tailEnd type="arrow" w="med" len="med"/>
+            </a:ln>
+          </p:spPr>
+          <p:style>
+            <a:lnRef idx="1">
+              <a:schemeClr val="accent1"/>
+            </a:lnRef>
+            <a:fillRef idx="0">
+              <a:schemeClr val="accent1"/>
+            </a:fillRef>
+            <a:effectRef idx="0">
+              <a:schemeClr val="accent1"/>
+            </a:effectRef>
+            <a:fontRef idx="minor">
+              <a:schemeClr val="tx1"/>
+            </a:fontRef>
+          </p:style>
+        </p:cxnSp>
+        <p:sp>
+          <p:nvSpPr>
+            <p:cNvPr id="82" name="TextBox 81">
+              <a:extLst>
+                <a:ext uri="{FF2B5EF4-FFF2-40B4-BE49-F238E27FC236}">
+                  <a16:creationId xmlns:a16="http://schemas.microsoft.com/office/drawing/2014/main" id="{260AC13B-0F12-4C9D-A092-6B7A21D71222}"/>
+                </a:ext>
+              </a:extLst>
+            </p:cNvPr>
+            <p:cNvSpPr txBox="1"/>
+            <p:nvPr/>
+          </p:nvSpPr>
+          <p:spPr>
+            <a:xfrm>
+              <a:off x="977247" y="905120"/>
+              <a:ext cx="2009486" cy="369332"/>
+            </a:xfrm>
+            <a:prstGeom prst="rect">
+              <a:avLst/>
+            </a:prstGeom>
+            <a:noFill/>
+          </p:spPr>
+          <p:txBody>
+            <a:bodyPr wrap="square" rtlCol="0" anchor="ctr">
+              <a:spAutoFit/>
+            </a:bodyPr>
+            <a:lstStyle/>
+            <a:p>
+              <a:pPr algn="ctr"/>
+              <a:r>
+                <a:rPr lang="en-US" altLang="ko-KR" sz="900"/>
+                <a:t>11. Send Authorization Code, Client ID, Client Secret</a:t>
+              </a:r>
+              <a:endParaRPr lang="ko-KR" altLang="en-US" sz="900"/>
+            </a:p>
+          </p:txBody>
+        </p:sp>
+      </p:grpSp>
+      <p:grpSp>
+        <p:nvGrpSpPr>
+          <p:cNvPr id="83" name="그룹 82">
+            <a:extLst>
+              <a:ext uri="{FF2B5EF4-FFF2-40B4-BE49-F238E27FC236}">
+                <a16:creationId xmlns:a16="http://schemas.microsoft.com/office/drawing/2014/main" id="{39BB9162-D801-4BD4-9745-D7CA48E71C03}"/>
+              </a:ext>
+            </a:extLst>
+          </p:cNvPr>
+          <p:cNvGrpSpPr/>
+          <p:nvPr/>
+        </p:nvGrpSpPr>
+        <p:grpSpPr>
+          <a:xfrm>
+            <a:off x="4627829" y="4357841"/>
+            <a:ext cx="1765594" cy="369332"/>
+            <a:chOff x="1098499" y="948715"/>
+            <a:chExt cx="1765594" cy="369332"/>
+          </a:xfrm>
+        </p:grpSpPr>
+        <p:cxnSp>
+          <p:nvCxnSpPr>
+            <p:cNvPr id="84" name="직선 화살표 연결선 83">
+              <a:extLst>
+                <a:ext uri="{FF2B5EF4-FFF2-40B4-BE49-F238E27FC236}">
+                  <a16:creationId xmlns:a16="http://schemas.microsoft.com/office/drawing/2014/main" id="{9ED2C0CA-8926-4346-8585-357BEBD5E4BF}"/>
+                </a:ext>
+              </a:extLst>
+            </p:cNvPr>
+            <p:cNvCxnSpPr/>
+            <p:nvPr/>
+          </p:nvCxnSpPr>
+          <p:spPr>
+            <a:xfrm>
+              <a:off x="1099897" y="1275606"/>
+              <a:ext cx="1764196" cy="0"/>
+            </a:xfrm>
+            <a:prstGeom prst="straightConnector1">
+              <a:avLst/>
+            </a:prstGeom>
+            <a:ln w="19050">
+              <a:solidFill>
+                <a:schemeClr val="tx1"/>
+              </a:solidFill>
+              <a:headEnd type="arrow" w="med" len="med"/>
+              <a:tailEnd type="none" w="med" len="med"/>
+            </a:ln>
+          </p:spPr>
+          <p:style>
+            <a:lnRef idx="1">
+              <a:schemeClr val="accent1"/>
+            </a:lnRef>
+            <a:fillRef idx="0">
+              <a:schemeClr val="accent1"/>
+            </a:fillRef>
+            <a:effectRef idx="0">
+              <a:schemeClr val="accent1"/>
+            </a:effectRef>
+            <a:fontRef idx="minor">
+              <a:schemeClr val="tx1"/>
+            </a:fontRef>
+          </p:style>
+        </p:cxnSp>
+        <p:sp>
+          <p:nvSpPr>
+            <p:cNvPr id="85" name="TextBox 84">
+              <a:extLst>
+                <a:ext uri="{FF2B5EF4-FFF2-40B4-BE49-F238E27FC236}">
+                  <a16:creationId xmlns:a16="http://schemas.microsoft.com/office/drawing/2014/main" id="{AC28A9FC-9831-4550-B16C-0AFA4AC7C0BE}"/>
+                </a:ext>
+              </a:extLst>
+            </p:cNvPr>
+            <p:cNvSpPr txBox="1"/>
+            <p:nvPr/>
+          </p:nvSpPr>
+          <p:spPr>
+            <a:xfrm>
+              <a:off x="1098499" y="948715"/>
+              <a:ext cx="1764187" cy="369332"/>
+            </a:xfrm>
+            <a:prstGeom prst="rect">
+              <a:avLst/>
+            </a:prstGeom>
+            <a:noFill/>
+          </p:spPr>
+          <p:txBody>
+            <a:bodyPr wrap="square" rtlCol="0" anchor="ctr">
+              <a:spAutoFit/>
+            </a:bodyPr>
+            <a:lstStyle/>
+            <a:p>
+              <a:pPr algn="ctr"/>
+              <a:r>
+                <a:rPr lang="en-US" altLang="ko-KR" sz="900" dirty="0"/>
+                <a:t>12. Send </a:t>
+              </a:r>
+              <a:r>
+                <a:rPr lang="en-US" altLang="ko-KR" sz="900" b="1" dirty="0"/>
+                <a:t>Access Token (&amp; Refresh Token)</a:t>
+              </a:r>
+              <a:endParaRPr lang="ko-KR" altLang="en-US" sz="900" b="1" dirty="0"/>
+            </a:p>
+          </p:txBody>
+        </p:sp>
+      </p:grpSp>
+    </p:spTree>
+    <p:extLst>
+      <p:ext uri="{BB962C8B-B14F-4D97-AF65-F5344CB8AC3E}">
+        <p14:creationId xmlns:p14="http://schemas.microsoft.com/office/powerpoint/2010/main" val="347840451"/>
+      </p:ext>
+    </p:extLst>
+  </p:cSld>
+  <p:clrMapOvr>
+    <a:masterClrMapping/>
+  </p:clrMapOvr>
+</p:sld>
+</file>
+
+<file path=ppt/slides/slide9.xml><?xml version="1.0" encoding="utf-8"?>
 <p:sld xmlns:a="http://schemas.openxmlformats.org/drawingml/2006/main" xmlns:r="http://schemas.openxmlformats.org/officeDocument/2006/relationships" xmlns:p="http://schemas.openxmlformats.org/presentationml/2006/main">
   <p:cSld>
     <p:spTree>

--- a/images/theory_analysis/OAuth_2.0/OAuth_2.0.pptx
+++ b/images/theory_analysis/OAuth_2.0/OAuth_2.0.pptx
@@ -221,7 +221,7 @@
           <a:p>
             <a:fld id="{6CD5550B-26C4-49A9-A5BA-636EF7BE6CE9}" type="datetimeFigureOut">
               <a:rPr lang="ko-KR" altLang="en-US" smtClean="0"/>
-              <a:t>2022-02-26</a:t>
+              <a:t>2022-02-27</a:t>
             </a:fld>
             <a:endParaRPr lang="ko-KR" altLang="en-US"/>
           </a:p>
@@ -667,7 +667,7 @@
           <a:p>
             <a:fld id="{FB30EDBD-1C2D-4C1E-B459-B60219FAB484}" type="datetimeFigureOut">
               <a:rPr lang="ko-KR" altLang="en-US" smtClean="0"/>
-              <a:t>2022-02-26</a:t>
+              <a:t>2022-02-27</a:t>
             </a:fld>
             <a:endParaRPr lang="ko-KR" altLang="en-US"/>
           </a:p>
@@ -830,7 +830,7 @@
           <a:p>
             <a:fld id="{FB30EDBD-1C2D-4C1E-B459-B60219FAB484}" type="datetimeFigureOut">
               <a:rPr lang="ko-KR" altLang="en-US" smtClean="0"/>
-              <a:t>2022-02-26</a:t>
+              <a:t>2022-02-27</a:t>
             </a:fld>
             <a:endParaRPr lang="ko-KR" altLang="en-US"/>
           </a:p>
@@ -1003,7 +1003,7 @@
           <a:p>
             <a:fld id="{FB30EDBD-1C2D-4C1E-B459-B60219FAB484}" type="datetimeFigureOut">
               <a:rPr lang="ko-KR" altLang="en-US" smtClean="0"/>
-              <a:t>2022-02-26</a:t>
+              <a:t>2022-02-27</a:t>
             </a:fld>
             <a:endParaRPr lang="ko-KR" altLang="en-US"/>
           </a:p>
@@ -1166,7 +1166,7 @@
           <a:p>
             <a:fld id="{FB30EDBD-1C2D-4C1E-B459-B60219FAB484}" type="datetimeFigureOut">
               <a:rPr lang="ko-KR" altLang="en-US" smtClean="0"/>
-              <a:t>2022-02-26</a:t>
+              <a:t>2022-02-27</a:t>
             </a:fld>
             <a:endParaRPr lang="ko-KR" altLang="en-US"/>
           </a:p>
@@ -1406,7 +1406,7 @@
           <a:p>
             <a:fld id="{FB30EDBD-1C2D-4C1E-B459-B60219FAB484}" type="datetimeFigureOut">
               <a:rPr lang="ko-KR" altLang="en-US" smtClean="0"/>
-              <a:t>2022-02-26</a:t>
+              <a:t>2022-02-27</a:t>
             </a:fld>
             <a:endParaRPr lang="ko-KR" altLang="en-US"/>
           </a:p>
@@ -1686,7 +1686,7 @@
           <a:p>
             <a:fld id="{FB30EDBD-1C2D-4C1E-B459-B60219FAB484}" type="datetimeFigureOut">
               <a:rPr lang="ko-KR" altLang="en-US" smtClean="0"/>
-              <a:t>2022-02-26</a:t>
+              <a:t>2022-02-27</a:t>
             </a:fld>
             <a:endParaRPr lang="ko-KR" altLang="en-US"/>
           </a:p>
@@ -2100,7 +2100,7 @@
           <a:p>
             <a:fld id="{FB30EDBD-1C2D-4C1E-B459-B60219FAB484}" type="datetimeFigureOut">
               <a:rPr lang="ko-KR" altLang="en-US" smtClean="0"/>
-              <a:t>2022-02-26</a:t>
+              <a:t>2022-02-27</a:t>
             </a:fld>
             <a:endParaRPr lang="ko-KR" altLang="en-US"/>
           </a:p>
@@ -2212,7 +2212,7 @@
           <a:p>
             <a:fld id="{FB30EDBD-1C2D-4C1E-B459-B60219FAB484}" type="datetimeFigureOut">
               <a:rPr lang="ko-KR" altLang="en-US" smtClean="0"/>
-              <a:t>2022-02-26</a:t>
+              <a:t>2022-02-27</a:t>
             </a:fld>
             <a:endParaRPr lang="ko-KR" altLang="en-US"/>
           </a:p>
@@ -2302,7 +2302,7 @@
           <a:p>
             <a:fld id="{FB30EDBD-1C2D-4C1E-B459-B60219FAB484}" type="datetimeFigureOut">
               <a:rPr lang="ko-KR" altLang="en-US" smtClean="0"/>
-              <a:t>2022-02-26</a:t>
+              <a:t>2022-02-27</a:t>
             </a:fld>
             <a:endParaRPr lang="ko-KR" altLang="en-US"/>
           </a:p>
@@ -2572,7 +2572,7 @@
           <a:p>
             <a:fld id="{FB30EDBD-1C2D-4C1E-B459-B60219FAB484}" type="datetimeFigureOut">
               <a:rPr lang="ko-KR" altLang="en-US" smtClean="0"/>
-              <a:t>2022-02-26</a:t>
+              <a:t>2022-02-27</a:t>
             </a:fld>
             <a:endParaRPr lang="ko-KR" altLang="en-US"/>
           </a:p>
@@ -2819,7 +2819,7 @@
           <a:p>
             <a:fld id="{FB30EDBD-1C2D-4C1E-B459-B60219FAB484}" type="datetimeFigureOut">
               <a:rPr lang="ko-KR" altLang="en-US" smtClean="0"/>
-              <a:t>2022-02-26</a:t>
+              <a:t>2022-02-27</a:t>
             </a:fld>
             <a:endParaRPr lang="ko-KR" altLang="en-US"/>
           </a:p>
@@ -3025,7 +3025,7 @@
           <a:p>
             <a:fld id="{FB30EDBD-1C2D-4C1E-B459-B60219FAB484}" type="datetimeFigureOut">
               <a:rPr lang="ko-KR" altLang="en-US" smtClean="0"/>
-              <a:t>2022-02-26</a:t>
+              <a:t>2022-02-27</a:t>
             </a:fld>
             <a:endParaRPr lang="ko-KR" altLang="en-US"/>
           </a:p>
@@ -5401,7 +5401,7 @@
               </a:r>
               <a:r>
                 <a:rPr lang="en-US" altLang="ko-KR" sz="900" b="1"/>
-                <a:t>Scope, Return URL</a:t>
+                <a:t>Scope, Callback URL</a:t>
               </a:r>
             </a:p>
           </p:txBody>
@@ -5501,7 +5501,7 @@
               <a:pPr algn="ctr"/>
               <a:r>
                 <a:rPr lang="en-US" altLang="ko-KR" sz="900"/>
-                <a:t>4. Goto Auth Server with Client ID, Scope, Return URL</a:t>
+                <a:t>4. Goto Auth Server with Client ID, Scope, Callback URL</a:t>
               </a:r>
               <a:endParaRPr lang="ko-KR" altLang="en-US" sz="900"/>
             </a:p>
@@ -6006,7 +6006,7 @@
               <a:pPr algn="ctr"/>
               <a:r>
                 <a:rPr lang="en-US" altLang="ko-KR" sz="900"/>
-                <a:t>9. Redirect to App URL with </a:t>
+                <a:t>9. Redirect to Callback URL with </a:t>
               </a:r>
               <a:r>
                 <a:rPr lang="en-US" altLang="ko-KR" sz="900" b="1"/>
@@ -6111,7 +6111,7 @@
               <a:pPr algn="ctr"/>
               <a:r>
                 <a:rPr lang="en-US" altLang="ko-KR" sz="900"/>
-                <a:t>10. Return to App with Authorization Code</a:t>
+                <a:t>10. Return to Callback URL with Authorization Code</a:t>
               </a:r>
               <a:endParaRPr lang="ko-KR" altLang="en-US" sz="900"/>
             </a:p>
